--- a/latex/fig/brain_inspired.pptx
+++ b/latex/fig/brain_inspired.pptx
@@ -216,7 +216,7 @@
           <a:p>
             <a:fld id="{D2A48B96-639E-45A3-A0BA-2464DFDB1FAA}" type="datetimeFigureOut">
               <a:rPr lang="zh-CN" altLang="en-US" smtClean="0"/>
-              <a:t>2024/10/25</a:t>
+              <a:t>2024/10/26</a:t>
             </a:fld>
             <a:endParaRPr lang="zh-CN" altLang="en-US"/>
           </a:p>
@@ -280,38 +280,37 @@
           <a:p>
             <a:pPr lvl="0"/>
             <a:r>
-              <a:rPr lang="zh-CN" altLang="en-US" smtClean="0"/>
+              <a:rPr lang="zh-CN" altLang="en-US"/>
               <a:t>单击此处编辑母版文本样式</a:t>
             </a:r>
           </a:p>
           <a:p>
             <a:pPr lvl="1"/>
             <a:r>
-              <a:rPr lang="zh-CN" altLang="en-US" smtClean="0"/>
+              <a:rPr lang="zh-CN" altLang="en-US"/>
               <a:t>第二级</a:t>
             </a:r>
           </a:p>
           <a:p>
             <a:pPr lvl="2"/>
             <a:r>
-              <a:rPr lang="zh-CN" altLang="en-US" smtClean="0"/>
+              <a:rPr lang="zh-CN" altLang="en-US"/>
               <a:t>第三级</a:t>
             </a:r>
           </a:p>
           <a:p>
             <a:pPr lvl="3"/>
             <a:r>
-              <a:rPr lang="zh-CN" altLang="en-US" smtClean="0"/>
+              <a:rPr lang="zh-CN" altLang="en-US"/>
               <a:t>第四级</a:t>
             </a:r>
           </a:p>
           <a:p>
             <a:pPr lvl="4"/>
             <a:r>
-              <a:rPr lang="zh-CN" altLang="en-US" smtClean="0"/>
+              <a:rPr lang="zh-CN" altLang="en-US"/>
               <a:t>第五级</a:t>
             </a:r>
-            <a:endParaRPr lang="zh-CN" altLang="en-US"/>
           </a:p>
         </p:txBody>
       </p:sp>
@@ -624,7 +623,7 @@
           <a:p>
             <a:fld id="{760FBDFE-C587-4B4C-A407-44438C67B59E}" type="datetimeFigureOut">
               <a:rPr lang="zh-CN" altLang="en-US" smtClean="0"/>
-              <a:t>2024/10/25</a:t>
+              <a:t>2024/10/26</a:t>
             </a:fld>
             <a:endParaRPr lang="zh-CN" altLang="en-US"/>
           </a:p>
@@ -723,7 +722,7 @@
           <a:p>
             <a:fld id="{760FBDFE-C587-4B4C-A407-44438C67B59E}" type="datetimeFigureOut">
               <a:rPr lang="zh-CN" altLang="en-US" smtClean="0"/>
-              <a:t>2024/10/25</a:t>
+              <a:t>2024/10/26</a:t>
             </a:fld>
             <a:endParaRPr lang="zh-CN" altLang="en-US"/>
           </a:p>
@@ -881,7 +880,7 @@
           <a:p>
             <a:fld id="{760FBDFE-C587-4B4C-A407-44438C67B59E}" type="datetimeFigureOut">
               <a:rPr lang="zh-CN" altLang="en-US" smtClean="0"/>
-              <a:t>2024/10/25</a:t>
+              <a:t>2024/10/26</a:t>
             </a:fld>
             <a:endParaRPr lang="zh-CN" altLang="en-US"/>
           </a:p>
@@ -966,10 +965,9 @@
           <a:p>
             <a:pPr lvl="0"/>
             <a:r>
-              <a:rPr lang="zh-CN" altLang="en-US" smtClean="0"/>
+              <a:rPr lang="zh-CN" altLang="en-US"/>
               <a:t>单击此处编辑标题</a:t>
             </a:r>
-            <a:endParaRPr lang="zh-CN" altLang="en-US"/>
           </a:p>
         </p:txBody>
       </p:sp>
@@ -1066,10 +1064,9 @@
           <a:p>
             <a:pPr lvl="0"/>
             <a:r>
-              <a:rPr lang="zh-CN" altLang="en-US" smtClean="0"/>
+              <a:rPr lang="zh-CN" altLang="en-US"/>
               <a:t>单击此处编辑母版标题样式</a:t>
             </a:r>
-            <a:endParaRPr lang="zh-CN" altLang="en-US"/>
           </a:p>
         </p:txBody>
       </p:sp>
@@ -1100,38 +1097,37 @@
           <a:p>
             <a:pPr lvl="0"/>
             <a:r>
-              <a:rPr lang="zh-CN" altLang="en-US" smtClean="0"/>
+              <a:rPr lang="zh-CN" altLang="en-US"/>
               <a:t>单击此处编辑母版文本样式</a:t>
             </a:r>
           </a:p>
           <a:p>
             <a:pPr lvl="1"/>
             <a:r>
-              <a:rPr lang="zh-CN" altLang="en-US" smtClean="0"/>
+              <a:rPr lang="zh-CN" altLang="en-US"/>
               <a:t>第二级</a:t>
             </a:r>
           </a:p>
           <a:p>
             <a:pPr lvl="2"/>
             <a:r>
-              <a:rPr lang="zh-CN" altLang="en-US" smtClean="0"/>
+              <a:rPr lang="zh-CN" altLang="en-US"/>
               <a:t>第三级</a:t>
             </a:r>
           </a:p>
           <a:p>
             <a:pPr lvl="3"/>
             <a:r>
-              <a:rPr lang="zh-CN" altLang="en-US" smtClean="0"/>
+              <a:rPr lang="zh-CN" altLang="en-US"/>
               <a:t>第四级</a:t>
             </a:r>
           </a:p>
           <a:p>
             <a:pPr lvl="4"/>
             <a:r>
-              <a:rPr lang="zh-CN" altLang="en-US" smtClean="0"/>
+              <a:rPr lang="zh-CN" altLang="en-US"/>
               <a:t>第五级</a:t>
             </a:r>
-            <a:endParaRPr lang="zh-CN" altLang="en-US"/>
           </a:p>
         </p:txBody>
       </p:sp>
@@ -1155,7 +1151,7 @@
           <a:p>
             <a:fld id="{760FBDFE-C587-4B4C-A407-44438C67B59E}" type="datetimeFigureOut">
               <a:rPr lang="zh-CN" altLang="en-US" smtClean="0"/>
-              <a:t>2024/10/25</a:t>
+              <a:t>2024/10/26</a:t>
             </a:fld>
             <a:endParaRPr lang="zh-CN" altLang="en-US"/>
           </a:p>
@@ -1415,7 +1411,7 @@
           <a:p>
             <a:fld id="{760FBDFE-C587-4B4C-A407-44438C67B59E}" type="datetimeFigureOut">
               <a:rPr lang="zh-CN" altLang="en-US" smtClean="0"/>
-              <a:t>2024/10/25</a:t>
+              <a:t>2024/10/26</a:t>
             </a:fld>
             <a:endParaRPr lang="zh-CN" altLang="en-US"/>
           </a:p>
@@ -1521,10 +1517,9 @@
           <a:p>
             <a:pPr lvl="0"/>
             <a:r>
-              <a:rPr lang="zh-CN" altLang="en-US" smtClean="0"/>
+              <a:rPr lang="zh-CN" altLang="en-US"/>
               <a:t>单击此处编辑母版标题样式</a:t>
             </a:r>
-            <a:endParaRPr lang="zh-CN" altLang="en-US"/>
           </a:p>
         </p:txBody>
       </p:sp>
@@ -1555,38 +1550,37 @@
           <a:p>
             <a:pPr lvl="0"/>
             <a:r>
-              <a:rPr lang="zh-CN" altLang="en-US" smtClean="0"/>
+              <a:rPr lang="zh-CN" altLang="en-US"/>
               <a:t>单击此处编辑母版文本样式</a:t>
             </a:r>
           </a:p>
           <a:p>
             <a:pPr lvl="1"/>
             <a:r>
-              <a:rPr lang="zh-CN" altLang="en-US" smtClean="0"/>
+              <a:rPr lang="zh-CN" altLang="en-US"/>
               <a:t>第二级</a:t>
             </a:r>
           </a:p>
           <a:p>
             <a:pPr lvl="2"/>
             <a:r>
-              <a:rPr lang="zh-CN" altLang="en-US" smtClean="0"/>
+              <a:rPr lang="zh-CN" altLang="en-US"/>
               <a:t>第三级</a:t>
             </a:r>
           </a:p>
           <a:p>
             <a:pPr lvl="3"/>
             <a:r>
-              <a:rPr lang="zh-CN" altLang="en-US" smtClean="0"/>
+              <a:rPr lang="zh-CN" altLang="en-US"/>
               <a:t>第四级</a:t>
             </a:r>
           </a:p>
           <a:p>
             <a:pPr lvl="4"/>
             <a:r>
-              <a:rPr lang="zh-CN" altLang="en-US" smtClean="0"/>
+              <a:rPr lang="zh-CN" altLang="en-US"/>
               <a:t>第五级</a:t>
             </a:r>
-            <a:endParaRPr lang="zh-CN" altLang="en-US"/>
           </a:p>
         </p:txBody>
       </p:sp>
@@ -1671,7 +1665,7 @@
           <a:p>
             <a:fld id="{760FBDFE-C587-4B4C-A407-44438C67B59E}" type="datetimeFigureOut">
               <a:rPr lang="zh-CN" altLang="en-US" smtClean="0"/>
-              <a:t>2024/10/25</a:t>
+              <a:t>2024/10/26</a:t>
             </a:fld>
             <a:endParaRPr lang="zh-CN" altLang="en-US"/>
           </a:p>
@@ -1777,10 +1771,9 @@
           <a:p>
             <a:pPr lvl="0"/>
             <a:r>
-              <a:rPr lang="zh-CN" altLang="en-US" smtClean="0"/>
+              <a:rPr lang="zh-CN" altLang="en-US"/>
               <a:t>单击此处编辑母版标题样式</a:t>
             </a:r>
-            <a:endParaRPr lang="zh-CN" altLang="en-US"/>
           </a:p>
         </p:txBody>
       </p:sp>
@@ -1891,38 +1884,37 @@
           <a:p>
             <a:pPr lvl="0"/>
             <a:r>
-              <a:rPr lang="zh-CN" altLang="en-US" smtClean="0"/>
+              <a:rPr lang="zh-CN" altLang="en-US"/>
               <a:t>单击此处编辑母版文本样式</a:t>
             </a:r>
           </a:p>
           <a:p>
             <a:pPr lvl="1"/>
             <a:r>
-              <a:rPr lang="zh-CN" altLang="en-US" smtClean="0"/>
+              <a:rPr lang="zh-CN" altLang="en-US"/>
               <a:t>第二级</a:t>
             </a:r>
           </a:p>
           <a:p>
             <a:pPr lvl="2"/>
             <a:r>
-              <a:rPr lang="zh-CN" altLang="en-US" smtClean="0"/>
+              <a:rPr lang="zh-CN" altLang="en-US"/>
               <a:t>第三级</a:t>
             </a:r>
           </a:p>
           <a:p>
             <a:pPr lvl="3"/>
             <a:r>
-              <a:rPr lang="zh-CN" altLang="en-US" smtClean="0"/>
+              <a:rPr lang="zh-CN" altLang="en-US"/>
               <a:t>第四级</a:t>
             </a:r>
           </a:p>
           <a:p>
             <a:pPr lvl="4"/>
             <a:r>
-              <a:rPr lang="zh-CN" altLang="en-US" smtClean="0"/>
+              <a:rPr lang="zh-CN" altLang="en-US"/>
               <a:t>第五级</a:t>
             </a:r>
-            <a:endParaRPr lang="zh-CN" altLang="en-US"/>
           </a:p>
         </p:txBody>
       </p:sp>
@@ -2000,10 +1992,9 @@
           <a:p>
             <a:pPr lvl="0"/>
             <a:r>
-              <a:rPr lang="zh-CN" altLang="en-US" smtClean="0"/>
+              <a:rPr lang="zh-CN" altLang="en-US"/>
               <a:t>单击此处编辑文本</a:t>
             </a:r>
-            <a:endParaRPr lang="zh-CN" altLang="en-US"/>
           </a:p>
         </p:txBody>
       </p:sp>
@@ -2034,38 +2025,37 @@
           <a:p>
             <a:pPr lvl="0"/>
             <a:r>
-              <a:rPr lang="zh-CN" altLang="en-US" smtClean="0"/>
+              <a:rPr lang="zh-CN" altLang="en-US"/>
               <a:t>单击此处编辑母版文本样式</a:t>
             </a:r>
           </a:p>
           <a:p>
             <a:pPr lvl="1"/>
             <a:r>
-              <a:rPr lang="zh-CN" altLang="en-US" smtClean="0"/>
+              <a:rPr lang="zh-CN" altLang="en-US"/>
               <a:t>第二级</a:t>
             </a:r>
           </a:p>
           <a:p>
             <a:pPr lvl="2"/>
             <a:r>
-              <a:rPr lang="zh-CN" altLang="en-US" smtClean="0"/>
+              <a:rPr lang="zh-CN" altLang="en-US"/>
               <a:t>第三级</a:t>
             </a:r>
           </a:p>
           <a:p>
             <a:pPr lvl="3"/>
             <a:r>
-              <a:rPr lang="zh-CN" altLang="en-US" smtClean="0"/>
+              <a:rPr lang="zh-CN" altLang="en-US"/>
               <a:t>第四级</a:t>
             </a:r>
           </a:p>
           <a:p>
             <a:pPr lvl="4"/>
             <a:r>
-              <a:rPr lang="zh-CN" altLang="en-US" smtClean="0"/>
+              <a:rPr lang="zh-CN" altLang="en-US"/>
               <a:t>第五级</a:t>
             </a:r>
-            <a:endParaRPr lang="zh-CN" altLang="en-US"/>
           </a:p>
         </p:txBody>
       </p:sp>
@@ -2089,7 +2079,7 @@
           <a:p>
             <a:fld id="{760FBDFE-C587-4B4C-A407-44438C67B59E}" type="datetimeFigureOut">
               <a:rPr lang="zh-CN" altLang="en-US" smtClean="0"/>
-              <a:t>2024/10/25</a:t>
+              <a:t>2024/10/26</a:t>
             </a:fld>
             <a:endParaRPr lang="zh-CN" altLang="en-US"/>
           </a:p>
@@ -2195,10 +2185,9 @@
           <a:p>
             <a:pPr lvl="0"/>
             <a:r>
-              <a:rPr lang="zh-CN" altLang="en-US" smtClean="0"/>
+              <a:rPr lang="zh-CN" altLang="en-US"/>
               <a:t>单击此处编辑母版标题样式</a:t>
             </a:r>
-            <a:endParaRPr lang="zh-CN" altLang="en-US"/>
           </a:p>
         </p:txBody>
       </p:sp>
@@ -2222,7 +2211,7 @@
           <a:p>
             <a:fld id="{760FBDFE-C587-4B4C-A407-44438C67B59E}" type="datetimeFigureOut">
               <a:rPr lang="zh-CN" altLang="en-US" smtClean="0"/>
-              <a:t>2024/10/25</a:t>
+              <a:t>2024/10/26</a:t>
             </a:fld>
             <a:endParaRPr lang="zh-CN" altLang="en-US"/>
           </a:p>
@@ -2321,7 +2310,7 @@
           <a:p>
             <a:fld id="{760FBDFE-C587-4B4C-A407-44438C67B59E}" type="datetimeFigureOut">
               <a:rPr lang="zh-CN" altLang="en-US" smtClean="0"/>
-              <a:t>2024/10/25</a:t>
+              <a:t>2024/10/26</a:t>
             </a:fld>
             <a:endParaRPr lang="zh-CN" altLang="en-US"/>
           </a:p>
@@ -2467,10 +2456,9 @@
           <a:p>
             <a:pPr lvl="0"/>
             <a:r>
-              <a:rPr lang="zh-CN" altLang="en-US" smtClean="0"/>
+              <a:rPr lang="zh-CN" altLang="en-US"/>
               <a:t>单击此处编辑母版文本样式</a:t>
             </a:r>
-            <a:endParaRPr lang="zh-CN" altLang="en-US"/>
           </a:p>
         </p:txBody>
       </p:sp>
@@ -2494,7 +2482,7 @@
           <a:p>
             <a:fld id="{9EFD9D74-47D9-4702-A33C-335B63B48DBF}" type="datetimeFigureOut">
               <a:rPr lang="zh-CN" altLang="en-US" smtClean="0"/>
-              <a:t>2024/10/25</a:t>
+              <a:t>2024/10/26</a:t>
             </a:fld>
             <a:endParaRPr lang="zh-CN" altLang="en-US" dirty="0"/>
           </a:p>
@@ -2630,10 +2618,9 @@
           <a:p>
             <a:pPr lvl="0"/>
             <a:r>
-              <a:rPr lang="zh-CN" altLang="en-US" smtClean="0"/>
+              <a:rPr lang="zh-CN" altLang="en-US"/>
               <a:t>单击此处编辑标题</a:t>
             </a:r>
-            <a:endParaRPr lang="zh-CN" altLang="en-US"/>
           </a:p>
         </p:txBody>
       </p:sp>
@@ -2735,7 +2722,7 @@
           <a:p>
             <a:fld id="{760FBDFE-C587-4B4C-A407-44438C67B59E}" type="datetimeFigureOut">
               <a:rPr lang="zh-CN" altLang="en-US" smtClean="0"/>
-              <a:t>2024/10/25</a:t>
+              <a:t>2024/10/26</a:t>
             </a:fld>
             <a:endParaRPr lang="zh-CN" altLang="en-US"/>
           </a:p>
@@ -2958,7 +2945,7 @@
           <a:p>
             <a:fld id="{760FBDFE-C587-4B4C-A407-44438C67B59E}" type="datetimeFigureOut">
               <a:rPr lang="zh-CN" altLang="en-US" smtClean="0"/>
-              <a:t>2024/10/25</a:t>
+              <a:t>2024/10/26</a:t>
             </a:fld>
             <a:endParaRPr lang="zh-CN" altLang="en-US"/>
           </a:p>
@@ -9372,18 +9359,11 @@
           <a:p>
             <a:pPr algn="ctr"/>
             <a:r>
-              <a:rPr lang="en-US" altLang="zh-CN" sz="1200" smtClean="0">
-                <a:latin typeface="Times New Roman" panose="02020603050405020304" charset="0"/>
-                <a:cs typeface="Times New Roman" panose="02020603050405020304" charset="0"/>
-              </a:rPr>
-              <a:t>Decision </a:t>
-            </a:r>
-            <a:r>
               <a:rPr lang="en-US" altLang="zh-CN" sz="1200">
                 <a:latin typeface="Times New Roman" panose="02020603050405020304" charset="0"/>
                 <a:cs typeface="Times New Roman" panose="02020603050405020304" charset="0"/>
               </a:rPr>
-              <a:t>Network</a:t>
+              <a:t>Decision Network</a:t>
             </a:r>
           </a:p>
         </p:txBody>
@@ -9448,7 +9428,7 @@
           <a:p>
             <a:pPr algn="ctr"/>
             <a:r>
-              <a:rPr lang="en-US" altLang="zh-CN" sz="1000" smtClean="0">
+              <a:rPr lang="en-US" altLang="zh-CN" sz="1000">
                 <a:latin typeface="Times New Roman" panose="02020603050405020304" charset="0"/>
                 <a:cs typeface="Times New Roman" panose="02020603050405020304" charset="0"/>
               </a:rPr>
@@ -9854,11 +9834,11 @@
           <a:lstStyle/>
           <a:p>
             <a:r>
-              <a:rPr lang="en-US" altLang="zh-CN" sz="1200">
+              <a:rPr lang="en-US" altLang="zh-CN" sz="1200" dirty="0">
                 <a:latin typeface="Times New Roman" panose="02020603050405020304" charset="0"/>
                 <a:cs typeface="Times New Roman" panose="02020603050405020304" charset="0"/>
               </a:rPr>
-              <a:t>CPC</a:t>
+              <a:t>OPC</a:t>
             </a:r>
           </a:p>
         </p:txBody>
@@ -9994,11 +9974,11 @@
           <a:lstStyle/>
           <a:p>
             <a:r>
-              <a:rPr lang="en-US" altLang="zh-CN" sz="1200">
+              <a:rPr lang="en-US" altLang="zh-CN" sz="1200" dirty="0">
                 <a:latin typeface="Times New Roman" panose="02020603050405020304" charset="0"/>
                 <a:cs typeface="Times New Roman" panose="02020603050405020304" charset="0"/>
               </a:rPr>
-              <a:t>OFC</a:t>
+              <a:t>CFC</a:t>
             </a:r>
           </a:p>
         </p:txBody>
@@ -10952,24 +10932,14 @@
           <a:p>
             <a:pPr algn="ctr"/>
             <a:r>
-              <a:rPr lang="en-US" altLang="zh-CN" sz="1200" smtClean="0">
+              <a:rPr lang="en-US" altLang="zh-CN" sz="1200">
                 <a:solidFill>
                   <a:schemeClr val="tx1"/>
                 </a:solidFill>
                 <a:latin typeface="Times New Roman" panose="02020603050405020304" charset="0"/>
                 <a:cs typeface="Times New Roman" panose="02020603050405020304" charset="0"/>
               </a:rPr>
-              <a:t>steering </a:t>
-            </a:r>
-            <a:r>
-              <a:rPr lang="en-US" altLang="zh-CN" sz="1200" smtClean="0">
-                <a:solidFill>
-                  <a:schemeClr val="tx1"/>
-                </a:solidFill>
-                <a:latin typeface="Times New Roman" panose="02020603050405020304" charset="0"/>
-                <a:cs typeface="Times New Roman" panose="02020603050405020304" charset="0"/>
-              </a:rPr>
-              <a:t>angle</a:t>
+              <a:t>steering angle</a:t>
             </a:r>
             <a:endParaRPr lang="zh-CN" altLang="en-US" sz="1200">
               <a:solidFill>
@@ -11033,7 +11003,7 @@
           <a:p>
             <a:pPr algn="ctr"/>
             <a:r>
-              <a:rPr lang="en-US" altLang="zh-CN" sz="1200" smtClean="0">
+              <a:rPr lang="en-US" altLang="zh-CN" sz="1200">
                 <a:solidFill>
                   <a:schemeClr val="tx1"/>
                 </a:solidFill>
@@ -11042,13 +11012,6 @@
               </a:rPr>
               <a:t>acceleration</a:t>
             </a:r>
-            <a:endParaRPr lang="en-US" altLang="zh-CN" sz="1200">
-              <a:solidFill>
-                <a:schemeClr val="tx1"/>
-              </a:solidFill>
-              <a:latin typeface="Times New Roman" panose="02020603050405020304" charset="0"/>
-              <a:cs typeface="Times New Roman" panose="02020603050405020304" charset="0"/>
-            </a:endParaRPr>
           </a:p>
         </p:txBody>
       </p:sp>
@@ -11117,16 +11080,12 @@
           <a:p>
             <a:pPr algn="ctr"/>
             <a:r>
-              <a:rPr lang="en-US" altLang="zh-CN" sz="1000" smtClean="0">
+              <a:rPr lang="en-US" altLang="zh-CN" sz="1000">
                 <a:latin typeface="Times New Roman" panose="02020603050405020304" charset="0"/>
                 <a:cs typeface="Times New Roman" panose="02020603050405020304" charset="0"/>
               </a:rPr>
               <a:t>Visual Info</a:t>
             </a:r>
-            <a:endParaRPr lang="en-US" altLang="zh-CN" sz="1000">
-              <a:latin typeface="Times New Roman" panose="02020603050405020304" charset="0"/>
-              <a:cs typeface="Times New Roman" panose="02020603050405020304" charset="0"/>
-            </a:endParaRPr>
           </a:p>
         </p:txBody>
       </p:sp>
@@ -11153,7 +11112,7 @@
           <a:lstStyle/>
           <a:p>
             <a:r>
-              <a:rPr lang="en-US" altLang="zh-CN" sz="1000" smtClean="0">
+              <a:rPr lang="en-US" altLang="zh-CN" sz="1000">
                 <a:latin typeface="Times New Roman" panose="02020603050405020304" charset="0"/>
                 <a:cs typeface="Times New Roman" panose="02020603050405020304" charset="0"/>
               </a:rPr>
@@ -11190,7 +11149,7 @@
           <a:p>
             <a:pPr algn="ctr"/>
             <a:r>
-              <a:rPr lang="en-US" altLang="zh-CN" sz="1000" smtClean="0">
+              <a:rPr lang="en-US" altLang="zh-CN" sz="1000">
                 <a:latin typeface="Times New Roman" panose="02020603050405020304" charset="0"/>
                 <a:cs typeface="Times New Roman" panose="02020603050405020304" charset="0"/>
               </a:rPr>

--- a/latex/fig/brain_inspired.pptx
+++ b/latex/fig/brain_inspired.pptx
@@ -216,7 +216,7 @@
           <a:p>
             <a:fld id="{D2A48B96-639E-45A3-A0BA-2464DFDB1FAA}" type="datetimeFigureOut">
               <a:rPr lang="zh-CN" altLang="en-US" smtClean="0"/>
-              <a:t>2024/10/26</a:t>
+              <a:t>2024/10/29</a:t>
             </a:fld>
             <a:endParaRPr lang="zh-CN" altLang="en-US"/>
           </a:p>
@@ -623,7 +623,7 @@
           <a:p>
             <a:fld id="{760FBDFE-C587-4B4C-A407-44438C67B59E}" type="datetimeFigureOut">
               <a:rPr lang="zh-CN" altLang="en-US" smtClean="0"/>
-              <a:t>2024/10/26</a:t>
+              <a:t>2024/10/29</a:t>
             </a:fld>
             <a:endParaRPr lang="zh-CN" altLang="en-US"/>
           </a:p>
@@ -722,7 +722,7 @@
           <a:p>
             <a:fld id="{760FBDFE-C587-4B4C-A407-44438C67B59E}" type="datetimeFigureOut">
               <a:rPr lang="zh-CN" altLang="en-US" smtClean="0"/>
-              <a:t>2024/10/26</a:t>
+              <a:t>2024/10/29</a:t>
             </a:fld>
             <a:endParaRPr lang="zh-CN" altLang="en-US"/>
           </a:p>
@@ -880,7 +880,7 @@
           <a:p>
             <a:fld id="{760FBDFE-C587-4B4C-A407-44438C67B59E}" type="datetimeFigureOut">
               <a:rPr lang="zh-CN" altLang="en-US" smtClean="0"/>
-              <a:t>2024/10/26</a:t>
+              <a:t>2024/10/29</a:t>
             </a:fld>
             <a:endParaRPr lang="zh-CN" altLang="en-US"/>
           </a:p>
@@ -1151,7 +1151,7 @@
           <a:p>
             <a:fld id="{760FBDFE-C587-4B4C-A407-44438C67B59E}" type="datetimeFigureOut">
               <a:rPr lang="zh-CN" altLang="en-US" smtClean="0"/>
-              <a:t>2024/10/26</a:t>
+              <a:t>2024/10/29</a:t>
             </a:fld>
             <a:endParaRPr lang="zh-CN" altLang="en-US"/>
           </a:p>
@@ -1411,7 +1411,7 @@
           <a:p>
             <a:fld id="{760FBDFE-C587-4B4C-A407-44438C67B59E}" type="datetimeFigureOut">
               <a:rPr lang="zh-CN" altLang="en-US" smtClean="0"/>
-              <a:t>2024/10/26</a:t>
+              <a:t>2024/10/29</a:t>
             </a:fld>
             <a:endParaRPr lang="zh-CN" altLang="en-US"/>
           </a:p>
@@ -1665,7 +1665,7 @@
           <a:p>
             <a:fld id="{760FBDFE-C587-4B4C-A407-44438C67B59E}" type="datetimeFigureOut">
               <a:rPr lang="zh-CN" altLang="en-US" smtClean="0"/>
-              <a:t>2024/10/26</a:t>
+              <a:t>2024/10/29</a:t>
             </a:fld>
             <a:endParaRPr lang="zh-CN" altLang="en-US"/>
           </a:p>
@@ -2079,7 +2079,7 @@
           <a:p>
             <a:fld id="{760FBDFE-C587-4B4C-A407-44438C67B59E}" type="datetimeFigureOut">
               <a:rPr lang="zh-CN" altLang="en-US" smtClean="0"/>
-              <a:t>2024/10/26</a:t>
+              <a:t>2024/10/29</a:t>
             </a:fld>
             <a:endParaRPr lang="zh-CN" altLang="en-US"/>
           </a:p>
@@ -2211,7 +2211,7 @@
           <a:p>
             <a:fld id="{760FBDFE-C587-4B4C-A407-44438C67B59E}" type="datetimeFigureOut">
               <a:rPr lang="zh-CN" altLang="en-US" smtClean="0"/>
-              <a:t>2024/10/26</a:t>
+              <a:t>2024/10/29</a:t>
             </a:fld>
             <a:endParaRPr lang="zh-CN" altLang="en-US"/>
           </a:p>
@@ -2310,7 +2310,7 @@
           <a:p>
             <a:fld id="{760FBDFE-C587-4B4C-A407-44438C67B59E}" type="datetimeFigureOut">
               <a:rPr lang="zh-CN" altLang="en-US" smtClean="0"/>
-              <a:t>2024/10/26</a:t>
+              <a:t>2024/10/29</a:t>
             </a:fld>
             <a:endParaRPr lang="zh-CN" altLang="en-US"/>
           </a:p>
@@ -2482,7 +2482,7 @@
           <a:p>
             <a:fld id="{9EFD9D74-47D9-4702-A33C-335B63B48DBF}" type="datetimeFigureOut">
               <a:rPr lang="zh-CN" altLang="en-US" smtClean="0"/>
-              <a:t>2024/10/26</a:t>
+              <a:t>2024/10/29</a:t>
             </a:fld>
             <a:endParaRPr lang="zh-CN" altLang="en-US" dirty="0"/>
           </a:p>
@@ -2722,7 +2722,7 @@
           <a:p>
             <a:fld id="{760FBDFE-C587-4B4C-A407-44438C67B59E}" type="datetimeFigureOut">
               <a:rPr lang="zh-CN" altLang="en-US" smtClean="0"/>
-              <a:t>2024/10/26</a:t>
+              <a:t>2024/10/29</a:t>
             </a:fld>
             <a:endParaRPr lang="zh-CN" altLang="en-US"/>
           </a:p>
@@ -2945,7 +2945,7 @@
           <a:p>
             <a:fld id="{760FBDFE-C587-4B4C-A407-44438C67B59E}" type="datetimeFigureOut">
               <a:rPr lang="zh-CN" altLang="en-US" smtClean="0"/>
-              <a:t>2024/10/26</a:t>
+              <a:t>2024/10/29</a:t>
             </a:fld>
             <a:endParaRPr lang="zh-CN" altLang="en-US"/>
           </a:p>
@@ -9488,8 +9488,8 @@
         </p:nvSpPr>
         <p:spPr>
           <a:xfrm>
-            <a:off x="5413058" y="2344422"/>
-            <a:ext cx="2712402" cy="1616560"/>
+            <a:off x="5413058" y="2255525"/>
+            <a:ext cx="2712402" cy="1806570"/>
           </a:xfrm>
           <a:prstGeom prst="roundRect">
             <a:avLst/>
@@ -11061,7 +11061,7 @@
         </p:nvSpPr>
         <p:spPr>
           <a:xfrm>
-            <a:off x="5342413" y="3643322"/>
+            <a:off x="5384323" y="3643322"/>
             <a:ext cx="1126173" cy="317500"/>
           </a:xfrm>
           <a:prstGeom prst="rect">
@@ -11080,11 +11080,11 @@
           <a:p>
             <a:pPr algn="ctr"/>
             <a:r>
-              <a:rPr lang="en-US" altLang="zh-CN" sz="1000">
+              <a:rPr lang="en-US" altLang="zh-CN" sz="1000" dirty="0">
                 <a:latin typeface="Times New Roman" panose="02020603050405020304" charset="0"/>
                 <a:cs typeface="Times New Roman" panose="02020603050405020304" charset="0"/>
               </a:rPr>
-              <a:t>Visual Info</a:t>
+              <a:t>Recognition Embedding</a:t>
             </a:r>
           </a:p>
         </p:txBody>
@@ -11097,8 +11097,8 @@
         </p:nvSpPr>
         <p:spPr>
           <a:xfrm>
-            <a:off x="5571965" y="2339808"/>
-            <a:ext cx="854075" cy="246221"/>
+            <a:off x="5497689" y="2235900"/>
+            <a:ext cx="854075" cy="400110"/>
           </a:xfrm>
           <a:prstGeom prst="rect">
             <a:avLst/>
@@ -11111,14 +11111,15 @@
           </a:bodyPr>
           <a:lstStyle/>
           <a:p>
-            <a:r>
-              <a:rPr lang="en-US" altLang="zh-CN" sz="1000">
+            <a:pPr algn="ctr"/>
+            <a:r>
+              <a:rPr lang="en-US" altLang="zh-CN" sz="1000" dirty="0">
                 <a:latin typeface="Times New Roman" panose="02020603050405020304" charset="0"/>
                 <a:cs typeface="Times New Roman" panose="02020603050405020304" charset="0"/>
               </a:rPr>
-              <a:t>Speed Info</a:t>
-            </a:r>
-            <a:endParaRPr lang="zh-CN" altLang="en-US" sz="1000">
+              <a:t>Speed Embedding</a:t>
+            </a:r>
+            <a:endParaRPr lang="zh-CN" altLang="en-US" sz="1000" dirty="0">
               <a:latin typeface="Times New Roman" panose="02020603050405020304" charset="0"/>
               <a:cs typeface="Times New Roman" panose="02020603050405020304" charset="0"/>
             </a:endParaRPr>
@@ -11133,8 +11134,8 @@
         </p:nvSpPr>
         <p:spPr>
           <a:xfrm>
-            <a:off x="5392262" y="3260183"/>
-            <a:ext cx="1153477" cy="246221"/>
+            <a:off x="5364480" y="3211165"/>
+            <a:ext cx="1153477" cy="400110"/>
           </a:xfrm>
           <a:prstGeom prst="rect">
             <a:avLst/>
@@ -11149,13 +11150,13 @@
           <a:p>
             <a:pPr algn="ctr"/>
             <a:r>
-              <a:rPr lang="en-US" altLang="zh-CN" sz="1000">
+              <a:rPr lang="en-US" altLang="zh-CN" sz="1000" dirty="0">
                 <a:latin typeface="Times New Roman" panose="02020603050405020304" charset="0"/>
                 <a:cs typeface="Times New Roman" panose="02020603050405020304" charset="0"/>
               </a:rPr>
-              <a:t>Navigation Info</a:t>
-            </a:r>
-            <a:endParaRPr lang="zh-CN" altLang="en-US" sz="1000">
+              <a:t>Navigation Command</a:t>
+            </a:r>
+            <a:endParaRPr lang="zh-CN" altLang="en-US" sz="1000" dirty="0">
               <a:latin typeface="Times New Roman" panose="02020603050405020304" charset="0"/>
               <a:cs typeface="Times New Roman" panose="02020603050405020304" charset="0"/>
             </a:endParaRPr>

--- a/latex/fig/brain_inspired.pptx
+++ b/latex/fig/brain_inspired.pptx
@@ -216,7 +216,7 @@
           <a:p>
             <a:fld id="{D2A48B96-639E-45A3-A0BA-2464DFDB1FAA}" type="datetimeFigureOut">
               <a:rPr lang="zh-CN" altLang="en-US" smtClean="0"/>
-              <a:t>2024/10/29</a:t>
+              <a:t>2024/11/2</a:t>
             </a:fld>
             <a:endParaRPr lang="zh-CN" altLang="en-US"/>
           </a:p>
@@ -623,7 +623,7 @@
           <a:p>
             <a:fld id="{760FBDFE-C587-4B4C-A407-44438C67B59E}" type="datetimeFigureOut">
               <a:rPr lang="zh-CN" altLang="en-US" smtClean="0"/>
-              <a:t>2024/10/29</a:t>
+              <a:t>2024/11/2</a:t>
             </a:fld>
             <a:endParaRPr lang="zh-CN" altLang="en-US"/>
           </a:p>
@@ -722,7 +722,7 @@
           <a:p>
             <a:fld id="{760FBDFE-C587-4B4C-A407-44438C67B59E}" type="datetimeFigureOut">
               <a:rPr lang="zh-CN" altLang="en-US" smtClean="0"/>
-              <a:t>2024/10/29</a:t>
+              <a:t>2024/11/2</a:t>
             </a:fld>
             <a:endParaRPr lang="zh-CN" altLang="en-US"/>
           </a:p>
@@ -880,7 +880,7 @@
           <a:p>
             <a:fld id="{760FBDFE-C587-4B4C-A407-44438C67B59E}" type="datetimeFigureOut">
               <a:rPr lang="zh-CN" altLang="en-US" smtClean="0"/>
-              <a:t>2024/10/29</a:t>
+              <a:t>2024/11/2</a:t>
             </a:fld>
             <a:endParaRPr lang="zh-CN" altLang="en-US"/>
           </a:p>
@@ -1151,7 +1151,7 @@
           <a:p>
             <a:fld id="{760FBDFE-C587-4B4C-A407-44438C67B59E}" type="datetimeFigureOut">
               <a:rPr lang="zh-CN" altLang="en-US" smtClean="0"/>
-              <a:t>2024/10/29</a:t>
+              <a:t>2024/11/2</a:t>
             </a:fld>
             <a:endParaRPr lang="zh-CN" altLang="en-US"/>
           </a:p>
@@ -1411,7 +1411,7 @@
           <a:p>
             <a:fld id="{760FBDFE-C587-4B4C-A407-44438C67B59E}" type="datetimeFigureOut">
               <a:rPr lang="zh-CN" altLang="en-US" smtClean="0"/>
-              <a:t>2024/10/29</a:t>
+              <a:t>2024/11/2</a:t>
             </a:fld>
             <a:endParaRPr lang="zh-CN" altLang="en-US"/>
           </a:p>
@@ -1665,7 +1665,7 @@
           <a:p>
             <a:fld id="{760FBDFE-C587-4B4C-A407-44438C67B59E}" type="datetimeFigureOut">
               <a:rPr lang="zh-CN" altLang="en-US" smtClean="0"/>
-              <a:t>2024/10/29</a:t>
+              <a:t>2024/11/2</a:t>
             </a:fld>
             <a:endParaRPr lang="zh-CN" altLang="en-US"/>
           </a:p>
@@ -2079,7 +2079,7 @@
           <a:p>
             <a:fld id="{760FBDFE-C587-4B4C-A407-44438C67B59E}" type="datetimeFigureOut">
               <a:rPr lang="zh-CN" altLang="en-US" smtClean="0"/>
-              <a:t>2024/10/29</a:t>
+              <a:t>2024/11/2</a:t>
             </a:fld>
             <a:endParaRPr lang="zh-CN" altLang="en-US"/>
           </a:p>
@@ -2211,7 +2211,7 @@
           <a:p>
             <a:fld id="{760FBDFE-C587-4B4C-A407-44438C67B59E}" type="datetimeFigureOut">
               <a:rPr lang="zh-CN" altLang="en-US" smtClean="0"/>
-              <a:t>2024/10/29</a:t>
+              <a:t>2024/11/2</a:t>
             </a:fld>
             <a:endParaRPr lang="zh-CN" altLang="en-US"/>
           </a:p>
@@ -2310,7 +2310,7 @@
           <a:p>
             <a:fld id="{760FBDFE-C587-4B4C-A407-44438C67B59E}" type="datetimeFigureOut">
               <a:rPr lang="zh-CN" altLang="en-US" smtClean="0"/>
-              <a:t>2024/10/29</a:t>
+              <a:t>2024/11/2</a:t>
             </a:fld>
             <a:endParaRPr lang="zh-CN" altLang="en-US"/>
           </a:p>
@@ -2482,7 +2482,7 @@
           <a:p>
             <a:fld id="{9EFD9D74-47D9-4702-A33C-335B63B48DBF}" type="datetimeFigureOut">
               <a:rPr lang="zh-CN" altLang="en-US" smtClean="0"/>
-              <a:t>2024/10/29</a:t>
+              <a:t>2024/11/2</a:t>
             </a:fld>
             <a:endParaRPr lang="zh-CN" altLang="en-US" dirty="0"/>
           </a:p>
@@ -2722,7 +2722,7 @@
           <a:p>
             <a:fld id="{760FBDFE-C587-4B4C-A407-44438C67B59E}" type="datetimeFigureOut">
               <a:rPr lang="zh-CN" altLang="en-US" smtClean="0"/>
-              <a:t>2024/10/29</a:t>
+              <a:t>2024/11/2</a:t>
             </a:fld>
             <a:endParaRPr lang="zh-CN" altLang="en-US"/>
           </a:p>
@@ -2945,7 +2945,7 @@
           <a:p>
             <a:fld id="{760FBDFE-C587-4B4C-A407-44438C67B59E}" type="datetimeFigureOut">
               <a:rPr lang="zh-CN" altLang="en-US" smtClean="0"/>
-              <a:t>2024/10/29</a:t>
+              <a:t>2024/11/2</a:t>
             </a:fld>
             <a:endParaRPr lang="zh-CN" altLang="en-US"/>
           </a:p>
@@ -9412,8 +9412,8 @@
         </p:nvSpPr>
         <p:spPr>
           <a:xfrm>
-            <a:off x="7327983" y="2550333"/>
-            <a:ext cx="753027" cy="400110"/>
+            <a:off x="5110047" y="2347046"/>
+            <a:ext cx="360045" cy="246221"/>
           </a:xfrm>
           <a:prstGeom prst="rect">
             <a:avLst/>
@@ -9428,13 +9428,20 @@
           <a:p>
             <a:pPr algn="ctr"/>
             <a:r>
-              <a:rPr lang="en-US" altLang="zh-CN" sz="1000">
+              <a:rPr lang="en-US" altLang="zh-CN" sz="1000" dirty="0">
                 <a:latin typeface="Times New Roman" panose="02020603050405020304" charset="0"/>
                 <a:cs typeface="Times New Roman" panose="02020603050405020304" charset="0"/>
               </a:rPr>
-              <a:t>Action Prediction</a:t>
-            </a:r>
-            <a:endParaRPr lang="zh-CN" altLang="en-US" sz="1000">
+              <a:t>E</a:t>
+            </a:r>
+            <a:r>
+              <a:rPr lang="en-US" altLang="zh-CN" sz="1000" baseline="-25000" dirty="0">
+                <a:latin typeface="Times New Roman" panose="02020603050405020304" charset="0"/>
+                <a:cs typeface="Times New Roman" panose="02020603050405020304" charset="0"/>
+              </a:rPr>
+              <a:t>S</a:t>
+            </a:r>
+            <a:endParaRPr lang="zh-CN" altLang="en-US" sz="1000" baseline="-25000" dirty="0">
               <a:latin typeface="Times New Roman" panose="02020603050405020304" charset="0"/>
               <a:cs typeface="Times New Roman" panose="02020603050405020304" charset="0"/>
             </a:endParaRPr>
@@ -10302,7 +10309,7 @@
         </p:nvSpPr>
         <p:spPr>
           <a:xfrm>
-            <a:off x="4552266" y="3367803"/>
+            <a:off x="4533107" y="3400632"/>
             <a:ext cx="534670" cy="350520"/>
           </a:xfrm>
           <a:prstGeom prst="rect">
@@ -10320,7 +10327,7 @@
           <a:lstStyle/>
           <a:p>
             <a:r>
-              <a:rPr lang="en-US" altLang="zh-CN" sz="1200">
+              <a:rPr lang="en-US" altLang="zh-CN" sz="1200" dirty="0">
                 <a:latin typeface="Times New Roman" panose="02020603050405020304" charset="0"/>
                 <a:cs typeface="Times New Roman" panose="02020603050405020304" charset="0"/>
               </a:rPr>
@@ -10788,7 +10795,7 @@
         </p:nvSpPr>
         <p:spPr>
           <a:xfrm>
-            <a:off x="9354820" y="3328670"/>
+            <a:off x="9438640" y="3328670"/>
             <a:ext cx="135890" cy="75565"/>
           </a:xfrm>
           <a:prstGeom prst="rightArrow">
@@ -10840,7 +10847,7 @@
         </p:nvSpPr>
         <p:spPr>
           <a:xfrm>
-            <a:off x="9345295" y="2815590"/>
+            <a:off x="9429115" y="2815590"/>
             <a:ext cx="135890" cy="75565"/>
           </a:xfrm>
           <a:prstGeom prst="rightArrow">
@@ -10892,7 +10899,7 @@
         </p:nvSpPr>
         <p:spPr>
           <a:xfrm>
-            <a:off x="8343265" y="2628265"/>
+            <a:off x="8427085" y="2628265"/>
             <a:ext cx="975360" cy="370840"/>
           </a:xfrm>
           <a:prstGeom prst="roundRect">
@@ -10963,7 +10970,7 @@
         </p:nvSpPr>
         <p:spPr>
           <a:xfrm>
-            <a:off x="8343265" y="3189605"/>
+            <a:off x="8427085" y="3189605"/>
             <a:ext cx="975360" cy="370840"/>
           </a:xfrm>
           <a:prstGeom prst="roundRect">
@@ -11015,44 +11022,6 @@
           </a:p>
         </p:txBody>
       </p:sp>
-      <p:cxnSp>
-        <p:nvCxnSpPr>
-          <p:cNvPr id="26" name="直接连接符 25"/>
-          <p:cNvCxnSpPr/>
-          <p:nvPr/>
-        </p:nvCxnSpPr>
-        <p:spPr>
-          <a:xfrm>
-            <a:off x="3827145" y="405130"/>
-            <a:ext cx="2073275" cy="3175"/>
-          </a:xfrm>
-          <a:prstGeom prst="line">
-            <a:avLst/>
-          </a:prstGeom>
-          <a:ln>
-            <a:solidFill>
-              <a:schemeClr val="accent6">
-                <a:lumMod val="20000"/>
-                <a:lumOff val="80000"/>
-              </a:schemeClr>
-            </a:solidFill>
-          </a:ln>
-        </p:spPr>
-        <p:style>
-          <a:lnRef idx="2">
-            <a:schemeClr val="accent1"/>
-          </a:lnRef>
-          <a:fillRef idx="0">
-            <a:srgbClr val="FFFFFF"/>
-          </a:fillRef>
-          <a:effectRef idx="0">
-            <a:srgbClr val="FFFFFF"/>
-          </a:effectRef>
-          <a:fontRef idx="minor">
-            <a:schemeClr val="tx1"/>
-          </a:fontRef>
-        </p:style>
-      </p:cxnSp>
       <p:sp>
         <p:nvSpPr>
           <p:cNvPr id="67" name="文本框 66"/>
@@ -11154,7 +11123,7 @@
                 <a:latin typeface="Times New Roman" panose="02020603050405020304" charset="0"/>
                 <a:cs typeface="Times New Roman" panose="02020603050405020304" charset="0"/>
               </a:rPr>
-              <a:t>Navigation Command</a:t>
+              <a:t>Navigation Embedding</a:t>
             </a:r>
             <a:endParaRPr lang="zh-CN" altLang="en-US" sz="1000" dirty="0">
               <a:latin typeface="Times New Roman" panose="02020603050405020304" charset="0"/>
@@ -11357,13 +11326,15 @@
       <p:cxnSp>
         <p:nvCxnSpPr>
           <p:cNvPr id="126" name="直接连接符 125"/>
-          <p:cNvCxnSpPr/>
+          <p:cNvCxnSpPr>
+            <a:cxnSpLocks/>
+          </p:cNvCxnSpPr>
           <p:nvPr/>
         </p:nvCxnSpPr>
         <p:spPr>
           <a:xfrm>
             <a:off x="8056880" y="3119961"/>
-            <a:ext cx="146435" cy="0"/>
+            <a:ext cx="232410" cy="0"/>
           </a:xfrm>
           <a:prstGeom prst="line">
             <a:avLst/>
@@ -11397,7 +11368,7 @@
         </p:nvCxnSpPr>
         <p:spPr>
           <a:xfrm>
-            <a:off x="8201025" y="2813685"/>
+            <a:off x="8284845" y="2813685"/>
             <a:ext cx="6350" cy="565785"/>
           </a:xfrm>
           <a:prstGeom prst="line">
@@ -11434,7 +11405,7 @@
         </p:nvCxnSpPr>
         <p:spPr>
           <a:xfrm>
-            <a:off x="8199120" y="2813685"/>
+            <a:off x="8282940" y="2813685"/>
             <a:ext cx="144145" cy="0"/>
           </a:xfrm>
           <a:prstGeom prst="straightConnector1">
@@ -11470,7 +11441,7 @@
         </p:nvCxnSpPr>
         <p:spPr>
           <a:xfrm>
-            <a:off x="8205470" y="3379470"/>
+            <a:off x="8289290" y="3379470"/>
             <a:ext cx="134781" cy="3175"/>
           </a:xfrm>
           <a:prstGeom prst="straightConnector1">
@@ -11540,7 +11511,7 @@
         </p:blipFill>
         <p:spPr>
           <a:xfrm>
-            <a:off x="9583420" y="2610971"/>
+            <a:off x="9667240" y="2610971"/>
             <a:ext cx="494030" cy="494030"/>
           </a:xfrm>
           <a:prstGeom prst="rect">
@@ -11566,7 +11537,7 @@
         </p:blipFill>
         <p:spPr>
           <a:xfrm>
-            <a:off x="9583420" y="3146266"/>
+            <a:off x="9667240" y="3146266"/>
             <a:ext cx="568325" cy="440055"/>
           </a:xfrm>
           <a:prstGeom prst="rect">
@@ -11574,6 +11545,299 @@
           </a:prstGeom>
         </p:spPr>
       </p:pic>
+      <p:sp>
+        <p:nvSpPr>
+          <p:cNvPr id="2" name="文本框 1">
+            <a:extLst>
+              <a:ext uri="{FF2B5EF4-FFF2-40B4-BE49-F238E27FC236}">
+                <a16:creationId xmlns:a16="http://schemas.microsoft.com/office/drawing/2014/main" id="{ECE4E1D2-0096-9687-920F-786BB7F3FB47}"/>
+              </a:ext>
+            </a:extLst>
+          </p:cNvPr>
+          <p:cNvSpPr txBox="1"/>
+          <p:nvPr/>
+        </p:nvSpPr>
+        <p:spPr>
+          <a:xfrm>
+            <a:off x="7343858" y="2608726"/>
+            <a:ext cx="753027" cy="400110"/>
+          </a:xfrm>
+          <a:prstGeom prst="rect">
+            <a:avLst/>
+          </a:prstGeom>
+          <a:noFill/>
+        </p:spPr>
+        <p:txBody>
+          <a:bodyPr wrap="square" rtlCol="0">
+            <a:spAutoFit/>
+          </a:bodyPr>
+          <a:lstStyle/>
+          <a:p>
+            <a:pPr algn="ctr"/>
+            <a:r>
+              <a:rPr lang="en-US" altLang="zh-CN" sz="1000" dirty="0">
+                <a:latin typeface="Times New Roman" panose="02020603050405020304" charset="0"/>
+                <a:cs typeface="Times New Roman" panose="02020603050405020304" charset="0"/>
+              </a:rPr>
+              <a:t>Action Prediction</a:t>
+            </a:r>
+            <a:endParaRPr lang="zh-CN" altLang="en-US" sz="1000" dirty="0">
+              <a:latin typeface="Times New Roman" panose="02020603050405020304" charset="0"/>
+              <a:cs typeface="Times New Roman" panose="02020603050405020304" charset="0"/>
+            </a:endParaRPr>
+          </a:p>
+        </p:txBody>
+      </p:sp>
+      <p:sp>
+        <p:nvSpPr>
+          <p:cNvPr id="3" name="文本框 2">
+            <a:extLst>
+              <a:ext uri="{FF2B5EF4-FFF2-40B4-BE49-F238E27FC236}">
+                <a16:creationId xmlns:a16="http://schemas.microsoft.com/office/drawing/2014/main" id="{0E90F8F4-7E63-F7A5-E154-997E070E07CA}"/>
+              </a:ext>
+            </a:extLst>
+          </p:cNvPr>
+          <p:cNvSpPr txBox="1"/>
+          <p:nvPr/>
+        </p:nvSpPr>
+        <p:spPr>
+          <a:xfrm>
+            <a:off x="5084487" y="3635454"/>
+            <a:ext cx="360045" cy="246221"/>
+          </a:xfrm>
+          <a:prstGeom prst="rect">
+            <a:avLst/>
+          </a:prstGeom>
+          <a:noFill/>
+        </p:spPr>
+        <p:txBody>
+          <a:bodyPr wrap="square" rtlCol="0">
+            <a:spAutoFit/>
+          </a:bodyPr>
+          <a:lstStyle/>
+          <a:p>
+            <a:pPr algn="ctr"/>
+            <a:r>
+              <a:rPr lang="en-US" altLang="zh-CN" sz="1000" dirty="0">
+                <a:latin typeface="Times New Roman" panose="02020603050405020304" charset="0"/>
+                <a:cs typeface="Times New Roman" panose="02020603050405020304" charset="0"/>
+              </a:rPr>
+              <a:t>E</a:t>
+            </a:r>
+            <a:r>
+              <a:rPr lang="en-US" altLang="zh-CN" sz="1000" baseline="-25000" dirty="0">
+                <a:latin typeface="Times New Roman" panose="02020603050405020304" charset="0"/>
+                <a:cs typeface="Times New Roman" panose="02020603050405020304" charset="0"/>
+              </a:rPr>
+              <a:t>R</a:t>
+            </a:r>
+            <a:endParaRPr lang="zh-CN" altLang="en-US" sz="1000" baseline="-25000" dirty="0">
+              <a:latin typeface="Times New Roman" panose="02020603050405020304" charset="0"/>
+              <a:cs typeface="Times New Roman" panose="02020603050405020304" charset="0"/>
+            </a:endParaRPr>
+          </a:p>
+        </p:txBody>
+      </p:sp>
+      <p:sp>
+        <p:nvSpPr>
+          <p:cNvPr id="4" name="文本框 3">
+            <a:extLst>
+              <a:ext uri="{FF2B5EF4-FFF2-40B4-BE49-F238E27FC236}">
+                <a16:creationId xmlns:a16="http://schemas.microsoft.com/office/drawing/2014/main" id="{70A17F60-E081-48B4-3576-28E1721DB6F6}"/>
+              </a:ext>
+            </a:extLst>
+          </p:cNvPr>
+          <p:cNvSpPr txBox="1"/>
+          <p:nvPr/>
+        </p:nvSpPr>
+        <p:spPr>
+          <a:xfrm>
+            <a:off x="6174740" y="2834451"/>
+            <a:ext cx="360045" cy="246221"/>
+          </a:xfrm>
+          <a:prstGeom prst="rect">
+            <a:avLst/>
+          </a:prstGeom>
+          <a:noFill/>
+        </p:spPr>
+        <p:txBody>
+          <a:bodyPr wrap="square" rtlCol="0">
+            <a:spAutoFit/>
+          </a:bodyPr>
+          <a:lstStyle/>
+          <a:p>
+            <a:pPr algn="ctr"/>
+            <a:r>
+              <a:rPr lang="en-US" altLang="zh-CN" sz="1000" dirty="0">
+                <a:latin typeface="Times New Roman" panose="02020603050405020304" charset="0"/>
+                <a:cs typeface="Times New Roman" panose="02020603050405020304" charset="0"/>
+              </a:rPr>
+              <a:t>E</a:t>
+            </a:r>
+            <a:r>
+              <a:rPr lang="en-US" altLang="zh-CN" sz="1000" baseline="-25000" dirty="0">
+                <a:latin typeface="Times New Roman" panose="02020603050405020304" charset="0"/>
+                <a:cs typeface="Times New Roman" panose="02020603050405020304" charset="0"/>
+              </a:rPr>
+              <a:t>N</a:t>
+            </a:r>
+            <a:endParaRPr lang="zh-CN" altLang="en-US" sz="1000" baseline="-25000" dirty="0">
+              <a:latin typeface="Times New Roman" panose="02020603050405020304" charset="0"/>
+              <a:cs typeface="Times New Roman" panose="02020603050405020304" charset="0"/>
+            </a:endParaRPr>
+          </a:p>
+        </p:txBody>
+      </p:sp>
+      <p:sp>
+        <p:nvSpPr>
+          <p:cNvPr id="7" name="文本框 6">
+            <a:extLst>
+              <a:ext uri="{FF2B5EF4-FFF2-40B4-BE49-F238E27FC236}">
+                <a16:creationId xmlns:a16="http://schemas.microsoft.com/office/drawing/2014/main" id="{97E48A23-C454-E691-62C4-F12807E4072B}"/>
+              </a:ext>
+            </a:extLst>
+          </p:cNvPr>
+          <p:cNvSpPr txBox="1"/>
+          <p:nvPr/>
+        </p:nvSpPr>
+        <p:spPr>
+          <a:xfrm>
+            <a:off x="8021955" y="3088054"/>
+            <a:ext cx="360045" cy="246221"/>
+          </a:xfrm>
+          <a:prstGeom prst="rect">
+            <a:avLst/>
+          </a:prstGeom>
+          <a:noFill/>
+        </p:spPr>
+        <p:txBody>
+          <a:bodyPr wrap="square" rtlCol="0">
+            <a:spAutoFit/>
+          </a:bodyPr>
+          <a:lstStyle/>
+          <a:p>
+            <a:pPr algn="ctr"/>
+            <a:r>
+              <a:rPr lang="en-US" altLang="zh-CN" sz="1000" dirty="0">
+                <a:latin typeface="Times New Roman" panose="02020603050405020304" charset="0"/>
+                <a:cs typeface="Times New Roman" panose="02020603050405020304" charset="0"/>
+              </a:rPr>
+              <a:t>A</a:t>
+            </a:r>
+            <a:r>
+              <a:rPr lang="en-US" altLang="zh-CN" sz="1000" baseline="-25000" dirty="0">
+                <a:latin typeface="Times New Roman" panose="02020603050405020304" charset="0"/>
+                <a:cs typeface="Times New Roman" panose="02020603050405020304" charset="0"/>
+              </a:rPr>
+              <a:t>t</a:t>
+            </a:r>
+            <a:endParaRPr lang="zh-CN" altLang="en-US" sz="1000" baseline="-25000" dirty="0">
+              <a:latin typeface="Times New Roman" panose="02020603050405020304" charset="0"/>
+              <a:cs typeface="Times New Roman" panose="02020603050405020304" charset="0"/>
+            </a:endParaRPr>
+          </a:p>
+        </p:txBody>
+      </p:sp>
+      <p:sp>
+        <p:nvSpPr>
+          <p:cNvPr id="25" name="文本框 24">
+            <a:extLst>
+              <a:ext uri="{FF2B5EF4-FFF2-40B4-BE49-F238E27FC236}">
+                <a16:creationId xmlns:a16="http://schemas.microsoft.com/office/drawing/2014/main" id="{3A0623AA-3738-DDD4-1AFE-D7A3EF329868}"/>
+              </a:ext>
+            </a:extLst>
+          </p:cNvPr>
+          <p:cNvSpPr txBox="1"/>
+          <p:nvPr/>
+        </p:nvSpPr>
+        <p:spPr>
+          <a:xfrm>
+            <a:off x="9354820" y="2559516"/>
+            <a:ext cx="360045" cy="246221"/>
+          </a:xfrm>
+          <a:prstGeom prst="rect">
+            <a:avLst/>
+          </a:prstGeom>
+          <a:noFill/>
+        </p:spPr>
+        <p:txBody>
+          <a:bodyPr wrap="square" rtlCol="0">
+            <a:spAutoFit/>
+          </a:bodyPr>
+          <a:lstStyle/>
+          <a:p>
+            <a:pPr algn="ctr"/>
+            <a:r>
+              <a:rPr lang="en-US" altLang="zh-CN" sz="1000" dirty="0">
+                <a:latin typeface="Times New Roman" panose="02020603050405020304" charset="0"/>
+                <a:cs typeface="Times New Roman" panose="02020603050405020304" charset="0"/>
+              </a:rPr>
+              <a:t>A</a:t>
+            </a:r>
+            <a:r>
+              <a:rPr lang="en-US" altLang="zh-CN" sz="1000" baseline="-25000" dirty="0">
+                <a:latin typeface="Times New Roman" panose="02020603050405020304" charset="0"/>
+                <a:cs typeface="Times New Roman" panose="02020603050405020304" charset="0"/>
+              </a:rPr>
+              <a:t>s</a:t>
+            </a:r>
+            <a:endParaRPr lang="zh-CN" altLang="en-US" sz="1000" baseline="-25000" dirty="0">
+              <a:latin typeface="Times New Roman" panose="02020603050405020304" charset="0"/>
+              <a:cs typeface="Times New Roman" panose="02020603050405020304" charset="0"/>
+            </a:endParaRPr>
+          </a:p>
+        </p:txBody>
+      </p:sp>
+      <p:sp>
+        <p:nvSpPr>
+          <p:cNvPr id="27" name="文本框 26">
+            <a:extLst>
+              <a:ext uri="{FF2B5EF4-FFF2-40B4-BE49-F238E27FC236}">
+                <a16:creationId xmlns:a16="http://schemas.microsoft.com/office/drawing/2014/main" id="{9C18CDD5-F278-513F-84DD-B8FE2D2D9367}"/>
+              </a:ext>
+            </a:extLst>
+          </p:cNvPr>
+          <p:cNvSpPr txBox="1"/>
+          <p:nvPr/>
+        </p:nvSpPr>
+        <p:spPr>
+          <a:xfrm>
+            <a:off x="9345930" y="3061414"/>
+            <a:ext cx="360045" cy="246221"/>
+          </a:xfrm>
+          <a:prstGeom prst="rect">
+            <a:avLst/>
+          </a:prstGeom>
+          <a:noFill/>
+        </p:spPr>
+        <p:txBody>
+          <a:bodyPr wrap="square" rtlCol="0">
+            <a:spAutoFit/>
+          </a:bodyPr>
+          <a:lstStyle/>
+          <a:p>
+            <a:pPr algn="ctr"/>
+            <a:r>
+              <a:rPr lang="en-US" altLang="zh-CN" sz="1000" dirty="0">
+                <a:latin typeface="Times New Roman" panose="02020603050405020304" charset="0"/>
+                <a:cs typeface="Times New Roman" panose="02020603050405020304" charset="0"/>
+              </a:rPr>
+              <a:t>A</a:t>
+            </a:r>
+            <a:r>
+              <a:rPr lang="en-US" altLang="zh-CN" sz="1000" baseline="-25000" dirty="0">
+                <a:latin typeface="Times New Roman" panose="02020603050405020304" charset="0"/>
+                <a:cs typeface="Times New Roman" panose="02020603050405020304" charset="0"/>
+              </a:rPr>
+              <a:t>a</a:t>
+            </a:r>
+            <a:endParaRPr lang="zh-CN" altLang="en-US" sz="1000" baseline="-25000" dirty="0">
+              <a:latin typeface="Times New Roman" panose="02020603050405020304" charset="0"/>
+              <a:cs typeface="Times New Roman" panose="02020603050405020304" charset="0"/>
+            </a:endParaRPr>
+          </a:p>
+        </p:txBody>
+      </p:sp>
     </p:spTree>
     <p:extLst>
       <p:ext uri="{BB962C8B-B14F-4D97-AF65-F5344CB8AC3E}">

--- a/latex/fig/brain_inspired.pptx
+++ b/latex/fig/brain_inspired.pptx
@@ -5,17 +5,20 @@
     <p:sldMasterId id="2147483648" r:id="rId1"/>
   </p:sldMasterIdLst>
   <p:notesMasterIdLst>
-    <p:notesMasterId r:id="rId5"/>
+    <p:notesMasterId r:id="rId8"/>
   </p:notesMasterIdLst>
   <p:sldIdLst>
     <p:sldId id="267" r:id="rId2"/>
     <p:sldId id="268" r:id="rId3"/>
     <p:sldId id="269" r:id="rId4"/>
+    <p:sldId id="270" r:id="rId5"/>
+    <p:sldId id="272" r:id="rId6"/>
+    <p:sldId id="271" r:id="rId7"/>
   </p:sldIdLst>
   <p:sldSz cx="12192000" cy="6858000"/>
   <p:notesSz cx="6858000" cy="9144000"/>
   <p:custDataLst>
-    <p:tags r:id="rId6"/>
+    <p:tags r:id="rId9"/>
   </p:custDataLst>
   <p:defaultTextStyle>
     <a:defPPr>
@@ -216,7 +219,7 @@
           <a:p>
             <a:fld id="{D2A48B96-639E-45A3-A0BA-2464DFDB1FAA}" type="datetimeFigureOut">
               <a:rPr lang="zh-CN" altLang="en-US" smtClean="0"/>
-              <a:t>2024/11/2</a:t>
+              <a:t>2024/11/3</a:t>
             </a:fld>
             <a:endParaRPr lang="zh-CN" altLang="en-US"/>
           </a:p>
@@ -623,7 +626,7 @@
           <a:p>
             <a:fld id="{760FBDFE-C587-4B4C-A407-44438C67B59E}" type="datetimeFigureOut">
               <a:rPr lang="zh-CN" altLang="en-US" smtClean="0"/>
-              <a:t>2024/11/2</a:t>
+              <a:t>2024/11/3</a:t>
             </a:fld>
             <a:endParaRPr lang="zh-CN" altLang="en-US"/>
           </a:p>
@@ -722,7 +725,7 @@
           <a:p>
             <a:fld id="{760FBDFE-C587-4B4C-A407-44438C67B59E}" type="datetimeFigureOut">
               <a:rPr lang="zh-CN" altLang="en-US" smtClean="0"/>
-              <a:t>2024/11/2</a:t>
+              <a:t>2024/11/3</a:t>
             </a:fld>
             <a:endParaRPr lang="zh-CN" altLang="en-US"/>
           </a:p>
@@ -880,7 +883,7 @@
           <a:p>
             <a:fld id="{760FBDFE-C587-4B4C-A407-44438C67B59E}" type="datetimeFigureOut">
               <a:rPr lang="zh-CN" altLang="en-US" smtClean="0"/>
-              <a:t>2024/11/2</a:t>
+              <a:t>2024/11/3</a:t>
             </a:fld>
             <a:endParaRPr lang="zh-CN" altLang="en-US"/>
           </a:p>
@@ -1151,7 +1154,7 @@
           <a:p>
             <a:fld id="{760FBDFE-C587-4B4C-A407-44438C67B59E}" type="datetimeFigureOut">
               <a:rPr lang="zh-CN" altLang="en-US" smtClean="0"/>
-              <a:t>2024/11/2</a:t>
+              <a:t>2024/11/3</a:t>
             </a:fld>
             <a:endParaRPr lang="zh-CN" altLang="en-US"/>
           </a:p>
@@ -1411,7 +1414,7 @@
           <a:p>
             <a:fld id="{760FBDFE-C587-4B4C-A407-44438C67B59E}" type="datetimeFigureOut">
               <a:rPr lang="zh-CN" altLang="en-US" smtClean="0"/>
-              <a:t>2024/11/2</a:t>
+              <a:t>2024/11/3</a:t>
             </a:fld>
             <a:endParaRPr lang="zh-CN" altLang="en-US"/>
           </a:p>
@@ -1665,7 +1668,7 @@
           <a:p>
             <a:fld id="{760FBDFE-C587-4B4C-A407-44438C67B59E}" type="datetimeFigureOut">
               <a:rPr lang="zh-CN" altLang="en-US" smtClean="0"/>
-              <a:t>2024/11/2</a:t>
+              <a:t>2024/11/3</a:t>
             </a:fld>
             <a:endParaRPr lang="zh-CN" altLang="en-US"/>
           </a:p>
@@ -2079,7 +2082,7 @@
           <a:p>
             <a:fld id="{760FBDFE-C587-4B4C-A407-44438C67B59E}" type="datetimeFigureOut">
               <a:rPr lang="zh-CN" altLang="en-US" smtClean="0"/>
-              <a:t>2024/11/2</a:t>
+              <a:t>2024/11/3</a:t>
             </a:fld>
             <a:endParaRPr lang="zh-CN" altLang="en-US"/>
           </a:p>
@@ -2211,7 +2214,7 @@
           <a:p>
             <a:fld id="{760FBDFE-C587-4B4C-A407-44438C67B59E}" type="datetimeFigureOut">
               <a:rPr lang="zh-CN" altLang="en-US" smtClean="0"/>
-              <a:t>2024/11/2</a:t>
+              <a:t>2024/11/3</a:t>
             </a:fld>
             <a:endParaRPr lang="zh-CN" altLang="en-US"/>
           </a:p>
@@ -2310,7 +2313,7 @@
           <a:p>
             <a:fld id="{760FBDFE-C587-4B4C-A407-44438C67B59E}" type="datetimeFigureOut">
               <a:rPr lang="zh-CN" altLang="en-US" smtClean="0"/>
-              <a:t>2024/11/2</a:t>
+              <a:t>2024/11/3</a:t>
             </a:fld>
             <a:endParaRPr lang="zh-CN" altLang="en-US"/>
           </a:p>
@@ -2482,7 +2485,7 @@
           <a:p>
             <a:fld id="{9EFD9D74-47D9-4702-A33C-335B63B48DBF}" type="datetimeFigureOut">
               <a:rPr lang="zh-CN" altLang="en-US" smtClean="0"/>
-              <a:t>2024/11/2</a:t>
+              <a:t>2024/11/3</a:t>
             </a:fld>
             <a:endParaRPr lang="zh-CN" altLang="en-US" dirty="0"/>
           </a:p>
@@ -2722,7 +2725,7 @@
           <a:p>
             <a:fld id="{760FBDFE-C587-4B4C-A407-44438C67B59E}" type="datetimeFigureOut">
               <a:rPr lang="zh-CN" altLang="en-US" smtClean="0"/>
-              <a:t>2024/11/2</a:t>
+              <a:t>2024/11/3</a:t>
             </a:fld>
             <a:endParaRPr lang="zh-CN" altLang="en-US"/>
           </a:p>
@@ -2945,7 +2948,7 @@
           <a:p>
             <a:fld id="{760FBDFE-C587-4B4C-A407-44438C67B59E}" type="datetimeFigureOut">
               <a:rPr lang="zh-CN" altLang="en-US" smtClean="0"/>
-              <a:t>2024/11/2</a:t>
+              <a:t>2024/11/3</a:t>
             </a:fld>
             <a:endParaRPr lang="zh-CN" altLang="en-US"/>
           </a:p>
@@ -11842,6 +11845,749 @@
     <p:extLst>
       <p:ext uri="{BB962C8B-B14F-4D97-AF65-F5344CB8AC3E}">
         <p14:creationId xmlns:p14="http://schemas.microsoft.com/office/powerpoint/2010/main" val="1324124048"/>
+      </p:ext>
+    </p:extLst>
+  </p:cSld>
+  <p:clrMapOvr>
+    <a:masterClrMapping/>
+  </p:clrMapOvr>
+</p:sld>
+</file>
+
+<file path=ppt/slides/slide4.xml><?xml version="1.0" encoding="utf-8"?>
+<p:sld xmlns:a="http://schemas.openxmlformats.org/drawingml/2006/main" xmlns:r="http://schemas.openxmlformats.org/officeDocument/2006/relationships" xmlns:p="http://schemas.openxmlformats.org/presentationml/2006/main">
+  <p:cSld>
+    <p:spTree>
+      <p:nvGrpSpPr>
+        <p:cNvPr id="1" name="">
+          <a:extLst>
+            <a:ext uri="{FF2B5EF4-FFF2-40B4-BE49-F238E27FC236}">
+              <a16:creationId xmlns:a16="http://schemas.microsoft.com/office/drawing/2014/main" id="{211A0D79-FEB5-0B0B-7DE7-6F516BD24F83}"/>
+            </a:ext>
+          </a:extLst>
+        </p:cNvPr>
+        <p:cNvGrpSpPr/>
+        <p:nvPr/>
+      </p:nvGrpSpPr>
+      <p:grpSpPr>
+        <a:xfrm>
+          <a:off x="0" y="0"/>
+          <a:ext cx="0" cy="0"/>
+          <a:chOff x="0" y="0"/>
+          <a:chExt cx="0" cy="0"/>
+        </a:xfrm>
+      </p:grpSpPr>
+      <p:pic>
+        <p:nvPicPr>
+          <p:cNvPr id="3" name="图片 2">
+            <a:extLst>
+              <a:ext uri="{FF2B5EF4-FFF2-40B4-BE49-F238E27FC236}">
+                <a16:creationId xmlns:a16="http://schemas.microsoft.com/office/drawing/2014/main" id="{A75EF5E0-AC0C-E52C-62B1-49C5DB3C2739}"/>
+              </a:ext>
+            </a:extLst>
+          </p:cNvPr>
+          <p:cNvPicPr>
+            <a:picLocks noChangeAspect="1"/>
+          </p:cNvPicPr>
+          <p:nvPr/>
+        </p:nvPicPr>
+        <p:blipFill>
+          <a:blip r:embed="rId2">
+            <a:extLst>
+              <a:ext uri="{28A0092B-C50C-407E-A947-70E740481C1C}">
+                <a14:useLocalDpi xmlns:a14="http://schemas.microsoft.com/office/drawing/2010/main" val="0"/>
+              </a:ext>
+            </a:extLst>
+          </a:blip>
+          <a:stretch>
+            <a:fillRect/>
+          </a:stretch>
+        </p:blipFill>
+        <p:spPr>
+          <a:xfrm>
+            <a:off x="4362289" y="682427"/>
+            <a:ext cx="2067123" cy="2067123"/>
+          </a:xfrm>
+          <a:prstGeom prst="rect">
+            <a:avLst/>
+          </a:prstGeom>
+        </p:spPr>
+      </p:pic>
+      <p:pic>
+        <p:nvPicPr>
+          <p:cNvPr id="5" name="图片 4">
+            <a:extLst>
+              <a:ext uri="{FF2B5EF4-FFF2-40B4-BE49-F238E27FC236}">
+                <a16:creationId xmlns:a16="http://schemas.microsoft.com/office/drawing/2014/main" id="{9236E473-DFB3-FCCD-E9FA-F35347C51591}"/>
+              </a:ext>
+            </a:extLst>
+          </p:cNvPr>
+          <p:cNvPicPr>
+            <a:picLocks noChangeAspect="1"/>
+          </p:cNvPicPr>
+          <p:nvPr/>
+        </p:nvPicPr>
+        <p:blipFill>
+          <a:blip r:embed="rId3">
+            <a:extLst>
+              <a:ext uri="{28A0092B-C50C-407E-A947-70E740481C1C}">
+                <a14:useLocalDpi xmlns:a14="http://schemas.microsoft.com/office/drawing/2010/main" val="0"/>
+              </a:ext>
+            </a:extLst>
+          </a:blip>
+          <a:stretch>
+            <a:fillRect/>
+          </a:stretch>
+        </p:blipFill>
+        <p:spPr>
+          <a:xfrm>
+            <a:off x="2295165" y="682428"/>
+            <a:ext cx="2067123" cy="2067123"/>
+          </a:xfrm>
+          <a:prstGeom prst="rect">
+            <a:avLst/>
+          </a:prstGeom>
+        </p:spPr>
+      </p:pic>
+      <p:sp>
+        <p:nvSpPr>
+          <p:cNvPr id="36" name="文本框 35">
+            <a:extLst>
+              <a:ext uri="{FF2B5EF4-FFF2-40B4-BE49-F238E27FC236}">
+                <a16:creationId xmlns:a16="http://schemas.microsoft.com/office/drawing/2014/main" id="{621F5876-5973-3BCF-72DE-CA80BC93B306}"/>
+              </a:ext>
+            </a:extLst>
+          </p:cNvPr>
+          <p:cNvSpPr txBox="1"/>
+          <p:nvPr/>
+        </p:nvSpPr>
+        <p:spPr>
+          <a:xfrm>
+            <a:off x="4452603" y="2336714"/>
+            <a:ext cx="1721791" cy="554165"/>
+          </a:xfrm>
+          <a:prstGeom prst="rect">
+            <a:avLst/>
+          </a:prstGeom>
+          <a:noFill/>
+          <a:ln>
+            <a:noFill/>
+          </a:ln>
+        </p:spPr>
+        <p:txBody>
+          <a:bodyPr wrap="none" rtlCol="0">
+            <a:noAutofit/>
+          </a:bodyPr>
+          <a:lstStyle/>
+          <a:p>
+            <a:r>
+              <a:rPr lang="en-US" altLang="zh-CN" sz="900" dirty="0"/>
+              <a:t>Steer -0.0212   Speed  -0.0010</a:t>
+            </a:r>
+          </a:p>
+          <a:p>
+            <a:r>
+              <a:rPr lang="en-US" altLang="zh-CN" sz="900" dirty="0"/>
+              <a:t>Throttle  0.0      Brake  0.8530</a:t>
+            </a:r>
+          </a:p>
+        </p:txBody>
+      </p:sp>
+      <p:pic>
+        <p:nvPicPr>
+          <p:cNvPr id="7" name="图片 6">
+            <a:extLst>
+              <a:ext uri="{FF2B5EF4-FFF2-40B4-BE49-F238E27FC236}">
+                <a16:creationId xmlns:a16="http://schemas.microsoft.com/office/drawing/2014/main" id="{AC49DCA4-CD12-8E1F-5C92-00F2517393C8}"/>
+              </a:ext>
+            </a:extLst>
+          </p:cNvPr>
+          <p:cNvPicPr>
+            <a:picLocks noChangeAspect="1"/>
+          </p:cNvPicPr>
+          <p:nvPr/>
+        </p:nvPicPr>
+        <p:blipFill>
+          <a:blip r:embed="rId4">
+            <a:extLst>
+              <a:ext uri="{28A0092B-C50C-407E-A947-70E740481C1C}">
+                <a14:useLocalDpi xmlns:a14="http://schemas.microsoft.com/office/drawing/2010/main" val="0"/>
+              </a:ext>
+            </a:extLst>
+          </a:blip>
+          <a:stretch>
+            <a:fillRect/>
+          </a:stretch>
+        </p:blipFill>
+        <p:spPr>
+          <a:xfrm>
+            <a:off x="6429412" y="682427"/>
+            <a:ext cx="2067123" cy="2067123"/>
+          </a:xfrm>
+          <a:prstGeom prst="rect">
+            <a:avLst/>
+          </a:prstGeom>
+        </p:spPr>
+      </p:pic>
+      <p:pic>
+        <p:nvPicPr>
+          <p:cNvPr id="9" name="图片 8">
+            <a:extLst>
+              <a:ext uri="{FF2B5EF4-FFF2-40B4-BE49-F238E27FC236}">
+                <a16:creationId xmlns:a16="http://schemas.microsoft.com/office/drawing/2014/main" id="{BA05160F-72C5-3A72-5E01-34CCDCFBF059}"/>
+              </a:ext>
+            </a:extLst>
+          </p:cNvPr>
+          <p:cNvPicPr>
+            <a:picLocks noChangeAspect="1"/>
+          </p:cNvPicPr>
+          <p:nvPr/>
+        </p:nvPicPr>
+        <p:blipFill>
+          <a:blip r:embed="rId5">
+            <a:extLst>
+              <a:ext uri="{28A0092B-C50C-407E-A947-70E740481C1C}">
+                <a14:useLocalDpi xmlns:a14="http://schemas.microsoft.com/office/drawing/2010/main" val="0"/>
+              </a:ext>
+            </a:extLst>
+          </a:blip>
+          <a:stretch>
+            <a:fillRect/>
+          </a:stretch>
+        </p:blipFill>
+        <p:spPr>
+          <a:xfrm>
+            <a:off x="2295165" y="2894518"/>
+            <a:ext cx="2055070" cy="2055070"/>
+          </a:xfrm>
+          <a:prstGeom prst="rect">
+            <a:avLst/>
+          </a:prstGeom>
+        </p:spPr>
+      </p:pic>
+      <p:pic>
+        <p:nvPicPr>
+          <p:cNvPr id="11" name="图片 10">
+            <a:extLst>
+              <a:ext uri="{FF2B5EF4-FFF2-40B4-BE49-F238E27FC236}">
+                <a16:creationId xmlns:a16="http://schemas.microsoft.com/office/drawing/2014/main" id="{77D1C0E0-A407-D191-659C-0E9E7E92C1F1}"/>
+              </a:ext>
+            </a:extLst>
+          </p:cNvPr>
+          <p:cNvPicPr>
+            <a:picLocks noChangeAspect="1"/>
+          </p:cNvPicPr>
+          <p:nvPr/>
+        </p:nvPicPr>
+        <p:blipFill>
+          <a:blip r:embed="rId6">
+            <a:extLst>
+              <a:ext uri="{28A0092B-C50C-407E-A947-70E740481C1C}">
+                <a14:useLocalDpi xmlns:a14="http://schemas.microsoft.com/office/drawing/2010/main" val="0"/>
+              </a:ext>
+            </a:extLst>
+          </a:blip>
+          <a:stretch>
+            <a:fillRect/>
+          </a:stretch>
+        </p:blipFill>
+        <p:spPr>
+          <a:xfrm>
+            <a:off x="4350235" y="2890879"/>
+            <a:ext cx="2055070" cy="2055070"/>
+          </a:xfrm>
+          <a:prstGeom prst="rect">
+            <a:avLst/>
+          </a:prstGeom>
+        </p:spPr>
+      </p:pic>
+      <p:pic>
+        <p:nvPicPr>
+          <p:cNvPr id="13" name="图片 12">
+            <a:extLst>
+              <a:ext uri="{FF2B5EF4-FFF2-40B4-BE49-F238E27FC236}">
+                <a16:creationId xmlns:a16="http://schemas.microsoft.com/office/drawing/2014/main" id="{7DD066F7-6206-69E6-F2D9-52155B43BCCB}"/>
+              </a:ext>
+            </a:extLst>
+          </p:cNvPr>
+          <p:cNvPicPr>
+            <a:picLocks noChangeAspect="1"/>
+          </p:cNvPicPr>
+          <p:nvPr/>
+        </p:nvPicPr>
+        <p:blipFill>
+          <a:blip r:embed="rId7">
+            <a:extLst>
+              <a:ext uri="{28A0092B-C50C-407E-A947-70E740481C1C}">
+                <a14:useLocalDpi xmlns:a14="http://schemas.microsoft.com/office/drawing/2010/main" val="0"/>
+              </a:ext>
+            </a:extLst>
+          </a:blip>
+          <a:stretch>
+            <a:fillRect/>
+          </a:stretch>
+        </p:blipFill>
+        <p:spPr>
+          <a:xfrm>
+            <a:off x="6405305" y="2890879"/>
+            <a:ext cx="2067123" cy="2067123"/>
+          </a:xfrm>
+          <a:prstGeom prst="rect">
+            <a:avLst/>
+          </a:prstGeom>
+        </p:spPr>
+      </p:pic>
+      <p:sp>
+        <p:nvSpPr>
+          <p:cNvPr id="14" name="文本框 13">
+            <a:extLst>
+              <a:ext uri="{FF2B5EF4-FFF2-40B4-BE49-F238E27FC236}">
+                <a16:creationId xmlns:a16="http://schemas.microsoft.com/office/drawing/2014/main" id="{55845767-ACFA-074D-3D62-23C01643CF56}"/>
+              </a:ext>
+            </a:extLst>
+          </p:cNvPr>
+          <p:cNvSpPr txBox="1"/>
+          <p:nvPr/>
+        </p:nvSpPr>
+        <p:spPr>
+          <a:xfrm>
+            <a:off x="4568058" y="4522704"/>
+            <a:ext cx="1721791" cy="554165"/>
+          </a:xfrm>
+          <a:prstGeom prst="rect">
+            <a:avLst/>
+          </a:prstGeom>
+          <a:noFill/>
+          <a:ln>
+            <a:noFill/>
+          </a:ln>
+        </p:spPr>
+        <p:txBody>
+          <a:bodyPr wrap="none" rtlCol="0">
+            <a:noAutofit/>
+          </a:bodyPr>
+          <a:lstStyle/>
+          <a:p>
+            <a:r>
+              <a:rPr lang="en-US" altLang="zh-CN" sz="900" dirty="0"/>
+              <a:t>Steer 0.02816   Speed  -0.0009</a:t>
+            </a:r>
+          </a:p>
+          <a:p>
+            <a:r>
+              <a:rPr lang="en-US" altLang="zh-CN" sz="900" dirty="0"/>
+              <a:t>Throttle  0.0      Brake  0.1196</a:t>
+            </a:r>
+          </a:p>
+        </p:txBody>
+      </p:sp>
+    </p:spTree>
+    <p:extLst>
+      <p:ext uri="{BB962C8B-B14F-4D97-AF65-F5344CB8AC3E}">
+        <p14:creationId xmlns:p14="http://schemas.microsoft.com/office/powerpoint/2010/main" val="3507018358"/>
+      </p:ext>
+    </p:extLst>
+  </p:cSld>
+  <p:clrMapOvr>
+    <a:masterClrMapping/>
+  </p:clrMapOvr>
+</p:sld>
+</file>
+
+<file path=ppt/slides/slide5.xml><?xml version="1.0" encoding="utf-8"?>
+<p:sld xmlns:a="http://schemas.openxmlformats.org/drawingml/2006/main" xmlns:r="http://schemas.openxmlformats.org/officeDocument/2006/relationships" xmlns:p="http://schemas.openxmlformats.org/presentationml/2006/main">
+  <p:cSld>
+    <p:spTree>
+      <p:nvGrpSpPr>
+        <p:cNvPr id="1" name="">
+          <a:extLst>
+            <a:ext uri="{FF2B5EF4-FFF2-40B4-BE49-F238E27FC236}">
+              <a16:creationId xmlns:a16="http://schemas.microsoft.com/office/drawing/2014/main" id="{9D0FCD3E-8488-F2FE-33F4-80DDFAF65020}"/>
+            </a:ext>
+          </a:extLst>
+        </p:cNvPr>
+        <p:cNvGrpSpPr/>
+        <p:nvPr/>
+      </p:nvGrpSpPr>
+      <p:grpSpPr>
+        <a:xfrm>
+          <a:off x="0" y="0"/>
+          <a:ext cx="0" cy="0"/>
+          <a:chOff x="0" y="0"/>
+          <a:chExt cx="0" cy="0"/>
+        </a:xfrm>
+      </p:grpSpPr>
+      <p:pic>
+        <p:nvPicPr>
+          <p:cNvPr id="29" name="图片 28">
+            <a:extLst>
+              <a:ext uri="{FF2B5EF4-FFF2-40B4-BE49-F238E27FC236}">
+                <a16:creationId xmlns:a16="http://schemas.microsoft.com/office/drawing/2014/main" id="{5D9A00C5-D2FB-3EAA-3858-ED6E7DB563F2}"/>
+              </a:ext>
+            </a:extLst>
+          </p:cNvPr>
+          <p:cNvPicPr>
+            <a:picLocks noChangeAspect="1"/>
+          </p:cNvPicPr>
+          <p:nvPr/>
+        </p:nvPicPr>
+        <p:blipFill>
+          <a:blip r:embed="rId2">
+            <a:extLst>
+              <a:ext uri="{28A0092B-C50C-407E-A947-70E740481C1C}">
+                <a14:useLocalDpi xmlns:a14="http://schemas.microsoft.com/office/drawing/2010/main" val="0"/>
+              </a:ext>
+            </a:extLst>
+          </a:blip>
+          <a:stretch>
+            <a:fillRect/>
+          </a:stretch>
+        </p:blipFill>
+        <p:spPr>
+          <a:xfrm>
+            <a:off x="2784314" y="3473450"/>
+            <a:ext cx="6201372" cy="2067124"/>
+          </a:xfrm>
+          <a:prstGeom prst="rect">
+            <a:avLst/>
+          </a:prstGeom>
+        </p:spPr>
+      </p:pic>
+      <p:pic>
+        <p:nvPicPr>
+          <p:cNvPr id="31" name="图片 30">
+            <a:extLst>
+              <a:ext uri="{FF2B5EF4-FFF2-40B4-BE49-F238E27FC236}">
+                <a16:creationId xmlns:a16="http://schemas.microsoft.com/office/drawing/2014/main" id="{3D7F787E-56F0-E1A4-F400-6A692E1DD124}"/>
+              </a:ext>
+            </a:extLst>
+          </p:cNvPr>
+          <p:cNvPicPr>
+            <a:picLocks noChangeAspect="1"/>
+          </p:cNvPicPr>
+          <p:nvPr/>
+        </p:nvPicPr>
+        <p:blipFill>
+          <a:blip r:embed="rId3">
+            <a:extLst>
+              <a:ext uri="{28A0092B-C50C-407E-A947-70E740481C1C}">
+                <a14:useLocalDpi xmlns:a14="http://schemas.microsoft.com/office/drawing/2010/main" val="0"/>
+              </a:ext>
+            </a:extLst>
+          </a:blip>
+          <a:stretch>
+            <a:fillRect/>
+          </a:stretch>
+        </p:blipFill>
+        <p:spPr>
+          <a:xfrm>
+            <a:off x="2784314" y="1406326"/>
+            <a:ext cx="2067124" cy="2067124"/>
+          </a:xfrm>
+          <a:prstGeom prst="rect">
+            <a:avLst/>
+          </a:prstGeom>
+        </p:spPr>
+      </p:pic>
+      <p:pic>
+        <p:nvPicPr>
+          <p:cNvPr id="33" name="图片 32">
+            <a:extLst>
+              <a:ext uri="{FF2B5EF4-FFF2-40B4-BE49-F238E27FC236}">
+                <a16:creationId xmlns:a16="http://schemas.microsoft.com/office/drawing/2014/main" id="{DA230CA2-2050-BEE6-7E4A-3363C902CD4E}"/>
+              </a:ext>
+            </a:extLst>
+          </p:cNvPr>
+          <p:cNvPicPr>
+            <a:picLocks noChangeAspect="1"/>
+          </p:cNvPicPr>
+          <p:nvPr/>
+        </p:nvPicPr>
+        <p:blipFill>
+          <a:blip r:embed="rId4">
+            <a:extLst>
+              <a:ext uri="{28A0092B-C50C-407E-A947-70E740481C1C}">
+                <a14:useLocalDpi xmlns:a14="http://schemas.microsoft.com/office/drawing/2010/main" val="0"/>
+              </a:ext>
+            </a:extLst>
+          </a:blip>
+          <a:stretch>
+            <a:fillRect/>
+          </a:stretch>
+        </p:blipFill>
+        <p:spPr>
+          <a:xfrm>
+            <a:off x="4851438" y="1406326"/>
+            <a:ext cx="2067124" cy="2067124"/>
+          </a:xfrm>
+          <a:prstGeom prst="rect">
+            <a:avLst/>
+          </a:prstGeom>
+        </p:spPr>
+      </p:pic>
+      <p:pic>
+        <p:nvPicPr>
+          <p:cNvPr id="35" name="图片 34">
+            <a:extLst>
+              <a:ext uri="{FF2B5EF4-FFF2-40B4-BE49-F238E27FC236}">
+                <a16:creationId xmlns:a16="http://schemas.microsoft.com/office/drawing/2014/main" id="{F55D4DF6-CC50-B9CB-D854-C8DA5D8F5631}"/>
+              </a:ext>
+            </a:extLst>
+          </p:cNvPr>
+          <p:cNvPicPr>
+            <a:picLocks noChangeAspect="1"/>
+          </p:cNvPicPr>
+          <p:nvPr/>
+        </p:nvPicPr>
+        <p:blipFill>
+          <a:blip r:embed="rId5">
+            <a:extLst>
+              <a:ext uri="{28A0092B-C50C-407E-A947-70E740481C1C}">
+                <a14:useLocalDpi xmlns:a14="http://schemas.microsoft.com/office/drawing/2010/main" val="0"/>
+              </a:ext>
+            </a:extLst>
+          </a:blip>
+          <a:stretch>
+            <a:fillRect/>
+          </a:stretch>
+        </p:blipFill>
+        <p:spPr>
+          <a:xfrm>
+            <a:off x="6916974" y="1406326"/>
+            <a:ext cx="2067124" cy="2067124"/>
+          </a:xfrm>
+          <a:prstGeom prst="rect">
+            <a:avLst/>
+          </a:prstGeom>
+        </p:spPr>
+      </p:pic>
+      <p:sp>
+        <p:nvSpPr>
+          <p:cNvPr id="36" name="文本框 35">
+            <a:extLst>
+              <a:ext uri="{FF2B5EF4-FFF2-40B4-BE49-F238E27FC236}">
+                <a16:creationId xmlns:a16="http://schemas.microsoft.com/office/drawing/2014/main" id="{DD84BEE8-EEF4-21FF-C212-A6A8A7A247A2}"/>
+              </a:ext>
+            </a:extLst>
+          </p:cNvPr>
+          <p:cNvSpPr txBox="1"/>
+          <p:nvPr/>
+        </p:nvSpPr>
+        <p:spPr>
+          <a:xfrm>
+            <a:off x="5024104" y="3022514"/>
+            <a:ext cx="1721791" cy="554165"/>
+          </a:xfrm>
+          <a:prstGeom prst="rect">
+            <a:avLst/>
+          </a:prstGeom>
+          <a:noFill/>
+          <a:ln>
+            <a:noFill/>
+          </a:ln>
+        </p:spPr>
+        <p:txBody>
+          <a:bodyPr wrap="none" rtlCol="0">
+            <a:noAutofit/>
+          </a:bodyPr>
+          <a:lstStyle/>
+          <a:p>
+            <a:r>
+              <a:rPr lang="en-US" altLang="zh-CN" sz="900" dirty="0"/>
+              <a:t>Steer -0.0212   Speed  -0.0010</a:t>
+            </a:r>
+          </a:p>
+          <a:p>
+            <a:r>
+              <a:rPr lang="en-US" altLang="zh-CN" sz="900" dirty="0"/>
+              <a:t>Throttle  0.0      Brake  0.8530</a:t>
+            </a:r>
+          </a:p>
+        </p:txBody>
+      </p:sp>
+    </p:spTree>
+    <p:extLst>
+      <p:ext uri="{BB962C8B-B14F-4D97-AF65-F5344CB8AC3E}">
+        <p14:creationId xmlns:p14="http://schemas.microsoft.com/office/powerpoint/2010/main" val="2202023889"/>
+      </p:ext>
+    </p:extLst>
+  </p:cSld>
+  <p:clrMapOvr>
+    <a:masterClrMapping/>
+  </p:clrMapOvr>
+</p:sld>
+</file>
+
+<file path=ppt/slides/slide6.xml><?xml version="1.0" encoding="utf-8"?>
+<p:sld xmlns:a="http://schemas.openxmlformats.org/drawingml/2006/main" xmlns:r="http://schemas.openxmlformats.org/officeDocument/2006/relationships" xmlns:p="http://schemas.openxmlformats.org/presentationml/2006/main">
+  <p:cSld>
+    <p:spTree>
+      <p:nvGrpSpPr>
+        <p:cNvPr id="1" name="">
+          <a:extLst>
+            <a:ext uri="{FF2B5EF4-FFF2-40B4-BE49-F238E27FC236}">
+              <a16:creationId xmlns:a16="http://schemas.microsoft.com/office/drawing/2014/main" id="{2AD2C9A1-87BC-DC16-013E-B5B398C1B94F}"/>
+            </a:ext>
+          </a:extLst>
+        </p:cNvPr>
+        <p:cNvGrpSpPr/>
+        <p:nvPr/>
+      </p:nvGrpSpPr>
+      <p:grpSpPr>
+        <a:xfrm>
+          <a:off x="0" y="0"/>
+          <a:ext cx="0" cy="0"/>
+          <a:chOff x="0" y="0"/>
+          <a:chExt cx="0" cy="0"/>
+        </a:xfrm>
+      </p:grpSpPr>
+      <p:pic>
+        <p:nvPicPr>
+          <p:cNvPr id="3" name="图片 2">
+            <a:extLst>
+              <a:ext uri="{FF2B5EF4-FFF2-40B4-BE49-F238E27FC236}">
+                <a16:creationId xmlns:a16="http://schemas.microsoft.com/office/drawing/2014/main" id="{D9A9EED5-FDC9-65F0-C927-8488D020C89E}"/>
+              </a:ext>
+            </a:extLst>
+          </p:cNvPr>
+          <p:cNvPicPr>
+            <a:picLocks noChangeAspect="1"/>
+          </p:cNvPicPr>
+          <p:nvPr/>
+        </p:nvPicPr>
+        <p:blipFill>
+          <a:blip r:embed="rId2">
+            <a:extLst>
+              <a:ext uri="{28A0092B-C50C-407E-A947-70E740481C1C}">
+                <a14:useLocalDpi xmlns:a14="http://schemas.microsoft.com/office/drawing/2010/main" val="0"/>
+              </a:ext>
+            </a:extLst>
+          </a:blip>
+          <a:srcRect l="9948" t="8056" r="8281"/>
+          <a:stretch/>
+        </p:blipFill>
+        <p:spPr>
+          <a:xfrm>
+            <a:off x="1162050" y="590550"/>
+            <a:ext cx="9969500" cy="2101850"/>
+          </a:xfrm>
+          <a:prstGeom prst="rect">
+            <a:avLst/>
+          </a:prstGeom>
+        </p:spPr>
+      </p:pic>
+      <p:pic>
+        <p:nvPicPr>
+          <p:cNvPr id="5" name="图片 4">
+            <a:extLst>
+              <a:ext uri="{FF2B5EF4-FFF2-40B4-BE49-F238E27FC236}">
+                <a16:creationId xmlns:a16="http://schemas.microsoft.com/office/drawing/2014/main" id="{8F1C3717-EEB2-D2F7-18AC-1E571B50D116}"/>
+              </a:ext>
+            </a:extLst>
+          </p:cNvPr>
+          <p:cNvPicPr>
+            <a:picLocks noChangeAspect="1"/>
+          </p:cNvPicPr>
+          <p:nvPr/>
+        </p:nvPicPr>
+        <p:blipFill>
+          <a:blip r:embed="rId3">
+            <a:extLst>
+              <a:ext uri="{28A0092B-C50C-407E-A947-70E740481C1C}">
+                <a14:useLocalDpi xmlns:a14="http://schemas.microsoft.com/office/drawing/2010/main" val="0"/>
+              </a:ext>
+            </a:extLst>
+          </a:blip>
+          <a:stretch>
+            <a:fillRect/>
+          </a:stretch>
+        </p:blipFill>
+        <p:spPr>
+          <a:xfrm>
+            <a:off x="1544319" y="2904000"/>
+            <a:ext cx="2907031" cy="2180273"/>
+          </a:xfrm>
+          <a:prstGeom prst="rect">
+            <a:avLst/>
+          </a:prstGeom>
+        </p:spPr>
+      </p:pic>
+      <p:pic>
+        <p:nvPicPr>
+          <p:cNvPr id="7" name="图片 6">
+            <a:extLst>
+              <a:ext uri="{FF2B5EF4-FFF2-40B4-BE49-F238E27FC236}">
+                <a16:creationId xmlns:a16="http://schemas.microsoft.com/office/drawing/2014/main" id="{4932EEB8-A1C4-4A6E-CD86-BD04977027F7}"/>
+              </a:ext>
+            </a:extLst>
+          </p:cNvPr>
+          <p:cNvPicPr>
+            <a:picLocks noChangeAspect="1"/>
+          </p:cNvPicPr>
+          <p:nvPr/>
+        </p:nvPicPr>
+        <p:blipFill>
+          <a:blip r:embed="rId4">
+            <a:extLst>
+              <a:ext uri="{28A0092B-C50C-407E-A947-70E740481C1C}">
+                <a14:useLocalDpi xmlns:a14="http://schemas.microsoft.com/office/drawing/2010/main" val="0"/>
+              </a:ext>
+            </a:extLst>
+          </a:blip>
+          <a:stretch>
+            <a:fillRect/>
+          </a:stretch>
+        </p:blipFill>
+        <p:spPr>
+          <a:xfrm>
+            <a:off x="4465321" y="2904000"/>
+            <a:ext cx="3021329" cy="2265997"/>
+          </a:xfrm>
+          <a:prstGeom prst="rect">
+            <a:avLst/>
+          </a:prstGeom>
+        </p:spPr>
+      </p:pic>
+      <p:pic>
+        <p:nvPicPr>
+          <p:cNvPr id="4" name="图片 3">
+            <a:extLst>
+              <a:ext uri="{FF2B5EF4-FFF2-40B4-BE49-F238E27FC236}">
+                <a16:creationId xmlns:a16="http://schemas.microsoft.com/office/drawing/2014/main" id="{DE777677-AD0C-19B8-1344-6737B0707767}"/>
+              </a:ext>
+            </a:extLst>
+          </p:cNvPr>
+          <p:cNvPicPr>
+            <a:picLocks noChangeAspect="1"/>
+          </p:cNvPicPr>
+          <p:nvPr/>
+        </p:nvPicPr>
+        <p:blipFill>
+          <a:blip r:embed="rId5">
+            <a:extLst>
+              <a:ext uri="{28A0092B-C50C-407E-A947-70E740481C1C}">
+                <a14:useLocalDpi xmlns:a14="http://schemas.microsoft.com/office/drawing/2010/main" val="0"/>
+              </a:ext>
+            </a:extLst>
+          </a:blip>
+          <a:stretch>
+            <a:fillRect/>
+          </a:stretch>
+        </p:blipFill>
+        <p:spPr>
+          <a:xfrm>
+            <a:off x="7693025" y="2904000"/>
+            <a:ext cx="3025564" cy="2269173"/>
+          </a:xfrm>
+          <a:prstGeom prst="rect">
+            <a:avLst/>
+          </a:prstGeom>
+        </p:spPr>
+      </p:pic>
+    </p:spTree>
+    <p:extLst>
+      <p:ext uri="{BB962C8B-B14F-4D97-AF65-F5344CB8AC3E}">
+        <p14:creationId xmlns:p14="http://schemas.microsoft.com/office/powerpoint/2010/main" val="1961056678"/>
       </p:ext>
     </p:extLst>
   </p:cSld>

--- a/latex/fig/brain_inspired.pptx
+++ b/latex/fig/brain_inspired.pptx
@@ -737,6 +737,182 @@
     <p:extLst>
       <p:ext uri="{BB962C8B-B14F-4D97-AF65-F5344CB8AC3E}">
         <p14:creationId xmlns:p14="http://schemas.microsoft.com/office/powerpoint/2010/main" val="1575648181"/>
+      </p:ext>
+    </p:extLst>
+  </p:cSld>
+  <p:clrMapOvr>
+    <a:masterClrMapping/>
+  </p:clrMapOvr>
+</p:notes>
+</file>
+
+<file path=ppt/notesSlides/notesSlide4.xml><?xml version="1.0" encoding="utf-8"?>
+<p:notes xmlns:a="http://schemas.openxmlformats.org/drawingml/2006/main" xmlns:r="http://schemas.openxmlformats.org/officeDocument/2006/relationships" xmlns:p="http://schemas.openxmlformats.org/presentationml/2006/main">
+  <p:cSld>
+    <p:spTree>
+      <p:nvGrpSpPr>
+        <p:cNvPr id="1" name=""/>
+        <p:cNvGrpSpPr/>
+        <p:nvPr/>
+      </p:nvGrpSpPr>
+      <p:grpSpPr>
+        <a:xfrm>
+          <a:off x="0" y="0"/>
+          <a:ext cx="0" cy="0"/>
+          <a:chOff x="0" y="0"/>
+          <a:chExt cx="0" cy="0"/>
+        </a:xfrm>
+      </p:grpSpPr>
+      <p:sp>
+        <p:nvSpPr>
+          <p:cNvPr id="2" name="幻灯片图像占位符 1"/>
+          <p:cNvSpPr>
+            <a:spLocks noGrp="1" noRot="1" noChangeAspect="1"/>
+          </p:cNvSpPr>
+          <p:nvPr>
+            <p:ph type="sldImg"/>
+          </p:nvPr>
+        </p:nvSpPr>
+        <p:spPr/>
+      </p:sp>
+      <p:sp>
+        <p:nvSpPr>
+          <p:cNvPr id="3" name="备注占位符 2"/>
+          <p:cNvSpPr>
+            <a:spLocks noGrp="1"/>
+          </p:cNvSpPr>
+          <p:nvPr>
+            <p:ph type="body" idx="1"/>
+          </p:nvPr>
+        </p:nvSpPr>
+        <p:spPr/>
+        <p:txBody>
+          <a:bodyPr/>
+          <a:lstStyle/>
+          <a:p>
+            <a:r>
+              <a:rPr lang="en-US" altLang="zh-CN" smtClean="0"/>
+              <a:t>attention_ped_greed.pdf</a:t>
+            </a:r>
+            <a:endParaRPr lang="zh-CN" altLang="en-US"/>
+          </a:p>
+        </p:txBody>
+      </p:sp>
+      <p:sp>
+        <p:nvSpPr>
+          <p:cNvPr id="4" name="灯片编号占位符 3"/>
+          <p:cNvSpPr>
+            <a:spLocks noGrp="1"/>
+          </p:cNvSpPr>
+          <p:nvPr>
+            <p:ph type="sldNum" sz="quarter" idx="10"/>
+          </p:nvPr>
+        </p:nvSpPr>
+        <p:spPr/>
+        <p:txBody>
+          <a:bodyPr/>
+          <a:lstStyle/>
+          <a:p>
+            <a:fld id="{A6837353-30EB-4A48-80EB-173D804AEFBD}" type="slidenum">
+              <a:rPr lang="zh-CN" altLang="en-US" smtClean="0"/>
+              <a:t>4</a:t>
+            </a:fld>
+            <a:endParaRPr lang="zh-CN" altLang="en-US"/>
+          </a:p>
+        </p:txBody>
+      </p:sp>
+    </p:spTree>
+    <p:extLst>
+      <p:ext uri="{BB962C8B-B14F-4D97-AF65-F5344CB8AC3E}">
+        <p14:creationId xmlns:p14="http://schemas.microsoft.com/office/powerpoint/2010/main" val="1491853313"/>
+      </p:ext>
+    </p:extLst>
+  </p:cSld>
+  <p:clrMapOvr>
+    <a:masterClrMapping/>
+  </p:clrMapOvr>
+</p:notes>
+</file>
+
+<file path=ppt/notesSlides/notesSlide5.xml><?xml version="1.0" encoding="utf-8"?>
+<p:notes xmlns:a="http://schemas.openxmlformats.org/drawingml/2006/main" xmlns:r="http://schemas.openxmlformats.org/officeDocument/2006/relationships" xmlns:p="http://schemas.openxmlformats.org/presentationml/2006/main">
+  <p:cSld>
+    <p:spTree>
+      <p:nvGrpSpPr>
+        <p:cNvPr id="1" name=""/>
+        <p:cNvGrpSpPr/>
+        <p:nvPr/>
+      </p:nvGrpSpPr>
+      <p:grpSpPr>
+        <a:xfrm>
+          <a:off x="0" y="0"/>
+          <a:ext cx="0" cy="0"/>
+          <a:chOff x="0" y="0"/>
+          <a:chExt cx="0" cy="0"/>
+        </a:xfrm>
+      </p:grpSpPr>
+      <p:sp>
+        <p:nvSpPr>
+          <p:cNvPr id="2" name="幻灯片图像占位符 1"/>
+          <p:cNvSpPr>
+            <a:spLocks noGrp="1" noRot="1" noChangeAspect="1"/>
+          </p:cNvSpPr>
+          <p:nvPr>
+            <p:ph type="sldImg"/>
+          </p:nvPr>
+        </p:nvSpPr>
+        <p:spPr/>
+      </p:sp>
+      <p:sp>
+        <p:nvSpPr>
+          <p:cNvPr id="3" name="备注占位符 2"/>
+          <p:cNvSpPr>
+            <a:spLocks noGrp="1"/>
+          </p:cNvSpPr>
+          <p:nvPr>
+            <p:ph type="body" idx="1"/>
+          </p:nvPr>
+        </p:nvSpPr>
+        <p:spPr/>
+        <p:txBody>
+          <a:bodyPr/>
+          <a:lstStyle/>
+          <a:p>
+            <a:r>
+              <a:rPr lang="en-US" altLang="zh-CN" smtClean="0"/>
+              <a:t>driving_scores.pdf</a:t>
+            </a:r>
+            <a:endParaRPr lang="zh-CN" altLang="en-US"/>
+          </a:p>
+        </p:txBody>
+      </p:sp>
+      <p:sp>
+        <p:nvSpPr>
+          <p:cNvPr id="4" name="灯片编号占位符 3"/>
+          <p:cNvSpPr>
+            <a:spLocks noGrp="1"/>
+          </p:cNvSpPr>
+          <p:nvPr>
+            <p:ph type="sldNum" sz="quarter" idx="10"/>
+          </p:nvPr>
+        </p:nvSpPr>
+        <p:spPr/>
+        <p:txBody>
+          <a:bodyPr/>
+          <a:lstStyle/>
+          <a:p>
+            <a:fld id="{A6837353-30EB-4A48-80EB-173D804AEFBD}" type="slidenum">
+              <a:rPr lang="zh-CN" altLang="en-US" smtClean="0"/>
+              <a:t>5</a:t>
+            </a:fld>
+            <a:endParaRPr lang="zh-CN" altLang="en-US"/>
+          </a:p>
+        </p:txBody>
+      </p:sp>
+    </p:spTree>
+    <p:extLst>
+      <p:ext uri="{BB962C8B-B14F-4D97-AF65-F5344CB8AC3E}">
+        <p14:creationId xmlns:p14="http://schemas.microsoft.com/office/powerpoint/2010/main" val="119604165"/>
       </p:ext>
     </p:extLst>
   </p:cSld>
@@ -3823,7 +3999,7 @@
         </p:nvSpPr>
         <p:spPr>
           <a:xfrm>
-            <a:off x="2005903" y="2833226"/>
+            <a:off x="2139000" y="2309983"/>
             <a:ext cx="1748790" cy="273685"/>
           </a:xfrm>
           <a:prstGeom prst="rect">
@@ -4058,7 +4234,7 @@
         </p:nvSpPr>
         <p:spPr>
           <a:xfrm>
-            <a:off x="2197673" y="3187556"/>
+            <a:off x="2199325" y="2668289"/>
             <a:ext cx="1327150" cy="850900"/>
           </a:xfrm>
           <a:prstGeom prst="roundRect">
@@ -4123,7 +4299,7 @@
         </p:blipFill>
         <p:spPr>
           <a:xfrm>
-            <a:off x="3160968" y="3357736"/>
+            <a:off x="3162620" y="2838469"/>
             <a:ext cx="121285" cy="141605"/>
           </a:xfrm>
           <a:prstGeom prst="rect">
@@ -4149,7 +4325,7 @@
         </p:blipFill>
         <p:spPr>
           <a:xfrm>
-            <a:off x="2381188" y="3289156"/>
+            <a:off x="2382946" y="2858542"/>
             <a:ext cx="653415" cy="527685"/>
           </a:xfrm>
           <a:prstGeom prst="rect">
@@ -4175,7 +4351,7 @@
         </p:blipFill>
         <p:spPr>
           <a:xfrm>
-            <a:off x="3317813" y="3535536"/>
+            <a:off x="3319465" y="3016269"/>
             <a:ext cx="161925" cy="299720"/>
           </a:xfrm>
           <a:prstGeom prst="rect">
@@ -4191,7 +4367,7 @@
         </p:nvCxnSpPr>
         <p:spPr>
           <a:xfrm flipH="1">
-            <a:off x="3219388" y="3498706"/>
+            <a:off x="3221040" y="2979439"/>
             <a:ext cx="1270" cy="266700"/>
           </a:xfrm>
           <a:prstGeom prst="line">
@@ -4337,8 +4513,8 @@
         </p:nvSpPr>
         <p:spPr>
           <a:xfrm>
-            <a:off x="7595927" y="2717266"/>
-            <a:ext cx="898586" cy="1488974"/>
+            <a:off x="7595927" y="2556361"/>
+            <a:ext cx="898586" cy="1826580"/>
           </a:xfrm>
           <a:prstGeom prst="roundRect">
             <a:avLst/>
@@ -4499,8 +4675,8 @@
         </p:nvCxnSpPr>
         <p:spPr>
           <a:xfrm flipV="1">
-            <a:off x="3524823" y="2769325"/>
-            <a:ext cx="855027" cy="843681"/>
+            <a:off x="3526475" y="2769325"/>
+            <a:ext cx="853375" cy="324414"/>
           </a:xfrm>
           <a:prstGeom prst="bentConnector3">
             <a:avLst>
@@ -4543,12 +4719,12 @@
         </p:nvCxnSpPr>
         <p:spPr>
           <a:xfrm>
-            <a:off x="3524823" y="3613006"/>
-            <a:ext cx="842742" cy="769935"/>
+            <a:off x="3526475" y="3093739"/>
+            <a:ext cx="841090" cy="1289202"/>
           </a:xfrm>
           <a:prstGeom prst="bentConnector3">
             <a:avLst>
-              <a:gd name="adj1" fmla="val 50000"/>
+              <a:gd name="adj1" fmla="val 50755"/>
             </a:avLst>
           </a:prstGeom>
           <a:ln>
@@ -4629,7 +4805,7 @@
         <p:spPr>
           <a:xfrm>
             <a:off x="6574173" y="2506381"/>
-            <a:ext cx="1021754" cy="955372"/>
+            <a:ext cx="1021754" cy="963270"/>
           </a:xfrm>
           <a:prstGeom prst="bentConnector3">
             <a:avLst/>
@@ -4670,8 +4846,8 @@
         </p:nvCxnSpPr>
         <p:spPr>
           <a:xfrm flipV="1">
-            <a:off x="6540984" y="3461753"/>
-            <a:ext cx="1054943" cy="921188"/>
+            <a:off x="6540984" y="3469651"/>
+            <a:ext cx="1054943" cy="913290"/>
           </a:xfrm>
           <a:prstGeom prst="bentConnector3">
             <a:avLst>
@@ -4795,7 +4971,7 @@
         </p:nvSpPr>
         <p:spPr>
           <a:xfrm>
-            <a:off x="6523963" y="4425630"/>
+            <a:off x="6898644" y="4539988"/>
             <a:ext cx="1889760" cy="271780"/>
           </a:xfrm>
           <a:prstGeom prst="rect">
@@ -4844,7 +5020,7 @@
         </p:nvSpPr>
         <p:spPr>
           <a:xfrm>
-            <a:off x="6591273" y="2210787"/>
+            <a:off x="7164123" y="2282675"/>
             <a:ext cx="1822450" cy="273685"/>
           </a:xfrm>
           <a:prstGeom prst="rect">
@@ -4900,6 +5076,326 @@
           </a:p>
         </p:txBody>
       </p:sp>
+      <p:sp>
+        <p:nvSpPr>
+          <p:cNvPr id="94" name="圆角矩形 93"/>
+          <p:cNvSpPr/>
+          <p:nvPr/>
+        </p:nvSpPr>
+        <p:spPr>
+          <a:xfrm>
+            <a:off x="2212556" y="3765986"/>
+            <a:ext cx="1327150" cy="850900"/>
+          </a:xfrm>
+          <a:prstGeom prst="roundRect">
+            <a:avLst/>
+          </a:prstGeom>
+          <a:solidFill>
+            <a:schemeClr val="accent6">
+              <a:lumMod val="20000"/>
+              <a:lumOff val="80000"/>
+              <a:alpha val="70000"/>
+            </a:schemeClr>
+          </a:solidFill>
+          <a:ln w="3175">
+            <a:solidFill>
+              <a:schemeClr val="bg1">
+                <a:lumMod val="95000"/>
+                <a:alpha val="3000"/>
+              </a:schemeClr>
+            </a:solidFill>
+          </a:ln>
+        </p:spPr>
+        <p:style>
+          <a:lnRef idx="2">
+            <a:schemeClr val="accent1">
+              <a:lumMod val="75000"/>
+            </a:schemeClr>
+          </a:lnRef>
+          <a:fillRef idx="1">
+            <a:schemeClr val="accent1"/>
+          </a:fillRef>
+          <a:effectRef idx="0">
+            <a:srgbClr val="FFFFFF"/>
+          </a:effectRef>
+          <a:fontRef idx="minor">
+            <a:schemeClr val="lt1"/>
+          </a:fontRef>
+        </p:style>
+        <p:txBody>
+          <a:bodyPr rtlCol="0" anchor="ctr"/>
+          <a:lstStyle/>
+          <a:p>
+            <a:pPr algn="ctr"/>
+            <a:endParaRPr lang="zh-CN" altLang="en-US"/>
+          </a:p>
+        </p:txBody>
+      </p:sp>
+      <p:pic>
+        <p:nvPicPr>
+          <p:cNvPr id="95" name="图片 94"/>
+          <p:cNvPicPr>
+            <a:picLocks noChangeAspect="1"/>
+          </p:cNvPicPr>
+          <p:nvPr/>
+        </p:nvPicPr>
+        <p:blipFill>
+          <a:blip r:embed="rId8">
+            <a:alphaModFix amt="22000"/>
+          </a:blip>
+          <a:stretch>
+            <a:fillRect/>
+          </a:stretch>
+        </p:blipFill>
+        <p:spPr>
+          <a:xfrm>
+            <a:off x="3175851" y="3936166"/>
+            <a:ext cx="121285" cy="141605"/>
+          </a:xfrm>
+          <a:prstGeom prst="rect">
+            <a:avLst/>
+          </a:prstGeom>
+        </p:spPr>
+      </p:pic>
+      <p:pic>
+        <p:nvPicPr>
+          <p:cNvPr id="96" name="图片 95"/>
+          <p:cNvPicPr>
+            <a:picLocks noChangeAspect="1"/>
+          </p:cNvPicPr>
+          <p:nvPr/>
+        </p:nvPicPr>
+        <p:blipFill>
+          <a:blip r:embed="rId9">
+            <a:alphaModFix amt="22000"/>
+          </a:blip>
+          <a:stretch>
+            <a:fillRect/>
+          </a:stretch>
+        </p:blipFill>
+        <p:spPr>
+          <a:xfrm>
+            <a:off x="2396071" y="3827440"/>
+            <a:ext cx="653415" cy="527685"/>
+          </a:xfrm>
+          <a:prstGeom prst="rect">
+            <a:avLst/>
+          </a:prstGeom>
+        </p:spPr>
+      </p:pic>
+      <p:pic>
+        <p:nvPicPr>
+          <p:cNvPr id="97" name="图片 96"/>
+          <p:cNvPicPr>
+            <a:picLocks noChangeAspect="1"/>
+          </p:cNvPicPr>
+          <p:nvPr/>
+        </p:nvPicPr>
+        <p:blipFill>
+          <a:blip r:embed="rId10">
+            <a:alphaModFix amt="28000"/>
+          </a:blip>
+          <a:stretch>
+            <a:fillRect/>
+          </a:stretch>
+        </p:blipFill>
+        <p:spPr>
+          <a:xfrm>
+            <a:off x="3044111" y="4292412"/>
+            <a:ext cx="161925" cy="299720"/>
+          </a:xfrm>
+          <a:prstGeom prst="rect">
+            <a:avLst/>
+          </a:prstGeom>
+        </p:spPr>
+      </p:pic>
+      <p:cxnSp>
+        <p:nvCxnSpPr>
+          <p:cNvPr id="98" name="直接连接符 97"/>
+          <p:cNvCxnSpPr/>
+          <p:nvPr/>
+        </p:nvCxnSpPr>
+        <p:spPr>
+          <a:xfrm flipH="1">
+            <a:off x="3234271" y="4077136"/>
+            <a:ext cx="1270" cy="266700"/>
+          </a:xfrm>
+          <a:prstGeom prst="line">
+            <a:avLst/>
+          </a:prstGeom>
+          <a:ln>
+            <a:solidFill>
+              <a:schemeClr val="tx1">
+                <a:alpha val="22000"/>
+              </a:schemeClr>
+            </a:solidFill>
+          </a:ln>
+        </p:spPr>
+        <p:style>
+          <a:lnRef idx="2">
+            <a:schemeClr val="accent1"/>
+          </a:lnRef>
+          <a:fillRef idx="0">
+            <a:srgbClr val="FFFFFF"/>
+          </a:fillRef>
+          <a:effectRef idx="0">
+            <a:srgbClr val="FFFFFF"/>
+          </a:effectRef>
+          <a:fontRef idx="minor">
+            <a:schemeClr val="tx1"/>
+          </a:fontRef>
+        </p:style>
+      </p:cxnSp>
+      <p:sp>
+        <p:nvSpPr>
+          <p:cNvPr id="100" name="文本框 99"/>
+          <p:cNvSpPr txBox="1"/>
+          <p:nvPr/>
+        </p:nvSpPr>
+        <p:spPr>
+          <a:xfrm>
+            <a:off x="2714060" y="3464046"/>
+            <a:ext cx="366183" cy="273685"/>
+          </a:xfrm>
+          <a:prstGeom prst="rect">
+            <a:avLst/>
+          </a:prstGeom>
+          <a:noFill/>
+          <a:ln>
+            <a:noFill/>
+          </a:ln>
+        </p:spPr>
+        <p:txBody>
+          <a:bodyPr wrap="square" rtlCol="0">
+            <a:noAutofit/>
+          </a:bodyPr>
+          <a:lstStyle/>
+          <a:p>
+            <a:pPr marL="7620" algn="l">
+              <a:spcBef>
+                <a:spcPts val="70"/>
+              </a:spcBef>
+              <a:buClrTx/>
+              <a:buSzTx/>
+              <a:buFontTx/>
+            </a:pPr>
+            <a:r>
+              <a:rPr lang="en-US" altLang="zh-CN" sz="1200" i="1" smtClean="0">
+                <a:latin typeface="Times New Roman" panose="02020603050405020304" charset="0"/>
+                <a:cs typeface="Times New Roman" panose="02020603050405020304" charset="0"/>
+                <a:sym typeface="+mn-ea"/>
+              </a:rPr>
+              <a:t>t</a:t>
+            </a:r>
+            <a:r>
+              <a:rPr lang="en-US" altLang="zh-CN" sz="1200" smtClean="0">
+                <a:latin typeface="Times New Roman" panose="02020603050405020304" charset="0"/>
+                <a:cs typeface="Times New Roman" panose="02020603050405020304" charset="0"/>
+                <a:sym typeface="+mn-ea"/>
+              </a:rPr>
+              <a:t>-1</a:t>
+            </a:r>
+            <a:endParaRPr lang="zh-CN" altLang="en-US" sz="1200">
+              <a:latin typeface="Times New Roman" panose="02020603050405020304" charset="0"/>
+              <a:cs typeface="Times New Roman" panose="02020603050405020304" charset="0"/>
+              <a:sym typeface="+mn-ea"/>
+            </a:endParaRPr>
+          </a:p>
+        </p:txBody>
+      </p:sp>
+      <p:sp>
+        <p:nvSpPr>
+          <p:cNvPr id="101" name="文本框 100"/>
+          <p:cNvSpPr txBox="1"/>
+          <p:nvPr/>
+        </p:nvSpPr>
+        <p:spPr>
+          <a:xfrm>
+            <a:off x="2755110" y="4581643"/>
+            <a:ext cx="366183" cy="273685"/>
+          </a:xfrm>
+          <a:prstGeom prst="rect">
+            <a:avLst/>
+          </a:prstGeom>
+          <a:noFill/>
+          <a:ln>
+            <a:noFill/>
+          </a:ln>
+        </p:spPr>
+        <p:txBody>
+          <a:bodyPr wrap="square" rtlCol="0">
+            <a:noAutofit/>
+          </a:bodyPr>
+          <a:lstStyle/>
+          <a:p>
+            <a:pPr marL="7620" algn="l">
+              <a:spcBef>
+                <a:spcPts val="70"/>
+              </a:spcBef>
+              <a:buClrTx/>
+              <a:buSzTx/>
+              <a:buFontTx/>
+            </a:pPr>
+            <a:r>
+              <a:rPr lang="en-US" altLang="zh-CN" sz="1200" i="1" smtClean="0">
+                <a:latin typeface="Times New Roman" panose="02020603050405020304" charset="0"/>
+                <a:cs typeface="Times New Roman" panose="02020603050405020304" charset="0"/>
+                <a:sym typeface="+mn-ea"/>
+              </a:rPr>
+              <a:t>t</a:t>
+            </a:r>
+            <a:endParaRPr lang="zh-CN" altLang="en-US" sz="1200">
+              <a:latin typeface="Times New Roman" panose="02020603050405020304" charset="0"/>
+              <a:cs typeface="Times New Roman" panose="02020603050405020304" charset="0"/>
+              <a:sym typeface="+mn-ea"/>
+            </a:endParaRPr>
+          </a:p>
+        </p:txBody>
+      </p:sp>
+      <p:cxnSp>
+        <p:nvCxnSpPr>
+          <p:cNvPr id="74" name="肘形连接符 73"/>
+          <p:cNvCxnSpPr>
+            <a:stCxn id="94" idx="3"/>
+            <a:endCxn id="3209" idx="2"/>
+          </p:cNvCxnSpPr>
+          <p:nvPr/>
+        </p:nvCxnSpPr>
+        <p:spPr>
+          <a:xfrm flipV="1">
+            <a:off x="3539706" y="2769325"/>
+            <a:ext cx="840144" cy="1422111"/>
+          </a:xfrm>
+          <a:prstGeom prst="bentConnector3">
+            <a:avLst>
+              <a:gd name="adj1" fmla="val 49244"/>
+            </a:avLst>
+          </a:prstGeom>
+          <a:ln>
+            <a:solidFill>
+              <a:schemeClr val="tx1">
+                <a:lumMod val="65000"/>
+                <a:lumOff val="35000"/>
+              </a:schemeClr>
+            </a:solidFill>
+            <a:tailEnd type="triangle"/>
+          </a:ln>
+        </p:spPr>
+        <p:style>
+          <a:lnRef idx="1">
+            <a:schemeClr val="accent1"/>
+          </a:lnRef>
+          <a:fillRef idx="0">
+            <a:schemeClr val="accent1"/>
+          </a:fillRef>
+          <a:effectRef idx="0">
+            <a:schemeClr val="accent1"/>
+          </a:effectRef>
+          <a:fontRef idx="minor">
+            <a:schemeClr val="tx1"/>
+          </a:fontRef>
+        </p:style>
+      </p:cxnSp>
     </p:spTree>
     <p:custDataLst>
       <p:tags r:id="rId1"/>
@@ -8198,36 +8694,6 @@
           <p:nvPr/>
         </p:nvPicPr>
         <p:blipFill>
-          <a:blip r:embed="rId3">
-            <a:extLst>
-              <a:ext uri="{28A0092B-C50C-407E-A947-70E740481C1C}">
-                <a14:useLocalDpi xmlns:a14="http://schemas.microsoft.com/office/drawing/2010/main" val="0"/>
-              </a:ext>
-            </a:extLst>
-          </a:blip>
-          <a:stretch>
-            <a:fillRect/>
-          </a:stretch>
-        </p:blipFill>
-        <p:spPr>
-          <a:xfrm>
-            <a:off x="2784314" y="3473450"/>
-            <a:ext cx="6201372" cy="2067124"/>
-          </a:xfrm>
-          <a:prstGeom prst="rect">
-            <a:avLst/>
-          </a:prstGeom>
-        </p:spPr>
-      </p:pic>
-      <p:pic>
-        <p:nvPicPr>
-          <p:cNvPr id="31" name="图片 30"/>
-          <p:cNvPicPr>
-            <a:picLocks noChangeAspect="1"/>
-          </p:cNvPicPr>
-          <p:nvPr/>
-        </p:nvPicPr>
-        <p:blipFill>
           <a:blip r:embed="rId4">
             <a:extLst>
               <a:ext uri="{28A0092B-C50C-407E-A947-70E740481C1C}">
@@ -8241,8 +8707,8 @@
         </p:blipFill>
         <p:spPr>
           <a:xfrm>
-            <a:off x="2784314" y="1406326"/>
-            <a:ext cx="2067124" cy="2067124"/>
+            <a:off x="2784314" y="3473450"/>
+            <a:ext cx="6201372" cy="2067124"/>
           </a:xfrm>
           <a:prstGeom prst="rect">
             <a:avLst/>
@@ -8251,7 +8717,7 @@
       </p:pic>
       <p:pic>
         <p:nvPicPr>
-          <p:cNvPr id="33" name="图片 32"/>
+          <p:cNvPr id="31" name="图片 30"/>
           <p:cNvPicPr>
             <a:picLocks noChangeAspect="1"/>
           </p:cNvPicPr>
@@ -8271,6 +8737,36 @@
         </p:blipFill>
         <p:spPr>
           <a:xfrm>
+            <a:off x="2784314" y="1406326"/>
+            <a:ext cx="2067124" cy="2067124"/>
+          </a:xfrm>
+          <a:prstGeom prst="rect">
+            <a:avLst/>
+          </a:prstGeom>
+        </p:spPr>
+      </p:pic>
+      <p:pic>
+        <p:nvPicPr>
+          <p:cNvPr id="33" name="图片 32"/>
+          <p:cNvPicPr>
+            <a:picLocks noChangeAspect="1"/>
+          </p:cNvPicPr>
+          <p:nvPr/>
+        </p:nvPicPr>
+        <p:blipFill>
+          <a:blip r:embed="rId6">
+            <a:extLst>
+              <a:ext uri="{28A0092B-C50C-407E-A947-70E740481C1C}">
+                <a14:useLocalDpi xmlns:a14="http://schemas.microsoft.com/office/drawing/2010/main" val="0"/>
+              </a:ext>
+            </a:extLst>
+          </a:blip>
+          <a:stretch>
+            <a:fillRect/>
+          </a:stretch>
+        </p:blipFill>
+        <p:spPr>
+          <a:xfrm>
             <a:off x="4851438" y="1406326"/>
             <a:ext cx="2067124" cy="2067124"/>
           </a:xfrm>
@@ -8288,7 +8784,7 @@
           <p:nvPr/>
         </p:nvPicPr>
         <p:blipFill>
-          <a:blip r:embed="rId6">
+          <a:blip r:embed="rId7">
             <a:extLst>
               <a:ext uri="{28A0092B-C50C-407E-A947-70E740481C1C}">
                 <a14:useLocalDpi xmlns:a14="http://schemas.microsoft.com/office/drawing/2010/main" val="0"/>
@@ -8384,7 +8880,7 @@
           <p:nvPr/>
         </p:nvPicPr>
         <p:blipFill>
-          <a:blip r:embed="rId3">
+          <a:blip r:embed="rId4">
             <a:extLst>
               <a:ext uri="{28A0092B-C50C-407E-A947-70E740481C1C}">
                 <a14:useLocalDpi xmlns:a14="http://schemas.microsoft.com/office/drawing/2010/main" val="0"/>
@@ -8409,36 +8905,6 @@
       <p:pic>
         <p:nvPicPr>
           <p:cNvPr id="5" name="图片 4"/>
-          <p:cNvPicPr>
-            <a:picLocks noChangeAspect="1"/>
-          </p:cNvPicPr>
-          <p:nvPr/>
-        </p:nvPicPr>
-        <p:blipFill>
-          <a:blip r:embed="rId4">
-            <a:extLst>
-              <a:ext uri="{28A0092B-C50C-407E-A947-70E740481C1C}">
-                <a14:useLocalDpi xmlns:a14="http://schemas.microsoft.com/office/drawing/2010/main" val="0"/>
-              </a:ext>
-            </a:extLst>
-          </a:blip>
-          <a:stretch>
-            <a:fillRect/>
-          </a:stretch>
-        </p:blipFill>
-        <p:spPr>
-          <a:xfrm>
-            <a:off x="1544319" y="2904000"/>
-            <a:ext cx="2907031" cy="2180273"/>
-          </a:xfrm>
-          <a:prstGeom prst="rect">
-            <a:avLst/>
-          </a:prstGeom>
-        </p:spPr>
-      </p:pic>
-      <p:pic>
-        <p:nvPicPr>
-          <p:cNvPr id="7" name="图片 6"/>
           <p:cNvPicPr>
             <a:picLocks noChangeAspect="1"/>
           </p:cNvPicPr>
@@ -8458,6 +8924,36 @@
         </p:blipFill>
         <p:spPr>
           <a:xfrm>
+            <a:off x="1544319" y="2904000"/>
+            <a:ext cx="2907031" cy="2180273"/>
+          </a:xfrm>
+          <a:prstGeom prst="rect">
+            <a:avLst/>
+          </a:prstGeom>
+        </p:spPr>
+      </p:pic>
+      <p:pic>
+        <p:nvPicPr>
+          <p:cNvPr id="7" name="图片 6"/>
+          <p:cNvPicPr>
+            <a:picLocks noChangeAspect="1"/>
+          </p:cNvPicPr>
+          <p:nvPr/>
+        </p:nvPicPr>
+        <p:blipFill>
+          <a:blip r:embed="rId6">
+            <a:extLst>
+              <a:ext uri="{28A0092B-C50C-407E-A947-70E740481C1C}">
+                <a14:useLocalDpi xmlns:a14="http://schemas.microsoft.com/office/drawing/2010/main" val="0"/>
+              </a:ext>
+            </a:extLst>
+          </a:blip>
+          <a:stretch>
+            <a:fillRect/>
+          </a:stretch>
+        </p:blipFill>
+        <p:spPr>
+          <a:xfrm>
             <a:off x="4465321" y="2904000"/>
             <a:ext cx="3021329" cy="2265997"/>
           </a:xfrm>
@@ -8475,7 +8971,7 @@
           <p:nvPr/>
         </p:nvPicPr>
         <p:blipFill>
-          <a:blip r:embed="rId6">
+          <a:blip r:embed="rId7">
             <a:extLst>
               <a:ext uri="{28A0092B-C50C-407E-A947-70E740481C1C}">
                 <a14:useLocalDpi xmlns:a14="http://schemas.microsoft.com/office/drawing/2010/main" val="0"/>

--- a/latex/fig/brain_inspired.pptx
+++ b/latex/fig/brain_inspired.pptx
@@ -5,21 +5,21 @@
     <p:sldMasterId id="2147483648" r:id="rId1"/>
   </p:sldMasterIdLst>
   <p:notesMasterIdLst>
-    <p:notesMasterId r:id="rId9"/>
+    <p:notesMasterId r:id="rId4"/>
   </p:notesMasterIdLst>
   <p:sldIdLst>
-    <p:sldId id="267" r:id="rId2"/>
-    <p:sldId id="269" r:id="rId3"/>
-    <p:sldId id="270" r:id="rId4"/>
-    <p:sldId id="272" r:id="rId5"/>
-    <p:sldId id="271" r:id="rId6"/>
-    <p:sldId id="273" r:id="rId7"/>
-    <p:sldId id="268" r:id="rId8"/>
+    <p:sldId id="267" r:id="rId3"/>
+    <p:sldId id="269" r:id="rId5"/>
+    <p:sldId id="270" r:id="rId6"/>
+    <p:sldId id="272" r:id="rId7"/>
+    <p:sldId id="271" r:id="rId8"/>
+    <p:sldId id="273" r:id="rId9"/>
+    <p:sldId id="268" r:id="rId10"/>
   </p:sldIdLst>
   <p:sldSz cx="12192000" cy="6858000"/>
   <p:notesSz cx="6858000" cy="9144000"/>
   <p:custDataLst>
-    <p:tags r:id="rId10"/>
+    <p:tags r:id="rId14"/>
   </p:custDataLst>
   <p:defaultTextStyle>
     <a:defPPr>
@@ -116,25 +116,6 @@
       </a:defRPr>
     </a:lvl9pPr>
   </p:defaultTextStyle>
-  <p:extLst>
-    <p:ext uri="{EFAFB233-063F-42B5-8137-9DF3F51BA10A}">
-      <p15:sldGuideLst xmlns:p15="http://schemas.microsoft.com/office/powerpoint/2012/main">
-        <p15:guide id="1" orient="horz" pos="2051">
-          <p15:clr>
-            <a:srgbClr val="A4A3A4"/>
-          </p15:clr>
-        </p15:guide>
-        <p15:guide id="2" pos="3778">
-          <p15:clr>
-            <a:srgbClr val="A4A3A4"/>
-          </p15:clr>
-        </p15:guide>
-      </p15:sldGuideLst>
-    </p:ext>
-    <p:ext uri="{2D200454-40CA-4A62-9FC3-DE9A4176ACB9}">
-      <p15:notesGuideLst xmlns:p15="http://schemas.microsoft.com/office/powerpoint/2012/main"/>
-    </p:ext>
-  </p:extLst>
 </p:presentation>
 </file>
 
@@ -220,7 +201,6 @@
           <a:p>
             <a:fld id="{D2A48B96-639E-45A3-A0BA-2464DFDB1FAA}" type="datetimeFigureOut">
               <a:rPr lang="zh-CN" altLang="en-US" smtClean="0"/>
-              <a:t>2024/11/5</a:t>
             </a:fld>
             <a:endParaRPr lang="zh-CN" altLang="en-US"/>
           </a:p>
@@ -287,6 +267,7 @@
               <a:rPr lang="zh-CN" altLang="en-US"/>
               <a:t>单击此处编辑母版文本样式</a:t>
             </a:r>
+            <a:endParaRPr lang="zh-CN" altLang="en-US"/>
           </a:p>
           <a:p>
             <a:pPr lvl="1"/>
@@ -294,6 +275,7 @@
               <a:rPr lang="zh-CN" altLang="en-US"/>
               <a:t>第二级</a:t>
             </a:r>
+            <a:endParaRPr lang="zh-CN" altLang="en-US"/>
           </a:p>
           <a:p>
             <a:pPr lvl="2"/>
@@ -301,6 +283,7 @@
               <a:rPr lang="zh-CN" altLang="en-US"/>
               <a:t>第三级</a:t>
             </a:r>
+            <a:endParaRPr lang="zh-CN" altLang="en-US"/>
           </a:p>
           <a:p>
             <a:pPr lvl="3"/>
@@ -308,6 +291,7 @@
               <a:rPr lang="zh-CN" altLang="en-US"/>
               <a:t>第四级</a:t>
             </a:r>
+            <a:endParaRPr lang="zh-CN" altLang="en-US"/>
           </a:p>
           <a:p>
             <a:pPr lvl="4"/>
@@ -315,6 +299,7 @@
               <a:rPr lang="zh-CN" altLang="en-US"/>
               <a:t>第五级</a:t>
             </a:r>
+            <a:endParaRPr lang="zh-CN" altLang="en-US"/>
           </a:p>
         </p:txBody>
       </p:sp>
@@ -378,7 +363,6 @@
           <a:p>
             <a:fld id="{A6837353-30EB-4A48-80EB-173D804AEFBD}" type="slidenum">
               <a:rPr lang="zh-CN" altLang="en-US" smtClean="0"/>
-              <a:t>‹#›</a:t>
             </a:fld>
             <a:endParaRPr lang="zh-CN" altLang="en-US"/>
           </a:p>
@@ -551,18 +535,12 @@
           <a:p>
             <a:fld id="{A6837353-30EB-4A48-80EB-173D804AEFBD}" type="slidenum">
               <a:rPr lang="zh-CN" altLang="en-US" smtClean="0"/>
-              <a:t>1</a:t>
             </a:fld>
             <a:endParaRPr lang="zh-CN" altLang="en-US"/>
           </a:p>
         </p:txBody>
       </p:sp>
     </p:spTree>
-    <p:extLst>
-      <p:ext uri="{BB962C8B-B14F-4D97-AF65-F5344CB8AC3E}">
-        <p14:creationId xmlns:p14="http://schemas.microsoft.com/office/powerpoint/2010/main" val="2410821233"/>
-      </p:ext>
-    </p:extLst>
   </p:cSld>
   <p:clrMapOvr>
     <a:masterClrMapping/>
@@ -639,18 +617,12 @@
           <a:p>
             <a:fld id="{A6837353-30EB-4A48-80EB-173D804AEFBD}" type="slidenum">
               <a:rPr lang="zh-CN" altLang="en-US" smtClean="0"/>
-              <a:t>2</a:t>
             </a:fld>
             <a:endParaRPr lang="zh-CN" altLang="en-US"/>
           </a:p>
         </p:txBody>
       </p:sp>
     </p:spTree>
-    <p:extLst>
-      <p:ext uri="{BB962C8B-B14F-4D97-AF65-F5344CB8AC3E}">
-        <p14:creationId xmlns:p14="http://schemas.microsoft.com/office/powerpoint/2010/main" val="364594485"/>
-      </p:ext>
-    </p:extLst>
   </p:cSld>
   <p:clrMapOvr>
     <a:masterClrMapping/>
@@ -727,18 +699,12 @@
           <a:p>
             <a:fld id="{A6837353-30EB-4A48-80EB-173D804AEFBD}" type="slidenum">
               <a:rPr lang="zh-CN" altLang="en-US" smtClean="0"/>
-              <a:t>3</a:t>
             </a:fld>
             <a:endParaRPr lang="zh-CN" altLang="en-US"/>
           </a:p>
         </p:txBody>
       </p:sp>
     </p:spTree>
-    <p:extLst>
-      <p:ext uri="{BB962C8B-B14F-4D97-AF65-F5344CB8AC3E}">
-        <p14:creationId xmlns:p14="http://schemas.microsoft.com/office/powerpoint/2010/main" val="1575648181"/>
-      </p:ext>
-    </p:extLst>
   </p:cSld>
   <p:clrMapOvr>
     <a:masterClrMapping/>
@@ -815,18 +781,12 @@
           <a:p>
             <a:fld id="{A6837353-30EB-4A48-80EB-173D804AEFBD}" type="slidenum">
               <a:rPr lang="zh-CN" altLang="en-US" smtClean="0"/>
-              <a:t>4</a:t>
             </a:fld>
             <a:endParaRPr lang="zh-CN" altLang="en-US"/>
           </a:p>
         </p:txBody>
       </p:sp>
     </p:spTree>
-    <p:extLst>
-      <p:ext uri="{BB962C8B-B14F-4D97-AF65-F5344CB8AC3E}">
-        <p14:creationId xmlns:p14="http://schemas.microsoft.com/office/powerpoint/2010/main" val="1491853313"/>
-      </p:ext>
-    </p:extLst>
   </p:cSld>
   <p:clrMapOvr>
     <a:masterClrMapping/>
@@ -903,18 +863,12 @@
           <a:p>
             <a:fld id="{A6837353-30EB-4A48-80EB-173D804AEFBD}" type="slidenum">
               <a:rPr lang="zh-CN" altLang="en-US" smtClean="0"/>
-              <a:t>5</a:t>
             </a:fld>
             <a:endParaRPr lang="zh-CN" altLang="en-US"/>
           </a:p>
         </p:txBody>
       </p:sp>
     </p:spTree>
-    <p:extLst>
-      <p:ext uri="{BB962C8B-B14F-4D97-AF65-F5344CB8AC3E}">
-        <p14:creationId xmlns:p14="http://schemas.microsoft.com/office/powerpoint/2010/main" val="119604165"/>
-      </p:ext>
-    </p:extLst>
   </p:cSld>
   <p:clrMapOvr>
     <a:masterClrMapping/>
@@ -948,7 +902,7 @@
           <p:nvPr>
             <p:ph type="ctrTitle"/>
             <p:custDataLst>
-              <p:tags r:id="rId1"/>
+              <p:tags r:id="rId2"/>
             </p:custDataLst>
           </p:nvPr>
         </p:nvSpPr>
@@ -972,6 +926,7 @@
               <a:rPr lang="zh-CN" altLang="en-US" dirty="0"/>
               <a:t>单击此处编辑母版标题样式</a:t>
             </a:r>
+            <a:endParaRPr lang="zh-CN" altLang="en-US" dirty="0"/>
           </a:p>
         </p:txBody>
       </p:sp>
@@ -984,7 +939,7 @@
           <p:nvPr>
             <p:ph type="subTitle" idx="1"/>
             <p:custDataLst>
-              <p:tags r:id="rId2"/>
+              <p:tags r:id="rId3"/>
             </p:custDataLst>
           </p:nvPr>
         </p:nvSpPr>
@@ -1044,6 +999,7 @@
               <a:rPr lang="zh-CN" altLang="en-US" dirty="0"/>
               <a:t>单击此处编辑母版副标题样式</a:t>
             </a:r>
+            <a:endParaRPr lang="zh-CN" altLang="en-US" dirty="0"/>
           </a:p>
         </p:txBody>
       </p:sp>
@@ -1056,7 +1012,7 @@
           <p:nvPr>
             <p:ph type="dt" sz="half" idx="10"/>
             <p:custDataLst>
-              <p:tags r:id="rId3"/>
+              <p:tags r:id="rId4"/>
             </p:custDataLst>
           </p:nvPr>
         </p:nvSpPr>
@@ -1067,7 +1023,6 @@
           <a:p>
             <a:fld id="{760FBDFE-C587-4B4C-A407-44438C67B59E}" type="datetimeFigureOut">
               <a:rPr lang="zh-CN" altLang="en-US" smtClean="0"/>
-              <a:t>2024/11/5</a:t>
             </a:fld>
             <a:endParaRPr lang="zh-CN" altLang="en-US"/>
           </a:p>
@@ -1082,7 +1037,7 @@
           <p:nvPr>
             <p:ph type="ftr" sz="quarter" idx="11"/>
             <p:custDataLst>
-              <p:tags r:id="rId4"/>
+              <p:tags r:id="rId5"/>
             </p:custDataLst>
           </p:nvPr>
         </p:nvSpPr>
@@ -1104,7 +1059,7 @@
           <p:nvPr>
             <p:ph type="sldNum" sz="quarter" idx="12"/>
             <p:custDataLst>
-              <p:tags r:id="rId5"/>
+              <p:tags r:id="rId6"/>
             </p:custDataLst>
           </p:nvPr>
         </p:nvSpPr>
@@ -1115,7 +1070,6 @@
           <a:p>
             <a:fld id="{49AE70B2-8BF9-45C0-BB95-33D1B9D3A854}" type="slidenum">
               <a:rPr lang="zh-CN" altLang="en-US" smtClean="0"/>
-              <a:t>‹#›</a:t>
             </a:fld>
             <a:endParaRPr lang="zh-CN" altLang="en-US" dirty="0"/>
           </a:p>
@@ -1155,7 +1109,7 @@
           <p:nvPr>
             <p:ph type="dt" sz="half" idx="10"/>
             <p:custDataLst>
-              <p:tags r:id="rId1"/>
+              <p:tags r:id="rId2"/>
             </p:custDataLst>
           </p:nvPr>
         </p:nvSpPr>
@@ -1166,7 +1120,6 @@
           <a:p>
             <a:fld id="{760FBDFE-C587-4B4C-A407-44438C67B59E}" type="datetimeFigureOut">
               <a:rPr lang="zh-CN" altLang="en-US" smtClean="0"/>
-              <a:t>2024/11/5</a:t>
             </a:fld>
             <a:endParaRPr lang="zh-CN" altLang="en-US"/>
           </a:p>
@@ -1181,7 +1134,7 @@
           <p:nvPr>
             <p:ph type="ftr" sz="quarter" idx="11"/>
             <p:custDataLst>
-              <p:tags r:id="rId2"/>
+              <p:tags r:id="rId3"/>
             </p:custDataLst>
           </p:nvPr>
         </p:nvSpPr>
@@ -1203,7 +1156,7 @@
           <p:nvPr>
             <p:ph type="sldNum" sz="quarter" idx="12"/>
             <p:custDataLst>
-              <p:tags r:id="rId3"/>
+              <p:tags r:id="rId4"/>
             </p:custDataLst>
           </p:nvPr>
         </p:nvSpPr>
@@ -1214,7 +1167,6 @@
           <a:p>
             <a:fld id="{49AE70B2-8BF9-45C0-BB95-33D1B9D3A854}" type="slidenum">
               <a:rPr lang="zh-CN" altLang="en-US" smtClean="0"/>
-              <a:t>‹#›</a:t>
             </a:fld>
             <a:endParaRPr lang="zh-CN" altLang="en-US"/>
           </a:p>
@@ -1229,7 +1181,7 @@
           <p:nvPr>
             <p:ph sz="quarter" idx="13"/>
             <p:custDataLst>
-              <p:tags r:id="rId4"/>
+              <p:tags r:id="rId5"/>
             </p:custDataLst>
           </p:nvPr>
         </p:nvSpPr>
@@ -1248,6 +1200,7 @@
               <a:rPr lang="zh-CN" altLang="en-US" dirty="0"/>
               <a:t>单击此处编辑母版文本样式</a:t>
             </a:r>
+            <a:endParaRPr lang="zh-CN" altLang="en-US" dirty="0"/>
           </a:p>
           <a:p>
             <a:pPr lvl="1"/>
@@ -1255,6 +1208,7 @@
               <a:rPr lang="zh-CN" altLang="en-US" dirty="0"/>
               <a:t>第二级</a:t>
             </a:r>
+            <a:endParaRPr lang="zh-CN" altLang="en-US" dirty="0"/>
           </a:p>
           <a:p>
             <a:pPr lvl="2"/>
@@ -1262,6 +1216,7 @@
               <a:rPr lang="zh-CN" altLang="en-US" dirty="0"/>
               <a:t>第三级</a:t>
             </a:r>
+            <a:endParaRPr lang="zh-CN" altLang="en-US" dirty="0"/>
           </a:p>
           <a:p>
             <a:pPr lvl="3"/>
@@ -1269,6 +1224,7 @@
               <a:rPr lang="zh-CN" altLang="en-US" dirty="0"/>
               <a:t>第四级</a:t>
             </a:r>
+            <a:endParaRPr lang="zh-CN" altLang="en-US" dirty="0"/>
           </a:p>
           <a:p>
             <a:pPr lvl="4"/>
@@ -1276,6 +1232,7 @@
               <a:rPr lang="zh-CN" altLang="en-US" dirty="0"/>
               <a:t>第五级</a:t>
             </a:r>
+            <a:endParaRPr lang="zh-CN" altLang="en-US" dirty="0"/>
           </a:p>
         </p:txBody>
       </p:sp>
@@ -1313,7 +1270,7 @@
           <p:nvPr>
             <p:ph type="dt" sz="half" idx="10"/>
             <p:custDataLst>
-              <p:tags r:id="rId1"/>
+              <p:tags r:id="rId2"/>
             </p:custDataLst>
           </p:nvPr>
         </p:nvSpPr>
@@ -1324,7 +1281,6 @@
           <a:p>
             <a:fld id="{760FBDFE-C587-4B4C-A407-44438C67B59E}" type="datetimeFigureOut">
               <a:rPr lang="zh-CN" altLang="en-US" smtClean="0"/>
-              <a:t>2024/11/5</a:t>
             </a:fld>
             <a:endParaRPr lang="zh-CN" altLang="en-US"/>
           </a:p>
@@ -1339,7 +1295,7 @@
           <p:nvPr>
             <p:ph type="ftr" sz="quarter" idx="11"/>
             <p:custDataLst>
-              <p:tags r:id="rId2"/>
+              <p:tags r:id="rId3"/>
             </p:custDataLst>
           </p:nvPr>
         </p:nvSpPr>
@@ -1361,7 +1317,7 @@
           <p:nvPr>
             <p:ph type="sldNum" sz="quarter" idx="12"/>
             <p:custDataLst>
-              <p:tags r:id="rId3"/>
+              <p:tags r:id="rId4"/>
             </p:custDataLst>
           </p:nvPr>
         </p:nvSpPr>
@@ -1372,7 +1328,6 @@
           <a:p>
             <a:fld id="{49AE70B2-8BF9-45C0-BB95-33D1B9D3A854}" type="slidenum">
               <a:rPr lang="zh-CN" altLang="en-US" smtClean="0"/>
-              <a:t>‹#›</a:t>
             </a:fld>
             <a:endParaRPr lang="zh-CN" altLang="en-US"/>
           </a:p>
@@ -1387,7 +1342,7 @@
           <p:nvPr>
             <p:ph type="title" hasCustomPrompt="1"/>
             <p:custDataLst>
-              <p:tags r:id="rId4"/>
+              <p:tags r:id="rId5"/>
             </p:custDataLst>
           </p:nvPr>
         </p:nvSpPr>
@@ -1412,6 +1367,7 @@
               <a:rPr lang="zh-CN" altLang="en-US"/>
               <a:t>单击此处编辑标题</a:t>
             </a:r>
+            <a:endParaRPr lang="zh-CN" altLang="en-US"/>
           </a:p>
         </p:txBody>
       </p:sp>
@@ -1424,7 +1380,7 @@
           <p:nvPr>
             <p:ph type="body" sz="quarter" idx="13"/>
             <p:custDataLst>
-              <p:tags r:id="rId5"/>
+              <p:tags r:id="rId6"/>
             </p:custDataLst>
           </p:nvPr>
         </p:nvSpPr>
@@ -1453,6 +1409,7 @@
               <a:rPr lang="zh-CN" altLang="en-US" dirty="0"/>
               <a:t>单击此处编辑母版文本样式</a:t>
             </a:r>
+            <a:endParaRPr lang="zh-CN" altLang="en-US" dirty="0"/>
           </a:p>
         </p:txBody>
       </p:sp>
@@ -1490,7 +1447,7 @@
           <p:nvPr>
             <p:ph type="title"/>
             <p:custDataLst>
-              <p:tags r:id="rId1"/>
+              <p:tags r:id="rId2"/>
             </p:custDataLst>
           </p:nvPr>
         </p:nvSpPr>
@@ -1511,6 +1468,7 @@
               <a:rPr lang="zh-CN" altLang="en-US"/>
               <a:t>单击此处编辑母版标题样式</a:t>
             </a:r>
+            <a:endParaRPr lang="zh-CN" altLang="en-US"/>
           </a:p>
         </p:txBody>
       </p:sp>
@@ -1523,7 +1481,7 @@
           <p:nvPr>
             <p:ph idx="1"/>
             <p:custDataLst>
-              <p:tags r:id="rId2"/>
+              <p:tags r:id="rId3"/>
             </p:custDataLst>
           </p:nvPr>
         </p:nvSpPr>
@@ -1544,6 +1502,7 @@
               <a:rPr lang="zh-CN" altLang="en-US"/>
               <a:t>单击此处编辑母版文本样式</a:t>
             </a:r>
+            <a:endParaRPr lang="zh-CN" altLang="en-US"/>
           </a:p>
           <a:p>
             <a:pPr lvl="1"/>
@@ -1551,6 +1510,7 @@
               <a:rPr lang="zh-CN" altLang="en-US"/>
               <a:t>第二级</a:t>
             </a:r>
+            <a:endParaRPr lang="zh-CN" altLang="en-US"/>
           </a:p>
           <a:p>
             <a:pPr lvl="2"/>
@@ -1558,6 +1518,7 @@
               <a:rPr lang="zh-CN" altLang="en-US"/>
               <a:t>第三级</a:t>
             </a:r>
+            <a:endParaRPr lang="zh-CN" altLang="en-US"/>
           </a:p>
           <a:p>
             <a:pPr lvl="3"/>
@@ -1565,6 +1526,7 @@
               <a:rPr lang="zh-CN" altLang="en-US"/>
               <a:t>第四级</a:t>
             </a:r>
+            <a:endParaRPr lang="zh-CN" altLang="en-US"/>
           </a:p>
           <a:p>
             <a:pPr lvl="4"/>
@@ -1572,6 +1534,7 @@
               <a:rPr lang="zh-CN" altLang="en-US"/>
               <a:t>第五级</a:t>
             </a:r>
+            <a:endParaRPr lang="zh-CN" altLang="en-US"/>
           </a:p>
         </p:txBody>
       </p:sp>
@@ -1584,7 +1547,7 @@
           <p:nvPr>
             <p:ph type="dt" sz="half" idx="10"/>
             <p:custDataLst>
-              <p:tags r:id="rId3"/>
+              <p:tags r:id="rId4"/>
             </p:custDataLst>
           </p:nvPr>
         </p:nvSpPr>
@@ -1595,7 +1558,6 @@
           <a:p>
             <a:fld id="{760FBDFE-C587-4B4C-A407-44438C67B59E}" type="datetimeFigureOut">
               <a:rPr lang="zh-CN" altLang="en-US" smtClean="0"/>
-              <a:t>2024/11/5</a:t>
             </a:fld>
             <a:endParaRPr lang="zh-CN" altLang="en-US"/>
           </a:p>
@@ -1610,7 +1572,7 @@
           <p:nvPr>
             <p:ph type="ftr" sz="quarter" idx="11"/>
             <p:custDataLst>
-              <p:tags r:id="rId4"/>
+              <p:tags r:id="rId5"/>
             </p:custDataLst>
           </p:nvPr>
         </p:nvSpPr>
@@ -1632,7 +1594,7 @@
           <p:nvPr>
             <p:ph type="sldNum" sz="quarter" idx="12"/>
             <p:custDataLst>
-              <p:tags r:id="rId5"/>
+              <p:tags r:id="rId6"/>
             </p:custDataLst>
           </p:nvPr>
         </p:nvSpPr>
@@ -1643,7 +1605,6 @@
           <a:p>
             <a:fld id="{49AE70B2-8BF9-45C0-BB95-33D1B9D3A854}" type="slidenum">
               <a:rPr lang="zh-CN" altLang="en-US" smtClean="0"/>
-              <a:t>‹#›</a:t>
             </a:fld>
             <a:endParaRPr lang="zh-CN" altLang="en-US"/>
           </a:p>
@@ -1683,7 +1644,7 @@
           <p:nvPr>
             <p:ph type="title" hasCustomPrompt="1"/>
             <p:custDataLst>
-              <p:tags r:id="rId1"/>
+              <p:tags r:id="rId2"/>
             </p:custDataLst>
           </p:nvPr>
         </p:nvSpPr>
@@ -1707,6 +1668,7 @@
               <a:rPr lang="zh-CN" altLang="en-US" dirty="0"/>
               <a:t>单击此处编辑标题</a:t>
             </a:r>
+            <a:endParaRPr lang="zh-CN" altLang="en-US" dirty="0"/>
           </a:p>
         </p:txBody>
       </p:sp>
@@ -1719,7 +1681,7 @@
           <p:nvPr>
             <p:ph type="body" idx="1" hasCustomPrompt="1"/>
             <p:custDataLst>
-              <p:tags r:id="rId2"/>
+              <p:tags r:id="rId3"/>
             </p:custDataLst>
           </p:nvPr>
         </p:nvSpPr>
@@ -1832,6 +1794,7 @@
               <a:rPr lang="zh-CN" altLang="en-US" dirty="0"/>
               <a:t>单击此处编辑文本</a:t>
             </a:r>
+            <a:endParaRPr lang="zh-CN" altLang="en-US" dirty="0"/>
           </a:p>
         </p:txBody>
       </p:sp>
@@ -1844,7 +1807,7 @@
           <p:nvPr>
             <p:ph type="dt" sz="half" idx="10"/>
             <p:custDataLst>
-              <p:tags r:id="rId3"/>
+              <p:tags r:id="rId4"/>
             </p:custDataLst>
           </p:nvPr>
         </p:nvSpPr>
@@ -1855,7 +1818,6 @@
           <a:p>
             <a:fld id="{760FBDFE-C587-4B4C-A407-44438C67B59E}" type="datetimeFigureOut">
               <a:rPr lang="zh-CN" altLang="en-US" smtClean="0"/>
-              <a:t>2024/11/5</a:t>
             </a:fld>
             <a:endParaRPr lang="zh-CN" altLang="en-US"/>
           </a:p>
@@ -1870,7 +1832,7 @@
           <p:nvPr>
             <p:ph type="ftr" sz="quarter" idx="11"/>
             <p:custDataLst>
-              <p:tags r:id="rId4"/>
+              <p:tags r:id="rId5"/>
             </p:custDataLst>
           </p:nvPr>
         </p:nvSpPr>
@@ -1892,7 +1854,7 @@
           <p:nvPr>
             <p:ph type="sldNum" sz="quarter" idx="12"/>
             <p:custDataLst>
-              <p:tags r:id="rId5"/>
+              <p:tags r:id="rId6"/>
             </p:custDataLst>
           </p:nvPr>
         </p:nvSpPr>
@@ -1903,7 +1865,6 @@
           <a:p>
             <a:fld id="{49AE70B2-8BF9-45C0-BB95-33D1B9D3A854}" type="slidenum">
               <a:rPr lang="zh-CN" altLang="en-US" smtClean="0"/>
-              <a:t>‹#›</a:t>
             </a:fld>
             <a:endParaRPr lang="zh-CN" altLang="en-US"/>
           </a:p>
@@ -1943,7 +1904,7 @@
           <p:nvPr>
             <p:ph type="title"/>
             <p:custDataLst>
-              <p:tags r:id="rId1"/>
+              <p:tags r:id="rId2"/>
             </p:custDataLst>
           </p:nvPr>
         </p:nvSpPr>
@@ -1964,6 +1925,7 @@
               <a:rPr lang="zh-CN" altLang="en-US"/>
               <a:t>单击此处编辑母版标题样式</a:t>
             </a:r>
+            <a:endParaRPr lang="zh-CN" altLang="en-US"/>
           </a:p>
         </p:txBody>
       </p:sp>
@@ -1976,7 +1938,7 @@
           <p:nvPr>
             <p:ph sz="half" idx="1"/>
             <p:custDataLst>
-              <p:tags r:id="rId2"/>
+              <p:tags r:id="rId3"/>
             </p:custDataLst>
           </p:nvPr>
         </p:nvSpPr>
@@ -1997,6 +1959,7 @@
               <a:rPr lang="zh-CN" altLang="en-US"/>
               <a:t>单击此处编辑母版文本样式</a:t>
             </a:r>
+            <a:endParaRPr lang="zh-CN" altLang="en-US"/>
           </a:p>
           <a:p>
             <a:pPr lvl="1"/>
@@ -2004,6 +1967,7 @@
               <a:rPr lang="zh-CN" altLang="en-US"/>
               <a:t>第二级</a:t>
             </a:r>
+            <a:endParaRPr lang="zh-CN" altLang="en-US"/>
           </a:p>
           <a:p>
             <a:pPr lvl="2"/>
@@ -2011,6 +1975,7 @@
               <a:rPr lang="zh-CN" altLang="en-US"/>
               <a:t>第三级</a:t>
             </a:r>
+            <a:endParaRPr lang="zh-CN" altLang="en-US"/>
           </a:p>
           <a:p>
             <a:pPr lvl="3"/>
@@ -2018,6 +1983,7 @@
               <a:rPr lang="zh-CN" altLang="en-US"/>
               <a:t>第四级</a:t>
             </a:r>
+            <a:endParaRPr lang="zh-CN" altLang="en-US"/>
           </a:p>
           <a:p>
             <a:pPr lvl="4"/>
@@ -2025,6 +1991,7 @@
               <a:rPr lang="zh-CN" altLang="en-US"/>
               <a:t>第五级</a:t>
             </a:r>
+            <a:endParaRPr lang="zh-CN" altLang="en-US"/>
           </a:p>
         </p:txBody>
       </p:sp>
@@ -2037,7 +2004,7 @@
           <p:nvPr>
             <p:ph sz="half" idx="2"/>
             <p:custDataLst>
-              <p:tags r:id="rId3"/>
+              <p:tags r:id="rId4"/>
             </p:custDataLst>
           </p:nvPr>
         </p:nvSpPr>
@@ -2058,6 +2025,7 @@
               <a:rPr lang="zh-CN" altLang="en-US" dirty="0"/>
               <a:t>单击此处编辑母版文本样式</a:t>
             </a:r>
+            <a:endParaRPr lang="zh-CN" altLang="en-US" dirty="0"/>
           </a:p>
           <a:p>
             <a:pPr lvl="1"/>
@@ -2065,6 +2033,7 @@
               <a:rPr lang="zh-CN" altLang="en-US" dirty="0"/>
               <a:t>第二级</a:t>
             </a:r>
+            <a:endParaRPr lang="zh-CN" altLang="en-US" dirty="0"/>
           </a:p>
           <a:p>
             <a:pPr lvl="2"/>
@@ -2072,6 +2041,7 @@
               <a:rPr lang="zh-CN" altLang="en-US" dirty="0"/>
               <a:t>第三级</a:t>
             </a:r>
+            <a:endParaRPr lang="zh-CN" altLang="en-US" dirty="0"/>
           </a:p>
           <a:p>
             <a:pPr lvl="3"/>
@@ -2079,6 +2049,7 @@
               <a:rPr lang="zh-CN" altLang="en-US" dirty="0"/>
               <a:t>第四级</a:t>
             </a:r>
+            <a:endParaRPr lang="zh-CN" altLang="en-US" dirty="0"/>
           </a:p>
           <a:p>
             <a:pPr lvl="4"/>
@@ -2086,6 +2057,7 @@
               <a:rPr lang="zh-CN" altLang="en-US" dirty="0"/>
               <a:t>第五级</a:t>
             </a:r>
+            <a:endParaRPr lang="zh-CN" altLang="en-US" dirty="0"/>
           </a:p>
         </p:txBody>
       </p:sp>
@@ -2098,7 +2070,7 @@
           <p:nvPr>
             <p:ph type="dt" sz="half" idx="10"/>
             <p:custDataLst>
-              <p:tags r:id="rId4"/>
+              <p:tags r:id="rId5"/>
             </p:custDataLst>
           </p:nvPr>
         </p:nvSpPr>
@@ -2109,7 +2081,6 @@
           <a:p>
             <a:fld id="{760FBDFE-C587-4B4C-A407-44438C67B59E}" type="datetimeFigureOut">
               <a:rPr lang="zh-CN" altLang="en-US" smtClean="0"/>
-              <a:t>2024/11/5</a:t>
             </a:fld>
             <a:endParaRPr lang="zh-CN" altLang="en-US"/>
           </a:p>
@@ -2124,7 +2095,7 @@
           <p:nvPr>
             <p:ph type="ftr" sz="quarter" idx="11"/>
             <p:custDataLst>
-              <p:tags r:id="rId5"/>
+              <p:tags r:id="rId6"/>
             </p:custDataLst>
           </p:nvPr>
         </p:nvSpPr>
@@ -2146,7 +2117,7 @@
           <p:nvPr>
             <p:ph type="sldNum" sz="quarter" idx="12"/>
             <p:custDataLst>
-              <p:tags r:id="rId6"/>
+              <p:tags r:id="rId7"/>
             </p:custDataLst>
           </p:nvPr>
         </p:nvSpPr>
@@ -2157,7 +2128,6 @@
           <a:p>
             <a:fld id="{49AE70B2-8BF9-45C0-BB95-33D1B9D3A854}" type="slidenum">
               <a:rPr lang="zh-CN" altLang="en-US" smtClean="0"/>
-              <a:t>‹#›</a:t>
             </a:fld>
             <a:endParaRPr lang="zh-CN" altLang="en-US"/>
           </a:p>
@@ -2197,7 +2167,7 @@
           <p:nvPr>
             <p:ph type="title"/>
             <p:custDataLst>
-              <p:tags r:id="rId1"/>
+              <p:tags r:id="rId2"/>
             </p:custDataLst>
           </p:nvPr>
         </p:nvSpPr>
@@ -2218,6 +2188,7 @@
               <a:rPr lang="zh-CN" altLang="en-US"/>
               <a:t>单击此处编辑母版标题样式</a:t>
             </a:r>
+            <a:endParaRPr lang="zh-CN" altLang="en-US"/>
           </a:p>
         </p:txBody>
       </p:sp>
@@ -2230,7 +2201,7 @@
           <p:nvPr>
             <p:ph type="body" idx="1" hasCustomPrompt="1"/>
             <p:custDataLst>
-              <p:tags r:id="rId2"/>
+              <p:tags r:id="rId3"/>
             </p:custDataLst>
           </p:nvPr>
         </p:nvSpPr>
@@ -2298,6 +2269,7 @@
               <a:rPr lang="zh-CN" altLang="en-US" dirty="0"/>
               <a:t>单击此处编辑文本</a:t>
             </a:r>
+            <a:endParaRPr lang="zh-CN" altLang="en-US" dirty="0"/>
           </a:p>
         </p:txBody>
       </p:sp>
@@ -2310,7 +2282,7 @@
           <p:nvPr>
             <p:ph sz="half" idx="2"/>
             <p:custDataLst>
-              <p:tags r:id="rId3"/>
+              <p:tags r:id="rId4"/>
             </p:custDataLst>
           </p:nvPr>
         </p:nvSpPr>
@@ -2331,6 +2303,7 @@
               <a:rPr lang="zh-CN" altLang="en-US"/>
               <a:t>单击此处编辑母版文本样式</a:t>
             </a:r>
+            <a:endParaRPr lang="zh-CN" altLang="en-US"/>
           </a:p>
           <a:p>
             <a:pPr lvl="1"/>
@@ -2338,6 +2311,7 @@
               <a:rPr lang="zh-CN" altLang="en-US"/>
               <a:t>第二级</a:t>
             </a:r>
+            <a:endParaRPr lang="zh-CN" altLang="en-US"/>
           </a:p>
           <a:p>
             <a:pPr lvl="2"/>
@@ -2345,6 +2319,7 @@
               <a:rPr lang="zh-CN" altLang="en-US"/>
               <a:t>第三级</a:t>
             </a:r>
+            <a:endParaRPr lang="zh-CN" altLang="en-US"/>
           </a:p>
           <a:p>
             <a:pPr lvl="3"/>
@@ -2352,6 +2327,7 @@
               <a:rPr lang="zh-CN" altLang="en-US"/>
               <a:t>第四级</a:t>
             </a:r>
+            <a:endParaRPr lang="zh-CN" altLang="en-US"/>
           </a:p>
           <a:p>
             <a:pPr lvl="4"/>
@@ -2359,6 +2335,7 @@
               <a:rPr lang="zh-CN" altLang="en-US"/>
               <a:t>第五级</a:t>
             </a:r>
+            <a:endParaRPr lang="zh-CN" altLang="en-US"/>
           </a:p>
         </p:txBody>
       </p:sp>
@@ -2371,7 +2348,7 @@
           <p:nvPr>
             <p:ph type="body" sz="quarter" idx="3" hasCustomPrompt="1"/>
             <p:custDataLst>
-              <p:tags r:id="rId4"/>
+              <p:tags r:id="rId5"/>
             </p:custDataLst>
           </p:nvPr>
         </p:nvSpPr>
@@ -2439,6 +2416,7 @@
               <a:rPr lang="zh-CN" altLang="en-US"/>
               <a:t>单击此处编辑文本</a:t>
             </a:r>
+            <a:endParaRPr lang="zh-CN" altLang="en-US"/>
           </a:p>
         </p:txBody>
       </p:sp>
@@ -2451,7 +2429,7 @@
           <p:nvPr>
             <p:ph sz="quarter" idx="4"/>
             <p:custDataLst>
-              <p:tags r:id="rId5"/>
+              <p:tags r:id="rId6"/>
             </p:custDataLst>
           </p:nvPr>
         </p:nvSpPr>
@@ -2472,6 +2450,7 @@
               <a:rPr lang="zh-CN" altLang="en-US"/>
               <a:t>单击此处编辑母版文本样式</a:t>
             </a:r>
+            <a:endParaRPr lang="zh-CN" altLang="en-US"/>
           </a:p>
           <a:p>
             <a:pPr lvl="1"/>
@@ -2479,6 +2458,7 @@
               <a:rPr lang="zh-CN" altLang="en-US"/>
               <a:t>第二级</a:t>
             </a:r>
+            <a:endParaRPr lang="zh-CN" altLang="en-US"/>
           </a:p>
           <a:p>
             <a:pPr lvl="2"/>
@@ -2486,6 +2466,7 @@
               <a:rPr lang="zh-CN" altLang="en-US"/>
               <a:t>第三级</a:t>
             </a:r>
+            <a:endParaRPr lang="zh-CN" altLang="en-US"/>
           </a:p>
           <a:p>
             <a:pPr lvl="3"/>
@@ -2493,6 +2474,7 @@
               <a:rPr lang="zh-CN" altLang="en-US"/>
               <a:t>第四级</a:t>
             </a:r>
+            <a:endParaRPr lang="zh-CN" altLang="en-US"/>
           </a:p>
           <a:p>
             <a:pPr lvl="4"/>
@@ -2500,6 +2482,7 @@
               <a:rPr lang="zh-CN" altLang="en-US"/>
               <a:t>第五级</a:t>
             </a:r>
+            <a:endParaRPr lang="zh-CN" altLang="en-US"/>
           </a:p>
         </p:txBody>
       </p:sp>
@@ -2512,7 +2495,7 @@
           <p:nvPr>
             <p:ph type="dt" sz="half" idx="10"/>
             <p:custDataLst>
-              <p:tags r:id="rId6"/>
+              <p:tags r:id="rId7"/>
             </p:custDataLst>
           </p:nvPr>
         </p:nvSpPr>
@@ -2523,7 +2506,6 @@
           <a:p>
             <a:fld id="{760FBDFE-C587-4B4C-A407-44438C67B59E}" type="datetimeFigureOut">
               <a:rPr lang="zh-CN" altLang="en-US" smtClean="0"/>
-              <a:t>2024/11/5</a:t>
             </a:fld>
             <a:endParaRPr lang="zh-CN" altLang="en-US"/>
           </a:p>
@@ -2538,7 +2520,7 @@
           <p:nvPr>
             <p:ph type="ftr" sz="quarter" idx="11"/>
             <p:custDataLst>
-              <p:tags r:id="rId7"/>
+              <p:tags r:id="rId8"/>
             </p:custDataLst>
           </p:nvPr>
         </p:nvSpPr>
@@ -2560,7 +2542,7 @@
           <p:nvPr>
             <p:ph type="sldNum" sz="quarter" idx="12"/>
             <p:custDataLst>
-              <p:tags r:id="rId8"/>
+              <p:tags r:id="rId9"/>
             </p:custDataLst>
           </p:nvPr>
         </p:nvSpPr>
@@ -2571,7 +2553,6 @@
           <a:p>
             <a:fld id="{49AE70B2-8BF9-45C0-BB95-33D1B9D3A854}" type="slidenum">
               <a:rPr lang="zh-CN" altLang="en-US" smtClean="0"/>
-              <a:t>‹#›</a:t>
             </a:fld>
             <a:endParaRPr lang="zh-CN" altLang="en-US"/>
           </a:p>
@@ -2611,7 +2592,7 @@
           <p:nvPr>
             <p:ph type="title"/>
             <p:custDataLst>
-              <p:tags r:id="rId1"/>
+              <p:tags r:id="rId2"/>
             </p:custDataLst>
           </p:nvPr>
         </p:nvSpPr>
@@ -2632,6 +2613,7 @@
               <a:rPr lang="zh-CN" altLang="en-US"/>
               <a:t>单击此处编辑母版标题样式</a:t>
             </a:r>
+            <a:endParaRPr lang="zh-CN" altLang="en-US"/>
           </a:p>
         </p:txBody>
       </p:sp>
@@ -2644,7 +2626,7 @@
           <p:nvPr>
             <p:ph type="dt" sz="half" idx="10"/>
             <p:custDataLst>
-              <p:tags r:id="rId2"/>
+              <p:tags r:id="rId3"/>
             </p:custDataLst>
           </p:nvPr>
         </p:nvSpPr>
@@ -2655,7 +2637,6 @@
           <a:p>
             <a:fld id="{760FBDFE-C587-4B4C-A407-44438C67B59E}" type="datetimeFigureOut">
               <a:rPr lang="zh-CN" altLang="en-US" smtClean="0"/>
-              <a:t>2024/11/5</a:t>
             </a:fld>
             <a:endParaRPr lang="zh-CN" altLang="en-US"/>
           </a:p>
@@ -2670,7 +2651,7 @@
           <p:nvPr>
             <p:ph type="ftr" sz="quarter" idx="11"/>
             <p:custDataLst>
-              <p:tags r:id="rId3"/>
+              <p:tags r:id="rId4"/>
             </p:custDataLst>
           </p:nvPr>
         </p:nvSpPr>
@@ -2692,7 +2673,7 @@
           <p:nvPr>
             <p:ph type="sldNum" sz="quarter" idx="12"/>
             <p:custDataLst>
-              <p:tags r:id="rId4"/>
+              <p:tags r:id="rId5"/>
             </p:custDataLst>
           </p:nvPr>
         </p:nvSpPr>
@@ -2703,7 +2684,6 @@
           <a:p>
             <a:fld id="{49AE70B2-8BF9-45C0-BB95-33D1B9D3A854}" type="slidenum">
               <a:rPr lang="zh-CN" altLang="en-US" smtClean="0"/>
-              <a:t>‹#›</a:t>
             </a:fld>
             <a:endParaRPr lang="zh-CN" altLang="en-US"/>
           </a:p>
@@ -2743,7 +2723,7 @@
           <p:nvPr>
             <p:ph type="dt" sz="half" idx="10"/>
             <p:custDataLst>
-              <p:tags r:id="rId1"/>
+              <p:tags r:id="rId2"/>
             </p:custDataLst>
           </p:nvPr>
         </p:nvSpPr>
@@ -2754,7 +2734,6 @@
           <a:p>
             <a:fld id="{760FBDFE-C587-4B4C-A407-44438C67B59E}" type="datetimeFigureOut">
               <a:rPr lang="zh-CN" altLang="en-US" smtClean="0"/>
-              <a:t>2024/11/5</a:t>
             </a:fld>
             <a:endParaRPr lang="zh-CN" altLang="en-US"/>
           </a:p>
@@ -2769,7 +2748,7 @@
           <p:nvPr>
             <p:ph type="ftr" sz="quarter" idx="11"/>
             <p:custDataLst>
-              <p:tags r:id="rId2"/>
+              <p:tags r:id="rId3"/>
             </p:custDataLst>
           </p:nvPr>
         </p:nvSpPr>
@@ -2791,7 +2770,7 @@
           <p:nvPr>
             <p:ph type="sldNum" sz="quarter" idx="12"/>
             <p:custDataLst>
-              <p:tags r:id="rId3"/>
+              <p:tags r:id="rId4"/>
             </p:custDataLst>
           </p:nvPr>
         </p:nvSpPr>
@@ -2802,7 +2781,6 @@
           <a:p>
             <a:fld id="{49AE70B2-8BF9-45C0-BB95-33D1B9D3A854}" type="slidenum">
               <a:rPr lang="zh-CN" altLang="en-US" smtClean="0"/>
-              <a:t>‹#›</a:t>
             </a:fld>
             <a:endParaRPr lang="zh-CN" altLang="en-US"/>
           </a:p>
@@ -2842,7 +2820,7 @@
           <p:nvPr>
             <p:ph type="pic" idx="1"/>
             <p:custDataLst>
-              <p:tags r:id="rId1"/>
+              <p:tags r:id="rId2"/>
             </p:custDataLst>
           </p:nvPr>
         </p:nvSpPr>
@@ -2877,7 +2855,7 @@
           <p:nvPr>
             <p:ph type="body" sz="half" idx="2"/>
             <p:custDataLst>
-              <p:tags r:id="rId2"/>
+              <p:tags r:id="rId3"/>
             </p:custDataLst>
           </p:nvPr>
         </p:nvSpPr>
@@ -2903,6 +2881,7 @@
               <a:rPr lang="zh-CN" altLang="en-US"/>
               <a:t>单击此处编辑母版文本样式</a:t>
             </a:r>
+            <a:endParaRPr lang="zh-CN" altLang="en-US"/>
           </a:p>
         </p:txBody>
       </p:sp>
@@ -2915,7 +2894,7 @@
           <p:nvPr>
             <p:ph type="dt" sz="half" idx="10"/>
             <p:custDataLst>
-              <p:tags r:id="rId3"/>
+              <p:tags r:id="rId4"/>
             </p:custDataLst>
           </p:nvPr>
         </p:nvSpPr>
@@ -2926,7 +2905,6 @@
           <a:p>
             <a:fld id="{9EFD9D74-47D9-4702-A33C-335B63B48DBF}" type="datetimeFigureOut">
               <a:rPr lang="zh-CN" altLang="en-US" smtClean="0"/>
-              <a:t>2024/11/5</a:t>
             </a:fld>
             <a:endParaRPr lang="zh-CN" altLang="en-US" dirty="0"/>
           </a:p>
@@ -2941,7 +2919,7 @@
           <p:nvPr>
             <p:ph type="ftr" sz="quarter" idx="11"/>
             <p:custDataLst>
-              <p:tags r:id="rId4"/>
+              <p:tags r:id="rId5"/>
             </p:custDataLst>
           </p:nvPr>
         </p:nvSpPr>
@@ -2963,7 +2941,7 @@
           <p:nvPr>
             <p:ph type="sldNum" sz="quarter" idx="12"/>
             <p:custDataLst>
-              <p:tags r:id="rId5"/>
+              <p:tags r:id="rId6"/>
             </p:custDataLst>
           </p:nvPr>
         </p:nvSpPr>
@@ -2974,7 +2952,6 @@
           <a:p>
             <a:fld id="{FABC47A4-756D-490B-A52F-7D9E2C9FC05F}" type="slidenum">
               <a:rPr lang="zh-CN" altLang="en-US" smtClean="0"/>
-              <a:t>‹#›</a:t>
             </a:fld>
             <a:endParaRPr lang="zh-CN" altLang="en-US"/>
           </a:p>
@@ -2989,7 +2966,7 @@
           <p:nvPr>
             <p:ph type="title"/>
             <p:custDataLst>
-              <p:tags r:id="rId6"/>
+              <p:tags r:id="rId7"/>
             </p:custDataLst>
           </p:nvPr>
         </p:nvSpPr>
@@ -3002,6 +2979,7 @@
               <a:rPr lang="zh-CN" altLang="en-US"/>
               <a:t>单击此处编辑母版标题样式</a:t>
             </a:r>
+            <a:endParaRPr lang="zh-CN" altLang="en-US"/>
           </a:p>
         </p:txBody>
       </p:sp>
@@ -3039,7 +3017,7 @@
           <p:nvPr>
             <p:ph type="title" orient="vert" hasCustomPrompt="1"/>
             <p:custDataLst>
-              <p:tags r:id="rId1"/>
+              <p:tags r:id="rId2"/>
             </p:custDataLst>
           </p:nvPr>
         </p:nvSpPr>
@@ -3065,6 +3043,7 @@
               <a:rPr lang="zh-CN" altLang="en-US"/>
               <a:t>单击此处编辑标题</a:t>
             </a:r>
+            <a:endParaRPr lang="zh-CN" altLang="en-US"/>
           </a:p>
         </p:txBody>
       </p:sp>
@@ -3077,7 +3056,7 @@
           <p:nvPr>
             <p:ph type="body" orient="vert" idx="1"/>
             <p:custDataLst>
-              <p:tags r:id="rId2"/>
+              <p:tags r:id="rId3"/>
             </p:custDataLst>
           </p:nvPr>
         </p:nvSpPr>
@@ -3115,6 +3094,7 @@
               <a:rPr lang="zh-CN" altLang="en-US" dirty="0"/>
               <a:t>单击此处编辑母版文本样式</a:t>
             </a:r>
+            <a:endParaRPr lang="zh-CN" altLang="en-US" dirty="0"/>
           </a:p>
           <a:p>
             <a:pPr lvl="1"/>
@@ -3122,6 +3102,7 @@
               <a:rPr lang="zh-CN" altLang="en-US" dirty="0"/>
               <a:t>第二级</a:t>
             </a:r>
+            <a:endParaRPr lang="zh-CN" altLang="en-US" dirty="0"/>
           </a:p>
           <a:p>
             <a:pPr lvl="2"/>
@@ -3129,6 +3110,7 @@
               <a:rPr lang="zh-CN" altLang="en-US" dirty="0"/>
               <a:t>第三级</a:t>
             </a:r>
+            <a:endParaRPr lang="zh-CN" altLang="en-US" dirty="0"/>
           </a:p>
           <a:p>
             <a:pPr lvl="3"/>
@@ -3136,6 +3118,7 @@
               <a:rPr lang="zh-CN" altLang="en-US" dirty="0"/>
               <a:t>第四级</a:t>
             </a:r>
+            <a:endParaRPr lang="zh-CN" altLang="en-US" dirty="0"/>
           </a:p>
           <a:p>
             <a:pPr lvl="4"/>
@@ -3143,6 +3126,7 @@
               <a:rPr lang="zh-CN" altLang="en-US" dirty="0"/>
               <a:t>第五级</a:t>
             </a:r>
+            <a:endParaRPr lang="zh-CN" altLang="en-US" dirty="0"/>
           </a:p>
         </p:txBody>
       </p:sp>
@@ -3155,7 +3139,7 @@
           <p:nvPr>
             <p:ph type="dt" sz="half" idx="10"/>
             <p:custDataLst>
-              <p:tags r:id="rId3"/>
+              <p:tags r:id="rId4"/>
             </p:custDataLst>
           </p:nvPr>
         </p:nvSpPr>
@@ -3166,7 +3150,6 @@
           <a:p>
             <a:fld id="{760FBDFE-C587-4B4C-A407-44438C67B59E}" type="datetimeFigureOut">
               <a:rPr lang="zh-CN" altLang="en-US" smtClean="0"/>
-              <a:t>2024/11/5</a:t>
             </a:fld>
             <a:endParaRPr lang="zh-CN" altLang="en-US"/>
           </a:p>
@@ -3181,7 +3164,7 @@
           <p:nvPr>
             <p:ph type="ftr" sz="quarter" idx="11"/>
             <p:custDataLst>
-              <p:tags r:id="rId4"/>
+              <p:tags r:id="rId5"/>
             </p:custDataLst>
           </p:nvPr>
         </p:nvSpPr>
@@ -3203,7 +3186,7 @@
           <p:nvPr>
             <p:ph type="sldNum" sz="quarter" idx="12"/>
             <p:custDataLst>
-              <p:tags r:id="rId5"/>
+              <p:tags r:id="rId6"/>
             </p:custDataLst>
           </p:nvPr>
         </p:nvSpPr>
@@ -3214,7 +3197,6 @@
           <a:p>
             <a:fld id="{49AE70B2-8BF9-45C0-BB95-33D1B9D3A854}" type="slidenum">
               <a:rPr lang="zh-CN" altLang="en-US" smtClean="0"/>
-              <a:t>‹#›</a:t>
             </a:fld>
             <a:endParaRPr lang="zh-CN" altLang="en-US"/>
           </a:p>
@@ -3259,7 +3241,7 @@
           <p:nvPr>
             <p:ph type="title"/>
             <p:custDataLst>
-              <p:tags r:id="rId14"/>
+              <p:tags r:id="rId12"/>
             </p:custDataLst>
           </p:nvPr>
         </p:nvSpPr>
@@ -3282,6 +3264,7 @@
               <a:rPr lang="zh-CN" altLang="en-US" dirty="0"/>
               <a:t>单击此处编辑母版标题样式</a:t>
             </a:r>
+            <a:endParaRPr lang="zh-CN" altLang="en-US" dirty="0"/>
           </a:p>
         </p:txBody>
       </p:sp>
@@ -3294,7 +3277,7 @@
           <p:nvPr>
             <p:ph type="body" idx="1"/>
             <p:custDataLst>
-              <p:tags r:id="rId15"/>
+              <p:tags r:id="rId13"/>
             </p:custDataLst>
           </p:nvPr>
         </p:nvSpPr>
@@ -3318,6 +3301,7 @@
               <a:rPr lang="zh-CN" altLang="en-US" dirty="0"/>
               <a:t>单击此处编辑母版文本样式</a:t>
             </a:r>
+            <a:endParaRPr lang="zh-CN" altLang="en-US" dirty="0"/>
           </a:p>
           <a:p>
             <a:pPr lvl="1"/>
@@ -3325,6 +3309,7 @@
               <a:rPr lang="zh-CN" altLang="en-US" dirty="0"/>
               <a:t>第二级</a:t>
             </a:r>
+            <a:endParaRPr lang="zh-CN" altLang="en-US" dirty="0"/>
           </a:p>
           <a:p>
             <a:pPr lvl="2"/>
@@ -3332,6 +3317,7 @@
               <a:rPr lang="zh-CN" altLang="en-US" dirty="0"/>
               <a:t>第三级</a:t>
             </a:r>
+            <a:endParaRPr lang="zh-CN" altLang="en-US" dirty="0"/>
           </a:p>
           <a:p>
             <a:pPr lvl="3"/>
@@ -3339,6 +3325,7 @@
               <a:rPr lang="zh-CN" altLang="en-US" dirty="0"/>
               <a:t>第四级</a:t>
             </a:r>
+            <a:endParaRPr lang="zh-CN" altLang="en-US" dirty="0"/>
           </a:p>
           <a:p>
             <a:pPr lvl="4"/>
@@ -3346,6 +3333,7 @@
               <a:rPr lang="zh-CN" altLang="en-US" dirty="0"/>
               <a:t>第五级</a:t>
             </a:r>
+            <a:endParaRPr lang="zh-CN" altLang="en-US" dirty="0"/>
           </a:p>
         </p:txBody>
       </p:sp>
@@ -3358,7 +3346,7 @@
           <p:nvPr>
             <p:ph type="dt" sz="half" idx="2"/>
             <p:custDataLst>
-              <p:tags r:id="rId16"/>
+              <p:tags r:id="rId14"/>
             </p:custDataLst>
           </p:nvPr>
         </p:nvSpPr>
@@ -3389,7 +3377,6 @@
           <a:p>
             <a:fld id="{760FBDFE-C587-4B4C-A407-44438C67B59E}" type="datetimeFigureOut">
               <a:rPr lang="zh-CN" altLang="en-US" smtClean="0"/>
-              <a:t>2024/11/5</a:t>
             </a:fld>
             <a:endParaRPr lang="zh-CN" altLang="en-US"/>
           </a:p>
@@ -3404,7 +3391,7 @@
           <p:nvPr>
             <p:ph type="ftr" sz="quarter" idx="3"/>
             <p:custDataLst>
-              <p:tags r:id="rId17"/>
+              <p:tags r:id="rId15"/>
             </p:custDataLst>
           </p:nvPr>
         </p:nvSpPr>
@@ -3446,7 +3433,7 @@
           <p:nvPr>
             <p:ph type="sldNum" sz="quarter" idx="4"/>
             <p:custDataLst>
-              <p:tags r:id="rId18"/>
+              <p:tags r:id="rId16"/>
             </p:custDataLst>
           </p:nvPr>
         </p:nvSpPr>
@@ -3477,7 +3464,6 @@
           <a:p>
             <a:fld id="{49AE70B2-8BF9-45C0-BB95-33D1B9D3A854}" type="slidenum">
               <a:rPr lang="zh-CN" altLang="en-US" smtClean="0"/>
-              <a:t>‹#›</a:t>
             </a:fld>
             <a:endParaRPr lang="zh-CN" altLang="en-US" dirty="0"/>
           </a:p>
@@ -3485,7 +3471,7 @@
       </p:sp>
     </p:spTree>
     <p:custDataLst>
-      <p:tags r:id="rId13"/>
+      <p:tags r:id="rId17"/>
     </p:custDataLst>
   </p:cSld>
   <p:clrMap bg1="lt1" tx1="dk1" bg2="lt2" tx2="dk2" accent1="accent1" accent2="accent2" accent3="accent3" accent4="accent4" accent5="accent5" accent6="accent6" hlink="hlink" folHlink="folHlink"/>
@@ -3866,9 +3852,11 @@
           <p:nvPr/>
         </p:nvPicPr>
         <p:blipFill rotWithShape="1">
-          <a:blip r:embed="rId4"/>
+          <a:blip r:embed="rId1"/>
           <a:srcRect r="10869"/>
-          <a:stretch/>
+          <a:stretch>
+            <a:fillRect/>
+          </a:stretch>
         </p:blipFill>
         <p:spPr>
           <a:xfrm>
@@ -3920,6 +3908,10 @@
               </a:rPr>
               <a:t>Perception </a:t>
             </a:r>
+            <a:endParaRPr lang="en-US" altLang="zh-CN" sz="1400" smtClean="0">
+              <a:latin typeface="Times New Roman" panose="02020603050405020304" charset="0"/>
+              <a:cs typeface="Times New Roman" panose="02020603050405020304" charset="0"/>
+            </a:endParaRPr>
           </a:p>
           <a:p>
             <a:pPr algn="ctr"/>
@@ -4056,7 +4048,7 @@
           <p:nvPr/>
         </p:nvPicPr>
         <p:blipFill>
-          <a:blip r:embed="rId5"/>
+          <a:blip r:embed="rId2"/>
           <a:stretch>
             <a:fillRect/>
           </a:stretch>
@@ -4171,6 +4163,10 @@
               </a:rPr>
               <a:t>lignment</a:t>
             </a:r>
+            <a:endParaRPr sz="1600" spc="6">
+              <a:latin typeface="Times New Roman" panose="02020603050405020304" charset="0"/>
+              <a:cs typeface="Times New Roman" panose="02020603050405020304" charset="0"/>
+            </a:endParaRPr>
           </a:p>
         </p:txBody>
       </p:sp>
@@ -4183,7 +4179,7 @@
           <p:nvPr/>
         </p:nvPicPr>
         <p:blipFill>
-          <a:blip r:embed="rId6">
+          <a:blip r:embed="rId3">
             <a:alphaModFix amt="54000"/>
           </a:blip>
           <a:stretch>
@@ -4209,7 +4205,7 @@
           <p:nvPr/>
         </p:nvPicPr>
         <p:blipFill>
-          <a:blip r:embed="rId7">
+          <a:blip r:embed="rId4">
             <a:alphaModFix amt="54000"/>
           </a:blip>
           <a:stretch>
@@ -4290,7 +4286,7 @@
           <p:nvPr/>
         </p:nvPicPr>
         <p:blipFill>
-          <a:blip r:embed="rId8">
+          <a:blip r:embed="rId5">
             <a:alphaModFix amt="22000"/>
           </a:blip>
           <a:stretch>
@@ -4316,7 +4312,7 @@
           <p:nvPr/>
         </p:nvPicPr>
         <p:blipFill>
-          <a:blip r:embed="rId9">
+          <a:blip r:embed="rId6">
             <a:alphaModFix amt="22000"/>
           </a:blip>
           <a:stretch>
@@ -4342,7 +4338,7 @@
           <p:nvPr/>
         </p:nvPicPr>
         <p:blipFill>
-          <a:blip r:embed="rId10">
+          <a:blip r:embed="rId7">
             <a:alphaModFix amt="28000"/>
           </a:blip>
           <a:stretch>
@@ -4447,7 +4443,6 @@
               </a:spcAft>
               <a:buNone/>
             </a:pPr>
-            <a:endParaRPr/>
           </a:p>
         </p:txBody>
       </p:sp>
@@ -4501,7 +4496,6 @@
               </a:spcAft>
               <a:buNone/>
             </a:pPr>
-            <a:endParaRPr/>
           </a:p>
         </p:txBody>
       </p:sp>
@@ -4918,6 +4912,16 @@
               </a:rPr>
               <a:t>Perception </a:t>
             </a:r>
+            <a:endParaRPr lang="en-US" altLang="zh-CN" sz="1200" smtClean="0">
+              <a:solidFill>
+                <a:schemeClr val="tx1">
+                  <a:lumMod val="65000"/>
+                  <a:lumOff val="35000"/>
+                </a:schemeClr>
+              </a:solidFill>
+              <a:latin typeface="Times New Roman" panose="02020603050405020304" charset="0"/>
+              <a:cs typeface="Times New Roman" panose="02020603050405020304" charset="0"/>
+            </a:endParaRPr>
           </a:p>
         </p:txBody>
       </p:sp>
@@ -4960,6 +4964,16 @@
               </a:rPr>
               <a:t>Decision </a:t>
             </a:r>
+            <a:endParaRPr lang="en-US" altLang="zh-CN" sz="1200" smtClean="0">
+              <a:solidFill>
+                <a:schemeClr val="tx1">
+                  <a:lumMod val="65000"/>
+                  <a:lumOff val="35000"/>
+                </a:schemeClr>
+              </a:solidFill>
+              <a:latin typeface="Times New Roman" panose="02020603050405020304" charset="0"/>
+              <a:cs typeface="Times New Roman" panose="02020603050405020304" charset="0"/>
+            </a:endParaRPr>
           </a:p>
         </p:txBody>
       </p:sp>
@@ -4971,7 +4985,7 @@
         </p:nvSpPr>
         <p:spPr>
           <a:xfrm>
-            <a:off x="6898644" y="4539988"/>
+            <a:off x="6673219" y="4473948"/>
             <a:ext cx="1889760" cy="271780"/>
           </a:xfrm>
           <a:prstGeom prst="rect">
@@ -5009,6 +5023,10 @@
               </a:rPr>
               <a:t>election</a:t>
             </a:r>
+            <a:endParaRPr sz="1200" spc="6">
+              <a:latin typeface="Times New Roman" panose="02020603050405020304" charset="0"/>
+              <a:cs typeface="Times New Roman" panose="02020603050405020304" charset="0"/>
+            </a:endParaRPr>
           </a:p>
         </p:txBody>
       </p:sp>
@@ -5020,7 +5038,7 @@
         </p:nvSpPr>
         <p:spPr>
           <a:xfrm>
-            <a:off x="7164123" y="2282675"/>
+            <a:off x="6786298" y="2232510"/>
             <a:ext cx="1822450" cy="273685"/>
           </a:xfrm>
           <a:prstGeom prst="rect">
@@ -5140,7 +5158,7 @@
           <p:nvPr/>
         </p:nvPicPr>
         <p:blipFill>
-          <a:blip r:embed="rId8">
+          <a:blip r:embed="rId5">
             <a:alphaModFix amt="22000"/>
           </a:blip>
           <a:stretch>
@@ -5166,7 +5184,7 @@
           <p:nvPr/>
         </p:nvPicPr>
         <p:blipFill>
-          <a:blip r:embed="rId9">
+          <a:blip r:embed="rId6">
             <a:alphaModFix amt="22000"/>
           </a:blip>
           <a:stretch>
@@ -5192,7 +5210,7 @@
           <p:nvPr/>
         </p:nvPicPr>
         <p:blipFill>
-          <a:blip r:embed="rId10">
+          <a:blip r:embed="rId7">
             <a:alphaModFix amt="28000"/>
           </a:blip>
           <a:stretch>
@@ -5398,7 +5416,7 @@
       </p:cxnSp>
     </p:spTree>
     <p:custDataLst>
-      <p:tags r:id="rId1"/>
+      <p:tags r:id="rId8"/>
     </p:custDataLst>
   </p:cSld>
   <p:clrMapOvr>
@@ -5612,6 +5630,10 @@
               </a:rPr>
               <a:t>Perception Network</a:t>
             </a:r>
+            <a:endParaRPr lang="en-US" altLang="zh-CN" sz="1200">
+              <a:latin typeface="Times New Roman" panose="02020603050405020304" charset="0"/>
+              <a:cs typeface="Times New Roman" panose="02020603050405020304" charset="0"/>
+            </a:endParaRPr>
           </a:p>
         </p:txBody>
       </p:sp>
@@ -5706,6 +5728,10 @@
               </a:rPr>
               <a:t>Ventral Pathway</a:t>
             </a:r>
+            <a:endParaRPr lang="en-US" altLang="zh-CN" sz="1000">
+              <a:latin typeface="Times New Roman" panose="02020603050405020304" charset="0"/>
+              <a:cs typeface="Times New Roman" panose="02020603050405020304" charset="0"/>
+            </a:endParaRPr>
           </a:p>
         </p:txBody>
       </p:sp>
@@ -5742,6 +5768,10 @@
               </a:rPr>
               <a:t>Decision Network</a:t>
             </a:r>
+            <a:endParaRPr lang="en-US" altLang="zh-CN" sz="1200">
+              <a:latin typeface="Times New Roman" panose="02020603050405020304" charset="0"/>
+              <a:cs typeface="Times New Roman" panose="02020603050405020304" charset="0"/>
+            </a:endParaRPr>
           </a:p>
         </p:txBody>
       </p:sp>
@@ -5778,6 +5808,10 @@
               </a:rPr>
               <a:t>Dorsal Pathway</a:t>
             </a:r>
+            <a:endParaRPr lang="en-US" altLang="zh-CN" sz="1000">
+              <a:latin typeface="Times New Roman" panose="02020603050405020304" charset="0"/>
+              <a:cs typeface="Times New Roman" panose="02020603050405020304" charset="0"/>
+            </a:endParaRPr>
           </a:p>
         </p:txBody>
       </p:sp>
@@ -5805,7 +5839,7 @@
           <a:p>
             <a:pPr algn="ctr"/>
             <a:r>
-              <a:rPr lang="en-US" altLang="zh-CN" sz="1000" dirty="0">
+              <a:rPr lang="en-US" altLang="zh-CN" sz="1000" i="1" dirty="0">
                 <a:latin typeface="Times New Roman" panose="02020603050405020304" charset="0"/>
                 <a:cs typeface="Times New Roman" panose="02020603050405020304" charset="0"/>
               </a:rPr>
@@ -6225,6 +6259,10 @@
               </a:rPr>
               <a:t>OPC</a:t>
             </a:r>
+            <a:endParaRPr lang="en-US" altLang="zh-CN" sz="1200" dirty="0">
+              <a:latin typeface="Times New Roman" panose="02020603050405020304" charset="0"/>
+              <a:cs typeface="Times New Roman" panose="02020603050405020304" charset="0"/>
+            </a:endParaRPr>
           </a:p>
         </p:txBody>
       </p:sp>
@@ -6260,6 +6298,10 @@
               </a:rPr>
               <a:t>DPC</a:t>
             </a:r>
+            <a:endParaRPr lang="en-US" altLang="zh-CN" sz="1200">
+              <a:latin typeface="Times New Roman" panose="02020603050405020304" charset="0"/>
+              <a:cs typeface="Times New Roman" panose="02020603050405020304" charset="0"/>
+            </a:endParaRPr>
           </a:p>
         </p:txBody>
       </p:sp>
@@ -6295,6 +6337,10 @@
               </a:rPr>
               <a:t>MPC</a:t>
             </a:r>
+            <a:endParaRPr lang="en-US" altLang="zh-CN" sz="1200">
+              <a:latin typeface="Times New Roman" panose="02020603050405020304" charset="0"/>
+              <a:cs typeface="Times New Roman" panose="02020603050405020304" charset="0"/>
+            </a:endParaRPr>
           </a:p>
         </p:txBody>
       </p:sp>
@@ -6330,6 +6376,10 @@
               </a:rPr>
               <a:t>VPC</a:t>
             </a:r>
+            <a:endParaRPr lang="en-US" altLang="zh-CN" sz="1200">
+              <a:latin typeface="Times New Roman" panose="02020603050405020304" charset="0"/>
+              <a:cs typeface="Times New Roman" panose="02020603050405020304" charset="0"/>
+            </a:endParaRPr>
           </a:p>
         </p:txBody>
       </p:sp>
@@ -6365,6 +6415,10 @@
               </a:rPr>
               <a:t>CFC</a:t>
             </a:r>
+            <a:endParaRPr lang="en-US" altLang="zh-CN" sz="1200" dirty="0">
+              <a:latin typeface="Times New Roman" panose="02020603050405020304" charset="0"/>
+              <a:cs typeface="Times New Roman" panose="02020603050405020304" charset="0"/>
+            </a:endParaRPr>
           </a:p>
         </p:txBody>
       </p:sp>
@@ -6679,6 +6733,10 @@
               </a:rPr>
               <a:t>V2</a:t>
             </a:r>
+            <a:endParaRPr lang="en-US" altLang="zh-CN" sz="1200">
+              <a:latin typeface="Times New Roman" panose="02020603050405020304" charset="0"/>
+              <a:cs typeface="Times New Roman" panose="02020603050405020304" charset="0"/>
+            </a:endParaRPr>
           </a:p>
         </p:txBody>
       </p:sp>
@@ -6714,6 +6772,10 @@
               </a:rPr>
               <a:t>IT</a:t>
             </a:r>
+            <a:endParaRPr lang="en-US" altLang="zh-CN" sz="1200" dirty="0">
+              <a:latin typeface="Times New Roman" panose="02020603050405020304" charset="0"/>
+              <a:cs typeface="Times New Roman" panose="02020603050405020304" charset="0"/>
+            </a:endParaRPr>
           </a:p>
         </p:txBody>
       </p:sp>
@@ -6803,6 +6865,10 @@
               </a:rPr>
               <a:t>MT</a:t>
             </a:r>
+            <a:endParaRPr lang="en-US" altLang="zh-CN" sz="1200">
+              <a:latin typeface="Times New Roman" panose="02020603050405020304" charset="0"/>
+              <a:cs typeface="Times New Roman" panose="02020603050405020304" charset="0"/>
+            </a:endParaRPr>
           </a:p>
         </p:txBody>
       </p:sp>
@@ -6892,6 +6958,10 @@
               </a:rPr>
               <a:t>MST</a:t>
             </a:r>
+            <a:endParaRPr lang="en-US" altLang="zh-CN" sz="1200">
+              <a:latin typeface="Times New Roman" panose="02020603050405020304" charset="0"/>
+              <a:cs typeface="Times New Roman" panose="02020603050405020304" charset="0"/>
+            </a:endParaRPr>
           </a:p>
         </p:txBody>
       </p:sp>
@@ -7091,6 +7161,10 @@
               </a:rPr>
               <a:t>V4</a:t>
             </a:r>
+            <a:endParaRPr lang="en-US" altLang="zh-CN" sz="1200">
+              <a:latin typeface="Times New Roman" panose="02020603050405020304" charset="0"/>
+              <a:cs typeface="Times New Roman" panose="02020603050405020304" charset="0"/>
+            </a:endParaRPr>
           </a:p>
         </p:txBody>
       </p:sp>
@@ -7126,6 +7200,10 @@
               </a:rPr>
               <a:t>V1</a:t>
             </a:r>
+            <a:endParaRPr lang="en-US" altLang="zh-CN" sz="1200">
+              <a:latin typeface="Times New Roman" panose="02020603050405020304" charset="0"/>
+              <a:cs typeface="Times New Roman" panose="02020603050405020304" charset="0"/>
+            </a:endParaRPr>
           </a:p>
         </p:txBody>
       </p:sp>
@@ -7173,7 +7251,7 @@
           <p:cNvSpPr/>
           <p:nvPr>
             <p:custDataLst>
-              <p:tags r:id="rId2"/>
+              <p:tags r:id="rId1"/>
             </p:custDataLst>
           </p:nvPr>
         </p:nvSpPr>
@@ -7225,7 +7303,7 @@
           <p:cNvSpPr/>
           <p:nvPr>
             <p:custDataLst>
-              <p:tags r:id="rId3"/>
+              <p:tags r:id="rId2"/>
             </p:custDataLst>
           </p:nvPr>
         </p:nvSpPr>
@@ -7277,7 +7355,7 @@
           <p:cNvSpPr/>
           <p:nvPr>
             <p:custDataLst>
-              <p:tags r:id="rId4"/>
+              <p:tags r:id="rId3"/>
             </p:custDataLst>
           </p:nvPr>
         </p:nvSpPr>
@@ -7348,7 +7426,7 @@
           <p:cNvSpPr/>
           <p:nvPr>
             <p:custDataLst>
-              <p:tags r:id="rId5"/>
+              <p:tags r:id="rId4"/>
             </p:custDataLst>
           </p:nvPr>
         </p:nvSpPr>
@@ -7403,6 +7481,13 @@
               </a:rPr>
               <a:t>acceleration</a:t>
             </a:r>
+            <a:endParaRPr lang="en-US" altLang="zh-CN" sz="1200">
+              <a:solidFill>
+                <a:schemeClr val="tx1"/>
+              </a:solidFill>
+              <a:latin typeface="Times New Roman" panose="02020603050405020304" charset="0"/>
+              <a:cs typeface="Times New Roman" panose="02020603050405020304" charset="0"/>
+            </a:endParaRPr>
           </a:p>
         </p:txBody>
       </p:sp>
@@ -7439,6 +7524,10 @@
               </a:rPr>
               <a:t>Recognition Embedding</a:t>
             </a:r>
+            <a:endParaRPr lang="en-US" altLang="zh-CN" sz="1000" dirty="0">
+              <a:latin typeface="Times New Roman" panose="02020603050405020304" charset="0"/>
+              <a:cs typeface="Times New Roman" panose="02020603050405020304" charset="0"/>
+            </a:endParaRPr>
           </a:p>
         </p:txBody>
       </p:sp>
@@ -7887,7 +7976,7 @@
           <p:nvPr/>
         </p:nvPicPr>
         <p:blipFill>
-          <a:blip r:embed="rId8"/>
+          <a:blip r:embed="rId5"/>
           <a:stretch>
             <a:fillRect/>
           </a:stretch>
@@ -7911,7 +8000,7 @@
           <p:nvPr/>
         </p:nvPicPr>
         <p:blipFill>
-          <a:blip r:embed="rId9">
+          <a:blip r:embed="rId6">
             <a:alphaModFix amt="54000"/>
           </a:blip>
           <a:stretch>
@@ -7937,7 +8026,7 @@
           <p:nvPr/>
         </p:nvPicPr>
         <p:blipFill>
-          <a:blip r:embed="rId10">
+          <a:blip r:embed="rId7">
             <a:alphaModFix amt="54000"/>
           </a:blip>
           <a:stretch>
@@ -8015,7 +8104,7 @@
           <a:p>
             <a:pPr algn="ctr"/>
             <a:r>
-              <a:rPr lang="en-US" altLang="zh-CN" sz="1000" dirty="0">
+              <a:rPr lang="en-US" altLang="zh-CN" sz="1000" i="1" dirty="0">
                 <a:latin typeface="Times New Roman" panose="02020603050405020304" charset="0"/>
                 <a:cs typeface="Times New Roman" panose="02020603050405020304" charset="0"/>
               </a:rPr>
@@ -8059,7 +8148,7 @@
           <a:p>
             <a:pPr algn="ctr"/>
             <a:r>
-              <a:rPr lang="en-US" altLang="zh-CN" sz="1000" dirty="0">
+              <a:rPr lang="en-US" altLang="zh-CN" sz="1000" i="1" dirty="0">
                 <a:latin typeface="Times New Roman" panose="02020603050405020304" charset="0"/>
                 <a:cs typeface="Times New Roman" panose="02020603050405020304" charset="0"/>
               </a:rPr>
@@ -8087,7 +8176,7 @@
         </p:nvSpPr>
         <p:spPr>
           <a:xfrm>
-            <a:off x="8041005" y="3099039"/>
+            <a:off x="8037830" y="3099039"/>
             <a:ext cx="360045" cy="246221"/>
           </a:xfrm>
           <a:prstGeom prst="rect">
@@ -8103,108 +8192,20 @@
           <a:p>
             <a:pPr algn="ctr"/>
             <a:r>
-              <a:rPr lang="en-US" altLang="zh-CN" sz="1000" dirty="0">
+              <a:rPr lang="en-US" altLang="zh-CN" sz="1000" i="1" dirty="0">
                 <a:latin typeface="Times New Roman" panose="02020603050405020304" charset="0"/>
                 <a:cs typeface="Times New Roman" panose="02020603050405020304" charset="0"/>
               </a:rPr>
               <a:t>A</a:t>
             </a:r>
             <a:r>
-              <a:rPr lang="en-US" altLang="zh-CN" sz="1000" baseline="-25000" dirty="0">
+              <a:rPr lang="en-US" altLang="zh-CN" sz="1000" i="1" baseline="-25000" dirty="0">
                 <a:latin typeface="Times New Roman" panose="02020603050405020304" charset="0"/>
                 <a:cs typeface="Times New Roman" panose="02020603050405020304" charset="0"/>
               </a:rPr>
               <a:t>t</a:t>
             </a:r>
-            <a:endParaRPr lang="zh-CN" altLang="en-US" sz="1000" baseline="-25000" dirty="0">
-              <a:latin typeface="Times New Roman" panose="02020603050405020304" charset="0"/>
-              <a:cs typeface="Times New Roman" panose="02020603050405020304" charset="0"/>
-            </a:endParaRPr>
-          </a:p>
-        </p:txBody>
-      </p:sp>
-      <p:sp>
-        <p:nvSpPr>
-          <p:cNvPr id="25" name="文本框 24"/>
-          <p:cNvSpPr txBox="1"/>
-          <p:nvPr/>
-        </p:nvSpPr>
-        <p:spPr>
-          <a:xfrm>
-            <a:off x="9354820" y="2559516"/>
-            <a:ext cx="360045" cy="246221"/>
-          </a:xfrm>
-          <a:prstGeom prst="rect">
-            <a:avLst/>
-          </a:prstGeom>
-          <a:noFill/>
-        </p:spPr>
-        <p:txBody>
-          <a:bodyPr wrap="square" rtlCol="0">
-            <a:spAutoFit/>
-          </a:bodyPr>
-          <a:lstStyle/>
-          <a:p>
-            <a:pPr algn="ctr"/>
-            <a:r>
-              <a:rPr lang="en-US" altLang="zh-CN" sz="1000" dirty="0">
-                <a:latin typeface="Times New Roman" panose="02020603050405020304" charset="0"/>
-                <a:cs typeface="Times New Roman" panose="02020603050405020304" charset="0"/>
-              </a:rPr>
-              <a:t>A</a:t>
-            </a:r>
-            <a:r>
-              <a:rPr lang="en-US" altLang="zh-CN" sz="1000" baseline="-25000" dirty="0">
-                <a:latin typeface="Times New Roman" panose="02020603050405020304" charset="0"/>
-                <a:cs typeface="Times New Roman" panose="02020603050405020304" charset="0"/>
-              </a:rPr>
-              <a:t>s</a:t>
-            </a:r>
-            <a:endParaRPr lang="zh-CN" altLang="en-US" sz="1000" baseline="-25000" dirty="0">
-              <a:latin typeface="Times New Roman" panose="02020603050405020304" charset="0"/>
-              <a:cs typeface="Times New Roman" panose="02020603050405020304" charset="0"/>
-            </a:endParaRPr>
-          </a:p>
-        </p:txBody>
-      </p:sp>
-      <p:sp>
-        <p:nvSpPr>
-          <p:cNvPr id="27" name="文本框 26"/>
-          <p:cNvSpPr txBox="1"/>
-          <p:nvPr/>
-        </p:nvSpPr>
-        <p:spPr>
-          <a:xfrm>
-            <a:off x="9345930" y="3061414"/>
-            <a:ext cx="360045" cy="246221"/>
-          </a:xfrm>
-          <a:prstGeom prst="rect">
-            <a:avLst/>
-          </a:prstGeom>
-          <a:noFill/>
-        </p:spPr>
-        <p:txBody>
-          <a:bodyPr wrap="square" rtlCol="0">
-            <a:spAutoFit/>
-          </a:bodyPr>
-          <a:lstStyle/>
-          <a:p>
-            <a:pPr algn="ctr"/>
-            <a:r>
-              <a:rPr lang="en-US" altLang="zh-CN" sz="1000" dirty="0">
-                <a:latin typeface="Times New Roman" panose="02020603050405020304" charset="0"/>
-                <a:cs typeface="Times New Roman" panose="02020603050405020304" charset="0"/>
-              </a:rPr>
-              <a:t>A</a:t>
-            </a:r>
-            <a:r>
-              <a:rPr lang="en-US" altLang="zh-CN" sz="1000" baseline="-25000" dirty="0">
-                <a:latin typeface="Times New Roman" panose="02020603050405020304" charset="0"/>
-                <a:cs typeface="Times New Roman" panose="02020603050405020304" charset="0"/>
-              </a:rPr>
-              <a:t>a</a:t>
-            </a:r>
-            <a:endParaRPr lang="zh-CN" altLang="en-US" sz="1000" baseline="-25000" dirty="0">
+            <a:endParaRPr lang="en-US" altLang="zh-CN" sz="1000" i="1" baseline="-25000" dirty="0">
               <a:latin typeface="Times New Roman" panose="02020603050405020304" charset="0"/>
               <a:cs typeface="Times New Roman" panose="02020603050405020304" charset="0"/>
             </a:endParaRPr>
@@ -8220,7 +8221,7 @@
           <p:nvPr/>
         </p:nvPicPr>
         <p:blipFill>
-          <a:blip r:embed="rId8"/>
+          <a:blip r:embed="rId5"/>
           <a:stretch>
             <a:fillRect/>
           </a:stretch>
@@ -8373,9 +8374,263 @@
           </a:p>
         </p:txBody>
       </p:sp>
+      <mc:AlternateContent xmlns:mc="http://schemas.openxmlformats.org/markup-compatibility/2006">
+        <mc:Choice xmlns:a14="http://schemas.microsoft.com/office/drawing/2010/main" Requires="a14">
+          <p:sp>
+            <p:nvSpPr>
+              <p:cNvPr id="26" name="文本框 25"/>
+              <p:cNvSpPr txBox="1"/>
+              <p:nvPr/>
+            </p:nvSpPr>
+            <p:spPr>
+              <a:xfrm>
+                <a:off x="9345866" y="2584069"/>
+                <a:ext cx="372745" cy="229870"/>
+              </a:xfrm>
+              <a:prstGeom prst="rect">
+                <a:avLst/>
+              </a:prstGeom>
+              <a:noFill/>
+              <a:ln>
+                <a:noFill/>
+              </a:ln>
+            </p:spPr>
+            <p:txBody>
+              <a:bodyPr wrap="none" rtlCol="0" anchor="t">
+                <a:spAutoFit/>
+              </a:bodyPr>
+              <a:p>
+                <a:pPr algn="l"/>
+                <a14:m>
+                  <m:oMathPara xmlns:m="http://schemas.openxmlformats.org/officeDocument/2006/math">
+                    <m:oMathParaPr>
+                      <m:jc m:val="centerGroup"/>
+                    </m:oMathParaPr>
+                    <m:oMath xmlns:m="http://schemas.openxmlformats.org/officeDocument/2006/math">
+                      <m:r>
+                        <a:rPr lang="en-US" altLang="zh-CN" sz="900" i="1">
+                          <a:latin typeface="Cambria Math" panose="02040503050406030204" charset="0"/>
+                          <a:cs typeface="Cambria Math" panose="02040503050406030204" charset="0"/>
+                        </a:rPr>
+                        <m:t>𝐴</m:t>
+                      </m:r>
+                      <m:sPre>
+                        <m:sPrePr>
+                          <m:ctrlPr>
+                            <a:rPr lang="en-US" altLang="zh-CN" sz="900" i="1">
+                              <a:latin typeface="Cambria Math" panose="02040503050406030204" charset="0"/>
+                              <a:cs typeface="Cambria Math" panose="02040503050406030204" charset="0"/>
+                            </a:rPr>
+                          </m:ctrlPr>
+                        </m:sPrePr>
+                        <m:sub>
+                          <m:r>
+                            <a:rPr lang="en-US" altLang="zh-CN" sz="900" i="1">
+                              <a:latin typeface="Cambria Math" panose="02040503050406030204" charset="0"/>
+                              <a:cs typeface="Cambria Math" panose="02040503050406030204" charset="0"/>
+                            </a:rPr>
+                            <m:t>𝑡</m:t>
+                          </m:r>
+                        </m:sub>
+                        <m:sup>
+                          <m:r>
+                            <a:rPr lang="en-US" altLang="zh-CN" sz="900" i="1">
+                              <a:latin typeface="Cambria Math" panose="02040503050406030204" charset="0"/>
+                              <a:cs typeface="Cambria Math" panose="02040503050406030204" charset="0"/>
+                            </a:rPr>
+                            <m:t>𝑠</m:t>
+                          </m:r>
+                        </m:sup>
+                        <m:e>
+                          <m:r>
+                            <a:rPr lang="en-US" altLang="zh-CN" sz="900" i="1">
+                              <a:latin typeface="Cambria Math" panose="02040503050406030204" charset="0"/>
+                              <a:cs typeface="Cambria Math" panose="02040503050406030204" charset="0"/>
+                            </a:rPr>
+                            <m:t> </m:t>
+                          </m:r>
+                        </m:e>
+                      </m:sPre>
+                    </m:oMath>
+                  </m:oMathPara>
+                </a14:m>
+                <a:endParaRPr lang="zh-CN" altLang="en-US" sz="900"/>
+              </a:p>
+            </p:txBody>
+          </p:sp>
+        </mc:Choice>
+        <mc:Fallback>
+          <p:sp>
+            <p:nvSpPr>
+              <p:cNvPr id="26" name="文本框 25"/>
+              <p:cNvSpPr txBox="1">
+                <a:spLocks noRot="1" noChangeAspect="1" noMove="1" noResize="1" noEditPoints="1" noAdjustHandles="1" noChangeArrowheads="1" noChangeShapeType="1" noTextEdit="1"/>
+              </p:cNvSpPr>
+              <p:nvPr/>
+            </p:nvSpPr>
+            <p:spPr>
+              <a:xfrm>
+                <a:off x="9345866" y="2584069"/>
+                <a:ext cx="372745" cy="229870"/>
+              </a:xfrm>
+              <a:prstGeom prst="rect">
+                <a:avLst/>
+              </a:prstGeom>
+              <a:blipFill rotWithShape="1">
+                <a:blip r:embed="rId8"/>
+                <a:stretch>
+                  <a:fillRect l="-153" t="-111" r="153" b="111"/>
+                </a:stretch>
+              </a:blipFill>
+              <a:ln>
+                <a:noFill/>
+              </a:ln>
+            </p:spPr>
+            <p:txBody>
+              <a:bodyPr/>
+              <a:lstStyle/>
+              <a:p>
+                <a:r>
+                  <a:rPr lang="zh-CN" altLang="en-US">
+                    <a:noFill/>
+                  </a:rPr>
+                  <a:t> </a:t>
+                </a:r>
+              </a:p>
+            </p:txBody>
+          </p:sp>
+        </mc:Fallback>
+      </mc:AlternateContent>
+      <mc:AlternateContent xmlns:mc="http://schemas.openxmlformats.org/markup-compatibility/2006">
+        <mc:Choice xmlns:a14="http://schemas.microsoft.com/office/drawing/2010/main" Requires="a14">
+          <p:sp>
+            <p:nvSpPr>
+              <p:cNvPr id="29" name="文本框 28"/>
+              <p:cNvSpPr txBox="1"/>
+              <p:nvPr/>
+            </p:nvSpPr>
+            <p:spPr>
+              <a:xfrm>
+                <a:off x="9367456" y="3130804"/>
+                <a:ext cx="354330" cy="229870"/>
+              </a:xfrm>
+              <a:prstGeom prst="rect">
+                <a:avLst/>
+              </a:prstGeom>
+              <a:noFill/>
+              <a:ln>
+                <a:noFill/>
+              </a:ln>
+            </p:spPr>
+            <p:txBody>
+              <a:bodyPr wrap="none" rtlCol="0" anchor="t">
+                <a:spAutoFit/>
+              </a:bodyPr>
+              <a:p>
+                <a:pPr algn="l"/>
+                <a14:m>
+                  <m:oMathPara xmlns:m="http://schemas.openxmlformats.org/officeDocument/2006/math">
+                    <m:oMathParaPr>
+                      <m:jc m:val="centerGroup"/>
+                    </m:oMathParaPr>
+                    <m:oMath xmlns:m="http://schemas.openxmlformats.org/officeDocument/2006/math">
+                      <m:r>
+                        <a:rPr lang="en-US" altLang="zh-CN" sz="900" i="1">
+                          <a:latin typeface="Cambria Math" panose="02040503050406030204" charset="0"/>
+                          <a:cs typeface="Cambria Math" panose="02040503050406030204" charset="0"/>
+                        </a:rPr>
+                        <m:t>𝐴</m:t>
+                      </m:r>
+                      <m:sPre>
+                        <m:sPrePr>
+                          <m:ctrlPr>
+                            <a:rPr lang="en-US" altLang="zh-CN" sz="900" i="1">
+                              <a:latin typeface="Cambria Math" panose="02040503050406030204" charset="0"/>
+                              <a:cs typeface="Cambria Math" panose="02040503050406030204" charset="0"/>
+                            </a:rPr>
+                          </m:ctrlPr>
+                        </m:sPrePr>
+                        <m:sub>
+                          <m:r>
+                            <a:rPr lang="en-US" altLang="zh-CN" sz="900" i="1">
+                              <a:latin typeface="Cambria Math" panose="02040503050406030204" charset="0"/>
+                              <a:cs typeface="Cambria Math" panose="02040503050406030204" charset="0"/>
+                            </a:rPr>
+                            <m:t>𝑡</m:t>
+                          </m:r>
+                        </m:sub>
+                        <m:sup>
+                          <m:r>
+                            <a:rPr lang="en-US" altLang="zh-CN" sz="900" i="1">
+                              <a:latin typeface="Cambria Math" panose="02040503050406030204" charset="0"/>
+                              <a:cs typeface="Cambria Math" panose="02040503050406030204" charset="0"/>
+                            </a:rPr>
+                            <m:t>𝑎</m:t>
+                          </m:r>
+                        </m:sup>
+                        <m:e>
+                          <m:r>
+                            <a:rPr lang="en-US" altLang="zh-CN" sz="900" i="1">
+                              <a:latin typeface="Cambria Math" panose="02040503050406030204" charset="0"/>
+                              <a:cs typeface="Cambria Math" panose="02040503050406030204" charset="0"/>
+                            </a:rPr>
+                            <m:t> </m:t>
+                          </m:r>
+                        </m:e>
+                      </m:sPre>
+                    </m:oMath>
+                  </m:oMathPara>
+                </a14:m>
+                <a:endParaRPr lang="zh-CN" altLang="en-US" sz="900"/>
+              </a:p>
+            </p:txBody>
+          </p:sp>
+        </mc:Choice>
+        <mc:Fallback>
+          <p:sp>
+            <p:nvSpPr>
+              <p:cNvPr id="29" name="文本框 28"/>
+              <p:cNvSpPr txBox="1">
+                <a:spLocks noRot="1" noChangeAspect="1" noMove="1" noResize="1" noEditPoints="1" noAdjustHandles="1" noChangeArrowheads="1" noChangeShapeType="1" noTextEdit="1"/>
+              </p:cNvSpPr>
+              <p:nvPr/>
+            </p:nvSpPr>
+            <p:spPr>
+              <a:xfrm>
+                <a:off x="9367456" y="3130804"/>
+                <a:ext cx="354330" cy="229870"/>
+              </a:xfrm>
+              <a:prstGeom prst="rect">
+                <a:avLst/>
+              </a:prstGeom>
+              <a:blipFill rotWithShape="1">
+                <a:blip r:embed="rId9"/>
+                <a:stretch>
+                  <a:fillRect l="-161" t="-110" r="161" b="110"/>
+                </a:stretch>
+              </a:blipFill>
+              <a:ln>
+                <a:noFill/>
+              </a:ln>
+            </p:spPr>
+            <p:txBody>
+              <a:bodyPr/>
+              <a:lstStyle/>
+              <a:p>
+                <a:r>
+                  <a:rPr lang="zh-CN" altLang="en-US">
+                    <a:noFill/>
+                  </a:rPr>
+                  <a:t> </a:t>
+                </a:r>
+              </a:p>
+            </p:txBody>
+          </p:sp>
+        </mc:Fallback>
+      </mc:AlternateContent>
     </p:spTree>
     <p:custDataLst>
-      <p:tags r:id="rId1"/>
+      <p:tags r:id="rId10"/>
     </p:custDataLst>
   </p:cSld>
   <p:clrMapOvr>
@@ -8410,6 +8665,160 @@
           <p:nvPr/>
         </p:nvPicPr>
         <p:blipFill>
+          <a:blip r:embed="rId1">
+            <a:extLst>
+              <a:ext uri="{28A0092B-C50C-407E-A947-70E740481C1C}">
+                <a14:useLocalDpi xmlns:a14="http://schemas.microsoft.com/office/drawing/2010/main" val="0"/>
+              </a:ext>
+            </a:extLst>
+          </a:blip>
+          <a:stretch>
+            <a:fillRect/>
+          </a:stretch>
+        </p:blipFill>
+        <p:spPr>
+          <a:xfrm>
+            <a:off x="4362289" y="682427"/>
+            <a:ext cx="2067123" cy="2067123"/>
+          </a:xfrm>
+          <a:prstGeom prst="rect">
+            <a:avLst/>
+          </a:prstGeom>
+        </p:spPr>
+      </p:pic>
+      <p:pic>
+        <p:nvPicPr>
+          <p:cNvPr id="5" name="图片 4"/>
+          <p:cNvPicPr>
+            <a:picLocks noChangeAspect="1"/>
+          </p:cNvPicPr>
+          <p:nvPr/>
+        </p:nvPicPr>
+        <p:blipFill>
+          <a:blip r:embed="rId2">
+            <a:extLst>
+              <a:ext uri="{28A0092B-C50C-407E-A947-70E740481C1C}">
+                <a14:useLocalDpi xmlns:a14="http://schemas.microsoft.com/office/drawing/2010/main" val="0"/>
+              </a:ext>
+            </a:extLst>
+          </a:blip>
+          <a:stretch>
+            <a:fillRect/>
+          </a:stretch>
+        </p:blipFill>
+        <p:spPr>
+          <a:xfrm>
+            <a:off x="2298340" y="682428"/>
+            <a:ext cx="2067123" cy="2067123"/>
+          </a:xfrm>
+          <a:prstGeom prst="rect">
+            <a:avLst/>
+          </a:prstGeom>
+        </p:spPr>
+      </p:pic>
+      <p:sp>
+        <p:nvSpPr>
+          <p:cNvPr id="36" name="文本框 35"/>
+          <p:cNvSpPr txBox="1"/>
+          <p:nvPr/>
+        </p:nvSpPr>
+        <p:spPr>
+          <a:xfrm>
+            <a:off x="4452603" y="2336714"/>
+            <a:ext cx="1721791" cy="554165"/>
+          </a:xfrm>
+          <a:prstGeom prst="rect">
+            <a:avLst/>
+          </a:prstGeom>
+          <a:noFill/>
+          <a:ln>
+            <a:noFill/>
+          </a:ln>
+        </p:spPr>
+        <p:txBody>
+          <a:bodyPr wrap="none" rtlCol="0">
+            <a:noAutofit/>
+          </a:bodyPr>
+          <a:lstStyle/>
+          <a:p>
+            <a:r>
+              <a:rPr lang="en-US" altLang="zh-CN" sz="900" dirty="0"/>
+              <a:t>Steer -0.0212   Speed  -0.0010</a:t>
+            </a:r>
+            <a:endParaRPr lang="en-US" altLang="zh-CN" sz="900" dirty="0"/>
+          </a:p>
+          <a:p>
+            <a:r>
+              <a:rPr lang="en-US" altLang="zh-CN" sz="900" dirty="0">
+                <a:solidFill>
+                  <a:schemeClr val="tx1"/>
+                </a:solidFill>
+              </a:rPr>
+              <a:t>Throttle  0.0</a:t>
+            </a:r>
+            <a:r>
+              <a:rPr lang="en-US" altLang="zh-CN" sz="900" dirty="0">
+                <a:solidFill>
+                  <a:srgbClr val="C00000"/>
+                </a:solidFill>
+              </a:rPr>
+              <a:t>      </a:t>
+            </a:r>
+            <a:r>
+              <a:rPr lang="en-US" altLang="zh-CN" sz="900" dirty="0">
+                <a:solidFill>
+                  <a:srgbClr val="FF0000"/>
+                </a:solidFill>
+              </a:rPr>
+              <a:t>Brake  0.8530</a:t>
+            </a:r>
+            <a:endParaRPr lang="en-US" altLang="zh-CN" sz="900" dirty="0">
+              <a:solidFill>
+                <a:srgbClr val="FF0000"/>
+              </a:solidFill>
+            </a:endParaRPr>
+          </a:p>
+        </p:txBody>
+      </p:sp>
+      <p:pic>
+        <p:nvPicPr>
+          <p:cNvPr id="7" name="图片 6"/>
+          <p:cNvPicPr>
+            <a:picLocks noChangeAspect="1"/>
+          </p:cNvPicPr>
+          <p:nvPr/>
+        </p:nvPicPr>
+        <p:blipFill>
+          <a:blip r:embed="rId3">
+            <a:extLst>
+              <a:ext uri="{28A0092B-C50C-407E-A947-70E740481C1C}">
+                <a14:useLocalDpi xmlns:a14="http://schemas.microsoft.com/office/drawing/2010/main" val="0"/>
+              </a:ext>
+            </a:extLst>
+          </a:blip>
+          <a:stretch>
+            <a:fillRect/>
+          </a:stretch>
+        </p:blipFill>
+        <p:spPr>
+          <a:xfrm>
+            <a:off x="6429412" y="682427"/>
+            <a:ext cx="2067123" cy="2067123"/>
+          </a:xfrm>
+          <a:prstGeom prst="rect">
+            <a:avLst/>
+          </a:prstGeom>
+        </p:spPr>
+      </p:pic>
+      <p:pic>
+        <p:nvPicPr>
+          <p:cNvPr id="9" name="图片 8"/>
+          <p:cNvPicPr>
+            <a:picLocks noChangeAspect="1"/>
+          </p:cNvPicPr>
+          <p:nvPr/>
+        </p:nvPicPr>
+        <p:blipFill>
           <a:blip r:embed="rId4">
             <a:extLst>
               <a:ext uri="{28A0092B-C50C-407E-A947-70E740481C1C}">
@@ -8423,8 +8832,8 @@
         </p:blipFill>
         <p:spPr>
           <a:xfrm>
-            <a:off x="4362289" y="682427"/>
-            <a:ext cx="2067123" cy="2067123"/>
+            <a:off x="2298340" y="2894518"/>
+            <a:ext cx="2055070" cy="2055070"/>
           </a:xfrm>
           <a:prstGeom prst="rect">
             <a:avLst/>
@@ -8433,7 +8842,7 @@
       </p:pic>
       <p:pic>
         <p:nvPicPr>
-          <p:cNvPr id="5" name="图片 4"/>
+          <p:cNvPr id="11" name="图片 10"/>
           <p:cNvPicPr>
             <a:picLocks noChangeAspect="1"/>
           </p:cNvPicPr>
@@ -8453,55 +8862,17 @@
         </p:blipFill>
         <p:spPr>
           <a:xfrm>
-            <a:off x="2295165" y="682428"/>
-            <a:ext cx="2067123" cy="2067123"/>
+            <a:off x="4350235" y="2890879"/>
+            <a:ext cx="2055070" cy="2055070"/>
           </a:xfrm>
           <a:prstGeom prst="rect">
             <a:avLst/>
           </a:prstGeom>
         </p:spPr>
       </p:pic>
-      <p:sp>
-        <p:nvSpPr>
-          <p:cNvPr id="36" name="文本框 35"/>
-          <p:cNvSpPr txBox="1"/>
-          <p:nvPr/>
-        </p:nvSpPr>
-        <p:spPr>
-          <a:xfrm>
-            <a:off x="4452603" y="2336714"/>
-            <a:ext cx="1721791" cy="554165"/>
-          </a:xfrm>
-          <a:prstGeom prst="rect">
-            <a:avLst/>
-          </a:prstGeom>
-          <a:noFill/>
-          <a:ln>
-            <a:noFill/>
-          </a:ln>
-        </p:spPr>
-        <p:txBody>
-          <a:bodyPr wrap="none" rtlCol="0">
-            <a:noAutofit/>
-          </a:bodyPr>
-          <a:lstStyle/>
-          <a:p>
-            <a:r>
-              <a:rPr lang="en-US" altLang="zh-CN" sz="900" dirty="0"/>
-              <a:t>Steer -0.0212   Speed  -0.0010</a:t>
-            </a:r>
-          </a:p>
-          <a:p>
-            <a:r>
-              <a:rPr lang="en-US" altLang="zh-CN" sz="900" dirty="0"/>
-              <a:t>Throttle  0.0      Brake  0.8530</a:t>
-            </a:r>
-          </a:p>
-        </p:txBody>
-      </p:sp>
       <p:pic>
         <p:nvPicPr>
-          <p:cNvPr id="7" name="图片 6"/>
+          <p:cNvPr id="13" name="图片 12"/>
           <p:cNvPicPr>
             <a:picLocks noChangeAspect="1"/>
           </p:cNvPicPr>
@@ -8521,96 +8892,6 @@
         </p:blipFill>
         <p:spPr>
           <a:xfrm>
-            <a:off x="6429412" y="682427"/>
-            <a:ext cx="2067123" cy="2067123"/>
-          </a:xfrm>
-          <a:prstGeom prst="rect">
-            <a:avLst/>
-          </a:prstGeom>
-        </p:spPr>
-      </p:pic>
-      <p:pic>
-        <p:nvPicPr>
-          <p:cNvPr id="9" name="图片 8"/>
-          <p:cNvPicPr>
-            <a:picLocks noChangeAspect="1"/>
-          </p:cNvPicPr>
-          <p:nvPr/>
-        </p:nvPicPr>
-        <p:blipFill>
-          <a:blip r:embed="rId7">
-            <a:extLst>
-              <a:ext uri="{28A0092B-C50C-407E-A947-70E740481C1C}">
-                <a14:useLocalDpi xmlns:a14="http://schemas.microsoft.com/office/drawing/2010/main" val="0"/>
-              </a:ext>
-            </a:extLst>
-          </a:blip>
-          <a:stretch>
-            <a:fillRect/>
-          </a:stretch>
-        </p:blipFill>
-        <p:spPr>
-          <a:xfrm>
-            <a:off x="2295165" y="2894518"/>
-            <a:ext cx="2055070" cy="2055070"/>
-          </a:xfrm>
-          <a:prstGeom prst="rect">
-            <a:avLst/>
-          </a:prstGeom>
-        </p:spPr>
-      </p:pic>
-      <p:pic>
-        <p:nvPicPr>
-          <p:cNvPr id="11" name="图片 10"/>
-          <p:cNvPicPr>
-            <a:picLocks noChangeAspect="1"/>
-          </p:cNvPicPr>
-          <p:nvPr/>
-        </p:nvPicPr>
-        <p:blipFill>
-          <a:blip r:embed="rId8">
-            <a:extLst>
-              <a:ext uri="{28A0092B-C50C-407E-A947-70E740481C1C}">
-                <a14:useLocalDpi xmlns:a14="http://schemas.microsoft.com/office/drawing/2010/main" val="0"/>
-              </a:ext>
-            </a:extLst>
-          </a:blip>
-          <a:stretch>
-            <a:fillRect/>
-          </a:stretch>
-        </p:blipFill>
-        <p:spPr>
-          <a:xfrm>
-            <a:off x="4350235" y="2890879"/>
-            <a:ext cx="2055070" cy="2055070"/>
-          </a:xfrm>
-          <a:prstGeom prst="rect">
-            <a:avLst/>
-          </a:prstGeom>
-        </p:spPr>
-      </p:pic>
-      <p:pic>
-        <p:nvPicPr>
-          <p:cNvPr id="13" name="图片 12"/>
-          <p:cNvPicPr>
-            <a:picLocks noChangeAspect="1"/>
-          </p:cNvPicPr>
-          <p:nvPr/>
-        </p:nvPicPr>
-        <p:blipFill>
-          <a:blip r:embed="rId9">
-            <a:extLst>
-              <a:ext uri="{28A0092B-C50C-407E-A947-70E740481C1C}">
-                <a14:useLocalDpi xmlns:a14="http://schemas.microsoft.com/office/drawing/2010/main" val="0"/>
-              </a:ext>
-            </a:extLst>
-          </a:blip>
-          <a:stretch>
-            <a:fillRect/>
-          </a:stretch>
-        </p:blipFill>
-        <p:spPr>
-          <a:xfrm>
             <a:off x="6405305" y="2890879"/>
             <a:ext cx="2067123" cy="2067123"/>
           </a:xfrm>
@@ -8648,18 +8929,40 @@
               <a:rPr lang="en-US" altLang="zh-CN" sz="900" dirty="0"/>
               <a:t>Steer 0.02816   Speed  -0.0009</a:t>
             </a:r>
-          </a:p>
-          <a:p>
+            <a:endParaRPr lang="en-US" altLang="zh-CN" sz="900" dirty="0"/>
+          </a:p>
+          <a:p>
+            <a:r>
+              <a:rPr lang="en-US" altLang="zh-CN" sz="900" dirty="0">
+                <a:solidFill>
+                  <a:schemeClr val="tx1"/>
+                </a:solidFill>
+              </a:rPr>
+              <a:t>Throttle  0.0</a:t>
+            </a:r>
             <a:r>
               <a:rPr lang="en-US" altLang="zh-CN" sz="900" dirty="0"/>
-              <a:t>Throttle  0.0      Brake  0.1196</a:t>
-            </a:r>
+              <a:t>      </a:t>
+            </a:r>
+            <a:r>
+              <a:rPr lang="en-US" altLang="zh-CN" sz="900" dirty="0">
+                <a:solidFill>
+                  <a:srgbClr val="FF0000"/>
+                </a:solidFill>
+              </a:rPr>
+              <a:t>Brake  0.1196</a:t>
+            </a:r>
+            <a:endParaRPr lang="en-US" altLang="zh-CN" sz="900" dirty="0">
+              <a:solidFill>
+                <a:srgbClr val="FF0000"/>
+              </a:solidFill>
+            </a:endParaRPr>
           </a:p>
         </p:txBody>
       </p:sp>
     </p:spTree>
     <p:custDataLst>
-      <p:tags r:id="rId1"/>
+      <p:tags r:id="rId7"/>
     </p:custDataLst>
   </p:cSld>
   <p:clrMapOvr>
@@ -8694,6 +8997,96 @@
           <p:nvPr/>
         </p:nvPicPr>
         <p:blipFill>
+          <a:blip r:embed="rId1">
+            <a:extLst>
+              <a:ext uri="{28A0092B-C50C-407E-A947-70E740481C1C}">
+                <a14:useLocalDpi xmlns:a14="http://schemas.microsoft.com/office/drawing/2010/main" val="0"/>
+              </a:ext>
+            </a:extLst>
+          </a:blip>
+          <a:stretch>
+            <a:fillRect/>
+          </a:stretch>
+        </p:blipFill>
+        <p:spPr>
+          <a:xfrm>
+            <a:off x="2784314" y="3473450"/>
+            <a:ext cx="6201372" cy="2067124"/>
+          </a:xfrm>
+          <a:prstGeom prst="rect">
+            <a:avLst/>
+          </a:prstGeom>
+        </p:spPr>
+      </p:pic>
+      <p:pic>
+        <p:nvPicPr>
+          <p:cNvPr id="31" name="图片 30"/>
+          <p:cNvPicPr>
+            <a:picLocks noChangeAspect="1"/>
+          </p:cNvPicPr>
+          <p:nvPr/>
+        </p:nvPicPr>
+        <p:blipFill>
+          <a:blip r:embed="rId2">
+            <a:extLst>
+              <a:ext uri="{28A0092B-C50C-407E-A947-70E740481C1C}">
+                <a14:useLocalDpi xmlns:a14="http://schemas.microsoft.com/office/drawing/2010/main" val="0"/>
+              </a:ext>
+            </a:extLst>
+          </a:blip>
+          <a:stretch>
+            <a:fillRect/>
+          </a:stretch>
+        </p:blipFill>
+        <p:spPr>
+          <a:xfrm>
+            <a:off x="2784314" y="1406326"/>
+            <a:ext cx="2067124" cy="2067124"/>
+          </a:xfrm>
+          <a:prstGeom prst="rect">
+            <a:avLst/>
+          </a:prstGeom>
+        </p:spPr>
+      </p:pic>
+      <p:pic>
+        <p:nvPicPr>
+          <p:cNvPr id="33" name="图片 32"/>
+          <p:cNvPicPr>
+            <a:picLocks noChangeAspect="1"/>
+          </p:cNvPicPr>
+          <p:nvPr/>
+        </p:nvPicPr>
+        <p:blipFill>
+          <a:blip r:embed="rId3">
+            <a:extLst>
+              <a:ext uri="{28A0092B-C50C-407E-A947-70E740481C1C}">
+                <a14:useLocalDpi xmlns:a14="http://schemas.microsoft.com/office/drawing/2010/main" val="0"/>
+              </a:ext>
+            </a:extLst>
+          </a:blip>
+          <a:stretch>
+            <a:fillRect/>
+          </a:stretch>
+        </p:blipFill>
+        <p:spPr>
+          <a:xfrm>
+            <a:off x="4851438" y="1406326"/>
+            <a:ext cx="2067124" cy="2067124"/>
+          </a:xfrm>
+          <a:prstGeom prst="rect">
+            <a:avLst/>
+          </a:prstGeom>
+        </p:spPr>
+      </p:pic>
+      <p:pic>
+        <p:nvPicPr>
+          <p:cNvPr id="35" name="图片 34"/>
+          <p:cNvPicPr>
+            <a:picLocks noChangeAspect="1"/>
+          </p:cNvPicPr>
+          <p:nvPr/>
+        </p:nvPicPr>
+        <p:blipFill>
           <a:blip r:embed="rId4">
             <a:extLst>
               <a:ext uri="{28A0092B-C50C-407E-A947-70E740481C1C}">
@@ -8707,96 +9100,6 @@
         </p:blipFill>
         <p:spPr>
           <a:xfrm>
-            <a:off x="2784314" y="3473450"/>
-            <a:ext cx="6201372" cy="2067124"/>
-          </a:xfrm>
-          <a:prstGeom prst="rect">
-            <a:avLst/>
-          </a:prstGeom>
-        </p:spPr>
-      </p:pic>
-      <p:pic>
-        <p:nvPicPr>
-          <p:cNvPr id="31" name="图片 30"/>
-          <p:cNvPicPr>
-            <a:picLocks noChangeAspect="1"/>
-          </p:cNvPicPr>
-          <p:nvPr/>
-        </p:nvPicPr>
-        <p:blipFill>
-          <a:blip r:embed="rId5">
-            <a:extLst>
-              <a:ext uri="{28A0092B-C50C-407E-A947-70E740481C1C}">
-                <a14:useLocalDpi xmlns:a14="http://schemas.microsoft.com/office/drawing/2010/main" val="0"/>
-              </a:ext>
-            </a:extLst>
-          </a:blip>
-          <a:stretch>
-            <a:fillRect/>
-          </a:stretch>
-        </p:blipFill>
-        <p:spPr>
-          <a:xfrm>
-            <a:off x="2784314" y="1406326"/>
-            <a:ext cx="2067124" cy="2067124"/>
-          </a:xfrm>
-          <a:prstGeom prst="rect">
-            <a:avLst/>
-          </a:prstGeom>
-        </p:spPr>
-      </p:pic>
-      <p:pic>
-        <p:nvPicPr>
-          <p:cNvPr id="33" name="图片 32"/>
-          <p:cNvPicPr>
-            <a:picLocks noChangeAspect="1"/>
-          </p:cNvPicPr>
-          <p:nvPr/>
-        </p:nvPicPr>
-        <p:blipFill>
-          <a:blip r:embed="rId6">
-            <a:extLst>
-              <a:ext uri="{28A0092B-C50C-407E-A947-70E740481C1C}">
-                <a14:useLocalDpi xmlns:a14="http://schemas.microsoft.com/office/drawing/2010/main" val="0"/>
-              </a:ext>
-            </a:extLst>
-          </a:blip>
-          <a:stretch>
-            <a:fillRect/>
-          </a:stretch>
-        </p:blipFill>
-        <p:spPr>
-          <a:xfrm>
-            <a:off x="4851438" y="1406326"/>
-            <a:ext cx="2067124" cy="2067124"/>
-          </a:xfrm>
-          <a:prstGeom prst="rect">
-            <a:avLst/>
-          </a:prstGeom>
-        </p:spPr>
-      </p:pic>
-      <p:pic>
-        <p:nvPicPr>
-          <p:cNvPr id="35" name="图片 34"/>
-          <p:cNvPicPr>
-            <a:picLocks noChangeAspect="1"/>
-          </p:cNvPicPr>
-          <p:nvPr/>
-        </p:nvPicPr>
-        <p:blipFill>
-          <a:blip r:embed="rId7">
-            <a:extLst>
-              <a:ext uri="{28A0092B-C50C-407E-A947-70E740481C1C}">
-                <a14:useLocalDpi xmlns:a14="http://schemas.microsoft.com/office/drawing/2010/main" val="0"/>
-              </a:ext>
-            </a:extLst>
-          </a:blip>
-          <a:stretch>
-            <a:fillRect/>
-          </a:stretch>
-        </p:blipFill>
-        <p:spPr>
-          <a:xfrm>
             <a:off x="6916974" y="1406326"/>
             <a:ext cx="2067124" cy="2067124"/>
           </a:xfrm>
@@ -8834,18 +9137,20 @@
               <a:rPr lang="en-US" altLang="zh-CN" sz="900" dirty="0"/>
               <a:t>Steer -0.0212   Speed  -0.0010</a:t>
             </a:r>
+            <a:endParaRPr lang="en-US" altLang="zh-CN" sz="900" dirty="0"/>
           </a:p>
           <a:p>
             <a:r>
               <a:rPr lang="en-US" altLang="zh-CN" sz="900" dirty="0"/>
               <a:t>Throttle  0.0      Brake  0.8530</a:t>
             </a:r>
+            <a:endParaRPr lang="en-US" altLang="zh-CN" sz="900" dirty="0"/>
           </a:p>
         </p:txBody>
       </p:sp>
     </p:spTree>
     <p:custDataLst>
-      <p:tags r:id="rId1"/>
+      <p:tags r:id="rId5"/>
     </p:custDataLst>
   </p:cSld>
   <p:clrMapOvr>
@@ -8880,7 +9185,7 @@
           <p:nvPr/>
         </p:nvPicPr>
         <p:blipFill>
-          <a:blip r:embed="rId4">
+          <a:blip r:embed="rId1">
             <a:extLst>
               <a:ext uri="{28A0092B-C50C-407E-A947-70E740481C1C}">
                 <a14:useLocalDpi xmlns:a14="http://schemas.microsoft.com/office/drawing/2010/main" val="0"/>
@@ -8911,7 +9216,7 @@
           <p:nvPr/>
         </p:nvPicPr>
         <p:blipFill>
-          <a:blip r:embed="rId5">
+          <a:blip r:embed="rId2">
             <a:extLst>
               <a:ext uri="{28A0092B-C50C-407E-A947-70E740481C1C}">
                 <a14:useLocalDpi xmlns:a14="http://schemas.microsoft.com/office/drawing/2010/main" val="0"/>
@@ -8941,7 +9246,7 @@
           <p:nvPr/>
         </p:nvPicPr>
         <p:blipFill>
-          <a:blip r:embed="rId6">
+          <a:blip r:embed="rId3">
             <a:extLst>
               <a:ext uri="{28A0092B-C50C-407E-A947-70E740481C1C}">
                 <a14:useLocalDpi xmlns:a14="http://schemas.microsoft.com/office/drawing/2010/main" val="0"/>
@@ -8971,7 +9276,7 @@
           <p:nvPr/>
         </p:nvPicPr>
         <p:blipFill>
-          <a:blip r:embed="rId7">
+          <a:blip r:embed="rId4">
             <a:extLst>
               <a:ext uri="{28A0092B-C50C-407E-A947-70E740481C1C}">
                 <a14:useLocalDpi xmlns:a14="http://schemas.microsoft.com/office/drawing/2010/main" val="0"/>
@@ -8994,7 +9299,7 @@
       </p:pic>
     </p:spTree>
     <p:custDataLst>
-      <p:tags r:id="rId1"/>
+      <p:tags r:id="rId5"/>
     </p:custDataLst>
   </p:cSld>
   <p:clrMapOvr>
@@ -9029,7 +9334,7 @@
           <p:nvPr/>
         </p:nvPicPr>
         <p:blipFill>
-          <a:blip r:embed="rId3"/>
+          <a:blip r:embed="rId1"/>
           <a:stretch>
             <a:fillRect/>
           </a:stretch>
@@ -9060,7 +9365,7 @@
           <p:nvPr/>
         </p:nvPicPr>
         <p:blipFill>
-          <a:blip r:embed="rId4"/>
+          <a:blip r:embed="rId2"/>
           <a:stretch>
             <a:fillRect/>
           </a:stretch>
@@ -9108,6 +9413,10 @@
               </a:rPr>
               <a:t>Perception Network</a:t>
             </a:r>
+            <a:endParaRPr lang="en-US" altLang="zh-CN" sz="1600">
+              <a:latin typeface="Times New Roman" panose="02020603050405020304" charset="0"/>
+              <a:cs typeface="Times New Roman" panose="02020603050405020304" charset="0"/>
+            </a:endParaRPr>
           </a:p>
         </p:txBody>
       </p:sp>
@@ -9164,6 +9473,10 @@
               </a:rPr>
               <a:t>etric</a:t>
             </a:r>
+            <a:endParaRPr sz="1600" spc="6">
+              <a:latin typeface="Times New Roman" panose="02020603050405020304" charset="0"/>
+              <a:cs typeface="Times New Roman" panose="02020603050405020304" charset="0"/>
+            </a:endParaRPr>
           </a:p>
         </p:txBody>
       </p:sp>
@@ -9256,6 +9569,10 @@
               </a:rPr>
               <a:t>Decision Network</a:t>
             </a:r>
+            <a:endParaRPr lang="en-US" altLang="zh-CN" sz="1600">
+              <a:latin typeface="Times New Roman" panose="02020603050405020304" charset="0"/>
+              <a:cs typeface="Times New Roman" panose="02020603050405020304" charset="0"/>
+            </a:endParaRPr>
           </a:p>
         </p:txBody>
       </p:sp>
@@ -9305,6 +9622,10 @@
               </a:rPr>
               <a:t>election</a:t>
             </a:r>
+            <a:endParaRPr sz="1600" spc="6">
+              <a:latin typeface="Times New Roman" panose="02020603050405020304" charset="0"/>
+              <a:cs typeface="Times New Roman" panose="02020603050405020304" charset="0"/>
+            </a:endParaRPr>
           </a:p>
         </p:txBody>
       </p:sp>
@@ -9365,6 +9686,11 @@
               </a:rPr>
               <a:t>ctivation</a:t>
             </a:r>
+            <a:endParaRPr sz="1600" spc="6">
+              <a:latin typeface="Times New Roman" panose="02020603050405020304" charset="0"/>
+              <a:cs typeface="Times New Roman" panose="02020603050405020304" charset="0"/>
+              <a:sym typeface="+mn-ea"/>
+            </a:endParaRPr>
           </a:p>
           <a:p>
             <a:endParaRPr lang="zh-CN" altLang="en-US" sz="1600">
@@ -9432,6 +9758,11 @@
               </a:rPr>
               <a:t>ctivation</a:t>
             </a:r>
+            <a:endParaRPr sz="1600" spc="6">
+              <a:latin typeface="Times New Roman" panose="02020603050405020304" charset="0"/>
+              <a:cs typeface="Times New Roman" panose="02020603050405020304" charset="0"/>
+              <a:sym typeface="+mn-ea"/>
+            </a:endParaRPr>
           </a:p>
           <a:p>
             <a:endParaRPr lang="zh-CN" altLang="en-US" sz="1600">
@@ -9451,7 +9782,7 @@
           <p:nvPr/>
         </p:nvPicPr>
         <p:blipFill>
-          <a:blip r:embed="rId5">
+          <a:blip r:embed="rId3">
             <a:alphaModFix amt="50000"/>
           </a:blip>
           <a:stretch>
@@ -9477,7 +9808,7 @@
           <p:nvPr/>
         </p:nvPicPr>
         <p:blipFill>
-          <a:blip r:embed="rId5"/>
+          <a:blip r:embed="rId3"/>
           <a:stretch>
             <a:fillRect/>
           </a:stretch>
@@ -9557,7 +9888,7 @@
           <p:nvPr/>
         </p:nvPicPr>
         <p:blipFill>
-          <a:blip r:embed="rId5"/>
+          <a:blip r:embed="rId3"/>
           <a:stretch>
             <a:fillRect/>
           </a:stretch>
@@ -10026,6 +10357,10 @@
               </a:rPr>
               <a:t>lignment</a:t>
             </a:r>
+            <a:endParaRPr sz="1600" spc="6">
+              <a:latin typeface="Times New Roman" panose="02020603050405020304" charset="0"/>
+              <a:cs typeface="Times New Roman" panose="02020603050405020304" charset="0"/>
+            </a:endParaRPr>
           </a:p>
         </p:txBody>
       </p:sp>
@@ -10089,7 +10424,7 @@
           <p:nvPr/>
         </p:nvPicPr>
         <p:blipFill>
-          <a:blip r:embed="rId6">
+          <a:blip r:embed="rId4">
             <a:alphaModFix amt="76000"/>
           </a:blip>
           <a:stretch>
@@ -10115,7 +10450,7 @@
           <p:nvPr/>
         </p:nvPicPr>
         <p:blipFill>
-          <a:blip r:embed="rId7">
+          <a:blip r:embed="rId5">
             <a:alphaModFix amt="76000"/>
           </a:blip>
           <a:stretch>
@@ -10141,7 +10476,7 @@
           <p:nvPr/>
         </p:nvPicPr>
         <p:blipFill>
-          <a:blip r:embed="rId8"/>
+          <a:blip r:embed="rId6"/>
           <a:stretch>
             <a:fillRect/>
           </a:stretch>
@@ -10165,7 +10500,7 @@
           <p:nvPr/>
         </p:nvPicPr>
         <p:blipFill>
-          <a:blip r:embed="rId5">
+          <a:blip r:embed="rId3">
             <a:alphaModFix amt="54000"/>
           </a:blip>
           <a:stretch>
@@ -10191,7 +10526,7 @@
           <p:nvPr/>
         </p:nvPicPr>
         <p:blipFill>
-          <a:blip r:embed="rId9">
+          <a:blip r:embed="rId7">
             <a:alphaModFix amt="54000"/>
           </a:blip>
           <a:stretch>
@@ -10217,7 +10552,7 @@
           <p:nvPr/>
         </p:nvPicPr>
         <p:blipFill>
-          <a:blip r:embed="rId8">
+          <a:blip r:embed="rId6">
             <a:alphaModFix amt="54000"/>
           </a:blip>
           <a:stretch>
@@ -10243,7 +10578,7 @@
           <p:nvPr/>
         </p:nvPicPr>
         <p:blipFill>
-          <a:blip r:embed="rId10">
+          <a:blip r:embed="rId8">
             <a:alphaModFix amt="54000"/>
           </a:blip>
           <a:stretch>
@@ -10443,7 +10778,7 @@
           <p:nvPr/>
         </p:nvPicPr>
         <p:blipFill>
-          <a:blip r:embed="rId11">
+          <a:blip r:embed="rId9">
             <a:alphaModFix amt="22000"/>
           </a:blip>
           <a:stretch>
@@ -10469,7 +10804,7 @@
           <p:nvPr/>
         </p:nvPicPr>
         <p:blipFill>
-          <a:blip r:embed="rId12">
+          <a:blip r:embed="rId10">
             <a:alphaModFix amt="22000"/>
           </a:blip>
           <a:stretch>
@@ -10495,7 +10830,7 @@
           <p:nvPr/>
         </p:nvPicPr>
         <p:blipFill>
-          <a:blip r:embed="rId13">
+          <a:blip r:embed="rId11">
             <a:alphaModFix amt="28000"/>
           </a:blip>
           <a:stretch>
@@ -10918,7 +11253,6 @@
               </a:spcAft>
               <a:buNone/>
             </a:pPr>
-            <a:endParaRPr/>
           </a:p>
         </p:txBody>
       </p:sp>
@@ -10972,7 +11306,6 @@
               </a:spcAft>
               <a:buNone/>
             </a:pPr>
-            <a:endParaRPr/>
           </a:p>
         </p:txBody>
       </p:sp>
@@ -11473,13 +11806,8 @@
       </p:sp>
     </p:spTree>
     <p:custDataLst>
-      <p:tags r:id="rId1"/>
+      <p:tags r:id="rId12"/>
     </p:custDataLst>
-    <p:extLst>
-      <p:ext uri="{BB962C8B-B14F-4D97-AF65-F5344CB8AC3E}">
-        <p14:creationId xmlns:p14="http://schemas.microsoft.com/office/powerpoint/2010/main" val="618333307"/>
-      </p:ext>
-    </p:extLst>
   </p:cSld>
   <p:clrMapOvr>
     <a:masterClrMapping/>
@@ -11609,7 +11937,7 @@
           <p:cNvSpPr txBox="1"/>
           <p:nvPr>
             <p:custDataLst>
-              <p:tags r:id="rId2"/>
+              <p:tags r:id="rId1"/>
             </p:custDataLst>
           </p:nvPr>
         </p:nvSpPr>
@@ -11650,7 +11978,7 @@
           <p:cNvSpPr/>
           <p:nvPr>
             <p:custDataLst>
-              <p:tags r:id="rId3"/>
+              <p:tags r:id="rId2"/>
             </p:custDataLst>
           </p:nvPr>
         </p:nvSpPr>
@@ -11702,7 +12030,7 @@
           <p:cNvSpPr/>
           <p:nvPr>
             <p:custDataLst>
-              <p:tags r:id="rId4"/>
+              <p:tags r:id="rId3"/>
             </p:custDataLst>
           </p:nvPr>
         </p:nvSpPr>
@@ -11754,7 +12082,7 @@
           <p:cNvSpPr txBox="1"/>
           <p:nvPr>
             <p:custDataLst>
-              <p:tags r:id="rId5"/>
+              <p:tags r:id="rId4"/>
             </p:custDataLst>
           </p:nvPr>
         </p:nvSpPr>
@@ -11787,6 +12115,11 @@
               </a:rPr>
               <a:t>s</a:t>
             </a:r>
+            <a:endParaRPr lang="en-US" altLang="zh-CN" sz="1200">
+              <a:latin typeface="Times New Roman" panose="02020603050405020304" charset="0"/>
+              <a:cs typeface="Times New Roman" panose="02020603050405020304" charset="0"/>
+              <a:sym typeface="+mn-ea"/>
+            </a:endParaRPr>
           </a:p>
         </p:txBody>
       </p:sp>
@@ -11964,7 +12297,7 @@
           <p:cNvSpPr/>
           <p:nvPr>
             <p:custDataLst>
-              <p:tags r:id="rId6"/>
+              <p:tags r:id="rId5"/>
             </p:custDataLst>
           </p:nvPr>
         </p:nvSpPr>
@@ -12082,7 +12415,7 @@
           <p:cNvSpPr txBox="1"/>
           <p:nvPr>
             <p:custDataLst>
-              <p:tags r:id="rId7"/>
+              <p:tags r:id="rId6"/>
             </p:custDataLst>
           </p:nvPr>
         </p:nvSpPr>
@@ -12110,6 +12443,11 @@
               </a:rPr>
               <a:t>a</a:t>
             </a:r>
+            <a:endParaRPr lang="en-US" altLang="zh-CN" sz="1200">
+              <a:latin typeface="Times New Roman" panose="02020603050405020304" charset="0"/>
+              <a:cs typeface="Times New Roman" panose="02020603050405020304" charset="0"/>
+              <a:sym typeface="+mn-ea"/>
+            </a:endParaRPr>
           </a:p>
         </p:txBody>
       </p:sp>
@@ -12146,6 +12484,10 @@
               </a:rPr>
               <a:t>Perception Network</a:t>
             </a:r>
+            <a:endParaRPr lang="en-US" altLang="zh-CN" sz="1200">
+              <a:latin typeface="Times New Roman" panose="02020603050405020304" charset="0"/>
+              <a:cs typeface="Times New Roman" panose="02020603050405020304" charset="0"/>
+            </a:endParaRPr>
           </a:p>
         </p:txBody>
       </p:sp>
@@ -12241,6 +12583,10 @@
               </a:rPr>
               <a:t>Ventral Pathway</a:t>
             </a:r>
+            <a:endParaRPr lang="en-US" altLang="zh-CN" sz="1200">
+              <a:latin typeface="Times New Roman" panose="02020603050405020304" charset="0"/>
+              <a:cs typeface="Times New Roman" panose="02020603050405020304" charset="0"/>
+            </a:endParaRPr>
           </a:p>
         </p:txBody>
       </p:sp>
@@ -12277,6 +12623,10 @@
               </a:rPr>
               <a:t>Decision Network</a:t>
             </a:r>
+            <a:endParaRPr lang="en-US" altLang="zh-CN" sz="1200">
+              <a:latin typeface="Times New Roman" panose="02020603050405020304" charset="0"/>
+              <a:cs typeface="Times New Roman" panose="02020603050405020304" charset="0"/>
+            </a:endParaRPr>
           </a:p>
         </p:txBody>
       </p:sp>
@@ -12313,6 +12663,10 @@
               </a:rPr>
               <a:t>Dorsal Pathway</a:t>
             </a:r>
+            <a:endParaRPr lang="en-US" altLang="zh-CN" sz="1200">
+              <a:latin typeface="Times New Roman" panose="02020603050405020304" charset="0"/>
+              <a:cs typeface="Times New Roman" panose="02020603050405020304" charset="0"/>
+            </a:endParaRPr>
           </a:p>
         </p:txBody>
       </p:sp>
@@ -12396,6 +12750,10 @@
               </a:rPr>
               <a:t>Assessment</a:t>
             </a:r>
+            <a:endParaRPr lang="zh-CN" altLang="en-US" sz="1200">
+              <a:latin typeface="Times New Roman" panose="02020603050405020304" charset="0"/>
+              <a:cs typeface="Times New Roman" panose="02020603050405020304" charset="0"/>
+            </a:endParaRPr>
           </a:p>
         </p:txBody>
       </p:sp>
@@ -12798,6 +13156,10 @@
               </a:rPr>
               <a:t>CPC</a:t>
             </a:r>
+            <a:endParaRPr lang="en-US" altLang="zh-CN" sz="1200">
+              <a:latin typeface="Times New Roman" panose="02020603050405020304" charset="0"/>
+              <a:cs typeface="Times New Roman" panose="02020603050405020304" charset="0"/>
+            </a:endParaRPr>
           </a:p>
         </p:txBody>
       </p:sp>
@@ -12833,6 +13195,10 @@
               </a:rPr>
               <a:t>DPC</a:t>
             </a:r>
+            <a:endParaRPr lang="en-US" altLang="zh-CN" sz="1200">
+              <a:latin typeface="Times New Roman" panose="02020603050405020304" charset="0"/>
+              <a:cs typeface="Times New Roman" panose="02020603050405020304" charset="0"/>
+            </a:endParaRPr>
           </a:p>
         </p:txBody>
       </p:sp>
@@ -12868,6 +13234,10 @@
               </a:rPr>
               <a:t>MPC</a:t>
             </a:r>
+            <a:endParaRPr lang="en-US" altLang="zh-CN" sz="1200">
+              <a:latin typeface="Times New Roman" panose="02020603050405020304" charset="0"/>
+              <a:cs typeface="Times New Roman" panose="02020603050405020304" charset="0"/>
+            </a:endParaRPr>
           </a:p>
         </p:txBody>
       </p:sp>
@@ -12903,6 +13273,10 @@
               </a:rPr>
               <a:t>VPC</a:t>
             </a:r>
+            <a:endParaRPr lang="en-US" altLang="zh-CN" sz="1200">
+              <a:latin typeface="Times New Roman" panose="02020603050405020304" charset="0"/>
+              <a:cs typeface="Times New Roman" panose="02020603050405020304" charset="0"/>
+            </a:endParaRPr>
           </a:p>
         </p:txBody>
       </p:sp>
@@ -12938,6 +13312,10 @@
               </a:rPr>
               <a:t>OFC</a:t>
             </a:r>
+            <a:endParaRPr lang="en-US" altLang="zh-CN" sz="1200">
+              <a:latin typeface="Times New Roman" panose="02020603050405020304" charset="0"/>
+              <a:cs typeface="Times New Roman" panose="02020603050405020304" charset="0"/>
+            </a:endParaRPr>
           </a:p>
         </p:txBody>
       </p:sp>
@@ -13357,6 +13735,10 @@
               </a:rPr>
               <a:t>V2</a:t>
             </a:r>
+            <a:endParaRPr lang="en-US" altLang="zh-CN" sz="1200">
+              <a:latin typeface="Times New Roman" panose="02020603050405020304" charset="0"/>
+              <a:cs typeface="Times New Roman" panose="02020603050405020304" charset="0"/>
+            </a:endParaRPr>
           </a:p>
         </p:txBody>
       </p:sp>
@@ -13392,6 +13774,10 @@
               </a:rPr>
               <a:t>IT</a:t>
             </a:r>
+            <a:endParaRPr lang="en-US" altLang="zh-CN" sz="1200">
+              <a:latin typeface="Times New Roman" panose="02020603050405020304" charset="0"/>
+              <a:cs typeface="Times New Roman" panose="02020603050405020304" charset="0"/>
+            </a:endParaRPr>
           </a:p>
         </p:txBody>
       </p:sp>
@@ -13481,6 +13867,10 @@
               </a:rPr>
               <a:t>MT</a:t>
             </a:r>
+            <a:endParaRPr lang="en-US" altLang="zh-CN" sz="1200">
+              <a:latin typeface="Times New Roman" panose="02020603050405020304" charset="0"/>
+              <a:cs typeface="Times New Roman" panose="02020603050405020304" charset="0"/>
+            </a:endParaRPr>
           </a:p>
         </p:txBody>
       </p:sp>
@@ -13570,6 +13960,10 @@
               </a:rPr>
               <a:t>MST</a:t>
             </a:r>
+            <a:endParaRPr lang="en-US" altLang="zh-CN" sz="1200">
+              <a:latin typeface="Times New Roman" panose="02020603050405020304" charset="0"/>
+              <a:cs typeface="Times New Roman" panose="02020603050405020304" charset="0"/>
+            </a:endParaRPr>
           </a:p>
         </p:txBody>
       </p:sp>
@@ -13843,6 +14237,10 @@
               </a:rPr>
               <a:t>V4</a:t>
             </a:r>
+            <a:endParaRPr lang="en-US" altLang="zh-CN" sz="1200">
+              <a:latin typeface="Times New Roman" panose="02020603050405020304" charset="0"/>
+              <a:cs typeface="Times New Roman" panose="02020603050405020304" charset="0"/>
+            </a:endParaRPr>
           </a:p>
         </p:txBody>
       </p:sp>
@@ -13878,6 +14276,10 @@
               </a:rPr>
               <a:t>V1</a:t>
             </a:r>
+            <a:endParaRPr lang="en-US" altLang="zh-CN" sz="1200">
+              <a:latin typeface="Times New Roman" panose="02020603050405020304" charset="0"/>
+              <a:cs typeface="Times New Roman" panose="02020603050405020304" charset="0"/>
+            </a:endParaRPr>
           </a:p>
         </p:txBody>
       </p:sp>
@@ -13887,7 +14289,7 @@
           <p:cNvSpPr/>
           <p:nvPr>
             <p:custDataLst>
-              <p:tags r:id="rId8"/>
+              <p:tags r:id="rId7"/>
             </p:custDataLst>
           </p:nvPr>
         </p:nvSpPr>
@@ -14176,7 +14578,7 @@
           <p:cNvSpPr/>
           <p:nvPr>
             <p:custDataLst>
-              <p:tags r:id="rId9"/>
+              <p:tags r:id="rId8"/>
             </p:custDataLst>
           </p:nvPr>
         </p:nvSpPr>
@@ -14228,7 +14630,7 @@
           <p:cNvSpPr/>
           <p:nvPr>
             <p:custDataLst>
-              <p:tags r:id="rId10"/>
+              <p:tags r:id="rId9"/>
             </p:custDataLst>
           </p:nvPr>
         </p:nvSpPr>
@@ -14280,7 +14682,7 @@
           <p:cNvSpPr/>
           <p:nvPr>
             <p:custDataLst>
-              <p:tags r:id="rId11"/>
+              <p:tags r:id="rId10"/>
             </p:custDataLst>
           </p:nvPr>
         </p:nvSpPr>
@@ -14335,6 +14737,13 @@
               </a:rPr>
               <a:t>Action</a:t>
             </a:r>
+            <a:endParaRPr lang="en-US" altLang="zh-CN" sz="1200">
+              <a:solidFill>
+                <a:schemeClr val="tx1"/>
+              </a:solidFill>
+              <a:latin typeface="Times New Roman" panose="02020603050405020304" charset="0"/>
+              <a:cs typeface="Times New Roman" panose="02020603050405020304" charset="0"/>
+            </a:endParaRPr>
           </a:p>
           <a:p>
             <a:pPr algn="ctr"/>
@@ -14365,7 +14774,7 @@
           <p:cNvSpPr/>
           <p:nvPr>
             <p:custDataLst>
-              <p:tags r:id="rId12"/>
+              <p:tags r:id="rId11"/>
             </p:custDataLst>
           </p:nvPr>
         </p:nvSpPr>
@@ -14420,6 +14829,13 @@
               </a:rPr>
               <a:t>Speed</a:t>
             </a:r>
+            <a:endParaRPr lang="en-US" altLang="zh-CN" sz="1200">
+              <a:solidFill>
+                <a:schemeClr val="tx1"/>
+              </a:solidFill>
+              <a:latin typeface="Times New Roman" panose="02020603050405020304" charset="0"/>
+              <a:cs typeface="Times New Roman" panose="02020603050405020304" charset="0"/>
+            </a:endParaRPr>
           </a:p>
           <a:p>
             <a:pPr algn="ctr"/>
@@ -14433,6 +14849,13 @@
               </a:rPr>
               <a:t>Head</a:t>
             </a:r>
+            <a:endParaRPr lang="en-US" altLang="zh-CN" sz="1200">
+              <a:solidFill>
+                <a:schemeClr val="tx1"/>
+              </a:solidFill>
+              <a:latin typeface="Times New Roman" panose="02020603050405020304" charset="0"/>
+              <a:cs typeface="Times New Roman" panose="02020603050405020304" charset="0"/>
+            </a:endParaRPr>
           </a:p>
         </p:txBody>
       </p:sp>
@@ -14514,7 +14937,7 @@
       </p:cxnSp>
     </p:spTree>
     <p:custDataLst>
-      <p:tags r:id="rId1"/>
+      <p:tags r:id="rId12"/>
     </p:custDataLst>
   </p:cSld>
   <p:clrMapOvr>
@@ -14524,14 +14947,7 @@
 </file>
 
 <file path=ppt/tags/tag1.xml><?xml version="1.0" encoding="utf-8"?>
-<p:tagLst xmlns:a="http://schemas.openxmlformats.org/drawingml/2006/main" xmlns:r="http://schemas.openxmlformats.org/officeDocument/2006/relationships" xmlns:p="http://schemas.openxmlformats.org/presentationml/2006/main">
-  <p:tag name="COMMONDATA" val="eyJoZGlkIjoiM2IzMmE0ZjYzMTJhMTJkZGUyZWQxNGQ0YzBhN2IzOWYifQ=="/>
-  <p:tag name="KSO_DOCER_TEMPLATE_OPEN_ONCE_MARK" val="1"/>
-</p:tagLst>
-</file>
-
-<file path=ppt/tags/tag10.xml><?xml version="1.0" encoding="utf-8"?>
-<p:tagLst xmlns:a="http://schemas.openxmlformats.org/drawingml/2006/main" xmlns:r="http://schemas.openxmlformats.org/officeDocument/2006/relationships" xmlns:p="http://schemas.openxmlformats.org/presentationml/2006/main">
+<p:tagLst xmlns:p="http://schemas.openxmlformats.org/presentationml/2006/main">
   <p:tag name="KSO_WM_UNIT_HIGHLIGHT" val="0"/>
   <p:tag name="KSO_WM_UNIT_COMPATIBLE" val="0"/>
   <p:tag name="KSO_WM_UNIT_DIAGRAM_ISNUMVISUAL" val="0"/>
@@ -14543,8 +14959,138 @@
 </p:tagLst>
 </file>
 
+<file path=ppt/tags/tag10.xml><?xml version="1.0" encoding="utf-8"?>
+<p:tagLst xmlns:p="http://schemas.openxmlformats.org/presentationml/2006/main">
+  <p:tag name="KSO_WM_UNIT_HIGHLIGHT" val="0"/>
+  <p:tag name="KSO_WM_UNIT_COMPATIBLE" val="0"/>
+  <p:tag name="KSO_WM_UNIT_DIAGRAM_ISNUMVISUAL" val="0"/>
+  <p:tag name="KSO_WM_UNIT_DIAGRAM_ISREFERUNIT" val="0"/>
+  <p:tag name="KSO_WM_UNIT_ID" val="_2**"/>
+  <p:tag name="KSO_WM_UNIT_LAYERLEVEL" val="1"/>
+  <p:tag name="KSO_WM_TAG_VERSION" val="1.0"/>
+  <p:tag name="KSO_WM_BEAUTIFY_FLAG" val="#wm#"/>
+</p:tagLst>
+</file>
+
 <file path=ppt/tags/tag11.xml><?xml version="1.0" encoding="utf-8"?>
-<p:tagLst xmlns:a="http://schemas.openxmlformats.org/drawingml/2006/main" xmlns:r="http://schemas.openxmlformats.org/officeDocument/2006/relationships" xmlns:p="http://schemas.openxmlformats.org/presentationml/2006/main">
+<p:tagLst xmlns:p="http://schemas.openxmlformats.org/presentationml/2006/main">
+  <p:tag name="KSO_WM_UNIT_HIGHLIGHT" val="0"/>
+  <p:tag name="KSO_WM_UNIT_COMPATIBLE" val="0"/>
+  <p:tag name="KSO_WM_UNIT_DIAGRAM_ISNUMVISUAL" val="0"/>
+  <p:tag name="KSO_WM_UNIT_DIAGRAM_ISREFERUNIT" val="0"/>
+  <p:tag name="KSO_WM_UNIT_ID" val="_3**"/>
+  <p:tag name="KSO_WM_UNIT_LAYERLEVEL" val="1"/>
+  <p:tag name="KSO_WM_TAG_VERSION" val="1.0"/>
+  <p:tag name="KSO_WM_BEAUTIFY_FLAG" val="#wm#"/>
+</p:tagLst>
+</file>
+
+<file path=ppt/tags/tag12.xml><?xml version="1.0" encoding="utf-8"?>
+<p:tagLst xmlns:p="http://schemas.openxmlformats.org/presentationml/2006/main">
+  <p:tag name="KSO_WM_UNIT_HIGHLIGHT" val="0"/>
+  <p:tag name="KSO_WM_UNIT_COMPATIBLE" val="0"/>
+  <p:tag name="KSO_WM_UNIT_DIAGRAM_ISNUMVISUAL" val="0"/>
+  <p:tag name="KSO_WM_UNIT_DIAGRAM_ISREFERUNIT" val="0"/>
+  <p:tag name="KSO_WM_UNIT_ID" val="_3**"/>
+  <p:tag name="KSO_WM_UNIT_LAYERLEVEL" val="1"/>
+  <p:tag name="KSO_WM_TAG_VERSION" val="1.0"/>
+  <p:tag name="KSO_WM_BEAUTIFY_FLAG" val="#wm#"/>
+</p:tagLst>
+</file>
+
+<file path=ppt/tags/tag13.xml><?xml version="1.0" encoding="utf-8"?>
+<p:tagLst xmlns:p="http://schemas.openxmlformats.org/presentationml/2006/main">
+  <p:tag name="KSO_WM_UNIT_HIGHLIGHT" val="0"/>
+  <p:tag name="KSO_WM_UNIT_COMPATIBLE" val="0"/>
+  <p:tag name="KSO_WM_UNIT_DIAGRAM_ISNUMVISUAL" val="0"/>
+  <p:tag name="KSO_WM_UNIT_DIAGRAM_ISREFERUNIT" val="0"/>
+  <p:tag name="KSO_WM_UNIT_ID" val="_3**"/>
+  <p:tag name="KSO_WM_UNIT_LAYERLEVEL" val="1"/>
+  <p:tag name="KSO_WM_TAG_VERSION" val="1.0"/>
+  <p:tag name="KSO_WM_BEAUTIFY_FLAG" val="#wm#"/>
+</p:tagLst>
+</file>
+
+<file path=ppt/tags/tag14.xml><?xml version="1.0" encoding="utf-8"?>
+<p:tagLst xmlns:p="http://schemas.openxmlformats.org/presentationml/2006/main">
+  <p:tag name="KSO_WM_UNIT_HIGHLIGHT" val="0"/>
+  <p:tag name="KSO_WM_UNIT_COMPATIBLE" val="0"/>
+  <p:tag name="KSO_WM_UNIT_DIAGRAM_ISNUMVISUAL" val="0"/>
+  <p:tag name="KSO_WM_UNIT_DIAGRAM_ISREFERUNIT" val="0"/>
+  <p:tag name="KSO_WM_UNIT_ID" val="_3**"/>
+  <p:tag name="KSO_WM_UNIT_LAYERLEVEL" val="1"/>
+  <p:tag name="KSO_WM_TAG_VERSION" val="1.0"/>
+  <p:tag name="KSO_WM_BEAUTIFY_FLAG" val="#wm#"/>
+</p:tagLst>
+</file>
+
+<file path=ppt/tags/tag15.xml><?xml version="1.0" encoding="utf-8"?>
+<p:tagLst xmlns:p="http://schemas.openxmlformats.org/presentationml/2006/main">
+  <p:tag name="KSO_WM_UNIT_HIGHLIGHT" val="0"/>
+  <p:tag name="KSO_WM_UNIT_COMPATIBLE" val="0"/>
+  <p:tag name="KSO_WM_UNIT_DIAGRAM_ISNUMVISUAL" val="0"/>
+  <p:tag name="KSO_WM_UNIT_DIAGRAM_ISREFERUNIT" val="0"/>
+  <p:tag name="KSO_WM_UNIT_ID" val="_3**"/>
+  <p:tag name="KSO_WM_UNIT_LAYERLEVEL" val="1"/>
+  <p:tag name="KSO_WM_TAG_VERSION" val="1.0"/>
+  <p:tag name="KSO_WM_BEAUTIFY_FLAG" val="#wm#"/>
+</p:tagLst>
+</file>
+
+<file path=ppt/tags/tag16.xml><?xml version="1.0" encoding="utf-8"?>
+<p:tagLst xmlns:p="http://schemas.openxmlformats.org/presentationml/2006/main">
+  <p:tag name="KSO_WM_UNIT_HIGHLIGHT" val="0"/>
+  <p:tag name="KSO_WM_UNIT_COMPATIBLE" val="0"/>
+  <p:tag name="KSO_WM_UNIT_DIAGRAM_ISNUMVISUAL" val="0"/>
+  <p:tag name="KSO_WM_UNIT_DIAGRAM_ISREFERUNIT" val="0"/>
+  <p:tag name="KSO_WM_UNIT_ID" val="_4**"/>
+  <p:tag name="KSO_WM_UNIT_LAYERLEVEL" val="1"/>
+  <p:tag name="KSO_WM_TAG_VERSION" val="1.0"/>
+  <p:tag name="KSO_WM_BEAUTIFY_FLAG" val="#wm#"/>
+</p:tagLst>
+</file>
+
+<file path=ppt/tags/tag17.xml><?xml version="1.0" encoding="utf-8"?>
+<p:tagLst xmlns:p="http://schemas.openxmlformats.org/presentationml/2006/main">
+  <p:tag name="KSO_WM_UNIT_HIGHLIGHT" val="0"/>
+  <p:tag name="KSO_WM_UNIT_COMPATIBLE" val="0"/>
+  <p:tag name="KSO_WM_UNIT_DIAGRAM_ISNUMVISUAL" val="0"/>
+  <p:tag name="KSO_WM_UNIT_DIAGRAM_ISREFERUNIT" val="0"/>
+  <p:tag name="KSO_WM_UNIT_ID" val="_4**"/>
+  <p:tag name="KSO_WM_UNIT_LAYERLEVEL" val="1"/>
+  <p:tag name="KSO_WM_TAG_VERSION" val="1.0"/>
+  <p:tag name="KSO_WM_BEAUTIFY_FLAG" val="#wm#"/>
+</p:tagLst>
+</file>
+
+<file path=ppt/tags/tag18.xml><?xml version="1.0" encoding="utf-8"?>
+<p:tagLst xmlns:p="http://schemas.openxmlformats.org/presentationml/2006/main">
+  <p:tag name="KSO_WM_UNIT_HIGHLIGHT" val="0"/>
+  <p:tag name="KSO_WM_UNIT_COMPATIBLE" val="0"/>
+  <p:tag name="KSO_WM_UNIT_DIAGRAM_ISNUMVISUAL" val="0"/>
+  <p:tag name="KSO_WM_UNIT_DIAGRAM_ISREFERUNIT" val="0"/>
+  <p:tag name="KSO_WM_UNIT_ID" val="_4**"/>
+  <p:tag name="KSO_WM_UNIT_LAYERLEVEL" val="1"/>
+  <p:tag name="KSO_WM_TAG_VERSION" val="1.0"/>
+  <p:tag name="KSO_WM_BEAUTIFY_FLAG" val="#wm#"/>
+</p:tagLst>
+</file>
+
+<file path=ppt/tags/tag19.xml><?xml version="1.0" encoding="utf-8"?>
+<p:tagLst xmlns:p="http://schemas.openxmlformats.org/presentationml/2006/main">
+  <p:tag name="KSO_WM_UNIT_HIGHLIGHT" val="0"/>
+  <p:tag name="KSO_WM_UNIT_COMPATIBLE" val="0"/>
+  <p:tag name="KSO_WM_UNIT_DIAGRAM_ISNUMVISUAL" val="0"/>
+  <p:tag name="KSO_WM_UNIT_DIAGRAM_ISREFERUNIT" val="0"/>
+  <p:tag name="KSO_WM_UNIT_ID" val="_4**"/>
+  <p:tag name="KSO_WM_UNIT_LAYERLEVEL" val="1"/>
+  <p:tag name="KSO_WM_TAG_VERSION" val="1.0"/>
+  <p:tag name="KSO_WM_BEAUTIFY_FLAG" val="#wm#"/>
+</p:tagLst>
+</file>
+
+<file path=ppt/tags/tag2.xml><?xml version="1.0" encoding="utf-8"?>
+<p:tagLst xmlns:p="http://schemas.openxmlformats.org/presentationml/2006/main">
   <p:tag name="KSO_WM_UNIT_HIGHLIGHT" val="0"/>
   <p:tag name="KSO_WM_UNIT_COMPATIBLE" val="0"/>
   <p:tag name="KSO_WM_UNIT_DIAGRAM_ISNUMVISUAL" val="0"/>
@@ -14556,165 +15102,8 @@
 </p:tagLst>
 </file>
 
-<file path=ppt/tags/tag12.xml><?xml version="1.0" encoding="utf-8"?>
-<p:tagLst xmlns:a="http://schemas.openxmlformats.org/drawingml/2006/main" xmlns:r="http://schemas.openxmlformats.org/officeDocument/2006/relationships" xmlns:p="http://schemas.openxmlformats.org/presentationml/2006/main">
-  <p:tag name="KSO_WM_UNIT_HIGHLIGHT" val="0"/>
-  <p:tag name="KSO_WM_UNIT_COMPATIBLE" val="0"/>
-  <p:tag name="KSO_WM_UNIT_DIAGRAM_ISNUMVISUAL" val="0"/>
-  <p:tag name="KSO_WM_UNIT_DIAGRAM_ISREFERUNIT" val="0"/>
-  <p:tag name="KSO_WM_UNIT_ID" val="_1**"/>
-  <p:tag name="KSO_WM_UNIT_LAYERLEVEL" val="1"/>
-  <p:tag name="KSO_WM_TAG_VERSION" val="1.0"/>
-  <p:tag name="KSO_WM_BEAUTIFY_FLAG" val="#wm#"/>
-</p:tagLst>
-</file>
-
-<file path=ppt/tags/tag13.xml><?xml version="1.0" encoding="utf-8"?>
-<p:tagLst xmlns:a="http://schemas.openxmlformats.org/drawingml/2006/main" xmlns:r="http://schemas.openxmlformats.org/officeDocument/2006/relationships" xmlns:p="http://schemas.openxmlformats.org/presentationml/2006/main">
-  <p:tag name="KSO_WM_UNIT_HIGHLIGHT" val="0"/>
-  <p:tag name="KSO_WM_UNIT_COMPATIBLE" val="0"/>
-  <p:tag name="KSO_WM_UNIT_DIAGRAM_ISNUMVISUAL" val="0"/>
-  <p:tag name="KSO_WM_UNIT_DIAGRAM_ISREFERUNIT" val="0"/>
-  <p:tag name="KSO_WM_UNIT_ID" val="_2**"/>
-  <p:tag name="KSO_WM_UNIT_LAYERLEVEL" val="1"/>
-  <p:tag name="KSO_WM_TAG_VERSION" val="1.0"/>
-  <p:tag name="KSO_WM_BEAUTIFY_FLAG" val="#wm#"/>
-</p:tagLst>
-</file>
-
-<file path=ppt/tags/tag14.xml><?xml version="1.0" encoding="utf-8"?>
-<p:tagLst xmlns:a="http://schemas.openxmlformats.org/drawingml/2006/main" xmlns:r="http://schemas.openxmlformats.org/officeDocument/2006/relationships" xmlns:p="http://schemas.openxmlformats.org/presentationml/2006/main">
-  <p:tag name="KSO_WM_UNIT_HIGHLIGHT" val="0"/>
-  <p:tag name="KSO_WM_UNIT_COMPATIBLE" val="0"/>
-  <p:tag name="KSO_WM_UNIT_DIAGRAM_ISNUMVISUAL" val="0"/>
-  <p:tag name="KSO_WM_UNIT_DIAGRAM_ISREFERUNIT" val="0"/>
-  <p:tag name="KSO_WM_UNIT_ID" val="_2**"/>
-  <p:tag name="KSO_WM_UNIT_LAYERLEVEL" val="1"/>
-  <p:tag name="KSO_WM_TAG_VERSION" val="1.0"/>
-  <p:tag name="KSO_WM_BEAUTIFY_FLAG" val="#wm#"/>
-</p:tagLst>
-</file>
-
-<file path=ppt/tags/tag15.xml><?xml version="1.0" encoding="utf-8"?>
-<p:tagLst xmlns:a="http://schemas.openxmlformats.org/drawingml/2006/main" xmlns:r="http://schemas.openxmlformats.org/officeDocument/2006/relationships" xmlns:p="http://schemas.openxmlformats.org/presentationml/2006/main">
-  <p:tag name="KSO_WM_UNIT_HIGHLIGHT" val="0"/>
-  <p:tag name="KSO_WM_UNIT_COMPATIBLE" val="0"/>
-  <p:tag name="KSO_WM_UNIT_DIAGRAM_ISNUMVISUAL" val="0"/>
-  <p:tag name="KSO_WM_UNIT_DIAGRAM_ISREFERUNIT" val="0"/>
-  <p:tag name="KSO_WM_UNIT_ID" val="_2**"/>
-  <p:tag name="KSO_WM_UNIT_LAYERLEVEL" val="1"/>
-  <p:tag name="KSO_WM_TAG_VERSION" val="1.0"/>
-  <p:tag name="KSO_WM_BEAUTIFY_FLAG" val="#wm#"/>
-</p:tagLst>
-</file>
-
-<file path=ppt/tags/tag16.xml><?xml version="1.0" encoding="utf-8"?>
-<p:tagLst xmlns:a="http://schemas.openxmlformats.org/drawingml/2006/main" xmlns:r="http://schemas.openxmlformats.org/officeDocument/2006/relationships" xmlns:p="http://schemas.openxmlformats.org/presentationml/2006/main">
-  <p:tag name="KSO_WM_UNIT_HIGHLIGHT" val="0"/>
-  <p:tag name="KSO_WM_UNIT_COMPATIBLE" val="0"/>
-  <p:tag name="KSO_WM_UNIT_DIAGRAM_ISNUMVISUAL" val="0"/>
-  <p:tag name="KSO_WM_UNIT_DIAGRAM_ISREFERUNIT" val="0"/>
-  <p:tag name="KSO_WM_UNIT_ID" val="_2**"/>
-  <p:tag name="KSO_WM_UNIT_LAYERLEVEL" val="1"/>
-  <p:tag name="KSO_WM_TAG_VERSION" val="1.0"/>
-  <p:tag name="KSO_WM_BEAUTIFY_FLAG" val="#wm#"/>
-</p:tagLst>
-</file>
-
-<file path=ppt/tags/tag17.xml><?xml version="1.0" encoding="utf-8"?>
-<p:tagLst xmlns:a="http://schemas.openxmlformats.org/drawingml/2006/main" xmlns:r="http://schemas.openxmlformats.org/officeDocument/2006/relationships" xmlns:p="http://schemas.openxmlformats.org/presentationml/2006/main">
-  <p:tag name="KSO_WM_UNIT_HIGHLIGHT" val="0"/>
-  <p:tag name="KSO_WM_UNIT_COMPATIBLE" val="0"/>
-  <p:tag name="KSO_WM_UNIT_DIAGRAM_ISNUMVISUAL" val="0"/>
-  <p:tag name="KSO_WM_UNIT_DIAGRAM_ISREFERUNIT" val="0"/>
-  <p:tag name="KSO_WM_UNIT_ID" val="_2**"/>
-  <p:tag name="KSO_WM_UNIT_LAYERLEVEL" val="1"/>
-  <p:tag name="KSO_WM_TAG_VERSION" val="1.0"/>
-  <p:tag name="KSO_WM_BEAUTIFY_FLAG" val="#wm#"/>
-</p:tagLst>
-</file>
-
-<file path=ppt/tags/tag18.xml><?xml version="1.0" encoding="utf-8"?>
-<p:tagLst xmlns:a="http://schemas.openxmlformats.org/drawingml/2006/main" xmlns:r="http://schemas.openxmlformats.org/officeDocument/2006/relationships" xmlns:p="http://schemas.openxmlformats.org/presentationml/2006/main">
-  <p:tag name="KSO_WM_UNIT_HIGHLIGHT" val="0"/>
-  <p:tag name="KSO_WM_UNIT_COMPATIBLE" val="0"/>
-  <p:tag name="KSO_WM_UNIT_DIAGRAM_ISNUMVISUAL" val="0"/>
-  <p:tag name="KSO_WM_UNIT_DIAGRAM_ISREFERUNIT" val="0"/>
-  <p:tag name="KSO_WM_UNIT_ID" val="_3**"/>
-  <p:tag name="KSO_WM_UNIT_LAYERLEVEL" val="1"/>
-  <p:tag name="KSO_WM_TAG_VERSION" val="1.0"/>
-  <p:tag name="KSO_WM_BEAUTIFY_FLAG" val="#wm#"/>
-</p:tagLst>
-</file>
-
-<file path=ppt/tags/tag19.xml><?xml version="1.0" encoding="utf-8"?>
-<p:tagLst xmlns:a="http://schemas.openxmlformats.org/drawingml/2006/main" xmlns:r="http://schemas.openxmlformats.org/officeDocument/2006/relationships" xmlns:p="http://schemas.openxmlformats.org/presentationml/2006/main">
-  <p:tag name="KSO_WM_UNIT_HIGHLIGHT" val="0"/>
-  <p:tag name="KSO_WM_UNIT_COMPATIBLE" val="0"/>
-  <p:tag name="KSO_WM_UNIT_DIAGRAM_ISNUMVISUAL" val="0"/>
-  <p:tag name="KSO_WM_UNIT_DIAGRAM_ISREFERUNIT" val="0"/>
-  <p:tag name="KSO_WM_UNIT_ID" val="_3**"/>
-  <p:tag name="KSO_WM_UNIT_LAYERLEVEL" val="1"/>
-  <p:tag name="KSO_WM_TAG_VERSION" val="1.0"/>
-  <p:tag name="KSO_WM_BEAUTIFY_FLAG" val="#wm#"/>
-</p:tagLst>
-</file>
-
-<file path=ppt/tags/tag2.xml><?xml version="1.0" encoding="utf-8"?>
-<p:tagLst xmlns:a="http://schemas.openxmlformats.org/drawingml/2006/main" xmlns:r="http://schemas.openxmlformats.org/officeDocument/2006/relationships" xmlns:p="http://schemas.openxmlformats.org/presentationml/2006/main">
-  <p:tag name="KSO_WM_TEMPLATE_THUMBS_INDEX" val="1、4、7、12、13、14、15、16、17、18、20、24、25、28、33、36、40、43、44"/>
-  <p:tag name="KSO_WM_TEMPLATE_SUBCATEGORY" val="19"/>
-  <p:tag name="KSO_WM_TAG_VERSION" val="1.0"/>
-  <p:tag name="KSO_WM_BEAUTIFY_FLAG" val="#wm#"/>
-  <p:tag name="KSO_WM_TEMPLATE_CATEGORY" val="custom"/>
-  <p:tag name="KSO_WM_TEMPLATE_INDEX" val="20205081"/>
-  <p:tag name="KSO_WM_TEMPLATE_MASTER_TYPE" val="0"/>
-  <p:tag name="KSO_WM_TEMPLATE_COLOR_TYPE" val="1"/>
-  <p:tag name="KSO_WM_UNIT_SHOW_EDIT_AREA_INDICATION" val="1"/>
-</p:tagLst>
-</file>
-
 <file path=ppt/tags/tag20.xml><?xml version="1.0" encoding="utf-8"?>
-<p:tagLst xmlns:a="http://schemas.openxmlformats.org/drawingml/2006/main" xmlns:r="http://schemas.openxmlformats.org/officeDocument/2006/relationships" xmlns:p="http://schemas.openxmlformats.org/presentationml/2006/main">
-  <p:tag name="KSO_WM_UNIT_HIGHLIGHT" val="0"/>
-  <p:tag name="KSO_WM_UNIT_COMPATIBLE" val="0"/>
-  <p:tag name="KSO_WM_UNIT_DIAGRAM_ISNUMVISUAL" val="0"/>
-  <p:tag name="KSO_WM_UNIT_DIAGRAM_ISREFERUNIT" val="0"/>
-  <p:tag name="KSO_WM_UNIT_ID" val="_3**"/>
-  <p:tag name="KSO_WM_UNIT_LAYERLEVEL" val="1"/>
-  <p:tag name="KSO_WM_TAG_VERSION" val="1.0"/>
-  <p:tag name="KSO_WM_BEAUTIFY_FLAG" val="#wm#"/>
-</p:tagLst>
-</file>
-
-<file path=ppt/tags/tag21.xml><?xml version="1.0" encoding="utf-8"?>
-<p:tagLst xmlns:a="http://schemas.openxmlformats.org/drawingml/2006/main" xmlns:r="http://schemas.openxmlformats.org/officeDocument/2006/relationships" xmlns:p="http://schemas.openxmlformats.org/presentationml/2006/main">
-  <p:tag name="KSO_WM_UNIT_HIGHLIGHT" val="0"/>
-  <p:tag name="KSO_WM_UNIT_COMPATIBLE" val="0"/>
-  <p:tag name="KSO_WM_UNIT_DIAGRAM_ISNUMVISUAL" val="0"/>
-  <p:tag name="KSO_WM_UNIT_DIAGRAM_ISREFERUNIT" val="0"/>
-  <p:tag name="KSO_WM_UNIT_ID" val="_3**"/>
-  <p:tag name="KSO_WM_UNIT_LAYERLEVEL" val="1"/>
-  <p:tag name="KSO_WM_TAG_VERSION" val="1.0"/>
-  <p:tag name="KSO_WM_BEAUTIFY_FLAG" val="#wm#"/>
-</p:tagLst>
-</file>
-
-<file path=ppt/tags/tag22.xml><?xml version="1.0" encoding="utf-8"?>
-<p:tagLst xmlns:a="http://schemas.openxmlformats.org/drawingml/2006/main" xmlns:r="http://schemas.openxmlformats.org/officeDocument/2006/relationships" xmlns:p="http://schemas.openxmlformats.org/presentationml/2006/main">
-  <p:tag name="KSO_WM_UNIT_HIGHLIGHT" val="0"/>
-  <p:tag name="KSO_WM_UNIT_COMPATIBLE" val="0"/>
-  <p:tag name="KSO_WM_UNIT_DIAGRAM_ISNUMVISUAL" val="0"/>
-  <p:tag name="KSO_WM_UNIT_DIAGRAM_ISREFERUNIT" val="0"/>
-  <p:tag name="KSO_WM_UNIT_ID" val="_3**"/>
-  <p:tag name="KSO_WM_UNIT_LAYERLEVEL" val="1"/>
-  <p:tag name="KSO_WM_TAG_VERSION" val="1.0"/>
-  <p:tag name="KSO_WM_BEAUTIFY_FLAG" val="#wm#"/>
-</p:tagLst>
-</file>
-
-<file path=ppt/tags/tag23.xml><?xml version="1.0" encoding="utf-8"?>
-<p:tagLst xmlns:a="http://schemas.openxmlformats.org/drawingml/2006/main" xmlns:r="http://schemas.openxmlformats.org/officeDocument/2006/relationships" xmlns:p="http://schemas.openxmlformats.org/presentationml/2006/main">
+<p:tagLst xmlns:p="http://schemas.openxmlformats.org/presentationml/2006/main">
   <p:tag name="KSO_WM_UNIT_HIGHLIGHT" val="0"/>
   <p:tag name="KSO_WM_UNIT_COMPATIBLE" val="0"/>
   <p:tag name="KSO_WM_UNIT_DIAGRAM_ISNUMVISUAL" val="0"/>
@@ -14726,8 +15115,8 @@
 </p:tagLst>
 </file>
 
-<file path=ppt/tags/tag24.xml><?xml version="1.0" encoding="utf-8"?>
-<p:tagLst xmlns:a="http://schemas.openxmlformats.org/drawingml/2006/main" xmlns:r="http://schemas.openxmlformats.org/officeDocument/2006/relationships" xmlns:p="http://schemas.openxmlformats.org/presentationml/2006/main">
+<file path=ppt/tags/tag21.xml><?xml version="1.0" encoding="utf-8"?>
+<p:tagLst xmlns:p="http://schemas.openxmlformats.org/presentationml/2006/main">
   <p:tag name="KSO_WM_UNIT_HIGHLIGHT" val="0"/>
   <p:tag name="KSO_WM_UNIT_COMPATIBLE" val="0"/>
   <p:tag name="KSO_WM_UNIT_DIAGRAM_ISNUMVISUAL" val="0"/>
@@ -14739,13 +15128,52 @@
 </p:tagLst>
 </file>
 
-<file path=ppt/tags/tag25.xml><?xml version="1.0" encoding="utf-8"?>
-<p:tagLst xmlns:a="http://schemas.openxmlformats.org/drawingml/2006/main" xmlns:r="http://schemas.openxmlformats.org/officeDocument/2006/relationships" xmlns:p="http://schemas.openxmlformats.org/presentationml/2006/main">
+<file path=ppt/tags/tag22.xml><?xml version="1.0" encoding="utf-8"?>
+<p:tagLst xmlns:p="http://schemas.openxmlformats.org/presentationml/2006/main">
   <p:tag name="KSO_WM_UNIT_HIGHLIGHT" val="0"/>
   <p:tag name="KSO_WM_UNIT_COMPATIBLE" val="0"/>
   <p:tag name="KSO_WM_UNIT_DIAGRAM_ISNUMVISUAL" val="0"/>
   <p:tag name="KSO_WM_UNIT_DIAGRAM_ISREFERUNIT" val="0"/>
-  <p:tag name="KSO_WM_UNIT_ID" val="_4**"/>
+  <p:tag name="KSO_WM_UNIT_ID" val="_5**"/>
+  <p:tag name="KSO_WM_UNIT_LAYERLEVEL" val="1"/>
+  <p:tag name="KSO_WM_TAG_VERSION" val="1.0"/>
+  <p:tag name="KSO_WM_BEAUTIFY_FLAG" val="#wm#"/>
+</p:tagLst>
+</file>
+
+<file path=ppt/tags/tag23.xml><?xml version="1.0" encoding="utf-8"?>
+<p:tagLst xmlns:p="http://schemas.openxmlformats.org/presentationml/2006/main">
+  <p:tag name="KSO_WM_UNIT_HIGHLIGHT" val="0"/>
+  <p:tag name="KSO_WM_UNIT_COMPATIBLE" val="0"/>
+  <p:tag name="KSO_WM_UNIT_DIAGRAM_ISNUMVISUAL" val="0"/>
+  <p:tag name="KSO_WM_UNIT_DIAGRAM_ISREFERUNIT" val="0"/>
+  <p:tag name="KSO_WM_UNIT_ID" val="_5**"/>
+  <p:tag name="KSO_WM_UNIT_LAYERLEVEL" val="1"/>
+  <p:tag name="KSO_WM_TAG_VERSION" val="1.0"/>
+  <p:tag name="KSO_WM_BEAUTIFY_FLAG" val="#wm#"/>
+</p:tagLst>
+</file>
+
+<file path=ppt/tags/tag24.xml><?xml version="1.0" encoding="utf-8"?>
+<p:tagLst xmlns:p="http://schemas.openxmlformats.org/presentationml/2006/main">
+  <p:tag name="KSO_WM_UNIT_HIGHLIGHT" val="0"/>
+  <p:tag name="KSO_WM_UNIT_COMPATIBLE" val="0"/>
+  <p:tag name="KSO_WM_UNIT_DIAGRAM_ISNUMVISUAL" val="0"/>
+  <p:tag name="KSO_WM_UNIT_DIAGRAM_ISREFERUNIT" val="0"/>
+  <p:tag name="KSO_WM_UNIT_ID" val="_5**"/>
+  <p:tag name="KSO_WM_UNIT_LAYERLEVEL" val="1"/>
+  <p:tag name="KSO_WM_TAG_VERSION" val="1.0"/>
+  <p:tag name="KSO_WM_BEAUTIFY_FLAG" val="#wm#"/>
+</p:tagLst>
+</file>
+
+<file path=ppt/tags/tag25.xml><?xml version="1.0" encoding="utf-8"?>
+<p:tagLst xmlns:p="http://schemas.openxmlformats.org/presentationml/2006/main">
+  <p:tag name="KSO_WM_UNIT_HIGHLIGHT" val="0"/>
+  <p:tag name="KSO_WM_UNIT_COMPATIBLE" val="0"/>
+  <p:tag name="KSO_WM_UNIT_DIAGRAM_ISNUMVISUAL" val="0"/>
+  <p:tag name="KSO_WM_UNIT_DIAGRAM_ISREFERUNIT" val="0"/>
+  <p:tag name="KSO_WM_UNIT_ID" val="_5**"/>
   <p:tag name="KSO_WM_UNIT_LAYERLEVEL" val="1"/>
   <p:tag name="KSO_WM_TAG_VERSION" val="1.0"/>
   <p:tag name="KSO_WM_BEAUTIFY_FLAG" val="#wm#"/>
@@ -14753,12 +15181,12 @@
 </file>
 
 <file path=ppt/tags/tag26.xml><?xml version="1.0" encoding="utf-8"?>
-<p:tagLst xmlns:a="http://schemas.openxmlformats.org/drawingml/2006/main" xmlns:r="http://schemas.openxmlformats.org/officeDocument/2006/relationships" xmlns:p="http://schemas.openxmlformats.org/presentationml/2006/main">
+<p:tagLst xmlns:p="http://schemas.openxmlformats.org/presentationml/2006/main">
   <p:tag name="KSO_WM_UNIT_HIGHLIGHT" val="0"/>
   <p:tag name="KSO_WM_UNIT_COMPATIBLE" val="0"/>
   <p:tag name="KSO_WM_UNIT_DIAGRAM_ISNUMVISUAL" val="0"/>
   <p:tag name="KSO_WM_UNIT_DIAGRAM_ISREFERUNIT" val="0"/>
-  <p:tag name="KSO_WM_UNIT_ID" val="_4**"/>
+  <p:tag name="KSO_WM_UNIT_ID" val="_5**"/>
   <p:tag name="KSO_WM_UNIT_LAYERLEVEL" val="1"/>
   <p:tag name="KSO_WM_TAG_VERSION" val="1.0"/>
   <p:tag name="KSO_WM_BEAUTIFY_FLAG" val="#wm#"/>
@@ -14766,12 +15194,12 @@
 </file>
 
 <file path=ppt/tags/tag27.xml><?xml version="1.0" encoding="utf-8"?>
-<p:tagLst xmlns:a="http://schemas.openxmlformats.org/drawingml/2006/main" xmlns:r="http://schemas.openxmlformats.org/officeDocument/2006/relationships" xmlns:p="http://schemas.openxmlformats.org/presentationml/2006/main">
+<p:tagLst xmlns:p="http://schemas.openxmlformats.org/presentationml/2006/main">
   <p:tag name="KSO_WM_UNIT_HIGHLIGHT" val="0"/>
   <p:tag name="KSO_WM_UNIT_COMPATIBLE" val="0"/>
   <p:tag name="KSO_WM_UNIT_DIAGRAM_ISNUMVISUAL" val="0"/>
   <p:tag name="KSO_WM_UNIT_DIAGRAM_ISREFERUNIT" val="0"/>
-  <p:tag name="KSO_WM_UNIT_ID" val="_4**"/>
+  <p:tag name="KSO_WM_UNIT_ID" val="_5**"/>
   <p:tag name="KSO_WM_UNIT_LAYERLEVEL" val="1"/>
   <p:tag name="KSO_WM_TAG_VERSION" val="1.0"/>
   <p:tag name="KSO_WM_BEAUTIFY_FLAG" val="#wm#"/>
@@ -14779,12 +15207,12 @@
 </file>
 
 <file path=ppt/tags/tag28.xml><?xml version="1.0" encoding="utf-8"?>
-<p:tagLst xmlns:a="http://schemas.openxmlformats.org/drawingml/2006/main" xmlns:r="http://schemas.openxmlformats.org/officeDocument/2006/relationships" xmlns:p="http://schemas.openxmlformats.org/presentationml/2006/main">
+<p:tagLst xmlns:p="http://schemas.openxmlformats.org/presentationml/2006/main">
   <p:tag name="KSO_WM_UNIT_HIGHLIGHT" val="0"/>
   <p:tag name="KSO_WM_UNIT_COMPATIBLE" val="0"/>
   <p:tag name="KSO_WM_UNIT_DIAGRAM_ISNUMVISUAL" val="0"/>
   <p:tag name="KSO_WM_UNIT_DIAGRAM_ISREFERUNIT" val="0"/>
-  <p:tag name="KSO_WM_UNIT_ID" val="_4**"/>
+  <p:tag name="KSO_WM_UNIT_ID" val="_5**"/>
   <p:tag name="KSO_WM_UNIT_LAYERLEVEL" val="1"/>
   <p:tag name="KSO_WM_TAG_VERSION" val="1.0"/>
   <p:tag name="KSO_WM_BEAUTIFY_FLAG" val="#wm#"/>
@@ -14792,7 +15220,7 @@
 </file>
 
 <file path=ppt/tags/tag29.xml><?xml version="1.0" encoding="utf-8"?>
-<p:tagLst xmlns:a="http://schemas.openxmlformats.org/drawingml/2006/main" xmlns:r="http://schemas.openxmlformats.org/officeDocument/2006/relationships" xmlns:p="http://schemas.openxmlformats.org/presentationml/2006/main">
+<p:tagLst xmlns:p="http://schemas.openxmlformats.org/presentationml/2006/main">
   <p:tag name="KSO_WM_UNIT_HIGHLIGHT" val="0"/>
   <p:tag name="KSO_WM_UNIT_COMPATIBLE" val="0"/>
   <p:tag name="KSO_WM_UNIT_DIAGRAM_ISNUMVISUAL" val="0"/>
@@ -14805,7 +15233,397 @@
 </file>
 
 <file path=ppt/tags/tag3.xml><?xml version="1.0" encoding="utf-8"?>
-<p:tagLst xmlns:a="http://schemas.openxmlformats.org/drawingml/2006/main" xmlns:r="http://schemas.openxmlformats.org/officeDocument/2006/relationships" xmlns:p="http://schemas.openxmlformats.org/presentationml/2006/main">
+<p:tagLst xmlns:p="http://schemas.openxmlformats.org/presentationml/2006/main">
+  <p:tag name="KSO_WM_UNIT_HIGHLIGHT" val="0"/>
+  <p:tag name="KSO_WM_UNIT_COMPATIBLE" val="0"/>
+  <p:tag name="KSO_WM_UNIT_DIAGRAM_ISNUMVISUAL" val="0"/>
+  <p:tag name="KSO_WM_UNIT_DIAGRAM_ISREFERUNIT" val="0"/>
+  <p:tag name="KSO_WM_UNIT_ID" val="_1**"/>
+  <p:tag name="KSO_WM_UNIT_LAYERLEVEL" val="1"/>
+  <p:tag name="KSO_WM_TAG_VERSION" val="1.0"/>
+  <p:tag name="KSO_WM_BEAUTIFY_FLAG" val="#wm#"/>
+</p:tagLst>
+</file>
+
+<file path=ppt/tags/tag30.xml><?xml version="1.0" encoding="utf-8"?>
+<p:tagLst xmlns:p="http://schemas.openxmlformats.org/presentationml/2006/main">
+  <p:tag name="KSO_WM_UNIT_HIGHLIGHT" val="0"/>
+  <p:tag name="KSO_WM_UNIT_COMPATIBLE" val="0"/>
+  <p:tag name="KSO_WM_UNIT_DIAGRAM_ISNUMVISUAL" val="0"/>
+  <p:tag name="KSO_WM_UNIT_DIAGRAM_ISREFERUNIT" val="0"/>
+  <p:tag name="KSO_WM_UNIT_ID" val="_6**"/>
+  <p:tag name="KSO_WM_UNIT_LAYERLEVEL" val="1"/>
+  <p:tag name="KSO_WM_TAG_VERSION" val="1.0"/>
+  <p:tag name="KSO_WM_BEAUTIFY_FLAG" val="#wm#"/>
+</p:tagLst>
+</file>
+
+<file path=ppt/tags/tag31.xml><?xml version="1.0" encoding="utf-8"?>
+<p:tagLst xmlns:p="http://schemas.openxmlformats.org/presentationml/2006/main">
+  <p:tag name="KSO_WM_UNIT_HIGHLIGHT" val="0"/>
+  <p:tag name="KSO_WM_UNIT_COMPATIBLE" val="0"/>
+  <p:tag name="KSO_WM_UNIT_DIAGRAM_ISNUMVISUAL" val="0"/>
+  <p:tag name="KSO_WM_UNIT_DIAGRAM_ISREFERUNIT" val="0"/>
+  <p:tag name="KSO_WM_UNIT_ID" val="_6**"/>
+  <p:tag name="KSO_WM_UNIT_LAYERLEVEL" val="1"/>
+  <p:tag name="KSO_WM_TAG_VERSION" val="1.0"/>
+  <p:tag name="KSO_WM_BEAUTIFY_FLAG" val="#wm#"/>
+</p:tagLst>
+</file>
+
+<file path=ppt/tags/tag32.xml><?xml version="1.0" encoding="utf-8"?>
+<p:tagLst xmlns:p="http://schemas.openxmlformats.org/presentationml/2006/main">
+  <p:tag name="KSO_WM_UNIT_HIGHLIGHT" val="0"/>
+  <p:tag name="KSO_WM_UNIT_COMPATIBLE" val="0"/>
+  <p:tag name="KSO_WM_UNIT_DIAGRAM_ISNUMVISUAL" val="0"/>
+  <p:tag name="KSO_WM_UNIT_DIAGRAM_ISREFERUNIT" val="0"/>
+  <p:tag name="KSO_WM_UNIT_ID" val="_6**"/>
+  <p:tag name="KSO_WM_UNIT_LAYERLEVEL" val="1"/>
+  <p:tag name="KSO_WM_TAG_VERSION" val="1.0"/>
+  <p:tag name="KSO_WM_BEAUTIFY_FLAG" val="#wm#"/>
+</p:tagLst>
+</file>
+
+<file path=ppt/tags/tag33.xml><?xml version="1.0" encoding="utf-8"?>
+<p:tagLst xmlns:p="http://schemas.openxmlformats.org/presentationml/2006/main">
+  <p:tag name="KSO_WM_UNIT_HIGHLIGHT" val="0"/>
+  <p:tag name="KSO_WM_UNIT_COMPATIBLE" val="0"/>
+  <p:tag name="KSO_WM_UNIT_DIAGRAM_ISNUMVISUAL" val="0"/>
+  <p:tag name="KSO_WM_UNIT_DIAGRAM_ISREFERUNIT" val="0"/>
+  <p:tag name="KSO_WM_UNIT_ID" val="_6**"/>
+  <p:tag name="KSO_WM_UNIT_LAYERLEVEL" val="1"/>
+  <p:tag name="KSO_WM_TAG_VERSION" val="1.0"/>
+  <p:tag name="KSO_WM_BEAUTIFY_FLAG" val="#wm#"/>
+</p:tagLst>
+</file>
+
+<file path=ppt/tags/tag34.xml><?xml version="1.0" encoding="utf-8"?>
+<p:tagLst xmlns:p="http://schemas.openxmlformats.org/presentationml/2006/main">
+  <p:tag name="KSO_WM_UNIT_HIGHLIGHT" val="0"/>
+  <p:tag name="KSO_WM_UNIT_COMPATIBLE" val="0"/>
+  <p:tag name="KSO_WM_UNIT_DIAGRAM_ISNUMVISUAL" val="0"/>
+  <p:tag name="KSO_WM_UNIT_DIAGRAM_ISREFERUNIT" val="0"/>
+  <p:tag name="KSO_WM_UNIT_ID" val="_7**"/>
+  <p:tag name="KSO_WM_UNIT_LAYERLEVEL" val="1"/>
+  <p:tag name="KSO_WM_TAG_VERSION" val="1.0"/>
+  <p:tag name="KSO_WM_BEAUTIFY_FLAG" val="#wm#"/>
+</p:tagLst>
+</file>
+
+<file path=ppt/tags/tag35.xml><?xml version="1.0" encoding="utf-8"?>
+<p:tagLst xmlns:p="http://schemas.openxmlformats.org/presentationml/2006/main">
+  <p:tag name="KSO_WM_UNIT_HIGHLIGHT" val="0"/>
+  <p:tag name="KSO_WM_UNIT_COMPATIBLE" val="0"/>
+  <p:tag name="KSO_WM_UNIT_DIAGRAM_ISNUMVISUAL" val="0"/>
+  <p:tag name="KSO_WM_UNIT_DIAGRAM_ISREFERUNIT" val="0"/>
+  <p:tag name="KSO_WM_UNIT_ID" val="_7**"/>
+  <p:tag name="KSO_WM_UNIT_LAYERLEVEL" val="1"/>
+  <p:tag name="KSO_WM_TAG_VERSION" val="1.0"/>
+  <p:tag name="KSO_WM_BEAUTIFY_FLAG" val="#wm#"/>
+</p:tagLst>
+</file>
+
+<file path=ppt/tags/tag36.xml><?xml version="1.0" encoding="utf-8"?>
+<p:tagLst xmlns:p="http://schemas.openxmlformats.org/presentationml/2006/main">
+  <p:tag name="KSO_WM_UNIT_HIGHLIGHT" val="0"/>
+  <p:tag name="KSO_WM_UNIT_COMPATIBLE" val="0"/>
+  <p:tag name="KSO_WM_UNIT_DIAGRAM_ISNUMVISUAL" val="0"/>
+  <p:tag name="KSO_WM_UNIT_DIAGRAM_ISREFERUNIT" val="0"/>
+  <p:tag name="KSO_WM_UNIT_ID" val="_7**"/>
+  <p:tag name="KSO_WM_UNIT_LAYERLEVEL" val="1"/>
+  <p:tag name="KSO_WM_TAG_VERSION" val="1.0"/>
+  <p:tag name="KSO_WM_BEAUTIFY_FLAG" val="#wm#"/>
+</p:tagLst>
+</file>
+
+<file path=ppt/tags/tag37.xml><?xml version="1.0" encoding="utf-8"?>
+<p:tagLst xmlns:p="http://schemas.openxmlformats.org/presentationml/2006/main">
+  <p:tag name="KSO_WM_UNIT_HIGHLIGHT" val="0"/>
+  <p:tag name="KSO_WM_UNIT_COMPATIBLE" val="0"/>
+  <p:tag name="KSO_WM_UNIT_DIAGRAM_ISNUMVISUAL" val="0"/>
+  <p:tag name="KSO_WM_UNIT_DIAGRAM_ISREFERUNIT" val="0"/>
+  <p:tag name="KSO_WM_UNIT_ID" val="_8**"/>
+  <p:tag name="KSO_WM_UNIT_LAYERLEVEL" val="1"/>
+  <p:tag name="KSO_WM_TAG_VERSION" val="1.0"/>
+  <p:tag name="KSO_WM_BEAUTIFY_FLAG" val="#wm#"/>
+</p:tagLst>
+</file>
+
+<file path=ppt/tags/tag38.xml><?xml version="1.0" encoding="utf-8"?>
+<p:tagLst xmlns:p="http://schemas.openxmlformats.org/presentationml/2006/main">
+  <p:tag name="KSO_WM_UNIT_HIGHLIGHT" val="0"/>
+  <p:tag name="KSO_WM_UNIT_COMPATIBLE" val="0"/>
+  <p:tag name="KSO_WM_UNIT_DIAGRAM_ISNUMVISUAL" val="0"/>
+  <p:tag name="KSO_WM_UNIT_DIAGRAM_ISREFERUNIT" val="0"/>
+  <p:tag name="KSO_WM_UNIT_ID" val="_8**"/>
+  <p:tag name="KSO_WM_UNIT_LAYERLEVEL" val="1"/>
+  <p:tag name="KSO_WM_TAG_VERSION" val="1.0"/>
+  <p:tag name="KSO_WM_BEAUTIFY_FLAG" val="#wm#"/>
+</p:tagLst>
+</file>
+
+<file path=ppt/tags/tag39.xml><?xml version="1.0" encoding="utf-8"?>
+<p:tagLst xmlns:p="http://schemas.openxmlformats.org/presentationml/2006/main">
+  <p:tag name="KSO_WM_UNIT_HIGHLIGHT" val="0"/>
+  <p:tag name="KSO_WM_UNIT_COMPATIBLE" val="0"/>
+  <p:tag name="KSO_WM_UNIT_DIAGRAM_ISNUMVISUAL" val="0"/>
+  <p:tag name="KSO_WM_UNIT_DIAGRAM_ISREFERUNIT" val="0"/>
+  <p:tag name="KSO_WM_UNIT_ID" val="_8**"/>
+  <p:tag name="KSO_WM_UNIT_LAYERLEVEL" val="1"/>
+  <p:tag name="KSO_WM_TAG_VERSION" val="1.0"/>
+  <p:tag name="KSO_WM_BEAUTIFY_FLAG" val="#wm#"/>
+</p:tagLst>
+</file>
+
+<file path=ppt/tags/tag4.xml><?xml version="1.0" encoding="utf-8"?>
+<p:tagLst xmlns:p="http://schemas.openxmlformats.org/presentationml/2006/main">
+  <p:tag name="KSO_WM_UNIT_HIGHLIGHT" val="0"/>
+  <p:tag name="KSO_WM_UNIT_COMPATIBLE" val="0"/>
+  <p:tag name="KSO_WM_UNIT_DIAGRAM_ISNUMVISUAL" val="0"/>
+  <p:tag name="KSO_WM_UNIT_DIAGRAM_ISREFERUNIT" val="0"/>
+  <p:tag name="KSO_WM_UNIT_ID" val="_1**"/>
+  <p:tag name="KSO_WM_UNIT_LAYERLEVEL" val="1"/>
+  <p:tag name="KSO_WM_TAG_VERSION" val="1.0"/>
+  <p:tag name="KSO_WM_BEAUTIFY_FLAG" val="#wm#"/>
+</p:tagLst>
+</file>
+
+<file path=ppt/tags/tag40.xml><?xml version="1.0" encoding="utf-8"?>
+<p:tagLst xmlns:p="http://schemas.openxmlformats.org/presentationml/2006/main">
+  <p:tag name="KSO_WM_UNIT_HIGHLIGHT" val="0"/>
+  <p:tag name="KSO_WM_UNIT_COMPATIBLE" val="0"/>
+  <p:tag name="KSO_WM_UNIT_DIAGRAM_ISNUMVISUAL" val="0"/>
+  <p:tag name="KSO_WM_UNIT_DIAGRAM_ISREFERUNIT" val="0"/>
+  <p:tag name="KSO_WM_UNIT_ID" val="_8**"/>
+  <p:tag name="KSO_WM_UNIT_LAYERLEVEL" val="1"/>
+  <p:tag name="KSO_WM_TAG_VERSION" val="1.0"/>
+  <p:tag name="KSO_WM_BEAUTIFY_FLAG" val="#wm#"/>
+</p:tagLst>
+</file>
+
+<file path=ppt/tags/tag41.xml><?xml version="1.0" encoding="utf-8"?>
+<p:tagLst xmlns:p="http://schemas.openxmlformats.org/presentationml/2006/main">
+  <p:tag name="KSO_WM_UNIT_HIGHLIGHT" val="0"/>
+  <p:tag name="KSO_WM_UNIT_COMPATIBLE" val="0"/>
+  <p:tag name="KSO_WM_UNIT_DIAGRAM_ISNUMVISUAL" val="0"/>
+  <p:tag name="KSO_WM_UNIT_DIAGRAM_ISREFERUNIT" val="0"/>
+  <p:tag name="KSO_WM_UNIT_ID" val="_8**"/>
+  <p:tag name="KSO_WM_UNIT_LAYERLEVEL" val="1"/>
+  <p:tag name="KSO_WM_TAG_VERSION" val="1.0"/>
+  <p:tag name="KSO_WM_BEAUTIFY_FLAG" val="#wm#"/>
+</p:tagLst>
+</file>
+
+<file path=ppt/tags/tag42.xml><?xml version="1.0" encoding="utf-8"?>
+<p:tagLst xmlns:p="http://schemas.openxmlformats.org/presentationml/2006/main">
+  <p:tag name="KSO_WM_UNIT_HIGHLIGHT" val="0"/>
+  <p:tag name="KSO_WM_UNIT_COMPATIBLE" val="0"/>
+  <p:tag name="KSO_WM_UNIT_DIAGRAM_ISNUMVISUAL" val="0"/>
+  <p:tag name="KSO_WM_UNIT_DIAGRAM_ISREFERUNIT" val="0"/>
+  <p:tag name="KSO_WM_UNIT_ID" val="_8**"/>
+  <p:tag name="KSO_WM_UNIT_LAYERLEVEL" val="1"/>
+  <p:tag name="KSO_WM_TAG_VERSION" val="1.0"/>
+  <p:tag name="KSO_WM_BEAUTIFY_FLAG" val="#wm#"/>
+</p:tagLst>
+</file>
+
+<file path=ppt/tags/tag43.xml><?xml version="1.0" encoding="utf-8"?>
+<p:tagLst xmlns:p="http://schemas.openxmlformats.org/presentationml/2006/main">
+  <p:tag name="KSO_WM_UNIT_HIGHLIGHT" val="0"/>
+  <p:tag name="KSO_WM_UNIT_COMPATIBLE" val="0"/>
+  <p:tag name="KSO_WM_UNIT_DIAGRAM_ISNUMVISUAL" val="0"/>
+  <p:tag name="KSO_WM_UNIT_DIAGRAM_ISREFERUNIT" val="0"/>
+  <p:tag name="KSO_WM_UNIT_ID" val="_9**"/>
+  <p:tag name="KSO_WM_UNIT_LAYERLEVEL" val="1"/>
+  <p:tag name="KSO_WM_TAG_VERSION" val="1.0"/>
+  <p:tag name="KSO_WM_BEAUTIFY_FLAG" val="#wm#"/>
+</p:tagLst>
+</file>
+
+<file path=ppt/tags/tag44.xml><?xml version="1.0" encoding="utf-8"?>
+<p:tagLst xmlns:p="http://schemas.openxmlformats.org/presentationml/2006/main">
+  <p:tag name="KSO_WM_UNIT_HIGHLIGHT" val="0"/>
+  <p:tag name="KSO_WM_UNIT_COMPATIBLE" val="0"/>
+  <p:tag name="KSO_WM_UNIT_DIAGRAM_ISNUMVISUAL" val="0"/>
+  <p:tag name="KSO_WM_UNIT_DIAGRAM_ISREFERUNIT" val="0"/>
+  <p:tag name="KSO_WM_UNIT_ID" val="_9**"/>
+  <p:tag name="KSO_WM_UNIT_LAYERLEVEL" val="1"/>
+  <p:tag name="KSO_WM_TAG_VERSION" val="1.0"/>
+  <p:tag name="KSO_WM_BEAUTIFY_FLAG" val="#wm#"/>
+</p:tagLst>
+</file>
+
+<file path=ppt/tags/tag45.xml><?xml version="1.0" encoding="utf-8"?>
+<p:tagLst xmlns:p="http://schemas.openxmlformats.org/presentationml/2006/main">
+  <p:tag name="KSO_WM_UNIT_HIGHLIGHT" val="0"/>
+  <p:tag name="KSO_WM_UNIT_COMPATIBLE" val="0"/>
+  <p:tag name="KSO_WM_UNIT_DIAGRAM_ISNUMVISUAL" val="0"/>
+  <p:tag name="KSO_WM_UNIT_DIAGRAM_ISREFERUNIT" val="0"/>
+  <p:tag name="KSO_WM_UNIT_ID" val="_9**"/>
+  <p:tag name="KSO_WM_UNIT_LAYERLEVEL" val="1"/>
+  <p:tag name="KSO_WM_TAG_VERSION" val="1.0"/>
+  <p:tag name="KSO_WM_BEAUTIFY_FLAG" val="#wm#"/>
+</p:tagLst>
+</file>
+
+<file path=ppt/tags/tag46.xml><?xml version="1.0" encoding="utf-8"?>
+<p:tagLst xmlns:p="http://schemas.openxmlformats.org/presentationml/2006/main">
+  <p:tag name="KSO_WM_UNIT_HIGHLIGHT" val="0"/>
+  <p:tag name="KSO_WM_UNIT_COMPATIBLE" val="0"/>
+  <p:tag name="KSO_WM_UNIT_DIAGRAM_ISNUMVISUAL" val="0"/>
+  <p:tag name="KSO_WM_UNIT_DIAGRAM_ISREFERUNIT" val="0"/>
+  <p:tag name="KSO_WM_UNIT_ID" val="_9**"/>
+  <p:tag name="KSO_WM_UNIT_LAYERLEVEL" val="1"/>
+  <p:tag name="KSO_WM_TAG_VERSION" val="1.0"/>
+  <p:tag name="KSO_WM_BEAUTIFY_FLAG" val="#wm#"/>
+</p:tagLst>
+</file>
+
+<file path=ppt/tags/tag47.xml><?xml version="1.0" encoding="utf-8"?>
+<p:tagLst xmlns:p="http://schemas.openxmlformats.org/presentationml/2006/main">
+  <p:tag name="KSO_WM_UNIT_HIGHLIGHT" val="0"/>
+  <p:tag name="KSO_WM_UNIT_COMPATIBLE" val="0"/>
+  <p:tag name="KSO_WM_UNIT_DIAGRAM_ISNUMVISUAL" val="0"/>
+  <p:tag name="KSO_WM_UNIT_DIAGRAM_ISREFERUNIT" val="0"/>
+  <p:tag name="KSO_WM_UNIT_ID" val="_9**"/>
+  <p:tag name="KSO_WM_UNIT_LAYERLEVEL" val="1"/>
+  <p:tag name="KSO_WM_TAG_VERSION" val="1.0"/>
+  <p:tag name="KSO_WM_BEAUTIFY_FLAG" val="#wm#"/>
+</p:tagLst>
+</file>
+
+<file path=ppt/tags/tag48.xml><?xml version="1.0" encoding="utf-8"?>
+<p:tagLst xmlns:p="http://schemas.openxmlformats.org/presentationml/2006/main">
+  <p:tag name="KSO_WM_UNIT_HIGHLIGHT" val="0"/>
+  <p:tag name="KSO_WM_UNIT_COMPATIBLE" val="0"/>
+  <p:tag name="KSO_WM_UNIT_DIAGRAM_ISNUMVISUAL" val="0"/>
+  <p:tag name="KSO_WM_UNIT_DIAGRAM_ISREFERUNIT" val="0"/>
+  <p:tag name="KSO_WM_UNIT_ID" val="_10**"/>
+  <p:tag name="KSO_WM_UNIT_LAYERLEVEL" val="1"/>
+  <p:tag name="KSO_WM_TAG_VERSION" val="1.0"/>
+  <p:tag name="KSO_WM_BEAUTIFY_FLAG" val="#wm#"/>
+</p:tagLst>
+</file>
+
+<file path=ppt/tags/tag49.xml><?xml version="1.0" encoding="utf-8"?>
+<p:tagLst xmlns:p="http://schemas.openxmlformats.org/presentationml/2006/main">
+  <p:tag name="KSO_WM_UNIT_HIGHLIGHT" val="0"/>
+  <p:tag name="KSO_WM_UNIT_COMPATIBLE" val="0"/>
+  <p:tag name="KSO_WM_UNIT_DIAGRAM_ISNUMVISUAL" val="0"/>
+  <p:tag name="KSO_WM_UNIT_DIAGRAM_ISREFERUNIT" val="0"/>
+  <p:tag name="KSO_WM_UNIT_ID" val="_10**"/>
+  <p:tag name="KSO_WM_UNIT_LAYERLEVEL" val="1"/>
+  <p:tag name="KSO_WM_TAG_VERSION" val="1.0"/>
+  <p:tag name="KSO_WM_BEAUTIFY_FLAG" val="#wm#"/>
+</p:tagLst>
+</file>
+
+<file path=ppt/tags/tag5.xml><?xml version="1.0" encoding="utf-8"?>
+<p:tagLst xmlns:p="http://schemas.openxmlformats.org/presentationml/2006/main">
+  <p:tag name="KSO_WM_UNIT_HIGHLIGHT" val="0"/>
+  <p:tag name="KSO_WM_UNIT_COMPATIBLE" val="0"/>
+  <p:tag name="KSO_WM_UNIT_DIAGRAM_ISNUMVISUAL" val="0"/>
+  <p:tag name="KSO_WM_UNIT_DIAGRAM_ISREFERUNIT" val="0"/>
+  <p:tag name="KSO_WM_UNIT_ID" val="_1**"/>
+  <p:tag name="KSO_WM_UNIT_LAYERLEVEL" val="1"/>
+  <p:tag name="KSO_WM_TAG_VERSION" val="1.0"/>
+  <p:tag name="KSO_WM_BEAUTIFY_FLAG" val="#wm#"/>
+</p:tagLst>
+</file>
+
+<file path=ppt/tags/tag50.xml><?xml version="1.0" encoding="utf-8"?>
+<p:tagLst xmlns:p="http://schemas.openxmlformats.org/presentationml/2006/main">
+  <p:tag name="KSO_WM_UNIT_HIGHLIGHT" val="0"/>
+  <p:tag name="KSO_WM_UNIT_COMPATIBLE" val="0"/>
+  <p:tag name="KSO_WM_UNIT_DIAGRAM_ISNUMVISUAL" val="0"/>
+  <p:tag name="KSO_WM_UNIT_DIAGRAM_ISREFERUNIT" val="0"/>
+  <p:tag name="KSO_WM_UNIT_ID" val="_10**"/>
+  <p:tag name="KSO_WM_UNIT_LAYERLEVEL" val="1"/>
+  <p:tag name="KSO_WM_TAG_VERSION" val="1.0"/>
+  <p:tag name="KSO_WM_BEAUTIFY_FLAG" val="#wm#"/>
+</p:tagLst>
+</file>
+
+<file path=ppt/tags/tag51.xml><?xml version="1.0" encoding="utf-8"?>
+<p:tagLst xmlns:p="http://schemas.openxmlformats.org/presentationml/2006/main">
+  <p:tag name="KSO_WM_UNIT_HIGHLIGHT" val="0"/>
+  <p:tag name="KSO_WM_UNIT_COMPATIBLE" val="0"/>
+  <p:tag name="KSO_WM_UNIT_DIAGRAM_ISNUMVISUAL" val="0"/>
+  <p:tag name="KSO_WM_UNIT_DIAGRAM_ISREFERUNIT" val="0"/>
+  <p:tag name="KSO_WM_UNIT_ID" val="_10**"/>
+  <p:tag name="KSO_WM_UNIT_LAYERLEVEL" val="1"/>
+  <p:tag name="KSO_WM_TAG_VERSION" val="1.0"/>
+  <p:tag name="KSO_WM_BEAUTIFY_FLAG" val="#wm#"/>
+</p:tagLst>
+</file>
+
+<file path=ppt/tags/tag52.xml><?xml version="1.0" encoding="utf-8"?>
+<p:tagLst xmlns:p="http://schemas.openxmlformats.org/presentationml/2006/main">
+  <p:tag name="KSO_WM_UNIT_HIGHLIGHT" val="0"/>
+  <p:tag name="KSO_WM_UNIT_COMPATIBLE" val="0"/>
+  <p:tag name="KSO_WM_UNIT_DIAGRAM_ISNUMVISUAL" val="0"/>
+  <p:tag name="KSO_WM_UNIT_DIAGRAM_ISREFERUNIT" val="0"/>
+  <p:tag name="KSO_WM_UNIT_ID" val="_11**"/>
+  <p:tag name="KSO_WM_UNIT_LAYERLEVEL" val="1"/>
+  <p:tag name="KSO_WM_TAG_VERSION" val="1.0"/>
+  <p:tag name="KSO_WM_BEAUTIFY_FLAG" val="#wm#"/>
+</p:tagLst>
+</file>
+
+<file path=ppt/tags/tag53.xml><?xml version="1.0" encoding="utf-8"?>
+<p:tagLst xmlns:p="http://schemas.openxmlformats.org/presentationml/2006/main">
+  <p:tag name="KSO_WM_UNIT_HIGHLIGHT" val="0"/>
+  <p:tag name="KSO_WM_UNIT_COMPATIBLE" val="0"/>
+  <p:tag name="KSO_WM_UNIT_DIAGRAM_ISNUMVISUAL" val="0"/>
+  <p:tag name="KSO_WM_UNIT_DIAGRAM_ISREFERUNIT" val="0"/>
+  <p:tag name="KSO_WM_UNIT_ID" val="_11**"/>
+  <p:tag name="KSO_WM_UNIT_LAYERLEVEL" val="1"/>
+  <p:tag name="KSO_WM_TAG_VERSION" val="1.0"/>
+  <p:tag name="KSO_WM_BEAUTIFY_FLAG" val="#wm#"/>
+</p:tagLst>
+</file>
+
+<file path=ppt/tags/tag54.xml><?xml version="1.0" encoding="utf-8"?>
+<p:tagLst xmlns:p="http://schemas.openxmlformats.org/presentationml/2006/main">
+  <p:tag name="KSO_WM_UNIT_HIGHLIGHT" val="0"/>
+  <p:tag name="KSO_WM_UNIT_COMPATIBLE" val="0"/>
+  <p:tag name="KSO_WM_UNIT_DIAGRAM_ISNUMVISUAL" val="0"/>
+  <p:tag name="KSO_WM_UNIT_DIAGRAM_ISREFERUNIT" val="0"/>
+  <p:tag name="KSO_WM_UNIT_ID" val="_11**"/>
+  <p:tag name="KSO_WM_UNIT_LAYERLEVEL" val="1"/>
+  <p:tag name="KSO_WM_TAG_VERSION" val="1.0"/>
+  <p:tag name="KSO_WM_BEAUTIFY_FLAG" val="#wm#"/>
+</p:tagLst>
+</file>
+
+<file path=ppt/tags/tag55.xml><?xml version="1.0" encoding="utf-8"?>
+<p:tagLst xmlns:p="http://schemas.openxmlformats.org/presentationml/2006/main">
+  <p:tag name="KSO_WM_UNIT_HIGHLIGHT" val="0"/>
+  <p:tag name="KSO_WM_UNIT_COMPATIBLE" val="0"/>
+  <p:tag name="KSO_WM_UNIT_DIAGRAM_ISNUMVISUAL" val="0"/>
+  <p:tag name="KSO_WM_UNIT_DIAGRAM_ISREFERUNIT" val="0"/>
+  <p:tag name="KSO_WM_UNIT_ID" val="_11**"/>
+  <p:tag name="KSO_WM_UNIT_LAYERLEVEL" val="1"/>
+  <p:tag name="KSO_WM_TAG_VERSION" val="1.0"/>
+  <p:tag name="KSO_WM_BEAUTIFY_FLAG" val="#wm#"/>
+</p:tagLst>
+</file>
+
+<file path=ppt/tags/tag56.xml><?xml version="1.0" encoding="utf-8"?>
+<p:tagLst xmlns:p="http://schemas.openxmlformats.org/presentationml/2006/main">
+  <p:tag name="KSO_WM_UNIT_HIGHLIGHT" val="0"/>
+  <p:tag name="KSO_WM_UNIT_COMPATIBLE" val="0"/>
+  <p:tag name="KSO_WM_UNIT_DIAGRAM_ISNUMVISUAL" val="0"/>
+  <p:tag name="KSO_WM_UNIT_DIAGRAM_ISREFERUNIT" val="0"/>
+  <p:tag name="KSO_WM_UNIT_ID" val="_11**"/>
+  <p:tag name="KSO_WM_UNIT_LAYERLEVEL" val="1"/>
+  <p:tag name="KSO_WM_TAG_VERSION" val="1.0"/>
+  <p:tag name="KSO_WM_BEAUTIFY_FLAG" val="#wm#"/>
+</p:tagLst>
+</file>
+
+<file path=ppt/tags/tag57.xml><?xml version="1.0" encoding="utf-8"?>
+<p:tagLst xmlns:p="http://schemas.openxmlformats.org/presentationml/2006/main">
   <p:tag name="KSO_WM_UNIT_HIGHLIGHT" val="0"/>
   <p:tag name="KSO_WM_UNIT_COMPATIBLE" val="0"/>
   <p:tag name="KSO_WM_UNIT_DIAGRAM_ISNUMVISUAL" val="0"/>
@@ -14819,138 +15637,8 @@
 </p:tagLst>
 </file>
 
-<file path=ppt/tags/tag30.xml><?xml version="1.0" encoding="utf-8"?>
-<p:tagLst xmlns:a="http://schemas.openxmlformats.org/drawingml/2006/main" xmlns:r="http://schemas.openxmlformats.org/officeDocument/2006/relationships" xmlns:p="http://schemas.openxmlformats.org/presentationml/2006/main">
-  <p:tag name="KSO_WM_UNIT_HIGHLIGHT" val="0"/>
-  <p:tag name="KSO_WM_UNIT_COMPATIBLE" val="0"/>
-  <p:tag name="KSO_WM_UNIT_DIAGRAM_ISNUMVISUAL" val="0"/>
-  <p:tag name="KSO_WM_UNIT_DIAGRAM_ISREFERUNIT" val="0"/>
-  <p:tag name="KSO_WM_UNIT_ID" val="_5**"/>
-  <p:tag name="KSO_WM_UNIT_LAYERLEVEL" val="1"/>
-  <p:tag name="KSO_WM_TAG_VERSION" val="1.0"/>
-  <p:tag name="KSO_WM_BEAUTIFY_FLAG" val="#wm#"/>
-</p:tagLst>
-</file>
-
-<file path=ppt/tags/tag31.xml><?xml version="1.0" encoding="utf-8"?>
-<p:tagLst xmlns:a="http://schemas.openxmlformats.org/drawingml/2006/main" xmlns:r="http://schemas.openxmlformats.org/officeDocument/2006/relationships" xmlns:p="http://schemas.openxmlformats.org/presentationml/2006/main">
-  <p:tag name="KSO_WM_UNIT_HIGHLIGHT" val="0"/>
-  <p:tag name="KSO_WM_UNIT_COMPATIBLE" val="0"/>
-  <p:tag name="KSO_WM_UNIT_DIAGRAM_ISNUMVISUAL" val="0"/>
-  <p:tag name="KSO_WM_UNIT_DIAGRAM_ISREFERUNIT" val="0"/>
-  <p:tag name="KSO_WM_UNIT_ID" val="_5**"/>
-  <p:tag name="KSO_WM_UNIT_LAYERLEVEL" val="1"/>
-  <p:tag name="KSO_WM_TAG_VERSION" val="1.0"/>
-  <p:tag name="KSO_WM_BEAUTIFY_FLAG" val="#wm#"/>
-</p:tagLst>
-</file>
-
-<file path=ppt/tags/tag32.xml><?xml version="1.0" encoding="utf-8"?>
-<p:tagLst xmlns:a="http://schemas.openxmlformats.org/drawingml/2006/main" xmlns:r="http://schemas.openxmlformats.org/officeDocument/2006/relationships" xmlns:p="http://schemas.openxmlformats.org/presentationml/2006/main">
-  <p:tag name="KSO_WM_UNIT_HIGHLIGHT" val="0"/>
-  <p:tag name="KSO_WM_UNIT_COMPATIBLE" val="0"/>
-  <p:tag name="KSO_WM_UNIT_DIAGRAM_ISNUMVISUAL" val="0"/>
-  <p:tag name="KSO_WM_UNIT_DIAGRAM_ISREFERUNIT" val="0"/>
-  <p:tag name="KSO_WM_UNIT_ID" val="_5**"/>
-  <p:tag name="KSO_WM_UNIT_LAYERLEVEL" val="1"/>
-  <p:tag name="KSO_WM_TAG_VERSION" val="1.0"/>
-  <p:tag name="KSO_WM_BEAUTIFY_FLAG" val="#wm#"/>
-</p:tagLst>
-</file>
-
-<file path=ppt/tags/tag33.xml><?xml version="1.0" encoding="utf-8"?>
-<p:tagLst xmlns:a="http://schemas.openxmlformats.org/drawingml/2006/main" xmlns:r="http://schemas.openxmlformats.org/officeDocument/2006/relationships" xmlns:p="http://schemas.openxmlformats.org/presentationml/2006/main">
-  <p:tag name="KSO_WM_UNIT_HIGHLIGHT" val="0"/>
-  <p:tag name="KSO_WM_UNIT_COMPATIBLE" val="0"/>
-  <p:tag name="KSO_WM_UNIT_DIAGRAM_ISNUMVISUAL" val="0"/>
-  <p:tag name="KSO_WM_UNIT_DIAGRAM_ISREFERUNIT" val="0"/>
-  <p:tag name="KSO_WM_UNIT_ID" val="_5**"/>
-  <p:tag name="KSO_WM_UNIT_LAYERLEVEL" val="1"/>
-  <p:tag name="KSO_WM_TAG_VERSION" val="1.0"/>
-  <p:tag name="KSO_WM_BEAUTIFY_FLAG" val="#wm#"/>
-</p:tagLst>
-</file>
-
-<file path=ppt/tags/tag34.xml><?xml version="1.0" encoding="utf-8"?>
-<p:tagLst xmlns:a="http://schemas.openxmlformats.org/drawingml/2006/main" xmlns:r="http://schemas.openxmlformats.org/officeDocument/2006/relationships" xmlns:p="http://schemas.openxmlformats.org/presentationml/2006/main">
-  <p:tag name="KSO_WM_UNIT_HIGHLIGHT" val="0"/>
-  <p:tag name="KSO_WM_UNIT_COMPATIBLE" val="0"/>
-  <p:tag name="KSO_WM_UNIT_DIAGRAM_ISNUMVISUAL" val="0"/>
-  <p:tag name="KSO_WM_UNIT_DIAGRAM_ISREFERUNIT" val="0"/>
-  <p:tag name="KSO_WM_UNIT_ID" val="_5**"/>
-  <p:tag name="KSO_WM_UNIT_LAYERLEVEL" val="1"/>
-  <p:tag name="KSO_WM_TAG_VERSION" val="1.0"/>
-  <p:tag name="KSO_WM_BEAUTIFY_FLAG" val="#wm#"/>
-</p:tagLst>
-</file>
-
-<file path=ppt/tags/tag35.xml><?xml version="1.0" encoding="utf-8"?>
-<p:tagLst xmlns:a="http://schemas.openxmlformats.org/drawingml/2006/main" xmlns:r="http://schemas.openxmlformats.org/officeDocument/2006/relationships" xmlns:p="http://schemas.openxmlformats.org/presentationml/2006/main">
-  <p:tag name="KSO_WM_UNIT_HIGHLIGHT" val="0"/>
-  <p:tag name="KSO_WM_UNIT_COMPATIBLE" val="0"/>
-  <p:tag name="KSO_WM_UNIT_DIAGRAM_ISNUMVISUAL" val="0"/>
-  <p:tag name="KSO_WM_UNIT_DIAGRAM_ISREFERUNIT" val="0"/>
-  <p:tag name="KSO_WM_UNIT_ID" val="_5**"/>
-  <p:tag name="KSO_WM_UNIT_LAYERLEVEL" val="1"/>
-  <p:tag name="KSO_WM_TAG_VERSION" val="1.0"/>
-  <p:tag name="KSO_WM_BEAUTIFY_FLAG" val="#wm#"/>
-</p:tagLst>
-</file>
-
-<file path=ppt/tags/tag36.xml><?xml version="1.0" encoding="utf-8"?>
-<p:tagLst xmlns:a="http://schemas.openxmlformats.org/drawingml/2006/main" xmlns:r="http://schemas.openxmlformats.org/officeDocument/2006/relationships" xmlns:p="http://schemas.openxmlformats.org/presentationml/2006/main">
-  <p:tag name="KSO_WM_UNIT_HIGHLIGHT" val="0"/>
-  <p:tag name="KSO_WM_UNIT_COMPATIBLE" val="0"/>
-  <p:tag name="KSO_WM_UNIT_DIAGRAM_ISNUMVISUAL" val="0"/>
-  <p:tag name="KSO_WM_UNIT_DIAGRAM_ISREFERUNIT" val="0"/>
-  <p:tag name="KSO_WM_UNIT_ID" val="_5**"/>
-  <p:tag name="KSO_WM_UNIT_LAYERLEVEL" val="1"/>
-  <p:tag name="KSO_WM_TAG_VERSION" val="1.0"/>
-  <p:tag name="KSO_WM_BEAUTIFY_FLAG" val="#wm#"/>
-</p:tagLst>
-</file>
-
-<file path=ppt/tags/tag37.xml><?xml version="1.0" encoding="utf-8"?>
-<p:tagLst xmlns:a="http://schemas.openxmlformats.org/drawingml/2006/main" xmlns:r="http://schemas.openxmlformats.org/officeDocument/2006/relationships" xmlns:p="http://schemas.openxmlformats.org/presentationml/2006/main">
-  <p:tag name="KSO_WM_UNIT_HIGHLIGHT" val="0"/>
-  <p:tag name="KSO_WM_UNIT_COMPATIBLE" val="0"/>
-  <p:tag name="KSO_WM_UNIT_DIAGRAM_ISNUMVISUAL" val="0"/>
-  <p:tag name="KSO_WM_UNIT_DIAGRAM_ISREFERUNIT" val="0"/>
-  <p:tag name="KSO_WM_UNIT_ID" val="_6**"/>
-  <p:tag name="KSO_WM_UNIT_LAYERLEVEL" val="1"/>
-  <p:tag name="KSO_WM_TAG_VERSION" val="1.0"/>
-  <p:tag name="KSO_WM_BEAUTIFY_FLAG" val="#wm#"/>
-</p:tagLst>
-</file>
-
-<file path=ppt/tags/tag38.xml><?xml version="1.0" encoding="utf-8"?>
-<p:tagLst xmlns:a="http://schemas.openxmlformats.org/drawingml/2006/main" xmlns:r="http://schemas.openxmlformats.org/officeDocument/2006/relationships" xmlns:p="http://schemas.openxmlformats.org/presentationml/2006/main">
-  <p:tag name="KSO_WM_UNIT_HIGHLIGHT" val="0"/>
-  <p:tag name="KSO_WM_UNIT_COMPATIBLE" val="0"/>
-  <p:tag name="KSO_WM_UNIT_DIAGRAM_ISNUMVISUAL" val="0"/>
-  <p:tag name="KSO_WM_UNIT_DIAGRAM_ISREFERUNIT" val="0"/>
-  <p:tag name="KSO_WM_UNIT_ID" val="_6**"/>
-  <p:tag name="KSO_WM_UNIT_LAYERLEVEL" val="1"/>
-  <p:tag name="KSO_WM_TAG_VERSION" val="1.0"/>
-  <p:tag name="KSO_WM_BEAUTIFY_FLAG" val="#wm#"/>
-</p:tagLst>
-</file>
-
-<file path=ppt/tags/tag39.xml><?xml version="1.0" encoding="utf-8"?>
-<p:tagLst xmlns:a="http://schemas.openxmlformats.org/drawingml/2006/main" xmlns:r="http://schemas.openxmlformats.org/officeDocument/2006/relationships" xmlns:p="http://schemas.openxmlformats.org/presentationml/2006/main">
-  <p:tag name="KSO_WM_UNIT_HIGHLIGHT" val="0"/>
-  <p:tag name="KSO_WM_UNIT_COMPATIBLE" val="0"/>
-  <p:tag name="KSO_WM_UNIT_DIAGRAM_ISNUMVISUAL" val="0"/>
-  <p:tag name="KSO_WM_UNIT_DIAGRAM_ISREFERUNIT" val="0"/>
-  <p:tag name="KSO_WM_UNIT_ID" val="_6**"/>
-  <p:tag name="KSO_WM_UNIT_LAYERLEVEL" val="1"/>
-  <p:tag name="KSO_WM_TAG_VERSION" val="1.0"/>
-  <p:tag name="KSO_WM_BEAUTIFY_FLAG" val="#wm#"/>
-</p:tagLst>
-</file>
-
-<file path=ppt/tags/tag4.xml><?xml version="1.0" encoding="utf-8"?>
-<p:tagLst xmlns:a="http://schemas.openxmlformats.org/drawingml/2006/main" xmlns:r="http://schemas.openxmlformats.org/officeDocument/2006/relationships" xmlns:p="http://schemas.openxmlformats.org/presentationml/2006/main">
+<file path=ppt/tags/tag58.xml><?xml version="1.0" encoding="utf-8"?>
+<p:tagLst xmlns:p="http://schemas.openxmlformats.org/presentationml/2006/main">
   <p:tag name="KSO_WM_UNIT_HIGHLIGHT" val="0"/>
   <p:tag name="KSO_WM_UNIT_COMPATIBLE" val="0"/>
   <p:tag name="KSO_WM_UNIT_DIAGRAM_ISNUMVISUAL" val="0"/>
@@ -14964,138 +15652,8 @@
 </p:tagLst>
 </file>
 
-<file path=ppt/tags/tag40.xml><?xml version="1.0" encoding="utf-8"?>
-<p:tagLst xmlns:a="http://schemas.openxmlformats.org/drawingml/2006/main" xmlns:r="http://schemas.openxmlformats.org/officeDocument/2006/relationships" xmlns:p="http://schemas.openxmlformats.org/presentationml/2006/main">
-  <p:tag name="KSO_WM_UNIT_HIGHLIGHT" val="0"/>
-  <p:tag name="KSO_WM_UNIT_COMPATIBLE" val="0"/>
-  <p:tag name="KSO_WM_UNIT_DIAGRAM_ISNUMVISUAL" val="0"/>
-  <p:tag name="KSO_WM_UNIT_DIAGRAM_ISREFERUNIT" val="0"/>
-  <p:tag name="KSO_WM_UNIT_ID" val="_6**"/>
-  <p:tag name="KSO_WM_UNIT_LAYERLEVEL" val="1"/>
-  <p:tag name="KSO_WM_TAG_VERSION" val="1.0"/>
-  <p:tag name="KSO_WM_BEAUTIFY_FLAG" val="#wm#"/>
-</p:tagLst>
-</file>
-
-<file path=ppt/tags/tag41.xml><?xml version="1.0" encoding="utf-8"?>
-<p:tagLst xmlns:a="http://schemas.openxmlformats.org/drawingml/2006/main" xmlns:r="http://schemas.openxmlformats.org/officeDocument/2006/relationships" xmlns:p="http://schemas.openxmlformats.org/presentationml/2006/main">
-  <p:tag name="KSO_WM_UNIT_HIGHLIGHT" val="0"/>
-  <p:tag name="KSO_WM_UNIT_COMPATIBLE" val="0"/>
-  <p:tag name="KSO_WM_UNIT_DIAGRAM_ISNUMVISUAL" val="0"/>
-  <p:tag name="KSO_WM_UNIT_DIAGRAM_ISREFERUNIT" val="0"/>
-  <p:tag name="KSO_WM_UNIT_ID" val="_7**"/>
-  <p:tag name="KSO_WM_UNIT_LAYERLEVEL" val="1"/>
-  <p:tag name="KSO_WM_TAG_VERSION" val="1.0"/>
-  <p:tag name="KSO_WM_BEAUTIFY_FLAG" val="#wm#"/>
-</p:tagLst>
-</file>
-
-<file path=ppt/tags/tag42.xml><?xml version="1.0" encoding="utf-8"?>
-<p:tagLst xmlns:a="http://schemas.openxmlformats.org/drawingml/2006/main" xmlns:r="http://schemas.openxmlformats.org/officeDocument/2006/relationships" xmlns:p="http://schemas.openxmlformats.org/presentationml/2006/main">
-  <p:tag name="KSO_WM_UNIT_HIGHLIGHT" val="0"/>
-  <p:tag name="KSO_WM_UNIT_COMPATIBLE" val="0"/>
-  <p:tag name="KSO_WM_UNIT_DIAGRAM_ISNUMVISUAL" val="0"/>
-  <p:tag name="KSO_WM_UNIT_DIAGRAM_ISREFERUNIT" val="0"/>
-  <p:tag name="KSO_WM_UNIT_ID" val="_7**"/>
-  <p:tag name="KSO_WM_UNIT_LAYERLEVEL" val="1"/>
-  <p:tag name="KSO_WM_TAG_VERSION" val="1.0"/>
-  <p:tag name="KSO_WM_BEAUTIFY_FLAG" val="#wm#"/>
-</p:tagLst>
-</file>
-
-<file path=ppt/tags/tag43.xml><?xml version="1.0" encoding="utf-8"?>
-<p:tagLst xmlns:a="http://schemas.openxmlformats.org/drawingml/2006/main" xmlns:r="http://schemas.openxmlformats.org/officeDocument/2006/relationships" xmlns:p="http://schemas.openxmlformats.org/presentationml/2006/main">
-  <p:tag name="KSO_WM_UNIT_HIGHLIGHT" val="0"/>
-  <p:tag name="KSO_WM_UNIT_COMPATIBLE" val="0"/>
-  <p:tag name="KSO_WM_UNIT_DIAGRAM_ISNUMVISUAL" val="0"/>
-  <p:tag name="KSO_WM_UNIT_DIAGRAM_ISREFERUNIT" val="0"/>
-  <p:tag name="KSO_WM_UNIT_ID" val="_7**"/>
-  <p:tag name="KSO_WM_UNIT_LAYERLEVEL" val="1"/>
-  <p:tag name="KSO_WM_TAG_VERSION" val="1.0"/>
-  <p:tag name="KSO_WM_BEAUTIFY_FLAG" val="#wm#"/>
-</p:tagLst>
-</file>
-
-<file path=ppt/tags/tag44.xml><?xml version="1.0" encoding="utf-8"?>
-<p:tagLst xmlns:a="http://schemas.openxmlformats.org/drawingml/2006/main" xmlns:r="http://schemas.openxmlformats.org/officeDocument/2006/relationships" xmlns:p="http://schemas.openxmlformats.org/presentationml/2006/main">
-  <p:tag name="KSO_WM_UNIT_HIGHLIGHT" val="0"/>
-  <p:tag name="KSO_WM_UNIT_COMPATIBLE" val="0"/>
-  <p:tag name="KSO_WM_UNIT_DIAGRAM_ISNUMVISUAL" val="0"/>
-  <p:tag name="KSO_WM_UNIT_DIAGRAM_ISREFERUNIT" val="0"/>
-  <p:tag name="KSO_WM_UNIT_ID" val="_8**"/>
-  <p:tag name="KSO_WM_UNIT_LAYERLEVEL" val="1"/>
-  <p:tag name="KSO_WM_TAG_VERSION" val="1.0"/>
-  <p:tag name="KSO_WM_BEAUTIFY_FLAG" val="#wm#"/>
-</p:tagLst>
-</file>
-
-<file path=ppt/tags/tag45.xml><?xml version="1.0" encoding="utf-8"?>
-<p:tagLst xmlns:a="http://schemas.openxmlformats.org/drawingml/2006/main" xmlns:r="http://schemas.openxmlformats.org/officeDocument/2006/relationships" xmlns:p="http://schemas.openxmlformats.org/presentationml/2006/main">
-  <p:tag name="KSO_WM_UNIT_HIGHLIGHT" val="0"/>
-  <p:tag name="KSO_WM_UNIT_COMPATIBLE" val="0"/>
-  <p:tag name="KSO_WM_UNIT_DIAGRAM_ISNUMVISUAL" val="0"/>
-  <p:tag name="KSO_WM_UNIT_DIAGRAM_ISREFERUNIT" val="0"/>
-  <p:tag name="KSO_WM_UNIT_ID" val="_8**"/>
-  <p:tag name="KSO_WM_UNIT_LAYERLEVEL" val="1"/>
-  <p:tag name="KSO_WM_TAG_VERSION" val="1.0"/>
-  <p:tag name="KSO_WM_BEAUTIFY_FLAG" val="#wm#"/>
-</p:tagLst>
-</file>
-
-<file path=ppt/tags/tag46.xml><?xml version="1.0" encoding="utf-8"?>
-<p:tagLst xmlns:a="http://schemas.openxmlformats.org/drawingml/2006/main" xmlns:r="http://schemas.openxmlformats.org/officeDocument/2006/relationships" xmlns:p="http://schemas.openxmlformats.org/presentationml/2006/main">
-  <p:tag name="KSO_WM_UNIT_HIGHLIGHT" val="0"/>
-  <p:tag name="KSO_WM_UNIT_COMPATIBLE" val="0"/>
-  <p:tag name="KSO_WM_UNIT_DIAGRAM_ISNUMVISUAL" val="0"/>
-  <p:tag name="KSO_WM_UNIT_DIAGRAM_ISREFERUNIT" val="0"/>
-  <p:tag name="KSO_WM_UNIT_ID" val="_8**"/>
-  <p:tag name="KSO_WM_UNIT_LAYERLEVEL" val="1"/>
-  <p:tag name="KSO_WM_TAG_VERSION" val="1.0"/>
-  <p:tag name="KSO_WM_BEAUTIFY_FLAG" val="#wm#"/>
-</p:tagLst>
-</file>
-
-<file path=ppt/tags/tag47.xml><?xml version="1.0" encoding="utf-8"?>
-<p:tagLst xmlns:a="http://schemas.openxmlformats.org/drawingml/2006/main" xmlns:r="http://schemas.openxmlformats.org/officeDocument/2006/relationships" xmlns:p="http://schemas.openxmlformats.org/presentationml/2006/main">
-  <p:tag name="KSO_WM_UNIT_HIGHLIGHT" val="0"/>
-  <p:tag name="KSO_WM_UNIT_COMPATIBLE" val="0"/>
-  <p:tag name="KSO_WM_UNIT_DIAGRAM_ISNUMVISUAL" val="0"/>
-  <p:tag name="KSO_WM_UNIT_DIAGRAM_ISREFERUNIT" val="0"/>
-  <p:tag name="KSO_WM_UNIT_ID" val="_8**"/>
-  <p:tag name="KSO_WM_UNIT_LAYERLEVEL" val="1"/>
-  <p:tag name="KSO_WM_TAG_VERSION" val="1.0"/>
-  <p:tag name="KSO_WM_BEAUTIFY_FLAG" val="#wm#"/>
-</p:tagLst>
-</file>
-
-<file path=ppt/tags/tag48.xml><?xml version="1.0" encoding="utf-8"?>
-<p:tagLst xmlns:a="http://schemas.openxmlformats.org/drawingml/2006/main" xmlns:r="http://schemas.openxmlformats.org/officeDocument/2006/relationships" xmlns:p="http://schemas.openxmlformats.org/presentationml/2006/main">
-  <p:tag name="KSO_WM_UNIT_HIGHLIGHT" val="0"/>
-  <p:tag name="KSO_WM_UNIT_COMPATIBLE" val="0"/>
-  <p:tag name="KSO_WM_UNIT_DIAGRAM_ISNUMVISUAL" val="0"/>
-  <p:tag name="KSO_WM_UNIT_DIAGRAM_ISREFERUNIT" val="0"/>
-  <p:tag name="KSO_WM_UNIT_ID" val="_8**"/>
-  <p:tag name="KSO_WM_UNIT_LAYERLEVEL" val="1"/>
-  <p:tag name="KSO_WM_TAG_VERSION" val="1.0"/>
-  <p:tag name="KSO_WM_BEAUTIFY_FLAG" val="#wm#"/>
-</p:tagLst>
-</file>
-
-<file path=ppt/tags/tag49.xml><?xml version="1.0" encoding="utf-8"?>
-<p:tagLst xmlns:a="http://schemas.openxmlformats.org/drawingml/2006/main" xmlns:r="http://schemas.openxmlformats.org/officeDocument/2006/relationships" xmlns:p="http://schemas.openxmlformats.org/presentationml/2006/main">
-  <p:tag name="KSO_WM_UNIT_HIGHLIGHT" val="0"/>
-  <p:tag name="KSO_WM_UNIT_COMPATIBLE" val="0"/>
-  <p:tag name="KSO_WM_UNIT_DIAGRAM_ISNUMVISUAL" val="0"/>
-  <p:tag name="KSO_WM_UNIT_DIAGRAM_ISREFERUNIT" val="0"/>
-  <p:tag name="KSO_WM_UNIT_ID" val="_8**"/>
-  <p:tag name="KSO_WM_UNIT_LAYERLEVEL" val="1"/>
-  <p:tag name="KSO_WM_TAG_VERSION" val="1.0"/>
-  <p:tag name="KSO_WM_BEAUTIFY_FLAG" val="#wm#"/>
-</p:tagLst>
-</file>
-
-<file path=ppt/tags/tag5.xml><?xml version="1.0" encoding="utf-8"?>
-<p:tagLst xmlns:a="http://schemas.openxmlformats.org/drawingml/2006/main" xmlns:r="http://schemas.openxmlformats.org/officeDocument/2006/relationships" xmlns:p="http://schemas.openxmlformats.org/presentationml/2006/main">
+<file path=ppt/tags/tag59.xml><?xml version="1.0" encoding="utf-8"?>
+<p:tagLst xmlns:p="http://schemas.openxmlformats.org/presentationml/2006/main">
   <p:tag name="KSO_WM_UNIT_HIGHLIGHT" val="0"/>
   <p:tag name="KSO_WM_UNIT_COMPATIBLE" val="0"/>
   <p:tag name="KSO_WM_UNIT_DIAGRAM_ISNUMVISUAL" val="0"/>
@@ -15107,138 +15665,21 @@
 </p:tagLst>
 </file>
 
-<file path=ppt/tags/tag50.xml><?xml version="1.0" encoding="utf-8"?>
-<p:tagLst xmlns:a="http://schemas.openxmlformats.org/drawingml/2006/main" xmlns:r="http://schemas.openxmlformats.org/officeDocument/2006/relationships" xmlns:p="http://schemas.openxmlformats.org/presentationml/2006/main">
+<file path=ppt/tags/tag6.xml><?xml version="1.0" encoding="utf-8"?>
+<p:tagLst xmlns:p="http://schemas.openxmlformats.org/presentationml/2006/main">
   <p:tag name="KSO_WM_UNIT_HIGHLIGHT" val="0"/>
   <p:tag name="KSO_WM_UNIT_COMPATIBLE" val="0"/>
   <p:tag name="KSO_WM_UNIT_DIAGRAM_ISNUMVISUAL" val="0"/>
   <p:tag name="KSO_WM_UNIT_DIAGRAM_ISREFERUNIT" val="0"/>
-  <p:tag name="KSO_WM_UNIT_ID" val="_9**"/>
+  <p:tag name="KSO_WM_UNIT_ID" val="_2**"/>
   <p:tag name="KSO_WM_UNIT_LAYERLEVEL" val="1"/>
   <p:tag name="KSO_WM_TAG_VERSION" val="1.0"/>
   <p:tag name="KSO_WM_BEAUTIFY_FLAG" val="#wm#"/>
 </p:tagLst>
 </file>
 
-<file path=ppt/tags/tag51.xml><?xml version="1.0" encoding="utf-8"?>
-<p:tagLst xmlns:a="http://schemas.openxmlformats.org/drawingml/2006/main" xmlns:r="http://schemas.openxmlformats.org/officeDocument/2006/relationships" xmlns:p="http://schemas.openxmlformats.org/presentationml/2006/main">
-  <p:tag name="KSO_WM_UNIT_HIGHLIGHT" val="0"/>
-  <p:tag name="KSO_WM_UNIT_COMPATIBLE" val="0"/>
-  <p:tag name="KSO_WM_UNIT_DIAGRAM_ISNUMVISUAL" val="0"/>
-  <p:tag name="KSO_WM_UNIT_DIAGRAM_ISREFERUNIT" val="0"/>
-  <p:tag name="KSO_WM_UNIT_ID" val="_9**"/>
-  <p:tag name="KSO_WM_UNIT_LAYERLEVEL" val="1"/>
-  <p:tag name="KSO_WM_TAG_VERSION" val="1.0"/>
-  <p:tag name="KSO_WM_BEAUTIFY_FLAG" val="#wm#"/>
-</p:tagLst>
-</file>
-
-<file path=ppt/tags/tag52.xml><?xml version="1.0" encoding="utf-8"?>
-<p:tagLst xmlns:a="http://schemas.openxmlformats.org/drawingml/2006/main" xmlns:r="http://schemas.openxmlformats.org/officeDocument/2006/relationships" xmlns:p="http://schemas.openxmlformats.org/presentationml/2006/main">
-  <p:tag name="KSO_WM_UNIT_HIGHLIGHT" val="0"/>
-  <p:tag name="KSO_WM_UNIT_COMPATIBLE" val="0"/>
-  <p:tag name="KSO_WM_UNIT_DIAGRAM_ISNUMVISUAL" val="0"/>
-  <p:tag name="KSO_WM_UNIT_DIAGRAM_ISREFERUNIT" val="0"/>
-  <p:tag name="KSO_WM_UNIT_ID" val="_9**"/>
-  <p:tag name="KSO_WM_UNIT_LAYERLEVEL" val="1"/>
-  <p:tag name="KSO_WM_TAG_VERSION" val="1.0"/>
-  <p:tag name="KSO_WM_BEAUTIFY_FLAG" val="#wm#"/>
-</p:tagLst>
-</file>
-
-<file path=ppt/tags/tag53.xml><?xml version="1.0" encoding="utf-8"?>
-<p:tagLst xmlns:a="http://schemas.openxmlformats.org/drawingml/2006/main" xmlns:r="http://schemas.openxmlformats.org/officeDocument/2006/relationships" xmlns:p="http://schemas.openxmlformats.org/presentationml/2006/main">
-  <p:tag name="KSO_WM_UNIT_HIGHLIGHT" val="0"/>
-  <p:tag name="KSO_WM_UNIT_COMPATIBLE" val="0"/>
-  <p:tag name="KSO_WM_UNIT_DIAGRAM_ISNUMVISUAL" val="0"/>
-  <p:tag name="KSO_WM_UNIT_DIAGRAM_ISREFERUNIT" val="0"/>
-  <p:tag name="KSO_WM_UNIT_ID" val="_9**"/>
-  <p:tag name="KSO_WM_UNIT_LAYERLEVEL" val="1"/>
-  <p:tag name="KSO_WM_TAG_VERSION" val="1.0"/>
-  <p:tag name="KSO_WM_BEAUTIFY_FLAG" val="#wm#"/>
-</p:tagLst>
-</file>
-
-<file path=ppt/tags/tag54.xml><?xml version="1.0" encoding="utf-8"?>
-<p:tagLst xmlns:a="http://schemas.openxmlformats.org/drawingml/2006/main" xmlns:r="http://schemas.openxmlformats.org/officeDocument/2006/relationships" xmlns:p="http://schemas.openxmlformats.org/presentationml/2006/main">
-  <p:tag name="KSO_WM_UNIT_HIGHLIGHT" val="0"/>
-  <p:tag name="KSO_WM_UNIT_COMPATIBLE" val="0"/>
-  <p:tag name="KSO_WM_UNIT_DIAGRAM_ISNUMVISUAL" val="0"/>
-  <p:tag name="KSO_WM_UNIT_DIAGRAM_ISREFERUNIT" val="0"/>
-  <p:tag name="KSO_WM_UNIT_ID" val="_9**"/>
-  <p:tag name="KSO_WM_UNIT_LAYERLEVEL" val="1"/>
-  <p:tag name="KSO_WM_TAG_VERSION" val="1.0"/>
-  <p:tag name="KSO_WM_BEAUTIFY_FLAG" val="#wm#"/>
-</p:tagLst>
-</file>
-
-<file path=ppt/tags/tag55.xml><?xml version="1.0" encoding="utf-8"?>
-<p:tagLst xmlns:a="http://schemas.openxmlformats.org/drawingml/2006/main" xmlns:r="http://schemas.openxmlformats.org/officeDocument/2006/relationships" xmlns:p="http://schemas.openxmlformats.org/presentationml/2006/main">
-  <p:tag name="KSO_WM_UNIT_HIGHLIGHT" val="0"/>
-  <p:tag name="KSO_WM_UNIT_COMPATIBLE" val="0"/>
-  <p:tag name="KSO_WM_UNIT_DIAGRAM_ISNUMVISUAL" val="0"/>
-  <p:tag name="KSO_WM_UNIT_DIAGRAM_ISREFERUNIT" val="0"/>
-  <p:tag name="KSO_WM_UNIT_ID" val="_10**"/>
-  <p:tag name="KSO_WM_UNIT_LAYERLEVEL" val="1"/>
-  <p:tag name="KSO_WM_TAG_VERSION" val="1.0"/>
-  <p:tag name="KSO_WM_BEAUTIFY_FLAG" val="#wm#"/>
-</p:tagLst>
-</file>
-
-<file path=ppt/tags/tag56.xml><?xml version="1.0" encoding="utf-8"?>
-<p:tagLst xmlns:a="http://schemas.openxmlformats.org/drawingml/2006/main" xmlns:r="http://schemas.openxmlformats.org/officeDocument/2006/relationships" xmlns:p="http://schemas.openxmlformats.org/presentationml/2006/main">
-  <p:tag name="KSO_WM_UNIT_HIGHLIGHT" val="0"/>
-  <p:tag name="KSO_WM_UNIT_COMPATIBLE" val="0"/>
-  <p:tag name="KSO_WM_UNIT_DIAGRAM_ISNUMVISUAL" val="0"/>
-  <p:tag name="KSO_WM_UNIT_DIAGRAM_ISREFERUNIT" val="0"/>
-  <p:tag name="KSO_WM_UNIT_ID" val="_10**"/>
-  <p:tag name="KSO_WM_UNIT_LAYERLEVEL" val="1"/>
-  <p:tag name="KSO_WM_TAG_VERSION" val="1.0"/>
-  <p:tag name="KSO_WM_BEAUTIFY_FLAG" val="#wm#"/>
-</p:tagLst>
-</file>
-
-<file path=ppt/tags/tag57.xml><?xml version="1.0" encoding="utf-8"?>
-<p:tagLst xmlns:a="http://schemas.openxmlformats.org/drawingml/2006/main" xmlns:r="http://schemas.openxmlformats.org/officeDocument/2006/relationships" xmlns:p="http://schemas.openxmlformats.org/presentationml/2006/main">
-  <p:tag name="KSO_WM_UNIT_HIGHLIGHT" val="0"/>
-  <p:tag name="KSO_WM_UNIT_COMPATIBLE" val="0"/>
-  <p:tag name="KSO_WM_UNIT_DIAGRAM_ISNUMVISUAL" val="0"/>
-  <p:tag name="KSO_WM_UNIT_DIAGRAM_ISREFERUNIT" val="0"/>
-  <p:tag name="KSO_WM_UNIT_ID" val="_10**"/>
-  <p:tag name="KSO_WM_UNIT_LAYERLEVEL" val="1"/>
-  <p:tag name="KSO_WM_TAG_VERSION" val="1.0"/>
-  <p:tag name="KSO_WM_BEAUTIFY_FLAG" val="#wm#"/>
-</p:tagLst>
-</file>
-
-<file path=ppt/tags/tag58.xml><?xml version="1.0" encoding="utf-8"?>
-<p:tagLst xmlns:a="http://schemas.openxmlformats.org/drawingml/2006/main" xmlns:r="http://schemas.openxmlformats.org/officeDocument/2006/relationships" xmlns:p="http://schemas.openxmlformats.org/presentationml/2006/main">
-  <p:tag name="KSO_WM_UNIT_HIGHLIGHT" val="0"/>
-  <p:tag name="KSO_WM_UNIT_COMPATIBLE" val="0"/>
-  <p:tag name="KSO_WM_UNIT_DIAGRAM_ISNUMVISUAL" val="0"/>
-  <p:tag name="KSO_WM_UNIT_DIAGRAM_ISREFERUNIT" val="0"/>
-  <p:tag name="KSO_WM_UNIT_ID" val="_10**"/>
-  <p:tag name="KSO_WM_UNIT_LAYERLEVEL" val="1"/>
-  <p:tag name="KSO_WM_TAG_VERSION" val="1.0"/>
-  <p:tag name="KSO_WM_BEAUTIFY_FLAG" val="#wm#"/>
-</p:tagLst>
-</file>
-
-<file path=ppt/tags/tag59.xml><?xml version="1.0" encoding="utf-8"?>
-<p:tagLst xmlns:a="http://schemas.openxmlformats.org/drawingml/2006/main" xmlns:r="http://schemas.openxmlformats.org/officeDocument/2006/relationships" xmlns:p="http://schemas.openxmlformats.org/presentationml/2006/main">
-  <p:tag name="KSO_WM_UNIT_HIGHLIGHT" val="0"/>
-  <p:tag name="KSO_WM_UNIT_COMPATIBLE" val="0"/>
-  <p:tag name="KSO_WM_UNIT_DIAGRAM_ISNUMVISUAL" val="0"/>
-  <p:tag name="KSO_WM_UNIT_DIAGRAM_ISREFERUNIT" val="0"/>
-  <p:tag name="KSO_WM_UNIT_ID" val="_11**"/>
-  <p:tag name="KSO_WM_UNIT_LAYERLEVEL" val="1"/>
-  <p:tag name="KSO_WM_TAG_VERSION" val="1.0"/>
-  <p:tag name="KSO_WM_BEAUTIFY_FLAG" val="#wm#"/>
-</p:tagLst>
-</file>
-
-<file path=ppt/tags/tag6.xml><?xml version="1.0" encoding="utf-8"?>
-<p:tagLst xmlns:a="http://schemas.openxmlformats.org/drawingml/2006/main" xmlns:r="http://schemas.openxmlformats.org/officeDocument/2006/relationships" xmlns:p="http://schemas.openxmlformats.org/presentationml/2006/main">
+<file path=ppt/tags/tag60.xml><?xml version="1.0" encoding="utf-8"?>
+<p:tagLst xmlns:p="http://schemas.openxmlformats.org/presentationml/2006/main">
   <p:tag name="KSO_WM_UNIT_HIGHLIGHT" val="0"/>
   <p:tag name="KSO_WM_UNIT_COMPATIBLE" val="0"/>
   <p:tag name="KSO_WM_UNIT_DIAGRAM_ISNUMVISUAL" val="0"/>
@@ -15250,99 +15691,8 @@
 </p:tagLst>
 </file>
 
-<file path=ppt/tags/tag60.xml><?xml version="1.0" encoding="utf-8"?>
-<p:tagLst xmlns:a="http://schemas.openxmlformats.org/drawingml/2006/main" xmlns:r="http://schemas.openxmlformats.org/officeDocument/2006/relationships" xmlns:p="http://schemas.openxmlformats.org/presentationml/2006/main">
-  <p:tag name="KSO_WM_UNIT_HIGHLIGHT" val="0"/>
-  <p:tag name="KSO_WM_UNIT_COMPATIBLE" val="0"/>
-  <p:tag name="KSO_WM_UNIT_DIAGRAM_ISNUMVISUAL" val="0"/>
-  <p:tag name="KSO_WM_UNIT_DIAGRAM_ISREFERUNIT" val="0"/>
-  <p:tag name="KSO_WM_UNIT_ID" val="_11**"/>
-  <p:tag name="KSO_WM_UNIT_LAYERLEVEL" val="1"/>
-  <p:tag name="KSO_WM_TAG_VERSION" val="1.0"/>
-  <p:tag name="KSO_WM_BEAUTIFY_FLAG" val="#wm#"/>
-</p:tagLst>
-</file>
-
 <file path=ppt/tags/tag61.xml><?xml version="1.0" encoding="utf-8"?>
-<p:tagLst xmlns:a="http://schemas.openxmlformats.org/drawingml/2006/main" xmlns:r="http://schemas.openxmlformats.org/officeDocument/2006/relationships" xmlns:p="http://schemas.openxmlformats.org/presentationml/2006/main">
-  <p:tag name="KSO_WM_UNIT_HIGHLIGHT" val="0"/>
-  <p:tag name="KSO_WM_UNIT_COMPATIBLE" val="0"/>
-  <p:tag name="KSO_WM_UNIT_DIAGRAM_ISNUMVISUAL" val="0"/>
-  <p:tag name="KSO_WM_UNIT_DIAGRAM_ISREFERUNIT" val="0"/>
-  <p:tag name="KSO_WM_UNIT_ID" val="_11**"/>
-  <p:tag name="KSO_WM_UNIT_LAYERLEVEL" val="1"/>
-  <p:tag name="KSO_WM_TAG_VERSION" val="1.0"/>
-  <p:tag name="KSO_WM_BEAUTIFY_FLAG" val="#wm#"/>
-</p:tagLst>
-</file>
-
-<file path=ppt/tags/tag62.xml><?xml version="1.0" encoding="utf-8"?>
-<p:tagLst xmlns:a="http://schemas.openxmlformats.org/drawingml/2006/main" xmlns:r="http://schemas.openxmlformats.org/officeDocument/2006/relationships" xmlns:p="http://schemas.openxmlformats.org/presentationml/2006/main">
-  <p:tag name="KSO_WM_UNIT_HIGHLIGHT" val="0"/>
-  <p:tag name="KSO_WM_UNIT_COMPATIBLE" val="0"/>
-  <p:tag name="KSO_WM_UNIT_DIAGRAM_ISNUMVISUAL" val="0"/>
-  <p:tag name="KSO_WM_UNIT_DIAGRAM_ISREFERUNIT" val="0"/>
-  <p:tag name="KSO_WM_UNIT_ID" val="_11**"/>
-  <p:tag name="KSO_WM_UNIT_LAYERLEVEL" val="1"/>
-  <p:tag name="KSO_WM_TAG_VERSION" val="1.0"/>
-  <p:tag name="KSO_WM_BEAUTIFY_FLAG" val="#wm#"/>
-</p:tagLst>
-</file>
-
-<file path=ppt/tags/tag63.xml><?xml version="1.0" encoding="utf-8"?>
-<p:tagLst xmlns:a="http://schemas.openxmlformats.org/drawingml/2006/main" xmlns:r="http://schemas.openxmlformats.org/officeDocument/2006/relationships" xmlns:p="http://schemas.openxmlformats.org/presentationml/2006/main">
-  <p:tag name="KSO_WM_UNIT_HIGHLIGHT" val="0"/>
-  <p:tag name="KSO_WM_UNIT_COMPATIBLE" val="0"/>
-  <p:tag name="KSO_WM_UNIT_DIAGRAM_ISNUMVISUAL" val="0"/>
-  <p:tag name="KSO_WM_UNIT_DIAGRAM_ISREFERUNIT" val="0"/>
-  <p:tag name="KSO_WM_UNIT_ID" val="_11**"/>
-  <p:tag name="KSO_WM_UNIT_LAYERLEVEL" val="1"/>
-  <p:tag name="KSO_WM_TAG_VERSION" val="1.0"/>
-  <p:tag name="KSO_WM_BEAUTIFY_FLAG" val="#wm#"/>
-</p:tagLst>
-</file>
-
-<file path=ppt/tags/tag64.xml><?xml version="1.0" encoding="utf-8"?>
-<p:tagLst xmlns:a="http://schemas.openxmlformats.org/drawingml/2006/main" xmlns:r="http://schemas.openxmlformats.org/officeDocument/2006/relationships" xmlns:p="http://schemas.openxmlformats.org/presentationml/2006/main">
-  <p:tag name="KSO_WM_BEAUTIFY_FLAG" val="#wm#"/>
-  <p:tag name="KSO_WM_TEMPLATE_CATEGORY" val="custom"/>
-  <p:tag name="KSO_WM_TEMPLATE_INDEX" val="20205081"/>
-  <p:tag name="KSO_WM_SPECIAL_SOURCE" val="bdnull"/>
-</p:tagLst>
-</file>
-
-<file path=ppt/tags/tag65.xml><?xml version="1.0" encoding="utf-8"?>
-<p:tagLst xmlns:a="http://schemas.openxmlformats.org/drawingml/2006/main" xmlns:r="http://schemas.openxmlformats.org/officeDocument/2006/relationships" xmlns:p="http://schemas.openxmlformats.org/presentationml/2006/main">
-  <p:tag name="KSO_WM_SPECIAL_SOURCE" val="bdnull"/>
-</p:tagLst>
-</file>
-
-<file path=ppt/tags/tag66.xml><?xml version="1.0" encoding="utf-8"?>
-<p:tagLst xmlns:a="http://schemas.openxmlformats.org/drawingml/2006/main" xmlns:r="http://schemas.openxmlformats.org/officeDocument/2006/relationships" xmlns:p="http://schemas.openxmlformats.org/presentationml/2006/main">
-  <p:tag name="KSO_WM_BEAUTIFY_FLAG" val=""/>
-</p:tagLst>
-</file>
-
-<file path=ppt/tags/tag67.xml><?xml version="1.0" encoding="utf-8"?>
-<p:tagLst xmlns:a="http://schemas.openxmlformats.org/drawingml/2006/main" xmlns:r="http://schemas.openxmlformats.org/officeDocument/2006/relationships" xmlns:p="http://schemas.openxmlformats.org/presentationml/2006/main">
-  <p:tag name="KSO_WM_BEAUTIFY_FLAG" val=""/>
-</p:tagLst>
-</file>
-
-<file path=ppt/tags/tag68.xml><?xml version="1.0" encoding="utf-8"?>
-<p:tagLst xmlns:a="http://schemas.openxmlformats.org/drawingml/2006/main" xmlns:r="http://schemas.openxmlformats.org/officeDocument/2006/relationships" xmlns:p="http://schemas.openxmlformats.org/presentationml/2006/main">
-  <p:tag name="KSO_WM_BEAUTIFY_FLAG" val=""/>
-</p:tagLst>
-</file>
-
-<file path=ppt/tags/tag69.xml><?xml version="1.0" encoding="utf-8"?>
-<p:tagLst xmlns:a="http://schemas.openxmlformats.org/drawingml/2006/main" xmlns:r="http://schemas.openxmlformats.org/officeDocument/2006/relationships" xmlns:p="http://schemas.openxmlformats.org/presentationml/2006/main">
-  <p:tag name="KSO_WM_BEAUTIFY_FLAG" val=""/>
-</p:tagLst>
-</file>
-
-<file path=ppt/tags/tag7.xml><?xml version="1.0" encoding="utf-8"?>
-<p:tagLst xmlns:a="http://schemas.openxmlformats.org/drawingml/2006/main" xmlns:r="http://schemas.openxmlformats.org/officeDocument/2006/relationships" xmlns:p="http://schemas.openxmlformats.org/presentationml/2006/main">
+<p:tagLst xmlns:p="http://schemas.openxmlformats.org/presentationml/2006/main">
   <p:tag name="KSO_WM_UNIT_HIGHLIGHT" val="0"/>
   <p:tag name="KSO_WM_UNIT_COMPATIBLE" val="0"/>
   <p:tag name="KSO_WM_UNIT_DIAGRAM_ISNUMVISUAL" val="0"/>
@@ -15354,26 +15704,22 @@
 </p:tagLst>
 </file>
 
-<file path=ppt/tags/tag70.xml><?xml version="1.0" encoding="utf-8"?>
-<p:tagLst xmlns:a="http://schemas.openxmlformats.org/drawingml/2006/main" xmlns:r="http://schemas.openxmlformats.org/officeDocument/2006/relationships" xmlns:p="http://schemas.openxmlformats.org/presentationml/2006/main">
-  <p:tag name="KSO_WM_SPECIAL_SOURCE" val="bdnull"/>
+<file path=ppt/tags/tag62.xml><?xml version="1.0" encoding="utf-8"?>
+<p:tagLst xmlns:p="http://schemas.openxmlformats.org/presentationml/2006/main">
+  <p:tag name="KSO_WM_TEMPLATE_THUMBS_INDEX" val="1、4、7、12、13、14、15、16、17、18、20、24、25、28、33、36、40、43、44"/>
+  <p:tag name="KSO_WM_TEMPLATE_SUBCATEGORY" val="19"/>
+  <p:tag name="KSO_WM_TAG_VERSION" val="1.0"/>
+  <p:tag name="KSO_WM_BEAUTIFY_FLAG" val="#wm#"/>
+  <p:tag name="KSO_WM_TEMPLATE_CATEGORY" val="custom"/>
+  <p:tag name="KSO_WM_TEMPLATE_INDEX" val="20205081"/>
+  <p:tag name="KSO_WM_TEMPLATE_MASTER_TYPE" val="0"/>
+  <p:tag name="KSO_WM_TEMPLATE_COLOR_TYPE" val="1"/>
+  <p:tag name="KSO_WM_UNIT_SHOW_EDIT_AREA_INDICATION" val="1"/>
 </p:tagLst>
 </file>
 
-<file path=ppt/tags/tag71.xml><?xml version="1.0" encoding="utf-8"?>
-<p:tagLst xmlns:a="http://schemas.openxmlformats.org/drawingml/2006/main" xmlns:r="http://schemas.openxmlformats.org/officeDocument/2006/relationships" xmlns:p="http://schemas.openxmlformats.org/presentationml/2006/main">
-  <p:tag name="KSO_WM_SPECIAL_SOURCE" val="bdnull"/>
-</p:tagLst>
-</file>
-
-<file path=ppt/tags/tag72.xml><?xml version="1.0" encoding="utf-8"?>
-<p:tagLst xmlns:a="http://schemas.openxmlformats.org/drawingml/2006/main" xmlns:r="http://schemas.openxmlformats.org/officeDocument/2006/relationships" xmlns:p="http://schemas.openxmlformats.org/presentationml/2006/main">
-  <p:tag name="KSO_WM_SPECIAL_SOURCE" val="bdnull"/>
-</p:tagLst>
-</file>
-
-<file path=ppt/tags/tag73.xml><?xml version="1.0" encoding="utf-8"?>
-<p:tagLst xmlns:a="http://schemas.openxmlformats.org/drawingml/2006/main" xmlns:r="http://schemas.openxmlformats.org/officeDocument/2006/relationships" xmlns:p="http://schemas.openxmlformats.org/presentationml/2006/main">
+<file path=ppt/tags/tag63.xml><?xml version="1.0" encoding="utf-8"?>
+<p:tagLst xmlns:p="http://schemas.openxmlformats.org/presentationml/2006/main">
   <p:tag name="KSO_WM_BEAUTIFY_FLAG" val="#wm#"/>
   <p:tag name="KSO_WM_TEMPLATE_CATEGORY" val="custom"/>
   <p:tag name="KSO_WM_TEMPLATE_INDEX" val="20205081"/>
@@ -15381,49 +15727,125 @@
 </p:tagLst>
 </file>
 
-<file path=ppt/tags/tag74.xml><?xml version="1.0" encoding="utf-8"?>
-<p:tagLst xmlns:a="http://schemas.openxmlformats.org/drawingml/2006/main" xmlns:r="http://schemas.openxmlformats.org/officeDocument/2006/relationships" xmlns:p="http://schemas.openxmlformats.org/presentationml/2006/main">
+<file path=ppt/tags/tag64.xml><?xml version="1.0" encoding="utf-8"?>
+<p:tagLst xmlns:p="http://schemas.openxmlformats.org/presentationml/2006/main">
+  <p:tag name="KSO_WM_BEAUTIFY_FLAG" val=""/>
+</p:tagLst>
+</file>
+
+<file path=ppt/tags/tag65.xml><?xml version="1.0" encoding="utf-8"?>
+<p:tagLst xmlns:p="http://schemas.openxmlformats.org/presentationml/2006/main">
+  <p:tag name="KSO_WM_BEAUTIFY_FLAG" val=""/>
+</p:tagLst>
+</file>
+
+<file path=ppt/tags/tag66.xml><?xml version="1.0" encoding="utf-8"?>
+<p:tagLst xmlns:p="http://schemas.openxmlformats.org/presentationml/2006/main">
+  <p:tag name="KSO_WM_BEAUTIFY_FLAG" val=""/>
+</p:tagLst>
+</file>
+
+<file path=ppt/tags/tag67.xml><?xml version="1.0" encoding="utf-8"?>
+<p:tagLst xmlns:p="http://schemas.openxmlformats.org/presentationml/2006/main">
+  <p:tag name="KSO_WM_BEAUTIFY_FLAG" val=""/>
+</p:tagLst>
+</file>
+
+<file path=ppt/tags/tag68.xml><?xml version="1.0" encoding="utf-8"?>
+<p:tagLst xmlns:p="http://schemas.openxmlformats.org/presentationml/2006/main">
   <p:tag name="KSO_WM_SPECIAL_SOURCE" val="bdnull"/>
 </p:tagLst>
 </file>
 
+<file path=ppt/tags/tag69.xml><?xml version="1.0" encoding="utf-8"?>
+<p:tagLst xmlns:p="http://schemas.openxmlformats.org/presentationml/2006/main">
+  <p:tag name="KSO_WM_SPECIAL_SOURCE" val="bdnull"/>
+</p:tagLst>
+</file>
+
+<file path=ppt/tags/tag7.xml><?xml version="1.0" encoding="utf-8"?>
+<p:tagLst xmlns:p="http://schemas.openxmlformats.org/presentationml/2006/main">
+  <p:tag name="KSO_WM_UNIT_HIGHLIGHT" val="0"/>
+  <p:tag name="KSO_WM_UNIT_COMPATIBLE" val="0"/>
+  <p:tag name="KSO_WM_UNIT_DIAGRAM_ISNUMVISUAL" val="0"/>
+  <p:tag name="KSO_WM_UNIT_DIAGRAM_ISREFERUNIT" val="0"/>
+  <p:tag name="KSO_WM_UNIT_ID" val="_2**"/>
+  <p:tag name="KSO_WM_UNIT_LAYERLEVEL" val="1"/>
+  <p:tag name="KSO_WM_TAG_VERSION" val="1.0"/>
+  <p:tag name="KSO_WM_BEAUTIFY_FLAG" val="#wm#"/>
+</p:tagLst>
+</file>
+
+<file path=ppt/tags/tag70.xml><?xml version="1.0" encoding="utf-8"?>
+<p:tagLst xmlns:p="http://schemas.openxmlformats.org/presentationml/2006/main">
+  <p:tag name="KSO_WM_SPECIAL_SOURCE" val="bdnull"/>
+</p:tagLst>
+</file>
+
+<file path=ppt/tags/tag71.xml><?xml version="1.0" encoding="utf-8"?>
+<p:tagLst xmlns:p="http://schemas.openxmlformats.org/presentationml/2006/main">
+  <p:tag name="KSO_WM_SPECIAL_SOURCE" val="bdnull"/>
+</p:tagLst>
+</file>
+
+<file path=ppt/tags/tag72.xml><?xml version="1.0" encoding="utf-8"?>
+<p:tagLst xmlns:p="http://schemas.openxmlformats.org/presentationml/2006/main">
+  <p:tag name="KSO_WM_BEAUTIFY_FLAG" val="#wm#"/>
+  <p:tag name="KSO_WM_TEMPLATE_CATEGORY" val="custom"/>
+  <p:tag name="KSO_WM_TEMPLATE_INDEX" val="20205081"/>
+  <p:tag name="KSO_WM_SPECIAL_SOURCE" val="bdnull"/>
+</p:tagLst>
+</file>
+
+<file path=ppt/tags/tag73.xml><?xml version="1.0" encoding="utf-8"?>
+<p:tagLst xmlns:p="http://schemas.openxmlformats.org/presentationml/2006/main">
+  <p:tag name="KSO_WM_BEAUTIFY_FLAG" val=""/>
+</p:tagLst>
+</file>
+
+<file path=ppt/tags/tag74.xml><?xml version="1.0" encoding="utf-8"?>
+<p:tagLst xmlns:p="http://schemas.openxmlformats.org/presentationml/2006/main">
+  <p:tag name="KSO_WM_BEAUTIFY_FLAG" val=""/>
+</p:tagLst>
+</file>
+
 <file path=ppt/tags/tag75.xml><?xml version="1.0" encoding="utf-8"?>
-<p:tagLst xmlns:a="http://schemas.openxmlformats.org/drawingml/2006/main" xmlns:r="http://schemas.openxmlformats.org/officeDocument/2006/relationships" xmlns:p="http://schemas.openxmlformats.org/presentationml/2006/main">
+<p:tagLst xmlns:p="http://schemas.openxmlformats.org/presentationml/2006/main">
   <p:tag name="KSO_WM_BEAUTIFY_FLAG" val=""/>
 </p:tagLst>
 </file>
 
 <file path=ppt/tags/tag76.xml><?xml version="1.0" encoding="utf-8"?>
-<p:tagLst xmlns:a="http://schemas.openxmlformats.org/drawingml/2006/main" xmlns:r="http://schemas.openxmlformats.org/officeDocument/2006/relationships" xmlns:p="http://schemas.openxmlformats.org/presentationml/2006/main">
+<p:tagLst xmlns:p="http://schemas.openxmlformats.org/presentationml/2006/main">
   <p:tag name="KSO_WM_BEAUTIFY_FLAG" val=""/>
 </p:tagLst>
 </file>
 
 <file path=ppt/tags/tag77.xml><?xml version="1.0" encoding="utf-8"?>
-<p:tagLst xmlns:a="http://schemas.openxmlformats.org/drawingml/2006/main" xmlns:r="http://schemas.openxmlformats.org/officeDocument/2006/relationships" xmlns:p="http://schemas.openxmlformats.org/presentationml/2006/main">
+<p:tagLst xmlns:p="http://schemas.openxmlformats.org/presentationml/2006/main">
   <p:tag name="KSO_WM_BEAUTIFY_FLAG" val=""/>
 </p:tagLst>
 </file>
 
 <file path=ppt/tags/tag78.xml><?xml version="1.0" encoding="utf-8"?>
-<p:tagLst xmlns:a="http://schemas.openxmlformats.org/drawingml/2006/main" xmlns:r="http://schemas.openxmlformats.org/officeDocument/2006/relationships" xmlns:p="http://schemas.openxmlformats.org/presentationml/2006/main">
+<p:tagLst xmlns:p="http://schemas.openxmlformats.org/presentationml/2006/main">
   <p:tag name="KSO_WM_BEAUTIFY_FLAG" val=""/>
 </p:tagLst>
 </file>
 
 <file path=ppt/tags/tag79.xml><?xml version="1.0" encoding="utf-8"?>
-<p:tagLst xmlns:a="http://schemas.openxmlformats.org/drawingml/2006/main" xmlns:r="http://schemas.openxmlformats.org/officeDocument/2006/relationships" xmlns:p="http://schemas.openxmlformats.org/presentationml/2006/main">
+<p:tagLst xmlns:p="http://schemas.openxmlformats.org/presentationml/2006/main">
   <p:tag name="KSO_WM_BEAUTIFY_FLAG" val=""/>
 </p:tagLst>
 </file>
 
 <file path=ppt/tags/tag8.xml><?xml version="1.0" encoding="utf-8"?>
-<p:tagLst xmlns:a="http://schemas.openxmlformats.org/drawingml/2006/main" xmlns:r="http://schemas.openxmlformats.org/officeDocument/2006/relationships" xmlns:p="http://schemas.openxmlformats.org/presentationml/2006/main">
+<p:tagLst xmlns:p="http://schemas.openxmlformats.org/presentationml/2006/main">
   <p:tag name="KSO_WM_UNIT_HIGHLIGHT" val="0"/>
   <p:tag name="KSO_WM_UNIT_COMPATIBLE" val="0"/>
   <p:tag name="KSO_WM_UNIT_DIAGRAM_ISNUMVISUAL" val="0"/>
   <p:tag name="KSO_WM_UNIT_DIAGRAM_ISREFERUNIT" val="0"/>
-  <p:tag name="KSO_WM_UNIT_ID" val="_1**"/>
+  <p:tag name="KSO_WM_UNIT_ID" val="_2**"/>
   <p:tag name="KSO_WM_UNIT_LAYERLEVEL" val="1"/>
   <p:tag name="KSO_WM_TAG_VERSION" val="1.0"/>
   <p:tag name="KSO_WM_BEAUTIFY_FLAG" val="#wm#"/>
@@ -15431,48 +15853,49 @@
 </file>
 
 <file path=ppt/tags/tag80.xml><?xml version="1.0" encoding="utf-8"?>
-<p:tagLst xmlns:a="http://schemas.openxmlformats.org/drawingml/2006/main" xmlns:r="http://schemas.openxmlformats.org/officeDocument/2006/relationships" xmlns:p="http://schemas.openxmlformats.org/presentationml/2006/main">
+<p:tagLst xmlns:p="http://schemas.openxmlformats.org/presentationml/2006/main">
   <p:tag name="KSO_WM_BEAUTIFY_FLAG" val=""/>
 </p:tagLst>
 </file>
 
 <file path=ppt/tags/tag81.xml><?xml version="1.0" encoding="utf-8"?>
-<p:tagLst xmlns:a="http://schemas.openxmlformats.org/drawingml/2006/main" xmlns:r="http://schemas.openxmlformats.org/officeDocument/2006/relationships" xmlns:p="http://schemas.openxmlformats.org/presentationml/2006/main">
+<p:tagLst xmlns:p="http://schemas.openxmlformats.org/presentationml/2006/main">
   <p:tag name="KSO_WM_BEAUTIFY_FLAG" val=""/>
 </p:tagLst>
 </file>
 
 <file path=ppt/tags/tag82.xml><?xml version="1.0" encoding="utf-8"?>
-<p:tagLst xmlns:a="http://schemas.openxmlformats.org/drawingml/2006/main" xmlns:r="http://schemas.openxmlformats.org/officeDocument/2006/relationships" xmlns:p="http://schemas.openxmlformats.org/presentationml/2006/main">
+<p:tagLst xmlns:p="http://schemas.openxmlformats.org/presentationml/2006/main">
   <p:tag name="KSO_WM_BEAUTIFY_FLAG" val=""/>
 </p:tagLst>
 </file>
 
 <file path=ppt/tags/tag83.xml><?xml version="1.0" encoding="utf-8"?>
-<p:tagLst xmlns:a="http://schemas.openxmlformats.org/drawingml/2006/main" xmlns:r="http://schemas.openxmlformats.org/officeDocument/2006/relationships" xmlns:p="http://schemas.openxmlformats.org/presentationml/2006/main">
+<p:tagLst xmlns:p="http://schemas.openxmlformats.org/presentationml/2006/main">
   <p:tag name="KSO_WM_BEAUTIFY_FLAG" val=""/>
 </p:tagLst>
 </file>
 
 <file path=ppt/tags/tag84.xml><?xml version="1.0" encoding="utf-8"?>
-<p:tagLst xmlns:a="http://schemas.openxmlformats.org/drawingml/2006/main" xmlns:r="http://schemas.openxmlformats.org/officeDocument/2006/relationships" xmlns:p="http://schemas.openxmlformats.org/presentationml/2006/main">
-  <p:tag name="KSO_WM_BEAUTIFY_FLAG" val=""/>
+<p:tagLst xmlns:p="http://schemas.openxmlformats.org/presentationml/2006/main">
+  <p:tag name="KSO_WM_SPECIAL_SOURCE" val="bdnull"/>
 </p:tagLst>
 </file>
 
 <file path=ppt/tags/tag85.xml><?xml version="1.0" encoding="utf-8"?>
-<p:tagLst xmlns:a="http://schemas.openxmlformats.org/drawingml/2006/main" xmlns:r="http://schemas.openxmlformats.org/officeDocument/2006/relationships" xmlns:p="http://schemas.openxmlformats.org/presentationml/2006/main">
-  <p:tag name="KSO_WM_BEAUTIFY_FLAG" val=""/>
+<p:tagLst xmlns:p="http://schemas.openxmlformats.org/presentationml/2006/main">
+  <p:tag name="COMMONDATA" val="eyJoZGlkIjoiM2IzMmE0ZjYzMTJhMTJkZGUyZWQxNGQ0YzBhN2IzOWYifQ=="/>
+  <p:tag name="KSO_DOCER_TEMPLATE_OPEN_ONCE_MARK" val="1"/>
 </p:tagLst>
 </file>
 
 <file path=ppt/tags/tag9.xml><?xml version="1.0" encoding="utf-8"?>
-<p:tagLst xmlns:a="http://schemas.openxmlformats.org/drawingml/2006/main" xmlns:r="http://schemas.openxmlformats.org/officeDocument/2006/relationships" xmlns:p="http://schemas.openxmlformats.org/presentationml/2006/main">
+<p:tagLst xmlns:p="http://schemas.openxmlformats.org/presentationml/2006/main">
   <p:tag name="KSO_WM_UNIT_HIGHLIGHT" val="0"/>
   <p:tag name="KSO_WM_UNIT_COMPATIBLE" val="0"/>
   <p:tag name="KSO_WM_UNIT_DIAGRAM_ISNUMVISUAL" val="0"/>
   <p:tag name="KSO_WM_UNIT_DIAGRAM_ISREFERUNIT" val="0"/>
-  <p:tag name="KSO_WM_UNIT_ID" val="_1**"/>
+  <p:tag name="KSO_WM_UNIT_ID" val="_2**"/>
   <p:tag name="KSO_WM_UNIT_LAYERLEVEL" val="1"/>
   <p:tag name="KSO_WM_TAG_VERSION" val="1.0"/>
   <p:tag name="KSO_WM_BEAUTIFY_FLAG" val="#wm#"/>
@@ -15709,7 +16132,6 @@
       </a:lstStyle>
     </a:txDef>
   </a:objectDefaults>
-  <a:extraClrSchemeLst/>
   <a:extLst>
     <a:ext uri="{05A4C25C-085E-4340-85A3-A5531E510DB2}">
       <thm15:themeFamily xmlns:thm15="http://schemas.microsoft.com/office/thememl/2012/main" name="Office Theme" id="{62F939B6-93AF-4DB8-9C6B-D6C7DFDC589F}" vid="{4A3C46E8-61CC-4603-A589-7422A47A8E4A}"/>
@@ -15969,8 +16391,6 @@
       </a:bgFillStyleLst>
     </a:fmtScheme>
   </a:themeElements>
-  <a:objectDefaults/>
-  <a:extraClrSchemeLst/>
   <a:extLst>
     <a:ext uri="{05A4C25C-085E-4340-85A3-A5531E510DB2}">
       <thm15:themeFamily xmlns:thm15="http://schemas.microsoft.com/office/thememl/2012/main" name="Office Theme" id="{62F939B6-93AF-4DB8-9C6B-D6C7DFDC589F}" vid="{4A3C46E8-61CC-4603-A589-7422A47A8E4A}"/>

--- a/latex/fig/brain_inspired.pptx
+++ b/latex/fig/brain_inspired.pptx
@@ -4321,8 +4321,8 @@
         </p:blipFill>
         <p:spPr>
           <a:xfrm>
-            <a:off x="2382946" y="2858542"/>
-            <a:ext cx="653415" cy="527685"/>
+            <a:off x="2503805" y="2823845"/>
+            <a:ext cx="532765" cy="430530"/>
           </a:xfrm>
           <a:prstGeom prst="rect">
             <a:avLst/>
@@ -5193,7 +5193,7 @@
         </p:blipFill>
         <p:spPr>
           <a:xfrm>
-            <a:off x="2396071" y="3827440"/>
+            <a:off x="2340191" y="3908720"/>
             <a:ext cx="653415" cy="527685"/>
           </a:xfrm>
           <a:prstGeom prst="rect">
@@ -7522,7 +7522,7 @@
                 <a:latin typeface="Times New Roman" panose="02020603050405020304" charset="0"/>
                 <a:cs typeface="Times New Roman" panose="02020603050405020304" charset="0"/>
               </a:rPr>
-              <a:t>Recognition Embedding</a:t>
+              <a:t>Positional Embedding</a:t>
             </a:r>
             <a:endParaRPr lang="en-US" altLang="zh-CN" sz="1000" dirty="0">
               <a:latin typeface="Times New Roman" panose="02020603050405020304" charset="0"/>
@@ -8089,7 +8089,7 @@
         <p:spPr>
           <a:xfrm>
             <a:off x="5084487" y="3635454"/>
-            <a:ext cx="360045" cy="246221"/>
+            <a:ext cx="360045" cy="245110"/>
           </a:xfrm>
           <a:prstGeom prst="rect">
             <a:avLst/>
@@ -8115,9 +8115,9 @@
                 <a:latin typeface="Times New Roman" panose="02020603050405020304" charset="0"/>
                 <a:cs typeface="Times New Roman" panose="02020603050405020304" charset="0"/>
               </a:rPr>
-              <a:t>R</a:t>
-            </a:r>
-            <a:endParaRPr lang="zh-CN" altLang="en-US" sz="1000" baseline="-25000" dirty="0">
+              <a:t>V</a:t>
+            </a:r>
+            <a:endParaRPr lang="en-US" altLang="zh-CN" sz="1000" baseline="-25000" dirty="0">
               <a:latin typeface="Times New Roman" panose="02020603050405020304" charset="0"/>
               <a:cs typeface="Times New Roman" panose="02020603050405020304" charset="0"/>
             </a:endParaRPr>
@@ -8479,7 +8479,7 @@
               <a:blipFill rotWithShape="1">
                 <a:blip r:embed="rId8"/>
                 <a:stretch>
-                  <a:fillRect l="-153" t="-111" r="153" b="111"/>
+                  <a:fillRect l="-153" t="-110" r="153" b="110"/>
                 </a:stretch>
               </a:blipFill>
               <a:ln>
@@ -8628,6 +8628,49 @@
           </p:sp>
         </mc:Fallback>
       </mc:AlternateContent>
+      <p:sp>
+        <p:nvSpPr>
+          <p:cNvPr id="25" name="文本框 24"/>
+          <p:cNvSpPr txBox="1"/>
+          <p:nvPr/>
+        </p:nvSpPr>
+        <p:spPr>
+          <a:xfrm>
+            <a:off x="3079952" y="2973791"/>
+            <a:ext cx="360045" cy="245110"/>
+          </a:xfrm>
+          <a:prstGeom prst="rect">
+            <a:avLst/>
+          </a:prstGeom>
+          <a:noFill/>
+        </p:spPr>
+        <p:txBody>
+          <a:bodyPr wrap="square" rtlCol="0">
+            <a:spAutoFit/>
+          </a:bodyPr>
+          <a:p>
+            <a:pPr algn="ctr"/>
+            <a:r>
+              <a:rPr lang="en-US" altLang="zh-CN" sz="1000" i="1" dirty="0">
+                <a:latin typeface="Times New Roman" panose="02020603050405020304" charset="0"/>
+                <a:cs typeface="Times New Roman" panose="02020603050405020304" charset="0"/>
+              </a:rPr>
+              <a:t>α</a:t>
+            </a:r>
+            <a:r>
+              <a:rPr lang="en-US" altLang="zh-CN" sz="1000" baseline="-25000" dirty="0">
+                <a:latin typeface="Times New Roman" panose="02020603050405020304" charset="0"/>
+                <a:cs typeface="Times New Roman" panose="02020603050405020304" charset="0"/>
+              </a:rPr>
+              <a:t>t</a:t>
+            </a:r>
+            <a:endParaRPr lang="zh-CN" altLang="en-US" sz="1000" baseline="-25000" dirty="0">
+              <a:latin typeface="Times New Roman" panose="02020603050405020304" charset="0"/>
+              <a:cs typeface="Times New Roman" panose="02020603050405020304" charset="0"/>
+            </a:endParaRPr>
+          </a:p>
+        </p:txBody>
+      </p:sp>
     </p:spTree>
     <p:custDataLst>
       <p:tags r:id="rId10"/>

--- a/latex/fig/brain_inspired.pptx
+++ b/latex/fig/brain_inspired.pptx
@@ -9272,7 +9272,7 @@
         </p:blipFill>
         <p:spPr>
           <a:xfrm>
-            <a:off x="1544319" y="2904000"/>
+            <a:off x="1544319" y="2656350"/>
             <a:ext cx="2907031" cy="2180273"/>
           </a:xfrm>
           <a:prstGeom prst="rect">
@@ -9302,7 +9302,7 @@
         </p:blipFill>
         <p:spPr>
           <a:xfrm>
-            <a:off x="4465321" y="2904000"/>
+            <a:off x="4465321" y="2656350"/>
             <a:ext cx="3021329" cy="2265997"/>
           </a:xfrm>
           <a:prstGeom prst="rect">
@@ -9332,7 +9332,7 @@
         </p:blipFill>
         <p:spPr>
           <a:xfrm>
-            <a:off x="7693025" y="2904000"/>
+            <a:off x="7693025" y="2656350"/>
             <a:ext cx="3025564" cy="2269173"/>
           </a:xfrm>
           <a:prstGeom prst="rect">

--- a/latex/fig/brain_inspired.pptx
+++ b/latex/fig/brain_inspired.pptx
@@ -3877,114 +3877,6 @@
       </p:pic>
       <p:sp>
         <p:nvSpPr>
-          <p:cNvPr id="43" name="文本框 42"/>
-          <p:cNvSpPr txBox="1"/>
-          <p:nvPr/>
-        </p:nvSpPr>
-        <p:spPr>
-          <a:xfrm>
-            <a:off x="3693362" y="1780358"/>
-            <a:ext cx="2499360" cy="317500"/>
-          </a:xfrm>
-          <a:prstGeom prst="rect">
-            <a:avLst/>
-          </a:prstGeom>
-          <a:noFill/>
-          <a:ln>
-            <a:noFill/>
-          </a:ln>
-        </p:spPr>
-        <p:txBody>
-          <a:bodyPr wrap="square" rtlCol="0">
-            <a:noAutofit/>
-          </a:bodyPr>
-          <a:lstStyle/>
-          <a:p>
-            <a:pPr algn="ctr"/>
-            <a:r>
-              <a:rPr lang="en-US" altLang="zh-CN" sz="1400" smtClean="0">
-                <a:latin typeface="Times New Roman" panose="02020603050405020304" charset="0"/>
-                <a:cs typeface="Times New Roman" panose="02020603050405020304" charset="0"/>
-              </a:rPr>
-              <a:t>Perception </a:t>
-            </a:r>
-            <a:endParaRPr lang="en-US" altLang="zh-CN" sz="1400" smtClean="0">
-              <a:latin typeface="Times New Roman" panose="02020603050405020304" charset="0"/>
-              <a:cs typeface="Times New Roman" panose="02020603050405020304" charset="0"/>
-            </a:endParaRPr>
-          </a:p>
-          <a:p>
-            <a:pPr algn="ctr"/>
-            <a:r>
-              <a:rPr lang="en-US" altLang="zh-CN" sz="1400" smtClean="0">
-                <a:latin typeface="Times New Roman" panose="02020603050405020304" charset="0"/>
-                <a:cs typeface="Times New Roman" panose="02020603050405020304" charset="0"/>
-              </a:rPr>
-              <a:t>Network</a:t>
-            </a:r>
-            <a:endParaRPr lang="en-US" altLang="zh-CN" sz="1400">
-              <a:latin typeface="Times New Roman" panose="02020603050405020304" charset="0"/>
-              <a:cs typeface="Times New Roman" panose="02020603050405020304" charset="0"/>
-            </a:endParaRPr>
-          </a:p>
-        </p:txBody>
-      </p:sp>
-      <p:sp>
-        <p:nvSpPr>
-          <p:cNvPr id="24" name="文本框 23"/>
-          <p:cNvSpPr txBox="1"/>
-          <p:nvPr/>
-        </p:nvSpPr>
-        <p:spPr>
-          <a:xfrm>
-            <a:off x="5345422" y="1755413"/>
-            <a:ext cx="1851660" cy="317500"/>
-          </a:xfrm>
-          <a:prstGeom prst="rect">
-            <a:avLst/>
-          </a:prstGeom>
-          <a:noFill/>
-          <a:ln>
-            <a:noFill/>
-          </a:ln>
-        </p:spPr>
-        <p:txBody>
-          <a:bodyPr wrap="square" rtlCol="0">
-            <a:noAutofit/>
-          </a:bodyPr>
-          <a:lstStyle/>
-          <a:p>
-            <a:pPr algn="ctr"/>
-            <a:r>
-              <a:rPr lang="en-US" altLang="zh-CN" sz="1400">
-                <a:latin typeface="Times New Roman" panose="02020603050405020304" charset="0"/>
-                <a:cs typeface="Times New Roman" panose="02020603050405020304" charset="0"/>
-              </a:rPr>
-              <a:t>Decision </a:t>
-            </a:r>
-            <a:endParaRPr lang="en-US" altLang="zh-CN" sz="1400" smtClean="0">
-              <a:latin typeface="Times New Roman" panose="02020603050405020304" charset="0"/>
-              <a:cs typeface="Times New Roman" panose="02020603050405020304" charset="0"/>
-            </a:endParaRPr>
-          </a:p>
-          <a:p>
-            <a:pPr algn="ctr"/>
-            <a:r>
-              <a:rPr lang="en-US" altLang="zh-CN" sz="1400" smtClean="0">
-                <a:latin typeface="Times New Roman" panose="02020603050405020304" charset="0"/>
-                <a:cs typeface="Times New Roman" panose="02020603050405020304" charset="0"/>
-              </a:rPr>
-              <a:t>Network</a:t>
-            </a:r>
-            <a:endParaRPr lang="en-US" altLang="zh-CN" sz="1400">
-              <a:latin typeface="Times New Roman" panose="02020603050405020304" charset="0"/>
-              <a:cs typeface="Times New Roman" panose="02020603050405020304" charset="0"/>
-            </a:endParaRPr>
-          </a:p>
-        </p:txBody>
-      </p:sp>
-      <p:sp>
-        <p:nvSpPr>
           <p:cNvPr id="28" name="文本框 27"/>
           <p:cNvSpPr txBox="1"/>
           <p:nvPr/>
@@ -4232,283 +4124,6 @@
           <a:xfrm>
             <a:off x="2199325" y="2668289"/>
             <a:ext cx="1327150" cy="850900"/>
-          </a:xfrm>
-          <a:prstGeom prst="roundRect">
-            <a:avLst/>
-          </a:prstGeom>
-          <a:solidFill>
-            <a:schemeClr val="accent6">
-              <a:lumMod val="20000"/>
-              <a:lumOff val="80000"/>
-              <a:alpha val="70000"/>
-            </a:schemeClr>
-          </a:solidFill>
-          <a:ln w="3175">
-            <a:solidFill>
-              <a:schemeClr val="bg1">
-                <a:lumMod val="95000"/>
-                <a:alpha val="3000"/>
-              </a:schemeClr>
-            </a:solidFill>
-          </a:ln>
-        </p:spPr>
-        <p:style>
-          <a:lnRef idx="2">
-            <a:schemeClr val="accent1">
-              <a:lumMod val="75000"/>
-            </a:schemeClr>
-          </a:lnRef>
-          <a:fillRef idx="1">
-            <a:schemeClr val="accent1"/>
-          </a:fillRef>
-          <a:effectRef idx="0">
-            <a:srgbClr val="FFFFFF"/>
-          </a:effectRef>
-          <a:fontRef idx="minor">
-            <a:schemeClr val="lt1"/>
-          </a:fontRef>
-        </p:style>
-        <p:txBody>
-          <a:bodyPr rtlCol="0" anchor="ctr"/>
-          <a:lstStyle/>
-          <a:p>
-            <a:pPr algn="ctr"/>
-            <a:endParaRPr lang="zh-CN" altLang="en-US"/>
-          </a:p>
-        </p:txBody>
-      </p:sp>
-      <p:pic>
-        <p:nvPicPr>
-          <p:cNvPr id="145" name="图片 144"/>
-          <p:cNvPicPr>
-            <a:picLocks noChangeAspect="1"/>
-          </p:cNvPicPr>
-          <p:nvPr/>
-        </p:nvPicPr>
-        <p:blipFill>
-          <a:blip r:embed="rId5">
-            <a:alphaModFix amt="22000"/>
-          </a:blip>
-          <a:stretch>
-            <a:fillRect/>
-          </a:stretch>
-        </p:blipFill>
-        <p:spPr>
-          <a:xfrm>
-            <a:off x="3162620" y="2838469"/>
-            <a:ext cx="121285" cy="141605"/>
-          </a:xfrm>
-          <a:prstGeom prst="rect">
-            <a:avLst/>
-          </a:prstGeom>
-        </p:spPr>
-      </p:pic>
-      <p:pic>
-        <p:nvPicPr>
-          <p:cNvPr id="146" name="图片 145"/>
-          <p:cNvPicPr>
-            <a:picLocks noChangeAspect="1"/>
-          </p:cNvPicPr>
-          <p:nvPr/>
-        </p:nvPicPr>
-        <p:blipFill>
-          <a:blip r:embed="rId6">
-            <a:alphaModFix amt="22000"/>
-          </a:blip>
-          <a:stretch>
-            <a:fillRect/>
-          </a:stretch>
-        </p:blipFill>
-        <p:spPr>
-          <a:xfrm>
-            <a:off x="2503805" y="2823845"/>
-            <a:ext cx="532765" cy="430530"/>
-          </a:xfrm>
-          <a:prstGeom prst="rect">
-            <a:avLst/>
-          </a:prstGeom>
-        </p:spPr>
-      </p:pic>
-      <p:pic>
-        <p:nvPicPr>
-          <p:cNvPr id="147" name="图片 146"/>
-          <p:cNvPicPr>
-            <a:picLocks noChangeAspect="1"/>
-          </p:cNvPicPr>
-          <p:nvPr/>
-        </p:nvPicPr>
-        <p:blipFill>
-          <a:blip r:embed="rId7">
-            <a:alphaModFix amt="28000"/>
-          </a:blip>
-          <a:stretch>
-            <a:fillRect/>
-          </a:stretch>
-        </p:blipFill>
-        <p:spPr>
-          <a:xfrm>
-            <a:off x="3319465" y="3016269"/>
-            <a:ext cx="161925" cy="299720"/>
-          </a:xfrm>
-          <a:prstGeom prst="rect">
-            <a:avLst/>
-          </a:prstGeom>
-        </p:spPr>
-      </p:pic>
-      <p:cxnSp>
-        <p:nvCxnSpPr>
-          <p:cNvPr id="149" name="直接连接符 148"/>
-          <p:cNvCxnSpPr/>
-          <p:nvPr/>
-        </p:nvCxnSpPr>
-        <p:spPr>
-          <a:xfrm flipH="1">
-            <a:off x="3221040" y="2979439"/>
-            <a:ext cx="1270" cy="266700"/>
-          </a:xfrm>
-          <a:prstGeom prst="line">
-            <a:avLst/>
-          </a:prstGeom>
-          <a:ln>
-            <a:solidFill>
-              <a:schemeClr val="tx1">
-                <a:alpha val="22000"/>
-              </a:schemeClr>
-            </a:solidFill>
-          </a:ln>
-        </p:spPr>
-        <p:style>
-          <a:lnRef idx="2">
-            <a:schemeClr val="accent1"/>
-          </a:lnRef>
-          <a:fillRef idx="0">
-            <a:srgbClr val="FFFFFF"/>
-          </a:fillRef>
-          <a:effectRef idx="0">
-            <a:srgbClr val="FFFFFF"/>
-          </a:effectRef>
-          <a:fontRef idx="minor">
-            <a:schemeClr val="tx1"/>
-          </a:fontRef>
-        </p:style>
-      </p:cxnSp>
-      <p:sp>
-        <p:nvSpPr>
-          <p:cNvPr id="3209" name="Google Shape;3209;p50"/>
-          <p:cNvSpPr/>
-          <p:nvPr/>
-        </p:nvSpPr>
-        <p:spPr>
-          <a:xfrm>
-            <a:off x="4379850" y="2283591"/>
-            <a:ext cx="885190" cy="748665"/>
-          </a:xfrm>
-          <a:prstGeom prst="cube">
-            <a:avLst>
-              <a:gd name="adj" fmla="val 29760"/>
-            </a:avLst>
-          </a:prstGeom>
-          <a:solidFill>
-            <a:schemeClr val="accent6">
-              <a:lumMod val="20000"/>
-              <a:lumOff val="80000"/>
-            </a:schemeClr>
-          </a:solidFill>
-          <a:ln w="9525" cap="flat" cmpd="sng">
-            <a:solidFill>
-              <a:schemeClr val="accent6">
-                <a:lumMod val="20000"/>
-                <a:lumOff val="80000"/>
-                <a:alpha val="37000"/>
-              </a:schemeClr>
-            </a:solidFill>
-            <a:prstDash val="solid"/>
-            <a:round/>
-            <a:headEnd type="none" w="sm" len="sm"/>
-            <a:tailEnd type="none" w="sm" len="sm"/>
-          </a:ln>
-        </p:spPr>
-        <p:txBody>
-          <a:bodyPr spcFirstLastPara="1" wrap="square" lIns="91425" tIns="91425" rIns="91425" bIns="91425" anchor="ctr" anchorCtr="0">
-            <a:noAutofit/>
-          </a:bodyPr>
-          <a:lstStyle/>
-          <a:p>
-            <a:pPr marL="0" lvl="0" indent="0" algn="l" rtl="0">
-              <a:spcBef>
-                <a:spcPts val="0"/>
-              </a:spcBef>
-              <a:spcAft>
-                <a:spcPts val="0"/>
-              </a:spcAft>
-              <a:buNone/>
-            </a:pPr>
-          </a:p>
-        </p:txBody>
-      </p:sp>
-      <p:sp>
-        <p:nvSpPr>
-          <p:cNvPr id="221" name="Google Shape;3209;p50"/>
-          <p:cNvSpPr/>
-          <p:nvPr/>
-        </p:nvSpPr>
-        <p:spPr>
-          <a:xfrm>
-            <a:off x="5688983" y="2243450"/>
-            <a:ext cx="885190" cy="748665"/>
-          </a:xfrm>
-          <a:prstGeom prst="cube">
-            <a:avLst>
-              <a:gd name="adj" fmla="val 29760"/>
-            </a:avLst>
-          </a:prstGeom>
-          <a:solidFill>
-            <a:schemeClr val="accent1">
-              <a:lumMod val="20000"/>
-              <a:lumOff val="80000"/>
-            </a:schemeClr>
-          </a:solidFill>
-          <a:ln w="9525" cap="flat" cmpd="sng">
-            <a:solidFill>
-              <a:schemeClr val="bg1">
-                <a:lumMod val="95000"/>
-                <a:alpha val="37000"/>
-              </a:schemeClr>
-            </a:solidFill>
-            <a:prstDash val="solid"/>
-            <a:round/>
-            <a:headEnd type="none" w="sm" len="sm"/>
-            <a:tailEnd type="none" w="sm" len="sm"/>
-          </a:ln>
-        </p:spPr>
-        <p:txBody>
-          <a:bodyPr spcFirstLastPara="1" wrap="square" lIns="91425" tIns="91425" rIns="91425" bIns="91425" anchor="ctr" anchorCtr="0">
-            <a:noAutofit/>
-          </a:bodyPr>
-          <a:lstStyle/>
-          <a:p>
-            <a:pPr marL="0" lvl="0" indent="0" algn="l" rtl="0">
-              <a:spcBef>
-                <a:spcPts val="0"/>
-              </a:spcBef>
-              <a:spcAft>
-                <a:spcPts val="0"/>
-              </a:spcAft>
-              <a:buNone/>
-            </a:pPr>
-          </a:p>
-        </p:txBody>
-      </p:sp>
-      <p:sp>
-        <p:nvSpPr>
-          <p:cNvPr id="11" name="圆角矩形 10"/>
-          <p:cNvSpPr/>
-          <p:nvPr/>
-        </p:nvSpPr>
-        <p:spPr>
-          <a:xfrm>
-            <a:off x="7595927" y="2556361"/>
-            <a:ext cx="898586" cy="1826580"/>
           </a:xfrm>
           <a:prstGeom prst="roundRect">
             <a:avLst/>
@@ -4554,6 +4169,272 @@
           </a:p>
         </p:txBody>
       </p:sp>
+      <p:pic>
+        <p:nvPicPr>
+          <p:cNvPr id="145" name="图片 144"/>
+          <p:cNvPicPr>
+            <a:picLocks noChangeAspect="1"/>
+          </p:cNvPicPr>
+          <p:nvPr/>
+        </p:nvPicPr>
+        <p:blipFill>
+          <a:blip r:embed="rId5">
+            <a:alphaModFix amt="22000"/>
+          </a:blip>
+          <a:stretch>
+            <a:fillRect/>
+          </a:stretch>
+        </p:blipFill>
+        <p:spPr>
+          <a:xfrm>
+            <a:off x="3162620" y="2838469"/>
+            <a:ext cx="121285" cy="141605"/>
+          </a:xfrm>
+          <a:prstGeom prst="rect">
+            <a:avLst/>
+          </a:prstGeom>
+        </p:spPr>
+      </p:pic>
+      <p:pic>
+        <p:nvPicPr>
+          <p:cNvPr id="146" name="图片 145"/>
+          <p:cNvPicPr>
+            <a:picLocks noChangeAspect="1"/>
+          </p:cNvPicPr>
+          <p:nvPr/>
+        </p:nvPicPr>
+        <p:blipFill>
+          <a:blip r:embed="rId6">
+            <a:alphaModFix amt="22000"/>
+          </a:blip>
+          <a:stretch>
+            <a:fillRect/>
+          </a:stretch>
+        </p:blipFill>
+        <p:spPr>
+          <a:xfrm>
+            <a:off x="2503805" y="2823845"/>
+            <a:ext cx="532765" cy="430530"/>
+          </a:xfrm>
+          <a:prstGeom prst="rect">
+            <a:avLst/>
+          </a:prstGeom>
+        </p:spPr>
+      </p:pic>
+      <p:pic>
+        <p:nvPicPr>
+          <p:cNvPr id="147" name="图片 146"/>
+          <p:cNvPicPr>
+            <a:picLocks noChangeAspect="1"/>
+          </p:cNvPicPr>
+          <p:nvPr/>
+        </p:nvPicPr>
+        <p:blipFill>
+          <a:blip r:embed="rId7">
+            <a:alphaModFix amt="28000"/>
+          </a:blip>
+          <a:stretch>
+            <a:fillRect/>
+          </a:stretch>
+        </p:blipFill>
+        <p:spPr>
+          <a:xfrm>
+            <a:off x="3319465" y="3016269"/>
+            <a:ext cx="161925" cy="299720"/>
+          </a:xfrm>
+          <a:prstGeom prst="rect">
+            <a:avLst/>
+          </a:prstGeom>
+        </p:spPr>
+      </p:pic>
+      <p:cxnSp>
+        <p:nvCxnSpPr>
+          <p:cNvPr id="149" name="直接连接符 148"/>
+          <p:cNvCxnSpPr/>
+          <p:nvPr/>
+        </p:nvCxnSpPr>
+        <p:spPr>
+          <a:xfrm flipH="1">
+            <a:off x="3221040" y="2979439"/>
+            <a:ext cx="1270" cy="266700"/>
+          </a:xfrm>
+          <a:prstGeom prst="line">
+            <a:avLst/>
+          </a:prstGeom>
+          <a:ln>
+            <a:solidFill>
+              <a:schemeClr val="tx1">
+                <a:alpha val="22000"/>
+              </a:schemeClr>
+            </a:solidFill>
+          </a:ln>
+        </p:spPr>
+        <p:style>
+          <a:lnRef idx="2">
+            <a:schemeClr val="accent1"/>
+          </a:lnRef>
+          <a:fillRef idx="0">
+            <a:srgbClr val="FFFFFF"/>
+          </a:fillRef>
+          <a:effectRef idx="0">
+            <a:srgbClr val="FFFFFF"/>
+          </a:effectRef>
+          <a:fontRef idx="minor">
+            <a:schemeClr val="tx1"/>
+          </a:fontRef>
+        </p:style>
+      </p:cxnSp>
+      <p:sp>
+        <p:nvSpPr>
+          <p:cNvPr id="3209" name="Google Shape;3209;p50"/>
+          <p:cNvSpPr/>
+          <p:nvPr/>
+        </p:nvSpPr>
+        <p:spPr>
+          <a:xfrm>
+            <a:off x="4379595" y="2268220"/>
+            <a:ext cx="885190" cy="598170"/>
+          </a:xfrm>
+          <a:prstGeom prst="cube">
+            <a:avLst>
+              <a:gd name="adj" fmla="val 29760"/>
+            </a:avLst>
+          </a:prstGeom>
+          <a:solidFill>
+            <a:schemeClr val="accent2">
+              <a:lumMod val="20000"/>
+              <a:lumOff val="80000"/>
+            </a:schemeClr>
+          </a:solidFill>
+          <a:ln w="9525" cap="flat" cmpd="sng">
+            <a:noFill/>
+            <a:prstDash val="solid"/>
+            <a:round/>
+            <a:headEnd type="none" w="sm" len="sm"/>
+            <a:tailEnd type="none" w="sm" len="sm"/>
+          </a:ln>
+        </p:spPr>
+        <p:txBody>
+          <a:bodyPr spcFirstLastPara="1" wrap="square" lIns="91425" tIns="91425" rIns="91425" bIns="91425" anchor="ctr" anchorCtr="0">
+            <a:noAutofit/>
+          </a:bodyPr>
+          <a:lstStyle/>
+          <a:p>
+            <a:pPr marL="0" lvl="0" indent="0" algn="l" rtl="0">
+              <a:spcBef>
+                <a:spcPts val="0"/>
+              </a:spcBef>
+              <a:spcAft>
+                <a:spcPts val="0"/>
+              </a:spcAft>
+              <a:buNone/>
+            </a:pPr>
+          </a:p>
+        </p:txBody>
+      </p:sp>
+      <p:sp>
+        <p:nvSpPr>
+          <p:cNvPr id="221" name="Google Shape;3209;p50"/>
+          <p:cNvSpPr/>
+          <p:nvPr/>
+        </p:nvSpPr>
+        <p:spPr>
+          <a:xfrm>
+            <a:off x="5688965" y="2243455"/>
+            <a:ext cx="885190" cy="594995"/>
+          </a:xfrm>
+          <a:prstGeom prst="cube">
+            <a:avLst>
+              <a:gd name="adj" fmla="val 29760"/>
+            </a:avLst>
+          </a:prstGeom>
+          <a:solidFill>
+            <a:schemeClr val="accent2">
+              <a:lumMod val="20000"/>
+              <a:lumOff val="80000"/>
+            </a:schemeClr>
+          </a:solidFill>
+          <a:ln w="9525" cap="flat" cmpd="sng">
+            <a:noFill/>
+            <a:prstDash val="solid"/>
+            <a:round/>
+            <a:headEnd type="none" w="sm" len="sm"/>
+            <a:tailEnd type="none" w="sm" len="sm"/>
+          </a:ln>
+        </p:spPr>
+        <p:txBody>
+          <a:bodyPr spcFirstLastPara="1" wrap="square" lIns="91425" tIns="91425" rIns="91425" bIns="91425" anchor="ctr" anchorCtr="0">
+            <a:noAutofit/>
+          </a:bodyPr>
+          <a:lstStyle/>
+          <a:p>
+            <a:pPr marL="0" lvl="0" indent="0" algn="l" rtl="0">
+              <a:spcBef>
+                <a:spcPts val="0"/>
+              </a:spcBef>
+              <a:spcAft>
+                <a:spcPts val="0"/>
+              </a:spcAft>
+              <a:buNone/>
+            </a:pPr>
+          </a:p>
+        </p:txBody>
+      </p:sp>
+      <p:sp>
+        <p:nvSpPr>
+          <p:cNvPr id="11" name="圆角矩形 10"/>
+          <p:cNvSpPr/>
+          <p:nvPr/>
+        </p:nvSpPr>
+        <p:spPr>
+          <a:xfrm>
+            <a:off x="7595927" y="2556361"/>
+            <a:ext cx="898586" cy="1826580"/>
+          </a:xfrm>
+          <a:prstGeom prst="roundRect">
+            <a:avLst/>
+          </a:prstGeom>
+          <a:solidFill>
+            <a:schemeClr val="accent1">
+              <a:lumMod val="20000"/>
+              <a:lumOff val="80000"/>
+              <a:alpha val="70000"/>
+            </a:schemeClr>
+          </a:solidFill>
+          <a:ln w="3175">
+            <a:solidFill>
+              <a:schemeClr val="bg1">
+                <a:lumMod val="95000"/>
+                <a:alpha val="3000"/>
+              </a:schemeClr>
+            </a:solidFill>
+          </a:ln>
+        </p:spPr>
+        <p:style>
+          <a:lnRef idx="2">
+            <a:schemeClr val="accent1">
+              <a:lumMod val="75000"/>
+            </a:schemeClr>
+          </a:lnRef>
+          <a:fillRef idx="1">
+            <a:schemeClr val="accent1"/>
+          </a:fillRef>
+          <a:effectRef idx="0">
+            <a:srgbClr val="FFFFFF"/>
+          </a:effectRef>
+          <a:fontRef idx="minor">
+            <a:schemeClr val="lt1"/>
+          </a:fontRef>
+        </p:style>
+        <p:txBody>
+          <a:bodyPr rtlCol="0" anchor="ctr"/>
+          <a:lstStyle/>
+          <a:p>
+            <a:pPr algn="ctr"/>
+            <a:endParaRPr lang="zh-CN" altLang="en-US"/>
+          </a:p>
+        </p:txBody>
+      </p:sp>
       <p:sp>
         <p:nvSpPr>
           <p:cNvPr id="46" name="下箭头 45"/>
@@ -4669,12 +4550,12 @@
         </p:nvCxnSpPr>
         <p:spPr>
           <a:xfrm flipV="1">
-            <a:off x="3526475" y="2769325"/>
-            <a:ext cx="853375" cy="324414"/>
+            <a:off x="3526790" y="2656205"/>
+            <a:ext cx="852805" cy="437515"/>
           </a:xfrm>
           <a:prstGeom prst="bentConnector3">
             <a:avLst>
-              <a:gd name="adj1" fmla="val 50000"/>
+              <a:gd name="adj1" fmla="val 50037"/>
             </a:avLst>
           </a:prstGeom>
           <a:ln>
@@ -4756,7 +4637,7 @@
         </p:nvCxnSpPr>
         <p:spPr>
           <a:xfrm flipV="1">
-            <a:off x="5265040" y="2729184"/>
+            <a:off x="5265040" y="2629489"/>
             <a:ext cx="423943" cy="1"/>
           </a:xfrm>
           <a:prstGeom prst="straightConnector1">
@@ -4791,18 +4672,19 @@
         <p:nvCxnSpPr>
           <p:cNvPr id="55" name="肘形连接符 54"/>
           <p:cNvCxnSpPr>
-            <a:stCxn id="221" idx="5"/>
             <a:endCxn id="11" idx="1"/>
           </p:cNvCxnSpPr>
           <p:nvPr/>
         </p:nvCxnSpPr>
         <p:spPr>
           <a:xfrm>
-            <a:off x="6574173" y="2506381"/>
-            <a:ext cx="1021754" cy="963270"/>
+            <a:off x="6584950" y="2500630"/>
+            <a:ext cx="1010920" cy="969010"/>
           </a:xfrm>
           <a:prstGeom prst="bentConnector3">
-            <a:avLst/>
+            <a:avLst>
+              <a:gd name="adj1" fmla="val 50063"/>
+            </a:avLst>
           </a:prstGeom>
           <a:ln>
             <a:solidFill>
@@ -4985,7 +4867,7 @@
         </p:nvSpPr>
         <p:spPr>
           <a:xfrm>
-            <a:off x="6673219" y="4473948"/>
+            <a:off x="6566539" y="4441563"/>
             <a:ext cx="1889760" cy="271780"/>
           </a:xfrm>
           <a:prstGeom prst="rect">
@@ -5038,7 +4920,7 @@
         </p:nvSpPr>
         <p:spPr>
           <a:xfrm>
-            <a:off x="6786298" y="2232510"/>
+            <a:off x="6586908" y="2223620"/>
             <a:ext cx="1822450" cy="273685"/>
           </a:xfrm>
           <a:prstGeom prst="rect">
@@ -5109,7 +4991,7 @@
             <a:avLst/>
           </a:prstGeom>
           <a:solidFill>
-            <a:schemeClr val="accent6">
+            <a:schemeClr val="accent1">
               <a:lumMod val="20000"/>
               <a:lumOff val="80000"/>
               <a:alpha val="70000"/>
@@ -5298,20 +5180,12 @@
               <a:buFontTx/>
             </a:pPr>
             <a:r>
-              <a:rPr lang="en-US" altLang="zh-CN" sz="1200" i="1" smtClean="0">
-                <a:latin typeface="Times New Roman" panose="02020603050405020304" charset="0"/>
-                <a:cs typeface="Times New Roman" panose="02020603050405020304" charset="0"/>
-                <a:sym typeface="+mn-ea"/>
-              </a:rPr>
-              <a:t>t</a:t>
-            </a:r>
-            <a:r>
               <a:rPr lang="en-US" altLang="zh-CN" sz="1200" smtClean="0">
                 <a:latin typeface="Times New Roman" panose="02020603050405020304" charset="0"/>
                 <a:cs typeface="Times New Roman" panose="02020603050405020304" charset="0"/>
                 <a:sym typeface="+mn-ea"/>
               </a:rPr>
-              <a:t>-1</a:t>
+              <a:t>t-1</a:t>
             </a:r>
             <a:endParaRPr lang="zh-CN" altLang="en-US" sz="1200">
               <a:latin typeface="Times New Roman" panose="02020603050405020304" charset="0"/>
@@ -5355,7 +5229,7 @@
               <a:buFontTx/>
             </a:pPr>
             <a:r>
-              <a:rPr lang="en-US" altLang="zh-CN" sz="1200" i="1" smtClean="0">
+              <a:rPr lang="en-US" altLang="zh-CN" sz="1200" smtClean="0">
                 <a:latin typeface="Times New Roman" panose="02020603050405020304" charset="0"/>
                 <a:cs typeface="Times New Roman" panose="02020603050405020304" charset="0"/>
                 <a:sym typeface="+mn-ea"/>
@@ -5381,12 +5255,12 @@
         </p:nvCxnSpPr>
         <p:spPr>
           <a:xfrm flipV="1">
-            <a:off x="3539706" y="2769325"/>
-            <a:ext cx="840144" cy="1422111"/>
+            <a:off x="3539490" y="2656205"/>
+            <a:ext cx="840105" cy="1535430"/>
           </a:xfrm>
           <a:prstGeom prst="bentConnector3">
             <a:avLst>
-              <a:gd name="adj1" fmla="val 49244"/>
+              <a:gd name="adj1" fmla="val 50038"/>
             </a:avLst>
           </a:prstGeom>
           <a:ln>
@@ -5414,6 +5288,114 @@
           </a:fontRef>
         </p:style>
       </p:cxnSp>
+      <p:sp>
+        <p:nvSpPr>
+          <p:cNvPr id="43" name="文本框 42"/>
+          <p:cNvSpPr txBox="1"/>
+          <p:nvPr/>
+        </p:nvSpPr>
+        <p:spPr>
+          <a:xfrm>
+            <a:off x="3478732" y="2422343"/>
+            <a:ext cx="2499360" cy="317500"/>
+          </a:xfrm>
+          <a:prstGeom prst="rect">
+            <a:avLst/>
+          </a:prstGeom>
+          <a:noFill/>
+          <a:ln>
+            <a:noFill/>
+          </a:ln>
+        </p:spPr>
+        <p:txBody>
+          <a:bodyPr wrap="square" rtlCol="0">
+            <a:noAutofit/>
+          </a:bodyPr>
+          <a:lstStyle/>
+          <a:p>
+            <a:pPr algn="ctr"/>
+            <a:r>
+              <a:rPr lang="en-US" altLang="zh-CN" sz="1200" smtClean="0">
+                <a:latin typeface="Times New Roman" panose="02020603050405020304" charset="0"/>
+                <a:cs typeface="Times New Roman" panose="02020603050405020304" charset="0"/>
+              </a:rPr>
+              <a:t>Perception </a:t>
+            </a:r>
+            <a:endParaRPr lang="en-US" altLang="zh-CN" sz="1200" smtClean="0">
+              <a:latin typeface="Times New Roman" panose="02020603050405020304" charset="0"/>
+              <a:cs typeface="Times New Roman" panose="02020603050405020304" charset="0"/>
+            </a:endParaRPr>
+          </a:p>
+          <a:p>
+            <a:pPr algn="ctr"/>
+            <a:r>
+              <a:rPr lang="en-US" altLang="zh-CN" sz="1200" smtClean="0">
+                <a:latin typeface="Times New Roman" panose="02020603050405020304" charset="0"/>
+                <a:cs typeface="Times New Roman" panose="02020603050405020304" charset="0"/>
+              </a:rPr>
+              <a:t>Network</a:t>
+            </a:r>
+            <a:endParaRPr lang="en-US" altLang="zh-CN" sz="1200">
+              <a:latin typeface="Times New Roman" panose="02020603050405020304" charset="0"/>
+              <a:cs typeface="Times New Roman" panose="02020603050405020304" charset="0"/>
+            </a:endParaRPr>
+          </a:p>
+        </p:txBody>
+      </p:sp>
+      <p:sp>
+        <p:nvSpPr>
+          <p:cNvPr id="24" name="文本框 23"/>
+          <p:cNvSpPr txBox="1"/>
+          <p:nvPr/>
+        </p:nvSpPr>
+        <p:spPr>
+          <a:xfrm>
+            <a:off x="5110472" y="2395493"/>
+            <a:ext cx="1851660" cy="317500"/>
+          </a:xfrm>
+          <a:prstGeom prst="rect">
+            <a:avLst/>
+          </a:prstGeom>
+          <a:noFill/>
+          <a:ln>
+            <a:noFill/>
+          </a:ln>
+        </p:spPr>
+        <p:txBody>
+          <a:bodyPr wrap="square" rtlCol="0">
+            <a:noAutofit/>
+          </a:bodyPr>
+          <a:lstStyle/>
+          <a:p>
+            <a:pPr algn="ctr"/>
+            <a:r>
+              <a:rPr lang="en-US" altLang="zh-CN" sz="1200">
+                <a:latin typeface="Times New Roman" panose="02020603050405020304" charset="0"/>
+                <a:cs typeface="Times New Roman" panose="02020603050405020304" charset="0"/>
+              </a:rPr>
+              <a:t>Decision </a:t>
+            </a:r>
+            <a:endParaRPr lang="en-US" altLang="zh-CN" sz="1200" smtClean="0">
+              <a:latin typeface="Times New Roman" panose="02020603050405020304" charset="0"/>
+              <a:cs typeface="Times New Roman" panose="02020603050405020304" charset="0"/>
+            </a:endParaRPr>
+          </a:p>
+          <a:p>
+            <a:pPr algn="ctr"/>
+            <a:r>
+              <a:rPr lang="en-US" altLang="zh-CN" sz="1200" smtClean="0">
+                <a:latin typeface="Times New Roman" panose="02020603050405020304" charset="0"/>
+                <a:cs typeface="Times New Roman" panose="02020603050405020304" charset="0"/>
+              </a:rPr>
+              <a:t>Network</a:t>
+            </a:r>
+            <a:endParaRPr lang="en-US" altLang="zh-CN" sz="1200">
+              <a:latin typeface="Times New Roman" panose="02020603050405020304" charset="0"/>
+              <a:cs typeface="Times New Roman" panose="02020603050405020304" charset="0"/>
+            </a:endParaRPr>
+          </a:p>
+        </p:txBody>
+      </p:sp>
     </p:spTree>
     <p:custDataLst>
       <p:tags r:id="rId8"/>
@@ -5972,9 +5954,9 @@
             <a:avLst/>
           </a:prstGeom>
           <a:solidFill>
-            <a:schemeClr val="accent6">
-              <a:lumMod val="20000"/>
-              <a:lumOff val="80000"/>
+            <a:schemeClr val="accent2">
+              <a:lumMod val="40000"/>
+              <a:lumOff val="60000"/>
               <a:alpha val="50000"/>
             </a:schemeClr>
           </a:solidFill>
@@ -6026,9 +6008,9 @@
             <a:avLst/>
           </a:prstGeom>
           <a:solidFill>
-            <a:schemeClr val="accent6">
-              <a:lumMod val="20000"/>
-              <a:lumOff val="80000"/>
+            <a:schemeClr val="accent2">
+              <a:lumMod val="40000"/>
+              <a:lumOff val="60000"/>
               <a:alpha val="50000"/>
             </a:schemeClr>
           </a:solidFill>
@@ -6080,9 +6062,9 @@
             <a:avLst/>
           </a:prstGeom>
           <a:solidFill>
-            <a:schemeClr val="accent6">
-              <a:lumMod val="20000"/>
-              <a:lumOff val="80000"/>
+            <a:schemeClr val="accent2">
+              <a:lumMod val="40000"/>
+              <a:lumOff val="60000"/>
               <a:alpha val="50000"/>
             </a:schemeClr>
           </a:solidFill>
@@ -6134,9 +6116,9 @@
             <a:avLst/>
           </a:prstGeom>
           <a:solidFill>
-            <a:schemeClr val="accent6">
-              <a:lumMod val="20000"/>
-              <a:lumOff val="80000"/>
+            <a:schemeClr val="accent2">
+              <a:lumMod val="40000"/>
+              <a:lumOff val="60000"/>
               <a:alpha val="50000"/>
             </a:schemeClr>
           </a:solidFill>
@@ -6188,9 +6170,9 @@
             <a:avLst/>
           </a:prstGeom>
           <a:solidFill>
-            <a:schemeClr val="accent6">
-              <a:lumMod val="20000"/>
-              <a:lumOff val="80000"/>
+            <a:schemeClr val="accent2">
+              <a:lumMod val="40000"/>
+              <a:lumOff val="60000"/>
               <a:alpha val="50000"/>
             </a:schemeClr>
           </a:solidFill>
@@ -7091,17 +7073,13 @@
             <a:avLst/>
           </a:prstGeom>
           <a:solidFill>
-            <a:schemeClr val="accent6">
+            <a:schemeClr val="accent2">
               <a:lumMod val="20000"/>
               <a:lumOff val="80000"/>
             </a:schemeClr>
           </a:solidFill>
           <a:ln>
-            <a:solidFill>
-              <a:schemeClr val="bg1">
-                <a:lumMod val="85000"/>
-              </a:schemeClr>
-            </a:solidFill>
+            <a:noFill/>
           </a:ln>
         </p:spPr>
         <p:style>
@@ -7137,7 +7115,7 @@
         </p:nvSpPr>
         <p:spPr>
           <a:xfrm>
-            <a:off x="3964541" y="3408045"/>
+            <a:off x="3979781" y="3408045"/>
             <a:ext cx="513715" cy="350520"/>
           </a:xfrm>
           <a:prstGeom prst="rect">
@@ -7361,7 +7339,7 @@
         </p:nvSpPr>
         <p:spPr>
           <a:xfrm>
-            <a:off x="8427085" y="2628265"/>
+            <a:off x="8463280" y="3181985"/>
             <a:ext cx="975360" cy="370840"/>
           </a:xfrm>
           <a:prstGeom prst="roundRect">
@@ -7432,7 +7410,7 @@
         </p:nvSpPr>
         <p:spPr>
           <a:xfrm>
-            <a:off x="8427085" y="3189605"/>
+            <a:off x="8463280" y="2642870"/>
             <a:ext cx="975360" cy="370840"/>
           </a:xfrm>
           <a:prstGeom prst="roundRect">
@@ -7857,8 +7835,8 @@
         </p:nvCxnSpPr>
         <p:spPr>
           <a:xfrm>
-            <a:off x="8284845" y="2813685"/>
-            <a:ext cx="6350" cy="565785"/>
+            <a:off x="8282305" y="2820035"/>
+            <a:ext cx="8890" cy="559435"/>
           </a:xfrm>
           <a:prstGeom prst="line">
             <a:avLst/>
@@ -7890,15 +7868,13 @@
       <p:cxnSp>
         <p:nvCxnSpPr>
           <p:cNvPr id="128" name="直接箭头连接符 127"/>
-          <p:cNvCxnSpPr>
-            <a:endCxn id="62" idx="1"/>
-          </p:cNvCxnSpPr>
+          <p:cNvCxnSpPr/>
           <p:nvPr/>
         </p:nvCxnSpPr>
         <p:spPr>
-          <a:xfrm>
-            <a:off x="8282940" y="2813685"/>
-            <a:ext cx="144145" cy="0"/>
+          <a:xfrm flipV="1">
+            <a:off x="8289925" y="3373755"/>
+            <a:ext cx="173355" cy="635"/>
           </a:xfrm>
           <a:prstGeom prst="straightConnector1">
             <a:avLst/>
@@ -7931,13 +7907,15 @@
       <p:cxnSp>
         <p:nvCxnSpPr>
           <p:cNvPr id="129" name="直接箭头连接符 128"/>
-          <p:cNvCxnSpPr/>
+          <p:cNvCxnSpPr>
+            <a:endCxn id="24" idx="1"/>
+          </p:cNvCxnSpPr>
           <p:nvPr/>
         </p:nvCxnSpPr>
         <p:spPr>
           <a:xfrm>
-            <a:off x="8289290" y="3379470"/>
-            <a:ext cx="134781" cy="3175"/>
+            <a:off x="8282305" y="2825750"/>
+            <a:ext cx="180975" cy="2540"/>
           </a:xfrm>
           <a:prstGeom prst="straightConnector1">
             <a:avLst/>
@@ -8009,7 +7987,7 @@
         </p:blipFill>
         <p:spPr>
           <a:xfrm>
-            <a:off x="9667240" y="2610971"/>
+            <a:off x="9645015" y="3130401"/>
             <a:ext cx="494030" cy="494030"/>
           </a:xfrm>
           <a:prstGeom prst="rect">
@@ -8035,7 +8013,7 @@
         </p:blipFill>
         <p:spPr>
           <a:xfrm>
-            <a:off x="9667240" y="3146266"/>
+            <a:off x="9645015" y="2548731"/>
             <a:ext cx="568325" cy="440055"/>
           </a:xfrm>
           <a:prstGeom prst="rect">
@@ -8199,13 +8177,13 @@
               <a:t>A</a:t>
             </a:r>
             <a:r>
-              <a:rPr lang="en-US" altLang="zh-CN" sz="1000" i="1" baseline="-25000" dirty="0">
+              <a:rPr lang="en-US" altLang="zh-CN" sz="1000" baseline="-25000" dirty="0">
                 <a:latin typeface="Times New Roman" panose="02020603050405020304" charset="0"/>
                 <a:cs typeface="Times New Roman" panose="02020603050405020304" charset="0"/>
               </a:rPr>
               <a:t>t</a:t>
             </a:r>
-            <a:endParaRPr lang="en-US" altLang="zh-CN" sz="1000" i="1" baseline="-25000" dirty="0">
+            <a:endParaRPr lang="en-US" altLang="zh-CN" sz="1000" baseline="-25000" dirty="0">
               <a:latin typeface="Times New Roman" panose="02020603050405020304" charset="0"/>
               <a:cs typeface="Times New Roman" panose="02020603050405020304" charset="0"/>
             </a:endParaRPr>
@@ -8384,8 +8362,8 @@
             </p:nvSpPr>
             <p:spPr>
               <a:xfrm>
-                <a:off x="9345866" y="2584069"/>
-                <a:ext cx="372745" cy="229870"/>
+                <a:off x="9364916" y="3140964"/>
+                <a:ext cx="348615" cy="229870"/>
               </a:xfrm>
               <a:prstGeom prst="rect">
                 <a:avLst/>
@@ -8425,11 +8403,14 @@
                         </m:sPrePr>
                         <m:sub>
                           <m:r>
-                            <a:rPr lang="en-US" altLang="zh-CN" sz="900" i="1">
+                            <m:rPr>
+                              <m:sty m:val="p"/>
+                            </m:rPr>
+                            <a:rPr lang="en-US" altLang="zh-CN" sz="900">
                               <a:latin typeface="Cambria Math" panose="02040503050406030204" charset="0"/>
                               <a:cs typeface="Cambria Math" panose="02040503050406030204" charset="0"/>
                             </a:rPr>
-                            <m:t>𝑡</m:t>
+                            <m:t>t</m:t>
                           </m:r>
                         </m:sub>
                         <m:sup>
@@ -8470,8 +8451,8 @@
             </p:nvSpPr>
             <p:spPr>
               <a:xfrm>
-                <a:off x="9345866" y="2584069"/>
-                <a:ext cx="372745" cy="229870"/>
+                <a:off x="9364916" y="3140964"/>
+                <a:ext cx="348615" cy="229870"/>
               </a:xfrm>
               <a:prstGeom prst="rect">
                 <a:avLst/>
@@ -8479,7 +8460,7 @@
               <a:blipFill rotWithShape="1">
                 <a:blip r:embed="rId8"/>
                 <a:stretch>
-                  <a:fillRect l="-153" t="-110" r="153" b="110"/>
+                  <a:fillRect l="-164" t="-110" r="164" b="110"/>
                 </a:stretch>
               </a:blipFill>
               <a:ln>
@@ -8511,7 +8492,7 @@
             </p:nvSpPr>
             <p:spPr>
               <a:xfrm>
-                <a:off x="9367456" y="3130804"/>
+                <a:off x="9383331" y="2606294"/>
                 <a:ext cx="354330" cy="229870"/>
               </a:xfrm>
               <a:prstGeom prst="rect">
@@ -8552,11 +8533,14 @@
                         </m:sPrePr>
                         <m:sub>
                           <m:r>
-                            <a:rPr lang="en-US" altLang="zh-CN" sz="900" i="1">
+                            <m:rPr>
+                              <m:sty m:val="p"/>
+                            </m:rPr>
+                            <a:rPr lang="en-US" altLang="zh-CN" sz="900">
                               <a:latin typeface="Cambria Math" panose="02040503050406030204" charset="0"/>
                               <a:cs typeface="Cambria Math" panose="02040503050406030204" charset="0"/>
                             </a:rPr>
-                            <m:t>𝑡</m:t>
+                            <m:t>t</m:t>
                           </m:r>
                         </m:sub>
                         <m:sup>
@@ -8597,7 +8581,7 @@
             </p:nvSpPr>
             <p:spPr>
               <a:xfrm>
-                <a:off x="9367456" y="3130804"/>
+                <a:off x="9383331" y="2606294"/>
                 <a:ext cx="354330" cy="229870"/>
               </a:xfrm>
               <a:prstGeom prst="rect">

--- a/latex/fig/brain_inspired.pptx
+++ b/latex/fig/brain_inspired.pptx
@@ -6239,7 +6239,7 @@
                 <a:latin typeface="Times New Roman" panose="02020603050405020304" charset="0"/>
                 <a:cs typeface="Times New Roman" panose="02020603050405020304" charset="0"/>
               </a:rPr>
-              <a:t>OPC</a:t>
+              <a:t>OFC</a:t>
             </a:r>
             <a:endParaRPr lang="en-US" altLang="zh-CN" sz="1200" dirty="0">
               <a:latin typeface="Times New Roman" panose="02020603050405020304" charset="0"/>
@@ -6395,7 +6395,7 @@
                 <a:latin typeface="Times New Roman" panose="02020603050405020304" charset="0"/>
                 <a:cs typeface="Times New Roman" panose="02020603050405020304" charset="0"/>
               </a:rPr>
-              <a:t>CFC</a:t>
+              <a:t>CPC</a:t>
             </a:r>
             <a:endParaRPr lang="en-US" altLang="zh-CN" sz="1200" dirty="0">
               <a:latin typeface="Times New Roman" panose="02020603050405020304" charset="0"/>

--- a/latex/fig/brain_inspired.pptx
+++ b/latex/fig/brain_inspired.pptx
@@ -5180,12 +5180,20 @@
               <a:buFontTx/>
             </a:pPr>
             <a:r>
+              <a:rPr lang="en-US" altLang="zh-CN" sz="1200" i="1" smtClean="0">
+                <a:latin typeface="Times New Roman" panose="02020603050405020304" charset="0"/>
+                <a:cs typeface="Times New Roman" panose="02020603050405020304" charset="0"/>
+                <a:sym typeface="+mn-ea"/>
+              </a:rPr>
+              <a:t>t</a:t>
+            </a:r>
+            <a:r>
               <a:rPr lang="en-US" altLang="zh-CN" sz="1200" smtClean="0">
                 <a:latin typeface="Times New Roman" panose="02020603050405020304" charset="0"/>
                 <a:cs typeface="Times New Roman" panose="02020603050405020304" charset="0"/>
                 <a:sym typeface="+mn-ea"/>
               </a:rPr>
-              <a:t>t-1</a:t>
+              <a:t>-1</a:t>
             </a:r>
             <a:endParaRPr lang="zh-CN" altLang="en-US" sz="1200">
               <a:latin typeface="Times New Roman" panose="02020603050405020304" charset="0"/>
@@ -5229,14 +5237,14 @@
               <a:buFontTx/>
             </a:pPr>
             <a:r>
-              <a:rPr lang="en-US" altLang="zh-CN" sz="1200" smtClean="0">
+              <a:rPr lang="en-US" altLang="zh-CN" sz="1200" i="1" smtClean="0">
                 <a:latin typeface="Times New Roman" panose="02020603050405020304" charset="0"/>
                 <a:cs typeface="Times New Roman" panose="02020603050405020304" charset="0"/>
                 <a:sym typeface="+mn-ea"/>
               </a:rPr>
               <a:t>t</a:t>
             </a:r>
-            <a:endParaRPr lang="zh-CN" altLang="en-US" sz="1200">
+            <a:endParaRPr lang="en-US" altLang="zh-CN" sz="1200" i="1" smtClean="0">
               <a:latin typeface="Times New Roman" panose="02020603050405020304" charset="0"/>
               <a:cs typeface="Times New Roman" panose="02020603050405020304" charset="0"/>
               <a:sym typeface="+mn-ea"/>
@@ -5828,13 +5836,13 @@
               <a:t>E</a:t>
             </a:r>
             <a:r>
-              <a:rPr lang="en-US" altLang="zh-CN" sz="1000" baseline="-25000" dirty="0">
+              <a:rPr lang="en-US" altLang="zh-CN" sz="1000" i="1" baseline="-25000" dirty="0">
                 <a:latin typeface="Times New Roman" panose="02020603050405020304" charset="0"/>
                 <a:cs typeface="Times New Roman" panose="02020603050405020304" charset="0"/>
               </a:rPr>
               <a:t>S</a:t>
             </a:r>
-            <a:endParaRPr lang="zh-CN" altLang="en-US" sz="1000" baseline="-25000" dirty="0">
+            <a:endParaRPr lang="en-US" altLang="zh-CN" sz="1000" i="1" baseline="-25000" dirty="0">
               <a:latin typeface="Times New Roman" panose="02020603050405020304" charset="0"/>
               <a:cs typeface="Times New Roman" panose="02020603050405020304" charset="0"/>
             </a:endParaRPr>
@@ -8089,13 +8097,13 @@
               <a:t>E</a:t>
             </a:r>
             <a:r>
-              <a:rPr lang="en-US" altLang="zh-CN" sz="1000" baseline="-25000" dirty="0">
+              <a:rPr lang="en-US" altLang="zh-CN" sz="1000" i="1" baseline="-25000" dirty="0">
                 <a:latin typeface="Times New Roman" panose="02020603050405020304" charset="0"/>
                 <a:cs typeface="Times New Roman" panose="02020603050405020304" charset="0"/>
               </a:rPr>
               <a:t>V</a:t>
             </a:r>
-            <a:endParaRPr lang="en-US" altLang="zh-CN" sz="1000" baseline="-25000" dirty="0">
+            <a:endParaRPr lang="en-US" altLang="zh-CN" sz="1000" i="1" baseline="-25000" dirty="0">
               <a:latin typeface="Times New Roman" panose="02020603050405020304" charset="0"/>
               <a:cs typeface="Times New Roman" panose="02020603050405020304" charset="0"/>
             </a:endParaRPr>
@@ -8133,13 +8141,13 @@
               <a:t>E</a:t>
             </a:r>
             <a:r>
-              <a:rPr lang="en-US" altLang="zh-CN" sz="1000" baseline="-25000" dirty="0">
+              <a:rPr lang="en-US" altLang="zh-CN" sz="1000" i="1" baseline="-25000" dirty="0">
                 <a:latin typeface="Times New Roman" panose="02020603050405020304" charset="0"/>
                 <a:cs typeface="Times New Roman" panose="02020603050405020304" charset="0"/>
               </a:rPr>
               <a:t>N</a:t>
             </a:r>
-            <a:endParaRPr lang="zh-CN" altLang="en-US" sz="1000" baseline="-25000" dirty="0">
+            <a:endParaRPr lang="en-US" altLang="zh-CN" sz="1000" i="1" baseline="-25000" dirty="0">
               <a:latin typeface="Times New Roman" panose="02020603050405020304" charset="0"/>
               <a:cs typeface="Times New Roman" panose="02020603050405020304" charset="0"/>
             </a:endParaRPr>
@@ -8177,13 +8185,13 @@
               <a:t>A</a:t>
             </a:r>
             <a:r>
-              <a:rPr lang="en-US" altLang="zh-CN" sz="1000" baseline="-25000" dirty="0">
+              <a:rPr lang="en-US" altLang="zh-CN" sz="1000" i="1" baseline="-25000" dirty="0">
                 <a:latin typeface="Times New Roman" panose="02020603050405020304" charset="0"/>
                 <a:cs typeface="Times New Roman" panose="02020603050405020304" charset="0"/>
               </a:rPr>
               <a:t>t</a:t>
             </a:r>
-            <a:endParaRPr lang="en-US" altLang="zh-CN" sz="1000" baseline="-25000" dirty="0">
+            <a:endParaRPr lang="en-US" altLang="zh-CN" sz="1000" i="1" baseline="-25000" dirty="0">
               <a:latin typeface="Times New Roman" panose="02020603050405020304" charset="0"/>
               <a:cs typeface="Times New Roman" panose="02020603050405020304" charset="0"/>
             </a:endParaRPr>
@@ -8292,11 +8300,18 @@
               <a:t>f</a:t>
             </a:r>
             <a:r>
+              <a:rPr lang="en-US" altLang="zh-CN" sz="1000" i="1" baseline="-25000" smtClean="0">
+                <a:latin typeface="Times New Roman" panose="02020603050405020304" charset="0"/>
+                <a:cs typeface="Times New Roman" panose="02020603050405020304" charset="0"/>
+              </a:rPr>
+              <a:t>t</a:t>
+            </a:r>
+            <a:r>
               <a:rPr lang="en-US" altLang="zh-CN" sz="1000" baseline="-25000" smtClean="0">
                 <a:latin typeface="Times New Roman" panose="02020603050405020304" charset="0"/>
                 <a:cs typeface="Times New Roman" panose="02020603050405020304" charset="0"/>
               </a:rPr>
-              <a:t>t-1</a:t>
+              <a:t>-1</a:t>
             </a:r>
             <a:endParaRPr lang="en-US" altLang="zh-CN" sz="1000" baseline="-25000">
               <a:latin typeface="Times New Roman" panose="02020603050405020304" charset="0"/>
@@ -8339,13 +8354,13 @@
               <a:t>f</a:t>
             </a:r>
             <a:r>
-              <a:rPr lang="en-US" altLang="zh-CN" sz="1000" baseline="-25000" smtClean="0">
+              <a:rPr lang="en-US" altLang="zh-CN" sz="1000" i="1" baseline="-25000" smtClean="0">
                 <a:latin typeface="Times New Roman" panose="02020603050405020304" charset="0"/>
                 <a:cs typeface="Times New Roman" panose="02020603050405020304" charset="0"/>
               </a:rPr>
               <a:t>t</a:t>
             </a:r>
-            <a:endParaRPr lang="en-US" altLang="zh-CN" sz="1000" baseline="-25000">
+            <a:endParaRPr lang="en-US" altLang="zh-CN" sz="1000" i="1" baseline="-25000" smtClean="0">
               <a:latin typeface="Times New Roman" panose="02020603050405020304" charset="0"/>
               <a:cs typeface="Times New Roman" panose="02020603050405020304" charset="0"/>
             </a:endParaRPr>
@@ -8403,14 +8418,11 @@
                         </m:sPrePr>
                         <m:sub>
                           <m:r>
-                            <m:rPr>
-                              <m:sty m:val="p"/>
-                            </m:rPr>
-                            <a:rPr lang="en-US" altLang="zh-CN" sz="900">
+                            <a:rPr lang="en-US" altLang="zh-CN" sz="900" i="1">
                               <a:latin typeface="Cambria Math" panose="02040503050406030204" charset="0"/>
                               <a:cs typeface="Cambria Math" panose="02040503050406030204" charset="0"/>
                             </a:rPr>
-                            <m:t>t</m:t>
+                            <m:t>𝑡</m:t>
                           </m:r>
                         </m:sub>
                         <m:sup>
@@ -8533,14 +8545,11 @@
                         </m:sPrePr>
                         <m:sub>
                           <m:r>
-                            <m:rPr>
-                              <m:sty m:val="p"/>
-                            </m:rPr>
-                            <a:rPr lang="en-US" altLang="zh-CN" sz="900">
+                            <a:rPr lang="en-US" altLang="zh-CN" sz="900" i="1">
                               <a:latin typeface="Cambria Math" panose="02040503050406030204" charset="0"/>
                               <a:cs typeface="Cambria Math" panose="02040503050406030204" charset="0"/>
                             </a:rPr>
-                            <m:t>t</m:t>
+                            <m:t>𝑡</m:t>
                           </m:r>
                         </m:sub>
                         <m:sup>
@@ -8642,13 +8651,13 @@
               <a:t>α</a:t>
             </a:r>
             <a:r>
-              <a:rPr lang="en-US" altLang="zh-CN" sz="1000" baseline="-25000" dirty="0">
+              <a:rPr lang="en-US" altLang="zh-CN" sz="1000" i="1" baseline="-25000" dirty="0">
                 <a:latin typeface="Times New Roman" panose="02020603050405020304" charset="0"/>
                 <a:cs typeface="Times New Roman" panose="02020603050405020304" charset="0"/>
               </a:rPr>
               <a:t>t</a:t>
             </a:r>
-            <a:endParaRPr lang="zh-CN" altLang="en-US" sz="1000" baseline="-25000" dirty="0">
+            <a:endParaRPr lang="en-US" altLang="zh-CN" sz="1000" i="1" baseline="-25000" dirty="0">
               <a:latin typeface="Times New Roman" panose="02020603050405020304" charset="0"/>
               <a:cs typeface="Times New Roman" panose="02020603050405020304" charset="0"/>
             </a:endParaRPr>
@@ -9169,9 +9178,21 @@
           <a:p>
             <a:r>
               <a:rPr lang="en-US" altLang="zh-CN" sz="900" dirty="0"/>
-              <a:t>Throttle  0.0      Brake  0.8530</a:t>
-            </a:r>
-            <a:endParaRPr lang="en-US" altLang="zh-CN" sz="900" dirty="0"/>
+              <a:t>Throttle  0.0      </a:t>
+            </a:r>
+            <a:r>
+              <a:rPr lang="en-US" altLang="zh-CN" sz="900" dirty="0">
+                <a:solidFill>
+                  <a:srgbClr val="FF0000"/>
+                </a:solidFill>
+              </a:rPr>
+              <a:t>Brake  0.8530</a:t>
+            </a:r>
+            <a:endParaRPr lang="en-US" altLang="zh-CN" sz="900" dirty="0">
+              <a:solidFill>
+                <a:srgbClr val="FF0000"/>
+              </a:solidFill>
+            </a:endParaRPr>
           </a:p>
         </p:txBody>
       </p:sp>
